--- a/opening_remarks.pptx
+++ b/opening_remarks.pptx
@@ -132,18 +132,18 @@
   <pc:docChgLst>
     <pc:chgData name="Erkan ŞİRİN" userId="7f10ce1d6aaf8c5d" providerId="LiveId" clId="{D58FBEED-92FA-47F6-9D9E-9218785E3E2A}"/>
     <pc:docChg chg="undo addSld delSld modSld">
-      <pc:chgData name="Erkan ŞİRİN" userId="7f10ce1d6aaf8c5d" providerId="LiveId" clId="{D58FBEED-92FA-47F6-9D9E-9218785E3E2A}" dt="2019-05-19T02:54:58.304" v="505" actId="20577"/>
+      <pc:chgData name="Erkan ŞİRİN" userId="7f10ce1d6aaf8c5d" providerId="LiveId" clId="{D58FBEED-92FA-47F6-9D9E-9218785E3E2A}" dt="2019-05-19T18:38:15.180" v="514" actId="14861"/>
       <pc:docMkLst>
         <pc:docMk/>
       </pc:docMkLst>
       <pc:sldChg chg="addSp delSp modSp">
-        <pc:chgData name="Erkan ŞİRİN" userId="7f10ce1d6aaf8c5d" providerId="LiveId" clId="{D58FBEED-92FA-47F6-9D9E-9218785E3E2A}" dt="2019-05-19T02:45:14.448" v="77" actId="2085"/>
+        <pc:chgData name="Erkan ŞİRİN" userId="7f10ce1d6aaf8c5d" providerId="LiveId" clId="{D58FBEED-92FA-47F6-9D9E-9218785E3E2A}" dt="2019-05-19T18:38:15.180" v="514" actId="14861"/>
         <pc:sldMkLst>
           <pc:docMk/>
           <pc:sldMk cId="2918214722" sldId="256"/>
         </pc:sldMkLst>
         <pc:spChg chg="mod">
-          <ac:chgData name="Erkan ŞİRİN" userId="7f10ce1d6aaf8c5d" providerId="LiveId" clId="{D58FBEED-92FA-47F6-9D9E-9218785E3E2A}" dt="2019-05-19T02:45:14.448" v="77" actId="2085"/>
+          <ac:chgData name="Erkan ŞİRİN" userId="7f10ce1d6aaf8c5d" providerId="LiveId" clId="{D58FBEED-92FA-47F6-9D9E-9218785E3E2A}" dt="2019-05-19T18:38:15.180" v="514" actId="14861"/>
           <ac:spMkLst>
             <pc:docMk/>
             <pc:sldMk cId="2918214722" sldId="256"/>
@@ -3687,13 +3687,7 @@
             <a:noFill/>
           </a:ln>
           <a:effectLst>
-            <a:glow rad="228600">
-              <a:schemeClr val="accent4">
-                <a:satMod val="175000"/>
-                <a:alpha val="40000"/>
-              </a:schemeClr>
-            </a:glow>
-            <a:outerShdw blurRad="50800" dist="38100" dir="5400000" algn="t" rotWithShape="0">
+            <a:outerShdw blurRad="63500" sx="102000" sy="102000" algn="ctr" rotWithShape="0">
               <a:prstClr val="black">
                 <a:alpha val="40000"/>
               </a:prstClr>
@@ -3734,6 +3728,20 @@
               </a:rPr>
             </a:br>
             <a:r>
+              <a:rPr lang="tr-TR" sz="4200" b="1" dirty="0" err="1">
+                <a:solidFill>
+                  <a:schemeClr val="accent4">
+                    <a:lumMod val="60000"/>
+                    <a:lumOff val="40000"/>
+                  </a:schemeClr>
+                </a:solidFill>
+                <a:latin typeface="Roboto"/>
+                <a:ea typeface="+mn-ea"/>
+                <a:cs typeface="+mn-cs"/>
+              </a:rPr>
+              <a:t>with</a:t>
+            </a:r>
+            <a:r>
               <a:rPr lang="tr-TR" sz="4200" b="1" dirty="0">
                 <a:solidFill>
                   <a:schemeClr val="accent4">
@@ -3745,7 +3753,7 @@
                 <a:ea typeface="+mn-ea"/>
                 <a:cs typeface="+mn-cs"/>
               </a:rPr>
-              <a:t>with Python</a:t>
+              <a:t> Python</a:t>
             </a:r>
             <a:br>
               <a:rPr lang="tr-TR" sz="4200" b="1" dirty="0">
@@ -3760,31 +3768,6 @@
                 <a:cs typeface="+mn-cs"/>
               </a:rPr>
             </a:br>
-            <a:br>
-              <a:rPr lang="tr-TR" sz="4200" b="1" dirty="0">
-                <a:solidFill>
-                  <a:schemeClr val="accent4">
-                    <a:lumMod val="60000"/>
-                    <a:lumOff val="40000"/>
-                  </a:schemeClr>
-                </a:solidFill>
-                <a:latin typeface="Roboto"/>
-                <a:ea typeface="+mn-ea"/>
-                <a:cs typeface="+mn-cs"/>
-              </a:rPr>
-            </a:br>
-            <a:r>
-              <a:rPr lang="tr-TR" sz="4200" b="1" dirty="0">
-                <a:solidFill>
-                  <a:schemeClr val="accent4">
-                    <a:lumMod val="60000"/>
-                    <a:lumOff val="40000"/>
-                  </a:schemeClr>
-                </a:solidFill>
-                <a:latin typeface="Roboto"/>
-              </a:rPr>
-              <a:t>Erkan ŞİRİN</a:t>
-            </a:r>
             <a:endParaRPr lang="en-US" sz="4200" b="1" dirty="0">
               <a:solidFill>
                 <a:schemeClr val="accent4">

--- a/opening_remarks.pptx
+++ b/opening_remarks.pptx
@@ -132,7 +132,7 @@
   <pc:docChgLst>
     <pc:chgData name="Erkan ŞİRİN" userId="7f10ce1d6aaf8c5d" providerId="LiveId" clId="{D58FBEED-92FA-47F6-9D9E-9218785E3E2A}"/>
     <pc:docChg chg="undo addSld delSld modSld">
-      <pc:chgData name="Erkan ŞİRİN" userId="7f10ce1d6aaf8c5d" providerId="LiveId" clId="{D58FBEED-92FA-47F6-9D9E-9218785E3E2A}" dt="2019-05-19T18:38:15.180" v="514" actId="14861"/>
+      <pc:chgData name="Erkan ŞİRİN" userId="7f10ce1d6aaf8c5d" providerId="LiveId" clId="{D58FBEED-92FA-47F6-9D9E-9218785E3E2A}" dt="2019-05-20T06:13:25.996" v="523" actId="20577"/>
       <pc:docMkLst>
         <pc:docMk/>
       </pc:docMkLst>
@@ -168,13 +168,13 @@
         </pc:picChg>
       </pc:sldChg>
       <pc:sldChg chg="modSp">
-        <pc:chgData name="Erkan ŞİRİN" userId="7f10ce1d6aaf8c5d" providerId="LiveId" clId="{D58FBEED-92FA-47F6-9D9E-9218785E3E2A}" dt="2019-05-19T02:46:00.506" v="89" actId="20577"/>
+        <pc:chgData name="Erkan ŞİRİN" userId="7f10ce1d6aaf8c5d" providerId="LiveId" clId="{D58FBEED-92FA-47F6-9D9E-9218785E3E2A}" dt="2019-05-20T06:13:25.996" v="523" actId="20577"/>
         <pc:sldMkLst>
           <pc:docMk/>
           <pc:sldMk cId="3627367780" sldId="328"/>
         </pc:sldMkLst>
         <pc:spChg chg="mod">
-          <ac:chgData name="Erkan ŞİRİN" userId="7f10ce1d6aaf8c5d" providerId="LiveId" clId="{D58FBEED-92FA-47F6-9D9E-9218785E3E2A}" dt="2019-05-19T02:45:52.012" v="83"/>
+          <ac:chgData name="Erkan ŞİRİN" userId="7f10ce1d6aaf8c5d" providerId="LiveId" clId="{D58FBEED-92FA-47F6-9D9E-9218785E3E2A}" dt="2019-05-20T06:13:25.996" v="523" actId="20577"/>
           <ac:spMkLst>
             <pc:docMk/>
             <pc:sldMk cId="3627367780" sldId="328"/>
@@ -555,7 +555,7 @@
           <a:p>
             <a:fld id="{BAB971F1-0A24-473E-8A66-D77E329B588E}" type="datetimeFigureOut">
               <a:rPr lang="tr-TR" smtClean="0"/>
-              <a:t>19.05.2019</a:t>
+              <a:t>20.05.2019</a:t>
             </a:fld>
             <a:endParaRPr lang="tr-TR"/>
           </a:p>
@@ -753,7 +753,7 @@
           <a:p>
             <a:fld id="{BAB971F1-0A24-473E-8A66-D77E329B588E}" type="datetimeFigureOut">
               <a:rPr lang="tr-TR" smtClean="0"/>
-              <a:t>19.05.2019</a:t>
+              <a:t>20.05.2019</a:t>
             </a:fld>
             <a:endParaRPr lang="tr-TR"/>
           </a:p>
@@ -961,7 +961,7 @@
           <a:p>
             <a:fld id="{BAB971F1-0A24-473E-8A66-D77E329B588E}" type="datetimeFigureOut">
               <a:rPr lang="tr-TR" smtClean="0"/>
-              <a:t>19.05.2019</a:t>
+              <a:t>20.05.2019</a:t>
             </a:fld>
             <a:endParaRPr lang="tr-TR"/>
           </a:p>
@@ -1159,7 +1159,7 @@
           <a:p>
             <a:fld id="{BAB971F1-0A24-473E-8A66-D77E329B588E}" type="datetimeFigureOut">
               <a:rPr lang="tr-TR" smtClean="0"/>
-              <a:t>19.05.2019</a:t>
+              <a:t>20.05.2019</a:t>
             </a:fld>
             <a:endParaRPr lang="tr-TR"/>
           </a:p>
@@ -1434,7 +1434,7 @@
           <a:p>
             <a:fld id="{BAB971F1-0A24-473E-8A66-D77E329B588E}" type="datetimeFigureOut">
               <a:rPr lang="tr-TR" smtClean="0"/>
-              <a:t>19.05.2019</a:t>
+              <a:t>20.05.2019</a:t>
             </a:fld>
             <a:endParaRPr lang="tr-TR"/>
           </a:p>
@@ -1699,7 +1699,7 @@
           <a:p>
             <a:fld id="{BAB971F1-0A24-473E-8A66-D77E329B588E}" type="datetimeFigureOut">
               <a:rPr lang="tr-TR" smtClean="0"/>
-              <a:t>19.05.2019</a:t>
+              <a:t>20.05.2019</a:t>
             </a:fld>
             <a:endParaRPr lang="tr-TR"/>
           </a:p>
@@ -2111,7 +2111,7 @@
           <a:p>
             <a:fld id="{BAB971F1-0A24-473E-8A66-D77E329B588E}" type="datetimeFigureOut">
               <a:rPr lang="tr-TR" smtClean="0"/>
-              <a:t>19.05.2019</a:t>
+              <a:t>20.05.2019</a:t>
             </a:fld>
             <a:endParaRPr lang="tr-TR"/>
           </a:p>
@@ -2252,7 +2252,7 @@
           <a:p>
             <a:fld id="{BAB971F1-0A24-473E-8A66-D77E329B588E}" type="datetimeFigureOut">
               <a:rPr lang="tr-TR" smtClean="0"/>
-              <a:t>19.05.2019</a:t>
+              <a:t>20.05.2019</a:t>
             </a:fld>
             <a:endParaRPr lang="tr-TR"/>
           </a:p>
@@ -2365,7 +2365,7 @@
           <a:p>
             <a:fld id="{BAB971F1-0A24-473E-8A66-D77E329B588E}" type="datetimeFigureOut">
               <a:rPr lang="tr-TR" smtClean="0"/>
-              <a:t>19.05.2019</a:t>
+              <a:t>20.05.2019</a:t>
             </a:fld>
             <a:endParaRPr lang="tr-TR"/>
           </a:p>
@@ -2676,7 +2676,7 @@
           <a:p>
             <a:fld id="{BAB971F1-0A24-473E-8A66-D77E329B588E}" type="datetimeFigureOut">
               <a:rPr lang="tr-TR" smtClean="0"/>
-              <a:t>19.05.2019</a:t>
+              <a:t>20.05.2019</a:t>
             </a:fld>
             <a:endParaRPr lang="tr-TR"/>
           </a:p>
@@ -2964,7 +2964,7 @@
           <a:p>
             <a:fld id="{BAB971F1-0A24-473E-8A66-D77E329B588E}" type="datetimeFigureOut">
               <a:rPr lang="tr-TR" smtClean="0"/>
-              <a:t>19.05.2019</a:t>
+              <a:t>20.05.2019</a:t>
             </a:fld>
             <a:endParaRPr lang="tr-TR"/>
           </a:p>
@@ -3205,7 +3205,7 @@
           <a:p>
             <a:fld id="{BAB971F1-0A24-473E-8A66-D77E329B588E}" type="datetimeFigureOut">
               <a:rPr lang="tr-TR" smtClean="0"/>
-              <a:t>19.05.2019</a:t>
+              <a:t>20.05.2019</a:t>
             </a:fld>
             <a:endParaRPr lang="tr-TR"/>
           </a:p>
@@ -4170,7 +4170,7 @@
               <a:rPr lang="tr-TR" sz="3200" dirty="0">
                 <a:latin typeface="Roboto"/>
               </a:rPr>
-              <a:t>Öğleden Önce	: 09:00 – 13:00</a:t>
+              <a:t>Öğleden Önce	: 09:00 – 12:00</a:t>
             </a:r>
           </a:p>
           <a:p>
@@ -4184,7 +4184,7 @@
               <a:rPr lang="tr-TR" sz="3200" dirty="0">
                 <a:latin typeface="Roboto"/>
               </a:rPr>
-              <a:t>Öğle Arası		: 13:00 – 14:00</a:t>
+              <a:t>Öğle Arası		: 12:00 – 13:00</a:t>
             </a:r>
           </a:p>
           <a:p>
@@ -4198,7 +4198,19 @@
               <a:rPr lang="tr-TR" sz="3200" dirty="0">
                 <a:latin typeface="Roboto"/>
               </a:rPr>
-              <a:t>Öğleden Sonra	: 14:00 – 17:30</a:t>
+              <a:t>Öğleden Sonra	</a:t>
+            </a:r>
+            <a:r>
+              <a:rPr lang="tr-TR" sz="3200">
+                <a:latin typeface="Roboto"/>
+              </a:rPr>
+              <a:t>: 13:00 </a:t>
+            </a:r>
+            <a:r>
+              <a:rPr lang="tr-TR" sz="3200" dirty="0">
+                <a:latin typeface="Roboto"/>
+              </a:rPr>
+              <a:t>– 16:45</a:t>
             </a:r>
           </a:p>
         </p:txBody>

--- a/opening_remarks.pptx
+++ b/opening_remarks.pptx
@@ -10,6 +10,8 @@
     <p:sldId id="328" r:id="rId4"/>
     <p:sldId id="336" r:id="rId5"/>
     <p:sldId id="337" r:id="rId6"/>
+    <p:sldId id="338" r:id="rId7"/>
+    <p:sldId id="339" r:id="rId8"/>
   </p:sldIdLst>
   <p:sldSz cx="12192000" cy="6858000"/>
   <p:notesSz cx="6858000" cy="9144000"/>
@@ -190,56 +192,6 @@
           </ac:spMkLst>
         </pc:spChg>
       </pc:sldChg>
-      <pc:sldChg chg="modSp del modAnim">
-        <pc:chgData name="Erkan ŞİRİN" userId="7f10ce1d6aaf8c5d" providerId="LiveId" clId="{D58FBEED-92FA-47F6-9D9E-9218785E3E2A}" dt="2019-05-19T02:49:50.799" v="96" actId="2696"/>
-        <pc:sldMkLst>
-          <pc:docMk/>
-          <pc:sldMk cId="2954098698" sldId="330"/>
-        </pc:sldMkLst>
-        <pc:spChg chg="mod">
-          <ac:chgData name="Erkan ŞİRİN" userId="7f10ce1d6aaf8c5d" providerId="LiveId" clId="{D58FBEED-92FA-47F6-9D9E-9218785E3E2A}" dt="2019-05-19T02:47:05.338" v="94" actId="20577"/>
-          <ac:spMkLst>
-            <pc:docMk/>
-            <pc:sldMk cId="2954098698" sldId="330"/>
-            <ac:spMk id="3" creationId="{2DC8A280-C738-452F-B627-12CB68E50CC1}"/>
-          </ac:spMkLst>
-        </pc:spChg>
-      </pc:sldChg>
-      <pc:sldChg chg="del">
-        <pc:chgData name="Erkan ŞİRİN" userId="7f10ce1d6aaf8c5d" providerId="LiveId" clId="{D58FBEED-92FA-47F6-9D9E-9218785E3E2A}" dt="2019-05-19T02:50:09.568" v="100" actId="2696"/>
-        <pc:sldMkLst>
-          <pc:docMk/>
-          <pc:sldMk cId="2650681269" sldId="331"/>
-        </pc:sldMkLst>
-      </pc:sldChg>
-      <pc:sldChg chg="del">
-        <pc:chgData name="Erkan ŞİRİN" userId="7f10ce1d6aaf8c5d" providerId="LiveId" clId="{D58FBEED-92FA-47F6-9D9E-9218785E3E2A}" dt="2019-05-19T02:50:04.303" v="99" actId="2696"/>
-        <pc:sldMkLst>
-          <pc:docMk/>
-          <pc:sldMk cId="2692841324" sldId="332"/>
-        </pc:sldMkLst>
-      </pc:sldChg>
-      <pc:sldChg chg="del">
-        <pc:chgData name="Erkan ŞİRİN" userId="7f10ce1d6aaf8c5d" providerId="LiveId" clId="{D58FBEED-92FA-47F6-9D9E-9218785E3E2A}" dt="2019-05-19T02:50:17.295" v="101" actId="2696"/>
-        <pc:sldMkLst>
-          <pc:docMk/>
-          <pc:sldMk cId="136345581" sldId="333"/>
-        </pc:sldMkLst>
-      </pc:sldChg>
-      <pc:sldChg chg="del">
-        <pc:chgData name="Erkan ŞİRİN" userId="7f10ce1d6aaf8c5d" providerId="LiveId" clId="{D58FBEED-92FA-47F6-9D9E-9218785E3E2A}" dt="2019-05-19T02:50:04.302" v="98" actId="2696"/>
-        <pc:sldMkLst>
-          <pc:docMk/>
-          <pc:sldMk cId="2360627406" sldId="334"/>
-        </pc:sldMkLst>
-      </pc:sldChg>
-      <pc:sldChg chg="add del">
-        <pc:chgData name="Erkan ŞİRİN" userId="7f10ce1d6aaf8c5d" providerId="LiveId" clId="{D58FBEED-92FA-47F6-9D9E-9218785E3E2A}" dt="2019-05-19T02:49:50.804" v="97" actId="2696"/>
-        <pc:sldMkLst>
-          <pc:docMk/>
-          <pc:sldMk cId="2064624757" sldId="335"/>
-        </pc:sldMkLst>
-      </pc:sldChg>
       <pc:sldChg chg="add">
         <pc:chgData name="Erkan ŞİRİN" userId="7f10ce1d6aaf8c5d" providerId="LiveId" clId="{D58FBEED-92FA-47F6-9D9E-9218785E3E2A}" dt="2019-05-19T02:49:48.161" v="95"/>
         <pc:sldMkLst>
@@ -405,6 +357,101 @@
       </pc:sldChg>
     </pc:docChg>
   </pc:docChgLst>
+  <pc:docChgLst>
+    <pc:chgData name="Erkan ŞİRİN" userId="7f10ce1d6aaf8c5d" providerId="LiveId" clId="{0E0E6E0D-F67B-4125-8FD1-98F3660D98D2}"/>
+    <pc:docChg chg="custSel addSld modSld">
+      <pc:chgData name="Erkan ŞİRİN" userId="7f10ce1d6aaf8c5d" providerId="LiveId" clId="{0E0E6E0D-F67B-4125-8FD1-98F3660D98D2}" dt="2019-06-11T03:40:16.323" v="60" actId="1076"/>
+      <pc:docMkLst>
+        <pc:docMk/>
+      </pc:docMkLst>
+      <pc:sldChg chg="addSp delSp modSp add delAnim">
+        <pc:chgData name="Erkan ŞİRİN" userId="7f10ce1d6aaf8c5d" providerId="LiveId" clId="{0E0E6E0D-F67B-4125-8FD1-98F3660D98D2}" dt="2019-06-11T03:36:39.522" v="44"/>
+        <pc:sldMkLst>
+          <pc:docMk/>
+          <pc:sldMk cId="1944784783" sldId="338"/>
+        </pc:sldMkLst>
+        <pc:spChg chg="del mod">
+          <ac:chgData name="Erkan ŞİRİN" userId="7f10ce1d6aaf8c5d" providerId="LiveId" clId="{0E0E6E0D-F67B-4125-8FD1-98F3660D98D2}" dt="2019-06-11T03:32:27.368" v="30" actId="478"/>
+          <ac:spMkLst>
+            <pc:docMk/>
+            <pc:sldMk cId="1944784783" sldId="338"/>
+            <ac:spMk id="3" creationId="{2DC8A280-C738-452F-B627-12CB68E50CC1}"/>
+          </ac:spMkLst>
+        </pc:spChg>
+        <pc:spChg chg="mod">
+          <ac:chgData name="Erkan ŞİRİN" userId="7f10ce1d6aaf8c5d" providerId="LiveId" clId="{0E0E6E0D-F67B-4125-8FD1-98F3660D98D2}" dt="2019-06-11T03:32:20.207" v="28" actId="1076"/>
+          <ac:spMkLst>
+            <pc:docMk/>
+            <pc:sldMk cId="1944784783" sldId="338"/>
+            <ac:spMk id="16" creationId="{00000000-0000-0000-0000-000000000000}"/>
+          </ac:spMkLst>
+        </pc:spChg>
+        <pc:picChg chg="add mod">
+          <ac:chgData name="Erkan ŞİRİN" userId="7f10ce1d6aaf8c5d" providerId="LiveId" clId="{0E0E6E0D-F67B-4125-8FD1-98F3660D98D2}" dt="2019-06-11T03:36:20.634" v="42" actId="1076"/>
+          <ac:picMkLst>
+            <pc:docMk/>
+            <pc:sldMk cId="1944784783" sldId="338"/>
+            <ac:picMk id="4" creationId="{1E603009-26E8-469D-8544-D43F291576DE}"/>
+          </ac:picMkLst>
+        </pc:picChg>
+        <pc:picChg chg="add mod">
+          <ac:chgData name="Erkan ŞİRİN" userId="7f10ce1d6aaf8c5d" providerId="LiveId" clId="{0E0E6E0D-F67B-4125-8FD1-98F3660D98D2}" dt="2019-06-11T03:36:39.522" v="44"/>
+          <ac:picMkLst>
+            <pc:docMk/>
+            <pc:sldMk cId="1944784783" sldId="338"/>
+            <ac:picMk id="6" creationId="{73CE6A87-7605-4AD9-97AC-889EDE878737}"/>
+          </ac:picMkLst>
+        </pc:picChg>
+      </pc:sldChg>
+      <pc:sldChg chg="addSp delSp modSp add">
+        <pc:chgData name="Erkan ŞİRİN" userId="7f10ce1d6aaf8c5d" providerId="LiveId" clId="{0E0E6E0D-F67B-4125-8FD1-98F3660D98D2}" dt="2019-06-11T03:40:16.323" v="60" actId="1076"/>
+        <pc:sldMkLst>
+          <pc:docMk/>
+          <pc:sldMk cId="915150309" sldId="339"/>
+        </pc:sldMkLst>
+        <pc:spChg chg="add mod">
+          <ac:chgData name="Erkan ŞİRİN" userId="7f10ce1d6aaf8c5d" providerId="LiveId" clId="{0E0E6E0D-F67B-4125-8FD1-98F3660D98D2}" dt="2019-06-11T03:38:59.219" v="56" actId="1076"/>
+          <ac:spMkLst>
+            <pc:docMk/>
+            <pc:sldMk cId="915150309" sldId="339"/>
+            <ac:spMk id="5" creationId="{2E79593C-AA84-4F0F-BB9B-1B5A70AC7FE0}"/>
+          </ac:spMkLst>
+        </pc:spChg>
+        <pc:spChg chg="add mod">
+          <ac:chgData name="Erkan ŞİRİN" userId="7f10ce1d6aaf8c5d" providerId="LiveId" clId="{0E0E6E0D-F67B-4125-8FD1-98F3660D98D2}" dt="2019-06-11T03:40:16.323" v="60" actId="1076"/>
+          <ac:spMkLst>
+            <pc:docMk/>
+            <pc:sldMk cId="915150309" sldId="339"/>
+            <ac:spMk id="7" creationId="{1D61EBCE-31AA-48F0-8EE0-52989DAEFFDE}"/>
+          </ac:spMkLst>
+        </pc:spChg>
+        <pc:picChg chg="add mod">
+          <ac:chgData name="Erkan ŞİRİN" userId="7f10ce1d6aaf8c5d" providerId="LiveId" clId="{0E0E6E0D-F67B-4125-8FD1-98F3660D98D2}" dt="2019-06-11T03:38:10.060" v="51"/>
+          <ac:picMkLst>
+            <pc:docMk/>
+            <pc:sldMk cId="915150309" sldId="339"/>
+            <ac:picMk id="3" creationId="{3DC4C4A6-EADF-4792-B7B6-0FFFF50F4D75}"/>
+          </ac:picMkLst>
+        </pc:picChg>
+        <pc:picChg chg="del">
+          <ac:chgData name="Erkan ŞİRİN" userId="7f10ce1d6aaf8c5d" providerId="LiveId" clId="{0E0E6E0D-F67B-4125-8FD1-98F3660D98D2}" dt="2019-06-11T03:37:23.043" v="47" actId="478"/>
+          <ac:picMkLst>
+            <pc:docMk/>
+            <pc:sldMk cId="915150309" sldId="339"/>
+            <ac:picMk id="4" creationId="{1E603009-26E8-469D-8544-D43F291576DE}"/>
+          </ac:picMkLst>
+        </pc:picChg>
+        <pc:picChg chg="del">
+          <ac:chgData name="Erkan ŞİRİN" userId="7f10ce1d6aaf8c5d" providerId="LiveId" clId="{0E0E6E0D-F67B-4125-8FD1-98F3660D98D2}" dt="2019-06-11T03:38:12.380" v="52" actId="478"/>
+          <ac:picMkLst>
+            <pc:docMk/>
+            <pc:sldMk cId="915150309" sldId="339"/>
+            <ac:picMk id="6" creationId="{73CE6A87-7605-4AD9-97AC-889EDE878737}"/>
+          </ac:picMkLst>
+        </pc:picChg>
+      </pc:sldChg>
+    </pc:docChg>
+  </pc:docChgLst>
 </pc:chgInfo>
 </file>
 
@@ -555,7 +602,7 @@
           <a:p>
             <a:fld id="{BAB971F1-0A24-473E-8A66-D77E329B588E}" type="datetimeFigureOut">
               <a:rPr lang="tr-TR" smtClean="0"/>
-              <a:t>20.05.2019</a:t>
+              <a:t>11.06.2019</a:t>
             </a:fld>
             <a:endParaRPr lang="tr-TR"/>
           </a:p>
@@ -753,7 +800,7 @@
           <a:p>
             <a:fld id="{BAB971F1-0A24-473E-8A66-D77E329B588E}" type="datetimeFigureOut">
               <a:rPr lang="tr-TR" smtClean="0"/>
-              <a:t>20.05.2019</a:t>
+              <a:t>11.06.2019</a:t>
             </a:fld>
             <a:endParaRPr lang="tr-TR"/>
           </a:p>
@@ -961,7 +1008,7 @@
           <a:p>
             <a:fld id="{BAB971F1-0A24-473E-8A66-D77E329B588E}" type="datetimeFigureOut">
               <a:rPr lang="tr-TR" smtClean="0"/>
-              <a:t>20.05.2019</a:t>
+              <a:t>11.06.2019</a:t>
             </a:fld>
             <a:endParaRPr lang="tr-TR"/>
           </a:p>
@@ -1159,7 +1206,7 @@
           <a:p>
             <a:fld id="{BAB971F1-0A24-473E-8A66-D77E329B588E}" type="datetimeFigureOut">
               <a:rPr lang="tr-TR" smtClean="0"/>
-              <a:t>20.05.2019</a:t>
+              <a:t>11.06.2019</a:t>
             </a:fld>
             <a:endParaRPr lang="tr-TR"/>
           </a:p>
@@ -1434,7 +1481,7 @@
           <a:p>
             <a:fld id="{BAB971F1-0A24-473E-8A66-D77E329B588E}" type="datetimeFigureOut">
               <a:rPr lang="tr-TR" smtClean="0"/>
-              <a:t>20.05.2019</a:t>
+              <a:t>11.06.2019</a:t>
             </a:fld>
             <a:endParaRPr lang="tr-TR"/>
           </a:p>
@@ -1699,7 +1746,7 @@
           <a:p>
             <a:fld id="{BAB971F1-0A24-473E-8A66-D77E329B588E}" type="datetimeFigureOut">
               <a:rPr lang="tr-TR" smtClean="0"/>
-              <a:t>20.05.2019</a:t>
+              <a:t>11.06.2019</a:t>
             </a:fld>
             <a:endParaRPr lang="tr-TR"/>
           </a:p>
@@ -2111,7 +2158,7 @@
           <a:p>
             <a:fld id="{BAB971F1-0A24-473E-8A66-D77E329B588E}" type="datetimeFigureOut">
               <a:rPr lang="tr-TR" smtClean="0"/>
-              <a:t>20.05.2019</a:t>
+              <a:t>11.06.2019</a:t>
             </a:fld>
             <a:endParaRPr lang="tr-TR"/>
           </a:p>
@@ -2252,7 +2299,7 @@
           <a:p>
             <a:fld id="{BAB971F1-0A24-473E-8A66-D77E329B588E}" type="datetimeFigureOut">
               <a:rPr lang="tr-TR" smtClean="0"/>
-              <a:t>20.05.2019</a:t>
+              <a:t>11.06.2019</a:t>
             </a:fld>
             <a:endParaRPr lang="tr-TR"/>
           </a:p>
@@ -2365,7 +2412,7 @@
           <a:p>
             <a:fld id="{BAB971F1-0A24-473E-8A66-D77E329B588E}" type="datetimeFigureOut">
               <a:rPr lang="tr-TR" smtClean="0"/>
-              <a:t>20.05.2019</a:t>
+              <a:t>11.06.2019</a:t>
             </a:fld>
             <a:endParaRPr lang="tr-TR"/>
           </a:p>
@@ -2676,7 +2723,7 @@
           <a:p>
             <a:fld id="{BAB971F1-0A24-473E-8A66-D77E329B588E}" type="datetimeFigureOut">
               <a:rPr lang="tr-TR" smtClean="0"/>
-              <a:t>20.05.2019</a:t>
+              <a:t>11.06.2019</a:t>
             </a:fld>
             <a:endParaRPr lang="tr-TR"/>
           </a:p>
@@ -2964,7 +3011,7 @@
           <a:p>
             <a:fld id="{BAB971F1-0A24-473E-8A66-D77E329B588E}" type="datetimeFigureOut">
               <a:rPr lang="tr-TR" smtClean="0"/>
-              <a:t>20.05.2019</a:t>
+              <a:t>11.06.2019</a:t>
             </a:fld>
             <a:endParaRPr lang="tr-TR"/>
           </a:p>
@@ -3205,7 +3252,7 @@
           <a:p>
             <a:fld id="{BAB971F1-0A24-473E-8A66-D77E329B588E}" type="datetimeFigureOut">
               <a:rPr lang="tr-TR" smtClean="0"/>
-              <a:t>20.05.2019</a:t>
+              <a:t>11.06.2019</a:t>
             </a:fld>
             <a:endParaRPr lang="tr-TR"/>
           </a:p>
@@ -5713,6 +5760,345 @@
 </p:sld>
 </file>
 
+<file path=ppt/slides/slide6.xml><?xml version="1.0" encoding="utf-8"?>
+<p:sld xmlns:a="http://schemas.openxmlformats.org/drawingml/2006/main" xmlns:r="http://schemas.openxmlformats.org/officeDocument/2006/relationships" xmlns:p="http://schemas.openxmlformats.org/presentationml/2006/main">
+  <p:cSld>
+    <p:spTree>
+      <p:nvGrpSpPr>
+        <p:cNvPr id="1" name=""/>
+        <p:cNvGrpSpPr/>
+        <p:nvPr/>
+      </p:nvGrpSpPr>
+      <p:grpSpPr>
+        <a:xfrm>
+          <a:off x="0" y="0"/>
+          <a:ext cx="0" cy="0"/>
+          <a:chOff x="0" y="0"/>
+          <a:chExt cx="0" cy="0"/>
+        </a:xfrm>
+      </p:grpSpPr>
+      <p:sp>
+        <p:nvSpPr>
+          <p:cNvPr id="16" name="Unvan 1"/>
+          <p:cNvSpPr>
+            <a:spLocks noGrp="1"/>
+          </p:cNvSpPr>
+          <p:nvPr>
+            <p:ph type="ctrTitle"/>
+          </p:nvPr>
+        </p:nvSpPr>
+        <p:spPr>
+          <a:xfrm>
+            <a:off x="1650999" y="369937"/>
+            <a:ext cx="8610600" cy="619433"/>
+          </a:xfrm>
+        </p:spPr>
+        <p:txBody>
+          <a:bodyPr>
+            <a:noAutofit/>
+          </a:bodyPr>
+          <a:lstStyle/>
+          <a:p>
+            <a:r>
+              <a:rPr lang="tr-TR" sz="4000" b="1" dirty="0">
+                <a:solidFill>
+                  <a:srgbClr val="FF4D4D"/>
+                </a:solidFill>
+                <a:latin typeface="Roboto"/>
+                <a:ea typeface="+mn-ea"/>
+                <a:cs typeface="+mn-cs"/>
+              </a:rPr>
+              <a:t>Tavsiye Edilen Kaynaklar</a:t>
+            </a:r>
+            <a:endParaRPr lang="en-US" sz="4000" b="1" dirty="0">
+              <a:solidFill>
+                <a:srgbClr val="FF4D4D"/>
+              </a:solidFill>
+              <a:latin typeface="Roboto"/>
+              <a:ea typeface="+mn-ea"/>
+              <a:cs typeface="+mn-cs"/>
+            </a:endParaRPr>
+          </a:p>
+        </p:txBody>
+      </p:sp>
+      <p:pic>
+        <p:nvPicPr>
+          <p:cNvPr id="4" name="Resim 3">
+            <a:hlinkClick r:id="rId2"/>
+            <a:extLst>
+              <a:ext uri="{FF2B5EF4-FFF2-40B4-BE49-F238E27FC236}">
+                <a16:creationId xmlns:a16="http://schemas.microsoft.com/office/drawing/2014/main" id="{1E603009-26E8-469D-8544-D43F291576DE}"/>
+              </a:ext>
+            </a:extLst>
+          </p:cNvPr>
+          <p:cNvPicPr>
+            <a:picLocks noChangeAspect="1"/>
+          </p:cNvPicPr>
+          <p:nvPr/>
+        </p:nvPicPr>
+        <p:blipFill>
+          <a:blip r:embed="rId3">
+            <a:extLst>
+              <a:ext uri="{28A0092B-C50C-407E-A947-70E740481C1C}">
+                <a14:useLocalDpi xmlns:a14="http://schemas.microsoft.com/office/drawing/2010/main" val="0"/>
+              </a:ext>
+            </a:extLst>
+          </a:blip>
+          <a:stretch>
+            <a:fillRect/>
+          </a:stretch>
+        </p:blipFill>
+        <p:spPr>
+          <a:xfrm>
+            <a:off x="1650999" y="1494472"/>
+            <a:ext cx="3629025" cy="4752975"/>
+          </a:xfrm>
+          <a:prstGeom prst="rect">
+            <a:avLst/>
+          </a:prstGeom>
+        </p:spPr>
+      </p:pic>
+      <p:pic>
+        <p:nvPicPr>
+          <p:cNvPr id="6" name="Resim 5">
+            <a:hlinkClick r:id="rId4"/>
+            <a:extLst>
+              <a:ext uri="{FF2B5EF4-FFF2-40B4-BE49-F238E27FC236}">
+                <a16:creationId xmlns:a16="http://schemas.microsoft.com/office/drawing/2014/main" id="{73CE6A87-7605-4AD9-97AC-889EDE878737}"/>
+              </a:ext>
+            </a:extLst>
+          </p:cNvPr>
+          <p:cNvPicPr>
+            <a:picLocks noChangeAspect="1"/>
+          </p:cNvPicPr>
+          <p:nvPr/>
+        </p:nvPicPr>
+        <p:blipFill>
+          <a:blip r:embed="rId5">
+            <a:extLst>
+              <a:ext uri="{28A0092B-C50C-407E-A947-70E740481C1C}">
+                <a14:useLocalDpi xmlns:a14="http://schemas.microsoft.com/office/drawing/2010/main" val="0"/>
+              </a:ext>
+            </a:extLst>
+          </a:blip>
+          <a:stretch>
+            <a:fillRect/>
+          </a:stretch>
+        </p:blipFill>
+        <p:spPr>
+          <a:xfrm>
+            <a:off x="6637984" y="1494472"/>
+            <a:ext cx="3623615" cy="4752975"/>
+          </a:xfrm>
+          <a:prstGeom prst="rect">
+            <a:avLst/>
+          </a:prstGeom>
+        </p:spPr>
+      </p:pic>
+    </p:spTree>
+    <p:extLst>
+      <p:ext uri="{BB962C8B-B14F-4D97-AF65-F5344CB8AC3E}">
+        <p14:creationId xmlns:p14="http://schemas.microsoft.com/office/powerpoint/2010/main" val="1944784783"/>
+      </p:ext>
+    </p:extLst>
+  </p:cSld>
+  <p:clrMapOvr>
+    <a:masterClrMapping/>
+  </p:clrMapOvr>
+  <p:transition spd="slow">
+    <p:push dir="u"/>
+  </p:transition>
+</p:sld>
+</file>
+
+<file path=ppt/slides/slide7.xml><?xml version="1.0" encoding="utf-8"?>
+<p:sld xmlns:a="http://schemas.openxmlformats.org/drawingml/2006/main" xmlns:r="http://schemas.openxmlformats.org/officeDocument/2006/relationships" xmlns:p="http://schemas.openxmlformats.org/presentationml/2006/main">
+  <p:cSld>
+    <p:spTree>
+      <p:nvGrpSpPr>
+        <p:cNvPr id="1" name=""/>
+        <p:cNvGrpSpPr/>
+        <p:nvPr/>
+      </p:nvGrpSpPr>
+      <p:grpSpPr>
+        <a:xfrm>
+          <a:off x="0" y="0"/>
+          <a:ext cx="0" cy="0"/>
+          <a:chOff x="0" y="0"/>
+          <a:chExt cx="0" cy="0"/>
+        </a:xfrm>
+      </p:grpSpPr>
+      <p:sp>
+        <p:nvSpPr>
+          <p:cNvPr id="16" name="Unvan 1"/>
+          <p:cNvSpPr>
+            <a:spLocks noGrp="1"/>
+          </p:cNvSpPr>
+          <p:nvPr>
+            <p:ph type="ctrTitle"/>
+          </p:nvPr>
+        </p:nvSpPr>
+        <p:spPr>
+          <a:xfrm>
+            <a:off x="1650999" y="369937"/>
+            <a:ext cx="8610600" cy="619433"/>
+          </a:xfrm>
+        </p:spPr>
+        <p:txBody>
+          <a:bodyPr>
+            <a:noAutofit/>
+          </a:bodyPr>
+          <a:lstStyle/>
+          <a:p>
+            <a:r>
+              <a:rPr lang="tr-TR" sz="4000" b="1" dirty="0">
+                <a:solidFill>
+                  <a:srgbClr val="FF4D4D"/>
+                </a:solidFill>
+                <a:latin typeface="Roboto"/>
+                <a:ea typeface="+mn-ea"/>
+                <a:cs typeface="+mn-cs"/>
+              </a:rPr>
+              <a:t>Tavsiye Edilen Kaynaklar</a:t>
+            </a:r>
+            <a:endParaRPr lang="en-US" sz="4000" b="1" dirty="0">
+              <a:solidFill>
+                <a:srgbClr val="FF4D4D"/>
+              </a:solidFill>
+              <a:latin typeface="Roboto"/>
+              <a:ea typeface="+mn-ea"/>
+              <a:cs typeface="+mn-cs"/>
+            </a:endParaRPr>
+          </a:p>
+        </p:txBody>
+      </p:sp>
+      <p:pic>
+        <p:nvPicPr>
+          <p:cNvPr id="3" name="Resim 2">
+            <a:hlinkClick r:id="rId2"/>
+            <a:extLst>
+              <a:ext uri="{FF2B5EF4-FFF2-40B4-BE49-F238E27FC236}">
+                <a16:creationId xmlns:a16="http://schemas.microsoft.com/office/drawing/2014/main" id="{3DC4C4A6-EADF-4792-B7B6-0FFFF50F4D75}"/>
+              </a:ext>
+            </a:extLst>
+          </p:cNvPr>
+          <p:cNvPicPr>
+            <a:picLocks noChangeAspect="1"/>
+          </p:cNvPicPr>
+          <p:nvPr/>
+        </p:nvPicPr>
+        <p:blipFill>
+          <a:blip r:embed="rId3">
+            <a:extLst>
+              <a:ext uri="{28A0092B-C50C-407E-A947-70E740481C1C}">
+                <a14:useLocalDpi xmlns:a14="http://schemas.microsoft.com/office/drawing/2010/main" val="0"/>
+              </a:ext>
+            </a:extLst>
+          </a:blip>
+          <a:stretch>
+            <a:fillRect/>
+          </a:stretch>
+        </p:blipFill>
+        <p:spPr>
+          <a:xfrm>
+            <a:off x="1650999" y="1494472"/>
+            <a:ext cx="3256788" cy="4906841"/>
+          </a:xfrm>
+          <a:prstGeom prst="rect">
+            <a:avLst/>
+          </a:prstGeom>
+        </p:spPr>
+      </p:pic>
+      <p:sp>
+        <p:nvSpPr>
+          <p:cNvPr id="5" name="Dikdörtgen 4">
+            <a:extLst>
+              <a:ext uri="{FF2B5EF4-FFF2-40B4-BE49-F238E27FC236}">
+                <a16:creationId xmlns:a16="http://schemas.microsoft.com/office/drawing/2014/main" id="{2E79593C-AA84-4F0F-BB9B-1B5A70AC7FE0}"/>
+              </a:ext>
+            </a:extLst>
+          </p:cNvPr>
+          <p:cNvSpPr/>
+          <p:nvPr/>
+        </p:nvSpPr>
+        <p:spPr>
+          <a:xfrm>
+            <a:off x="5894834" y="1705094"/>
+            <a:ext cx="5389617" cy="461665"/>
+          </a:xfrm>
+          <a:prstGeom prst="rect">
+            <a:avLst/>
+          </a:prstGeom>
+        </p:spPr>
+        <p:txBody>
+          <a:bodyPr wrap="none">
+            <a:spAutoFit/>
+          </a:bodyPr>
+          <a:lstStyle/>
+          <a:p>
+            <a:r>
+              <a:rPr lang="tr-TR" sz="2400" dirty="0">
+                <a:hlinkClick r:id="rId4"/>
+              </a:rPr>
+              <a:t>https://www.udemy.com/python-egitimi/</a:t>
+            </a:r>
+            <a:endParaRPr lang="tr-TR" sz="2400" dirty="0"/>
+          </a:p>
+        </p:txBody>
+      </p:sp>
+      <p:sp>
+        <p:nvSpPr>
+          <p:cNvPr id="7" name="Dikdörtgen 6">
+            <a:extLst>
+              <a:ext uri="{FF2B5EF4-FFF2-40B4-BE49-F238E27FC236}">
+                <a16:creationId xmlns:a16="http://schemas.microsoft.com/office/drawing/2014/main" id="{1D61EBCE-31AA-48F0-8EE0-52989DAEFFDE}"/>
+              </a:ext>
+            </a:extLst>
+          </p:cNvPr>
+          <p:cNvSpPr/>
+          <p:nvPr/>
+        </p:nvSpPr>
+        <p:spPr>
+          <a:xfrm>
+            <a:off x="5894834" y="2229842"/>
+            <a:ext cx="5647443" cy="461665"/>
+          </a:xfrm>
+          <a:prstGeom prst="rect">
+            <a:avLst/>
+          </a:prstGeom>
+        </p:spPr>
+        <p:txBody>
+          <a:bodyPr wrap="none">
+            <a:spAutoFit/>
+          </a:bodyPr>
+          <a:lstStyle/>
+          <a:p>
+            <a:r>
+              <a:rPr lang="tr-TR" sz="2400" dirty="0">
+                <a:hlinkClick r:id="rId5"/>
+              </a:rPr>
+              <a:t>https://www.udemy.com/machinelearning/</a:t>
+            </a:r>
+            <a:endParaRPr lang="tr-TR" sz="2400" dirty="0"/>
+          </a:p>
+        </p:txBody>
+      </p:sp>
+    </p:spTree>
+    <p:extLst>
+      <p:ext uri="{BB962C8B-B14F-4D97-AF65-F5344CB8AC3E}">
+        <p14:creationId xmlns:p14="http://schemas.microsoft.com/office/powerpoint/2010/main" val="915150309"/>
+      </p:ext>
+    </p:extLst>
+  </p:cSld>
+  <p:clrMapOvr>
+    <a:masterClrMapping/>
+  </p:clrMapOvr>
+  <p:transition spd="slow">
+    <p:push dir="u"/>
+  </p:transition>
+</p:sld>
+</file>
+
 <file path=ppt/theme/theme1.xml><?xml version="1.0" encoding="utf-8"?>
 <a:theme xmlns:a="http://schemas.openxmlformats.org/drawingml/2006/main" name="Office Teması">
   <a:themeElements>

--- a/opening_remarks.pptx
+++ b/opening_remarks.pptx
@@ -10,8 +10,10 @@
     <p:sldId id="328" r:id="rId4"/>
     <p:sldId id="336" r:id="rId5"/>
     <p:sldId id="337" r:id="rId6"/>
-    <p:sldId id="338" r:id="rId7"/>
-    <p:sldId id="339" r:id="rId8"/>
+    <p:sldId id="340" r:id="rId7"/>
+    <p:sldId id="338" r:id="rId8"/>
+    <p:sldId id="341" r:id="rId9"/>
+    <p:sldId id="339" r:id="rId10"/>
   </p:sldIdLst>
   <p:sldSz cx="12192000" cy="6858000"/>
   <p:notesSz cx="6858000" cy="9144000"/>
@@ -359,17 +361,25 @@
   </pc:docChgLst>
   <pc:docChgLst>
     <pc:chgData name="Erkan ŞİRİN" userId="7f10ce1d6aaf8c5d" providerId="LiveId" clId="{0E0E6E0D-F67B-4125-8FD1-98F3660D98D2}"/>
-    <pc:docChg chg="custSel addSld modSld">
-      <pc:chgData name="Erkan ŞİRİN" userId="7f10ce1d6aaf8c5d" providerId="LiveId" clId="{0E0E6E0D-F67B-4125-8FD1-98F3660D98D2}" dt="2019-06-11T03:40:16.323" v="60" actId="1076"/>
+    <pc:docChg chg="custSel addSld modSld sldOrd">
+      <pc:chgData name="Erkan ŞİRİN" userId="7f10ce1d6aaf8c5d" providerId="LiveId" clId="{0E0E6E0D-F67B-4125-8FD1-98F3660D98D2}" dt="2019-06-12T19:51:24.644" v="191" actId="1076"/>
       <pc:docMkLst>
         <pc:docMk/>
       </pc:docMkLst>
       <pc:sldChg chg="addSp delSp modSp add delAnim">
-        <pc:chgData name="Erkan ŞİRİN" userId="7f10ce1d6aaf8c5d" providerId="LiveId" clId="{0E0E6E0D-F67B-4125-8FD1-98F3660D98D2}" dt="2019-06-11T03:36:39.522" v="44"/>
+        <pc:chgData name="Erkan ŞİRİN" userId="7f10ce1d6aaf8c5d" providerId="LiveId" clId="{0E0E6E0D-F67B-4125-8FD1-98F3660D98D2}" dt="2019-06-12T19:41:37.924" v="91"/>
         <pc:sldMkLst>
           <pc:docMk/>
           <pc:sldMk cId="1944784783" sldId="338"/>
         </pc:sldMkLst>
+        <pc:spChg chg="add del mod">
+          <ac:chgData name="Erkan ŞİRİN" userId="7f10ce1d6aaf8c5d" providerId="LiveId" clId="{0E0E6E0D-F67B-4125-8FD1-98F3660D98D2}" dt="2019-06-12T19:40:59.645" v="90" actId="478"/>
+          <ac:spMkLst>
+            <pc:docMk/>
+            <pc:sldMk cId="1944784783" sldId="338"/>
+            <ac:spMk id="2" creationId="{FACE01D9-9C80-4C5C-83FE-6DB692EBE06D}"/>
+          </ac:spMkLst>
+        </pc:spChg>
         <pc:spChg chg="del mod">
           <ac:chgData name="Erkan ŞİRİN" userId="7f10ce1d6aaf8c5d" providerId="LiveId" clId="{0E0E6E0D-F67B-4125-8FD1-98F3660D98D2}" dt="2019-06-11T03:32:27.368" v="30" actId="478"/>
           <ac:spMkLst>
@@ -386,8 +396,8 @@
             <ac:spMk id="16" creationId="{00000000-0000-0000-0000-000000000000}"/>
           </ac:spMkLst>
         </pc:spChg>
-        <pc:picChg chg="add mod">
-          <ac:chgData name="Erkan ŞİRİN" userId="7f10ce1d6aaf8c5d" providerId="LiveId" clId="{0E0E6E0D-F67B-4125-8FD1-98F3660D98D2}" dt="2019-06-11T03:36:20.634" v="42" actId="1076"/>
+        <pc:picChg chg="add del mod">
+          <ac:chgData name="Erkan ŞİRİN" userId="7f10ce1d6aaf8c5d" providerId="LiveId" clId="{0E0E6E0D-F67B-4125-8FD1-98F3660D98D2}" dt="2019-06-12T19:40:34.422" v="84" actId="478"/>
           <ac:picMkLst>
             <pc:docMk/>
             <pc:sldMk cId="1944784783" sldId="338"/>
@@ -402,15 +412,31 @@
             <ac:picMk id="6" creationId="{73CE6A87-7605-4AD9-97AC-889EDE878737}"/>
           </ac:picMkLst>
         </pc:picChg>
+        <pc:picChg chg="add mod">
+          <ac:chgData name="Erkan ŞİRİN" userId="7f10ce1d6aaf8c5d" providerId="LiveId" clId="{0E0E6E0D-F67B-4125-8FD1-98F3660D98D2}" dt="2019-06-12T19:41:37.924" v="91"/>
+          <ac:picMkLst>
+            <pc:docMk/>
+            <pc:sldMk cId="1944784783" sldId="338"/>
+            <ac:picMk id="1026" creationId="{E6D06054-73FC-444F-9E17-06053F321B5E}"/>
+          </ac:picMkLst>
+        </pc:picChg>
       </pc:sldChg>
       <pc:sldChg chg="addSp delSp modSp add">
-        <pc:chgData name="Erkan ŞİRİN" userId="7f10ce1d6aaf8c5d" providerId="LiveId" clId="{0E0E6E0D-F67B-4125-8FD1-98F3660D98D2}" dt="2019-06-11T03:40:16.323" v="60" actId="1076"/>
+        <pc:chgData name="Erkan ŞİRİN" userId="7f10ce1d6aaf8c5d" providerId="LiveId" clId="{0E0E6E0D-F67B-4125-8FD1-98F3660D98D2}" dt="2019-06-12T19:51:24.644" v="191" actId="1076"/>
         <pc:sldMkLst>
           <pc:docMk/>
           <pc:sldMk cId="915150309" sldId="339"/>
         </pc:sldMkLst>
         <pc:spChg chg="add mod">
-          <ac:chgData name="Erkan ŞİRİN" userId="7f10ce1d6aaf8c5d" providerId="LiveId" clId="{0E0E6E0D-F67B-4125-8FD1-98F3660D98D2}" dt="2019-06-11T03:38:59.219" v="56" actId="1076"/>
+          <ac:chgData name="Erkan ŞİRİN" userId="7f10ce1d6aaf8c5d" providerId="LiveId" clId="{0E0E6E0D-F67B-4125-8FD1-98F3660D98D2}" dt="2019-06-12T19:49:13.964" v="105" actId="1076"/>
+          <ac:spMkLst>
+            <pc:docMk/>
+            <pc:sldMk cId="915150309" sldId="339"/>
+            <ac:spMk id="2" creationId="{C75F96FF-6A46-4881-9731-DF8F9F85D732}"/>
+          </ac:spMkLst>
+        </pc:spChg>
+        <pc:spChg chg="add mod">
+          <ac:chgData name="Erkan ŞİRİN" userId="7f10ce1d6aaf8c5d" providerId="LiveId" clId="{0E0E6E0D-F67B-4125-8FD1-98F3660D98D2}" dt="2019-06-12T19:50:28.628" v="174" actId="1076"/>
           <ac:spMkLst>
             <pc:docMk/>
             <pc:sldMk cId="915150309" sldId="339"/>
@@ -418,11 +444,51 @@
           </ac:spMkLst>
         </pc:spChg>
         <pc:spChg chg="add mod">
-          <ac:chgData name="Erkan ŞİRİN" userId="7f10ce1d6aaf8c5d" providerId="LiveId" clId="{0E0E6E0D-F67B-4125-8FD1-98F3660D98D2}" dt="2019-06-11T03:40:16.323" v="60" actId="1076"/>
+          <ac:chgData name="Erkan ŞİRİN" userId="7f10ce1d6aaf8c5d" providerId="LiveId" clId="{0E0E6E0D-F67B-4125-8FD1-98F3660D98D2}" dt="2019-06-12T19:49:50.940" v="140" actId="1076"/>
           <ac:spMkLst>
             <pc:docMk/>
             <pc:sldMk cId="915150309" sldId="339"/>
             <ac:spMk id="7" creationId="{1D61EBCE-31AA-48F0-8EE0-52989DAEFFDE}"/>
+          </ac:spMkLst>
+        </pc:spChg>
+        <pc:spChg chg="add mod">
+          <ac:chgData name="Erkan ŞİRİN" userId="7f10ce1d6aaf8c5d" providerId="LiveId" clId="{0E0E6E0D-F67B-4125-8FD1-98F3660D98D2}" dt="2019-06-12T19:51:24.644" v="191" actId="1076"/>
+          <ac:spMkLst>
+            <pc:docMk/>
+            <pc:sldMk cId="915150309" sldId="339"/>
+            <ac:spMk id="8" creationId="{5B34C7BD-5F9F-4405-9C4D-00441BB340B7}"/>
+          </ac:spMkLst>
+        </pc:spChg>
+        <pc:spChg chg="add mod">
+          <ac:chgData name="Erkan ŞİRİN" userId="7f10ce1d6aaf8c5d" providerId="LiveId" clId="{0E0E6E0D-F67B-4125-8FD1-98F3660D98D2}" dt="2019-06-12T19:49:40.140" v="136" actId="1076"/>
+          <ac:spMkLst>
+            <pc:docMk/>
+            <pc:sldMk cId="915150309" sldId="339"/>
+            <ac:spMk id="9" creationId="{9AC6C4DD-18B1-4B4E-8B1C-24435C353CC0}"/>
+          </ac:spMkLst>
+        </pc:spChg>
+        <pc:spChg chg="add mod">
+          <ac:chgData name="Erkan ŞİRİN" userId="7f10ce1d6aaf8c5d" providerId="LiveId" clId="{0E0E6E0D-F67B-4125-8FD1-98F3660D98D2}" dt="2019-06-12T19:50:24.436" v="173" actId="1076"/>
+          <ac:spMkLst>
+            <pc:docMk/>
+            <pc:sldMk cId="915150309" sldId="339"/>
+            <ac:spMk id="10" creationId="{47FBF739-3F5B-45FD-8107-1F72088D3BB6}"/>
+          </ac:spMkLst>
+        </pc:spChg>
+        <pc:spChg chg="add mod">
+          <ac:chgData name="Erkan ŞİRİN" userId="7f10ce1d6aaf8c5d" providerId="LiveId" clId="{0E0E6E0D-F67B-4125-8FD1-98F3660D98D2}" dt="2019-06-12T19:50:52.084" v="190" actId="1076"/>
+          <ac:spMkLst>
+            <pc:docMk/>
+            <pc:sldMk cId="915150309" sldId="339"/>
+            <ac:spMk id="11" creationId="{52D1EF34-F09A-46E2-AA0C-11FE99A49BD0}"/>
+          </ac:spMkLst>
+        </pc:spChg>
+        <pc:spChg chg="add mod">
+          <ac:chgData name="Erkan ŞİRİN" userId="7f10ce1d6aaf8c5d" providerId="LiveId" clId="{0E0E6E0D-F67B-4125-8FD1-98F3660D98D2}" dt="2019-06-12T19:50:47.611" v="189" actId="1076"/>
+          <ac:spMkLst>
+            <pc:docMk/>
+            <pc:sldMk cId="915150309" sldId="339"/>
+            <ac:spMk id="12" creationId="{B8449501-FF42-4F54-9AB4-EAB024C5090C}"/>
           </ac:spMkLst>
         </pc:spChg>
         <pc:picChg chg="add mod">
@@ -446,6 +512,68 @@
           <ac:picMkLst>
             <pc:docMk/>
             <pc:sldMk cId="915150309" sldId="339"/>
+            <ac:picMk id="6" creationId="{73CE6A87-7605-4AD9-97AC-889EDE878737}"/>
+          </ac:picMkLst>
+        </pc:picChg>
+      </pc:sldChg>
+      <pc:sldChg chg="addSp delSp modSp add ord">
+        <pc:chgData name="Erkan ŞİRİN" userId="7f10ce1d6aaf8c5d" providerId="LiveId" clId="{0E0E6E0D-F67B-4125-8FD1-98F3660D98D2}" dt="2019-06-12T19:39:21.541" v="82" actId="1076"/>
+        <pc:sldMkLst>
+          <pc:docMk/>
+          <pc:sldMk cId="1206312110" sldId="340"/>
+        </pc:sldMkLst>
+        <pc:spChg chg="add mod">
+          <ac:chgData name="Erkan ŞİRİN" userId="7f10ce1d6aaf8c5d" providerId="LiveId" clId="{0E0E6E0D-F67B-4125-8FD1-98F3660D98D2}" dt="2019-06-12T19:39:21.541" v="82" actId="1076"/>
+          <ac:spMkLst>
+            <pc:docMk/>
+            <pc:sldMk cId="1206312110" sldId="340"/>
+            <ac:spMk id="2" creationId="{804D80D6-B333-483D-9465-2443E76896B6}"/>
+          </ac:spMkLst>
+        </pc:spChg>
+        <pc:spChg chg="mod">
+          <ac:chgData name="Erkan ŞİRİN" userId="7f10ce1d6aaf8c5d" providerId="LiveId" clId="{0E0E6E0D-F67B-4125-8FD1-98F3660D98D2}" dt="2019-06-12T19:39:03.076" v="66" actId="1076"/>
+          <ac:spMkLst>
+            <pc:docMk/>
+            <pc:sldMk cId="1206312110" sldId="340"/>
+            <ac:spMk id="5" creationId="{2E79593C-AA84-4F0F-BB9B-1B5A70AC7FE0}"/>
+          </ac:spMkLst>
+        </pc:spChg>
+        <pc:spChg chg="del mod">
+          <ac:chgData name="Erkan ŞİRİN" userId="7f10ce1d6aaf8c5d" providerId="LiveId" clId="{0E0E6E0D-F67B-4125-8FD1-98F3660D98D2}" dt="2019-06-12T19:39:06.660" v="68" actId="478"/>
+          <ac:spMkLst>
+            <pc:docMk/>
+            <pc:sldMk cId="1206312110" sldId="340"/>
+            <ac:spMk id="7" creationId="{1D61EBCE-31AA-48F0-8EE0-52989DAEFFDE}"/>
+          </ac:spMkLst>
+        </pc:spChg>
+        <pc:picChg chg="del">
+          <ac:chgData name="Erkan ŞİRİN" userId="7f10ce1d6aaf8c5d" providerId="LiveId" clId="{0E0E6E0D-F67B-4125-8FD1-98F3660D98D2}" dt="2019-06-12T19:38:49.790" v="63" actId="478"/>
+          <ac:picMkLst>
+            <pc:docMk/>
+            <pc:sldMk cId="1206312110" sldId="340"/>
+            <ac:picMk id="3" creationId="{3DC4C4A6-EADF-4792-B7B6-0FFFF50F4D75}"/>
+          </ac:picMkLst>
+        </pc:picChg>
+      </pc:sldChg>
+      <pc:sldChg chg="addSp delSp modSp add">
+        <pc:chgData name="Erkan ŞİRİN" userId="7f10ce1d6aaf8c5d" providerId="LiveId" clId="{0E0E6E0D-F67B-4125-8FD1-98F3660D98D2}" dt="2019-06-12T19:46:33.348" v="97"/>
+        <pc:sldMkLst>
+          <pc:docMk/>
+          <pc:sldMk cId="2201042094" sldId="341"/>
+        </pc:sldMkLst>
+        <pc:picChg chg="add mod">
+          <ac:chgData name="Erkan ŞİRİN" userId="7f10ce1d6aaf8c5d" providerId="LiveId" clId="{0E0E6E0D-F67B-4125-8FD1-98F3660D98D2}" dt="2019-06-12T19:46:33.348" v="97"/>
+          <ac:picMkLst>
+            <pc:docMk/>
+            <pc:sldMk cId="2201042094" sldId="341"/>
+            <ac:picMk id="2" creationId="{01A57F16-493D-405C-836C-6B2E4612C891}"/>
+          </ac:picMkLst>
+        </pc:picChg>
+        <pc:picChg chg="del">
+          <ac:chgData name="Erkan ŞİRİN" userId="7f10ce1d6aaf8c5d" providerId="LiveId" clId="{0E0E6E0D-F67B-4125-8FD1-98F3660D98D2}" dt="2019-06-12T19:45:49.439" v="92" actId="478"/>
+          <ac:picMkLst>
+            <pc:docMk/>
+            <pc:sldMk cId="2201042094" sldId="341"/>
             <ac:picMk id="6" creationId="{73CE6A87-7605-4AD9-97AC-889EDE878737}"/>
           </ac:picMkLst>
         </pc:picChg>
@@ -602,7 +730,7 @@
           <a:p>
             <a:fld id="{BAB971F1-0A24-473E-8A66-D77E329B588E}" type="datetimeFigureOut">
               <a:rPr lang="tr-TR" smtClean="0"/>
-              <a:t>11.06.2019</a:t>
+              <a:t>12.06.2019</a:t>
             </a:fld>
             <a:endParaRPr lang="tr-TR"/>
           </a:p>
@@ -800,7 +928,7 @@
           <a:p>
             <a:fld id="{BAB971F1-0A24-473E-8A66-D77E329B588E}" type="datetimeFigureOut">
               <a:rPr lang="tr-TR" smtClean="0"/>
-              <a:t>11.06.2019</a:t>
+              <a:t>12.06.2019</a:t>
             </a:fld>
             <a:endParaRPr lang="tr-TR"/>
           </a:p>
@@ -1008,7 +1136,7 @@
           <a:p>
             <a:fld id="{BAB971F1-0A24-473E-8A66-D77E329B588E}" type="datetimeFigureOut">
               <a:rPr lang="tr-TR" smtClean="0"/>
-              <a:t>11.06.2019</a:t>
+              <a:t>12.06.2019</a:t>
             </a:fld>
             <a:endParaRPr lang="tr-TR"/>
           </a:p>
@@ -1206,7 +1334,7 @@
           <a:p>
             <a:fld id="{BAB971F1-0A24-473E-8A66-D77E329B588E}" type="datetimeFigureOut">
               <a:rPr lang="tr-TR" smtClean="0"/>
-              <a:t>11.06.2019</a:t>
+              <a:t>12.06.2019</a:t>
             </a:fld>
             <a:endParaRPr lang="tr-TR"/>
           </a:p>
@@ -1481,7 +1609,7 @@
           <a:p>
             <a:fld id="{BAB971F1-0A24-473E-8A66-D77E329B588E}" type="datetimeFigureOut">
               <a:rPr lang="tr-TR" smtClean="0"/>
-              <a:t>11.06.2019</a:t>
+              <a:t>12.06.2019</a:t>
             </a:fld>
             <a:endParaRPr lang="tr-TR"/>
           </a:p>
@@ -1746,7 +1874,7 @@
           <a:p>
             <a:fld id="{BAB971F1-0A24-473E-8A66-D77E329B588E}" type="datetimeFigureOut">
               <a:rPr lang="tr-TR" smtClean="0"/>
-              <a:t>11.06.2019</a:t>
+              <a:t>12.06.2019</a:t>
             </a:fld>
             <a:endParaRPr lang="tr-TR"/>
           </a:p>
@@ -2158,7 +2286,7 @@
           <a:p>
             <a:fld id="{BAB971F1-0A24-473E-8A66-D77E329B588E}" type="datetimeFigureOut">
               <a:rPr lang="tr-TR" smtClean="0"/>
-              <a:t>11.06.2019</a:t>
+              <a:t>12.06.2019</a:t>
             </a:fld>
             <a:endParaRPr lang="tr-TR"/>
           </a:p>
@@ -2299,7 +2427,7 @@
           <a:p>
             <a:fld id="{BAB971F1-0A24-473E-8A66-D77E329B588E}" type="datetimeFigureOut">
               <a:rPr lang="tr-TR" smtClean="0"/>
-              <a:t>11.06.2019</a:t>
+              <a:t>12.06.2019</a:t>
             </a:fld>
             <a:endParaRPr lang="tr-TR"/>
           </a:p>
@@ -2412,7 +2540,7 @@
           <a:p>
             <a:fld id="{BAB971F1-0A24-473E-8A66-D77E329B588E}" type="datetimeFigureOut">
               <a:rPr lang="tr-TR" smtClean="0"/>
-              <a:t>11.06.2019</a:t>
+              <a:t>12.06.2019</a:t>
             </a:fld>
             <a:endParaRPr lang="tr-TR"/>
           </a:p>
@@ -2723,7 +2851,7 @@
           <a:p>
             <a:fld id="{BAB971F1-0A24-473E-8A66-D77E329B588E}" type="datetimeFigureOut">
               <a:rPr lang="tr-TR" smtClean="0"/>
-              <a:t>11.06.2019</a:t>
+              <a:t>12.06.2019</a:t>
             </a:fld>
             <a:endParaRPr lang="tr-TR"/>
           </a:p>
@@ -3011,7 +3139,7 @@
           <a:p>
             <a:fld id="{BAB971F1-0A24-473E-8A66-D77E329B588E}" type="datetimeFigureOut">
               <a:rPr lang="tr-TR" smtClean="0"/>
-              <a:t>11.06.2019</a:t>
+              <a:t>12.06.2019</a:t>
             </a:fld>
             <a:endParaRPr lang="tr-TR"/>
           </a:p>
@@ -3252,7 +3380,7 @@
           <a:p>
             <a:fld id="{BAB971F1-0A24-473E-8A66-D77E329B588E}" type="datetimeFigureOut">
               <a:rPr lang="tr-TR" smtClean="0"/>
-              <a:t>11.06.2019</a:t>
+              <a:t>12.06.2019</a:t>
             </a:fld>
             <a:endParaRPr lang="tr-TR"/>
           </a:p>
@@ -5821,84 +5949,87 @@
           </a:p>
         </p:txBody>
       </p:sp>
-      <p:pic>
-        <p:nvPicPr>
-          <p:cNvPr id="4" name="Resim 3">
-            <a:hlinkClick r:id="rId2"/>
-            <a:extLst>
-              <a:ext uri="{FF2B5EF4-FFF2-40B4-BE49-F238E27FC236}">
-                <a16:creationId xmlns:a16="http://schemas.microsoft.com/office/drawing/2014/main" id="{1E603009-26E8-469D-8544-D43F291576DE}"/>
-              </a:ext>
-            </a:extLst>
-          </p:cNvPr>
-          <p:cNvPicPr>
-            <a:picLocks noChangeAspect="1"/>
-          </p:cNvPicPr>
+      <p:sp>
+        <p:nvSpPr>
+          <p:cNvPr id="5" name="Dikdörtgen 4">
+            <a:extLst>
+              <a:ext uri="{FF2B5EF4-FFF2-40B4-BE49-F238E27FC236}">
+                <a16:creationId xmlns:a16="http://schemas.microsoft.com/office/drawing/2014/main" id="{2E79593C-AA84-4F0F-BB9B-1B5A70AC7FE0}"/>
+              </a:ext>
+            </a:extLst>
+          </p:cNvPr>
+          <p:cNvSpPr/>
           <p:nvPr/>
-        </p:nvPicPr>
-        <p:blipFill>
-          <a:blip r:embed="rId3">
-            <a:extLst>
-              <a:ext uri="{28A0092B-C50C-407E-A947-70E740481C1C}">
-                <a14:useLocalDpi xmlns:a14="http://schemas.microsoft.com/office/drawing/2010/main" val="0"/>
-              </a:ext>
-            </a:extLst>
-          </a:blip>
-          <a:stretch>
-            <a:fillRect/>
-          </a:stretch>
-        </p:blipFill>
+        </p:nvSpPr>
         <p:spPr>
           <a:xfrm>
-            <a:off x="1650999" y="1494472"/>
-            <a:ext cx="3629025" cy="4752975"/>
+            <a:off x="2816354" y="1874857"/>
+            <a:ext cx="5602111" cy="461665"/>
           </a:xfrm>
           <a:prstGeom prst="rect">
             <a:avLst/>
           </a:prstGeom>
         </p:spPr>
-      </p:pic>
-      <p:pic>
-        <p:nvPicPr>
-          <p:cNvPr id="6" name="Resim 5">
-            <a:hlinkClick r:id="rId4"/>
-            <a:extLst>
-              <a:ext uri="{FF2B5EF4-FFF2-40B4-BE49-F238E27FC236}">
-                <a16:creationId xmlns:a16="http://schemas.microsoft.com/office/drawing/2014/main" id="{73CE6A87-7605-4AD9-97AC-889EDE878737}"/>
-              </a:ext>
-            </a:extLst>
-          </p:cNvPr>
-          <p:cNvPicPr>
-            <a:picLocks noChangeAspect="1"/>
-          </p:cNvPicPr>
+        <p:txBody>
+          <a:bodyPr wrap="none">
+            <a:spAutoFit/>
+          </a:bodyPr>
+          <a:lstStyle/>
+          <a:p>
+            <a:r>
+              <a:rPr lang="tr-TR" sz="2400" dirty="0">
+                <a:hlinkClick r:id="rId2"/>
+              </a:rPr>
+              <a:t>https://belgeler.yazbel.com/python-istihza/</a:t>
+            </a:r>
+            <a:endParaRPr lang="tr-TR" sz="2400" dirty="0"/>
+          </a:p>
+        </p:txBody>
+      </p:sp>
+      <p:sp>
+        <p:nvSpPr>
+          <p:cNvPr id="2" name="Dikdörtgen 1">
+            <a:extLst>
+              <a:ext uri="{FF2B5EF4-FFF2-40B4-BE49-F238E27FC236}">
+                <a16:creationId xmlns:a16="http://schemas.microsoft.com/office/drawing/2014/main" id="{804D80D6-B333-483D-9465-2443E76896B6}"/>
+              </a:ext>
+            </a:extLst>
+          </p:cNvPr>
+          <p:cNvSpPr/>
           <p:nvPr/>
-        </p:nvPicPr>
-        <p:blipFill>
-          <a:blip r:embed="rId5">
-            <a:extLst>
-              <a:ext uri="{28A0092B-C50C-407E-A947-70E740481C1C}">
-                <a14:useLocalDpi xmlns:a14="http://schemas.microsoft.com/office/drawing/2010/main" val="0"/>
-              </a:ext>
-            </a:extLst>
-          </a:blip>
-          <a:stretch>
-            <a:fillRect/>
-          </a:stretch>
-        </p:blipFill>
+        </p:nvSpPr>
         <p:spPr>
           <a:xfrm>
-            <a:off x="6637984" y="1494472"/>
-            <a:ext cx="3623615" cy="4752975"/>
+            <a:off x="4887994" y="1505525"/>
+            <a:ext cx="1680781" cy="369332"/>
           </a:xfrm>
           <a:prstGeom prst="rect">
             <a:avLst/>
           </a:prstGeom>
         </p:spPr>
-      </p:pic>
+        <p:txBody>
+          <a:bodyPr wrap="none">
+            <a:spAutoFit/>
+          </a:bodyPr>
+          <a:lstStyle/>
+          <a:p>
+            <a:r>
+              <a:rPr lang="tr-TR" b="1" dirty="0">
+                <a:solidFill>
+                  <a:srgbClr val="FF4D4D"/>
+                </a:solidFill>
+                <a:latin typeface="Roboto"/>
+              </a:rPr>
+              <a:t>Python Temel</a:t>
+            </a:r>
+            <a:endParaRPr lang="tr-TR" dirty="0"/>
+          </a:p>
+        </p:txBody>
+      </p:sp>
     </p:spTree>
     <p:extLst>
       <p:ext uri="{BB962C8B-B14F-4D97-AF65-F5344CB8AC3E}">
-        <p14:creationId xmlns:p14="http://schemas.microsoft.com/office/powerpoint/2010/main" val="1944784783"/>
+        <p14:creationId xmlns:p14="http://schemas.microsoft.com/office/powerpoint/2010/main" val="1206312110"/>
       </p:ext>
     </p:extLst>
   </p:cSld>
@@ -5974,6 +6105,313 @@
       </p:sp>
       <p:pic>
         <p:nvPicPr>
+          <p:cNvPr id="6" name="Resim 5">
+            <a:hlinkClick r:id="rId2"/>
+            <a:extLst>
+              <a:ext uri="{FF2B5EF4-FFF2-40B4-BE49-F238E27FC236}">
+                <a16:creationId xmlns:a16="http://schemas.microsoft.com/office/drawing/2014/main" id="{73CE6A87-7605-4AD9-97AC-889EDE878737}"/>
+              </a:ext>
+            </a:extLst>
+          </p:cNvPr>
+          <p:cNvPicPr>
+            <a:picLocks noChangeAspect="1"/>
+          </p:cNvPicPr>
+          <p:nvPr/>
+        </p:nvPicPr>
+        <p:blipFill>
+          <a:blip r:embed="rId3">
+            <a:extLst>
+              <a:ext uri="{28A0092B-C50C-407E-A947-70E740481C1C}">
+                <a14:useLocalDpi xmlns:a14="http://schemas.microsoft.com/office/drawing/2010/main" val="0"/>
+              </a:ext>
+            </a:extLst>
+          </a:blip>
+          <a:stretch>
+            <a:fillRect/>
+          </a:stretch>
+        </p:blipFill>
+        <p:spPr>
+          <a:xfrm>
+            <a:off x="6637984" y="1494472"/>
+            <a:ext cx="3623615" cy="4752975"/>
+          </a:xfrm>
+          <a:prstGeom prst="rect">
+            <a:avLst/>
+          </a:prstGeom>
+        </p:spPr>
+      </p:pic>
+      <p:pic>
+        <p:nvPicPr>
+          <p:cNvPr id="1026" name="Picture 2" descr="Book Cover">
+            <a:hlinkClick r:id="rId4"/>
+            <a:extLst>
+              <a:ext uri="{FF2B5EF4-FFF2-40B4-BE49-F238E27FC236}">
+                <a16:creationId xmlns:a16="http://schemas.microsoft.com/office/drawing/2014/main" id="{E6D06054-73FC-444F-9E17-06053F321B5E}"/>
+              </a:ext>
+            </a:extLst>
+          </p:cNvPr>
+          <p:cNvPicPr>
+            <a:picLocks noChangeAspect="1" noChangeArrowheads="1"/>
+          </p:cNvPicPr>
+          <p:nvPr/>
+        </p:nvPicPr>
+        <p:blipFill>
+          <a:blip r:embed="rId5">
+            <a:extLst>
+              <a:ext uri="{28A0092B-C50C-407E-A947-70E740481C1C}">
+                <a14:useLocalDpi xmlns:a14="http://schemas.microsoft.com/office/drawing/2010/main" val="0"/>
+              </a:ext>
+            </a:extLst>
+          </a:blip>
+          <a:srcRect/>
+          <a:stretch>
+            <a:fillRect/>
+          </a:stretch>
+        </p:blipFill>
+        <p:spPr bwMode="auto">
+          <a:xfrm>
+            <a:off x="1457961" y="1494472"/>
+            <a:ext cx="3600450" cy="4752975"/>
+          </a:xfrm>
+          <a:prstGeom prst="rect">
+            <a:avLst/>
+          </a:prstGeom>
+          <a:noFill/>
+          <a:extLst>
+            <a:ext uri="{909E8E84-426E-40DD-AFC4-6F175D3DCCD1}">
+              <a14:hiddenFill xmlns:a14="http://schemas.microsoft.com/office/drawing/2010/main">
+                <a:solidFill>
+                  <a:srgbClr val="FFFFFF"/>
+                </a:solidFill>
+              </a14:hiddenFill>
+            </a:ext>
+          </a:extLst>
+        </p:spPr>
+      </p:pic>
+    </p:spTree>
+    <p:extLst>
+      <p:ext uri="{BB962C8B-B14F-4D97-AF65-F5344CB8AC3E}">
+        <p14:creationId xmlns:p14="http://schemas.microsoft.com/office/powerpoint/2010/main" val="1944784783"/>
+      </p:ext>
+    </p:extLst>
+  </p:cSld>
+  <p:clrMapOvr>
+    <a:masterClrMapping/>
+  </p:clrMapOvr>
+  <p:transition spd="slow">
+    <p:push dir="u"/>
+  </p:transition>
+</p:sld>
+</file>
+
+<file path=ppt/slides/slide8.xml><?xml version="1.0" encoding="utf-8"?>
+<p:sld xmlns:a="http://schemas.openxmlformats.org/drawingml/2006/main" xmlns:r="http://schemas.openxmlformats.org/officeDocument/2006/relationships" xmlns:p="http://schemas.openxmlformats.org/presentationml/2006/main">
+  <p:cSld>
+    <p:spTree>
+      <p:nvGrpSpPr>
+        <p:cNvPr id="1" name=""/>
+        <p:cNvGrpSpPr/>
+        <p:nvPr/>
+      </p:nvGrpSpPr>
+      <p:grpSpPr>
+        <a:xfrm>
+          <a:off x="0" y="0"/>
+          <a:ext cx="0" cy="0"/>
+          <a:chOff x="0" y="0"/>
+          <a:chExt cx="0" cy="0"/>
+        </a:xfrm>
+      </p:grpSpPr>
+      <p:sp>
+        <p:nvSpPr>
+          <p:cNvPr id="16" name="Unvan 1"/>
+          <p:cNvSpPr>
+            <a:spLocks noGrp="1"/>
+          </p:cNvSpPr>
+          <p:nvPr>
+            <p:ph type="ctrTitle"/>
+          </p:nvPr>
+        </p:nvSpPr>
+        <p:spPr>
+          <a:xfrm>
+            <a:off x="1650999" y="369937"/>
+            <a:ext cx="8610600" cy="619433"/>
+          </a:xfrm>
+        </p:spPr>
+        <p:txBody>
+          <a:bodyPr>
+            <a:noAutofit/>
+          </a:bodyPr>
+          <a:lstStyle/>
+          <a:p>
+            <a:r>
+              <a:rPr lang="tr-TR" sz="4000" b="1" dirty="0">
+                <a:solidFill>
+                  <a:srgbClr val="FF4D4D"/>
+                </a:solidFill>
+                <a:latin typeface="Roboto"/>
+                <a:ea typeface="+mn-ea"/>
+                <a:cs typeface="+mn-cs"/>
+              </a:rPr>
+              <a:t>Tavsiye Edilen Kaynaklar</a:t>
+            </a:r>
+            <a:endParaRPr lang="en-US" sz="4000" b="1" dirty="0">
+              <a:solidFill>
+                <a:srgbClr val="FF4D4D"/>
+              </a:solidFill>
+              <a:latin typeface="Roboto"/>
+              <a:ea typeface="+mn-ea"/>
+              <a:cs typeface="+mn-cs"/>
+            </a:endParaRPr>
+          </a:p>
+        </p:txBody>
+      </p:sp>
+      <p:pic>
+        <p:nvPicPr>
+          <p:cNvPr id="4" name="Resim 3">
+            <a:hlinkClick r:id="rId2"/>
+            <a:extLst>
+              <a:ext uri="{FF2B5EF4-FFF2-40B4-BE49-F238E27FC236}">
+                <a16:creationId xmlns:a16="http://schemas.microsoft.com/office/drawing/2014/main" id="{1E603009-26E8-469D-8544-D43F291576DE}"/>
+              </a:ext>
+            </a:extLst>
+          </p:cNvPr>
+          <p:cNvPicPr>
+            <a:picLocks noChangeAspect="1"/>
+          </p:cNvPicPr>
+          <p:nvPr/>
+        </p:nvPicPr>
+        <p:blipFill>
+          <a:blip r:embed="rId3">
+            <a:extLst>
+              <a:ext uri="{28A0092B-C50C-407E-A947-70E740481C1C}">
+                <a14:useLocalDpi xmlns:a14="http://schemas.microsoft.com/office/drawing/2010/main" val="0"/>
+              </a:ext>
+            </a:extLst>
+          </a:blip>
+          <a:stretch>
+            <a:fillRect/>
+          </a:stretch>
+        </p:blipFill>
+        <p:spPr>
+          <a:xfrm>
+            <a:off x="1650999" y="1494472"/>
+            <a:ext cx="3629025" cy="4752975"/>
+          </a:xfrm>
+          <a:prstGeom prst="rect">
+            <a:avLst/>
+          </a:prstGeom>
+        </p:spPr>
+      </p:pic>
+      <p:pic>
+        <p:nvPicPr>
+          <p:cNvPr id="2" name="Resim 1">
+            <a:hlinkClick r:id="rId4"/>
+            <a:extLst>
+              <a:ext uri="{FF2B5EF4-FFF2-40B4-BE49-F238E27FC236}">
+                <a16:creationId xmlns:a16="http://schemas.microsoft.com/office/drawing/2014/main" id="{01A57F16-493D-405C-836C-6B2E4612C891}"/>
+              </a:ext>
+            </a:extLst>
+          </p:cNvPr>
+          <p:cNvPicPr>
+            <a:picLocks noChangeAspect="1"/>
+          </p:cNvPicPr>
+          <p:nvPr/>
+        </p:nvPicPr>
+        <p:blipFill>
+          <a:blip r:embed="rId5"/>
+          <a:stretch>
+            <a:fillRect/>
+          </a:stretch>
+        </p:blipFill>
+        <p:spPr>
+          <a:xfrm>
+            <a:off x="6787912" y="1494472"/>
+            <a:ext cx="3753089" cy="4659876"/>
+          </a:xfrm>
+          <a:prstGeom prst="rect">
+            <a:avLst/>
+          </a:prstGeom>
+        </p:spPr>
+      </p:pic>
+    </p:spTree>
+    <p:extLst>
+      <p:ext uri="{BB962C8B-B14F-4D97-AF65-F5344CB8AC3E}">
+        <p14:creationId xmlns:p14="http://schemas.microsoft.com/office/powerpoint/2010/main" val="2201042094"/>
+      </p:ext>
+    </p:extLst>
+  </p:cSld>
+  <p:clrMapOvr>
+    <a:masterClrMapping/>
+  </p:clrMapOvr>
+  <p:transition spd="slow">
+    <p:push dir="u"/>
+  </p:transition>
+</p:sld>
+</file>
+
+<file path=ppt/slides/slide9.xml><?xml version="1.0" encoding="utf-8"?>
+<p:sld xmlns:a="http://schemas.openxmlformats.org/drawingml/2006/main" xmlns:r="http://schemas.openxmlformats.org/officeDocument/2006/relationships" xmlns:p="http://schemas.openxmlformats.org/presentationml/2006/main">
+  <p:cSld>
+    <p:spTree>
+      <p:nvGrpSpPr>
+        <p:cNvPr id="1" name=""/>
+        <p:cNvGrpSpPr/>
+        <p:nvPr/>
+      </p:nvGrpSpPr>
+      <p:grpSpPr>
+        <a:xfrm>
+          <a:off x="0" y="0"/>
+          <a:ext cx="0" cy="0"/>
+          <a:chOff x="0" y="0"/>
+          <a:chExt cx="0" cy="0"/>
+        </a:xfrm>
+      </p:grpSpPr>
+      <p:sp>
+        <p:nvSpPr>
+          <p:cNvPr id="16" name="Unvan 1"/>
+          <p:cNvSpPr>
+            <a:spLocks noGrp="1"/>
+          </p:cNvSpPr>
+          <p:nvPr>
+            <p:ph type="ctrTitle"/>
+          </p:nvPr>
+        </p:nvSpPr>
+        <p:spPr>
+          <a:xfrm>
+            <a:off x="1650999" y="369937"/>
+            <a:ext cx="8610600" cy="619433"/>
+          </a:xfrm>
+        </p:spPr>
+        <p:txBody>
+          <a:bodyPr>
+            <a:noAutofit/>
+          </a:bodyPr>
+          <a:lstStyle/>
+          <a:p>
+            <a:r>
+              <a:rPr lang="tr-TR" sz="4000" b="1" dirty="0">
+                <a:solidFill>
+                  <a:srgbClr val="FF4D4D"/>
+                </a:solidFill>
+                <a:latin typeface="Roboto"/>
+                <a:ea typeface="+mn-ea"/>
+                <a:cs typeface="+mn-cs"/>
+              </a:rPr>
+              <a:t>Tavsiye Edilen Kaynaklar</a:t>
+            </a:r>
+            <a:endParaRPr lang="en-US" sz="4000" b="1" dirty="0">
+              <a:solidFill>
+                <a:srgbClr val="FF4D4D"/>
+              </a:solidFill>
+              <a:latin typeface="Roboto"/>
+              <a:ea typeface="+mn-ea"/>
+              <a:cs typeface="+mn-cs"/>
+            </a:endParaRPr>
+          </a:p>
+        </p:txBody>
+      </p:sp>
+      <p:pic>
+        <p:nvPicPr>
           <p:cNvPr id="3" name="Resim 2">
             <a:hlinkClick r:id="rId2"/>
             <a:extLst>
@@ -6023,7 +6461,7 @@
         </p:nvSpPr>
         <p:spPr>
           <a:xfrm>
-            <a:off x="5894834" y="1705094"/>
+            <a:off x="5894834" y="1885177"/>
             <a:ext cx="5389617" cy="461665"/>
           </a:xfrm>
           <a:prstGeom prst="rect">
@@ -6060,7 +6498,7 @@
         </p:nvSpPr>
         <p:spPr>
           <a:xfrm>
-            <a:off x="5894834" y="2229842"/>
+            <a:off x="5894834" y="3133466"/>
             <a:ext cx="5647443" cy="461665"/>
           </a:xfrm>
           <a:prstGeom prst="rect">
@@ -6080,6 +6518,285 @@
               <a:t>https://www.udemy.com/machinelearning/</a:t>
             </a:r>
             <a:endParaRPr lang="tr-TR" sz="2400" dirty="0"/>
+          </a:p>
+        </p:txBody>
+      </p:sp>
+      <p:sp>
+        <p:nvSpPr>
+          <p:cNvPr id="2" name="Dikdörtgen 1">
+            <a:extLst>
+              <a:ext uri="{FF2B5EF4-FFF2-40B4-BE49-F238E27FC236}">
+                <a16:creationId xmlns:a16="http://schemas.microsoft.com/office/drawing/2014/main" id="{C75F96FF-6A46-4881-9731-DF8F9F85D732}"/>
+              </a:ext>
+            </a:extLst>
+          </p:cNvPr>
+          <p:cNvSpPr/>
+          <p:nvPr/>
+        </p:nvSpPr>
+        <p:spPr>
+          <a:xfrm>
+            <a:off x="5894834" y="4344849"/>
+            <a:ext cx="6049285" cy="461665"/>
+          </a:xfrm>
+          <a:prstGeom prst="rect">
+            <a:avLst/>
+          </a:prstGeom>
+        </p:spPr>
+        <p:txBody>
+          <a:bodyPr wrap="none">
+            <a:spAutoFit/>
+          </a:bodyPr>
+          <a:lstStyle/>
+          <a:p>
+            <a:r>
+              <a:rPr lang="tr-TR" sz="2400" dirty="0">
+                <a:hlinkClick r:id="rId6"/>
+              </a:rPr>
+              <a:t>https://www.udemy.com/apache-spark-egitimi</a:t>
+            </a:r>
+            <a:endParaRPr lang="tr-TR" sz="2400" dirty="0"/>
+          </a:p>
+        </p:txBody>
+      </p:sp>
+      <p:sp>
+        <p:nvSpPr>
+          <p:cNvPr id="8" name="Dikdörtgen 7">
+            <a:extLst>
+              <a:ext uri="{FF2B5EF4-FFF2-40B4-BE49-F238E27FC236}">
+                <a16:creationId xmlns:a16="http://schemas.microsoft.com/office/drawing/2014/main" id="{5B34C7BD-5F9F-4405-9C4D-00441BB340B7}"/>
+              </a:ext>
+            </a:extLst>
+          </p:cNvPr>
+          <p:cNvSpPr/>
+          <p:nvPr/>
+        </p:nvSpPr>
+        <p:spPr>
+          <a:xfrm>
+            <a:off x="6095311" y="5646727"/>
+            <a:ext cx="5602111" cy="461665"/>
+          </a:xfrm>
+          <a:prstGeom prst="rect">
+            <a:avLst/>
+          </a:prstGeom>
+        </p:spPr>
+        <p:txBody>
+          <a:bodyPr wrap="none">
+            <a:spAutoFit/>
+          </a:bodyPr>
+          <a:lstStyle/>
+          <a:p>
+            <a:r>
+              <a:rPr lang="tr-TR" sz="2400" dirty="0">
+                <a:hlinkClick r:id="rId7"/>
+              </a:rPr>
+              <a:t>https://belgeler.yazbel.com/python-istihza/</a:t>
+            </a:r>
+            <a:endParaRPr lang="tr-TR" sz="2400" dirty="0"/>
+          </a:p>
+        </p:txBody>
+      </p:sp>
+      <p:sp>
+        <p:nvSpPr>
+          <p:cNvPr id="9" name="Dikdörtgen 8">
+            <a:extLst>
+              <a:ext uri="{FF2B5EF4-FFF2-40B4-BE49-F238E27FC236}">
+                <a16:creationId xmlns:a16="http://schemas.microsoft.com/office/drawing/2014/main" id="{9AC6C4DD-18B1-4B4E-8B1C-24435C353CC0}"/>
+              </a:ext>
+            </a:extLst>
+          </p:cNvPr>
+          <p:cNvSpPr/>
+          <p:nvPr/>
+        </p:nvSpPr>
+        <p:spPr>
+          <a:xfrm>
+            <a:off x="7284215" y="5157371"/>
+            <a:ext cx="2501519" cy="369332"/>
+          </a:xfrm>
+          <a:prstGeom prst="rect">
+            <a:avLst/>
+          </a:prstGeom>
+        </p:spPr>
+        <p:txBody>
+          <a:bodyPr wrap="none">
+            <a:spAutoFit/>
+          </a:bodyPr>
+          <a:lstStyle/>
+          <a:p>
+            <a:r>
+              <a:rPr lang="tr-TR" b="1" dirty="0">
+                <a:solidFill>
+                  <a:srgbClr val="FF4D4D"/>
+                </a:solidFill>
+                <a:latin typeface="Roboto"/>
+              </a:rPr>
+              <a:t>Python Temel Türkçe</a:t>
+            </a:r>
+            <a:endParaRPr lang="tr-TR" dirty="0"/>
+          </a:p>
+        </p:txBody>
+      </p:sp>
+      <p:sp>
+        <p:nvSpPr>
+          <p:cNvPr id="10" name="Dikdörtgen 9">
+            <a:extLst>
+              <a:ext uri="{FF2B5EF4-FFF2-40B4-BE49-F238E27FC236}">
+                <a16:creationId xmlns:a16="http://schemas.microsoft.com/office/drawing/2014/main" id="{47FBF739-3F5B-45FD-8107-1F72088D3BB6}"/>
+              </a:ext>
+            </a:extLst>
+          </p:cNvPr>
+          <p:cNvSpPr/>
+          <p:nvPr/>
+        </p:nvSpPr>
+        <p:spPr>
+          <a:xfrm>
+            <a:off x="6458289" y="3906936"/>
+            <a:ext cx="4262705" cy="369332"/>
+          </a:xfrm>
+          <a:prstGeom prst="rect">
+            <a:avLst/>
+          </a:prstGeom>
+        </p:spPr>
+        <p:txBody>
+          <a:bodyPr wrap="none">
+            <a:spAutoFit/>
+          </a:bodyPr>
+          <a:lstStyle/>
+          <a:p>
+            <a:r>
+              <a:rPr lang="tr-TR" b="1" dirty="0">
+                <a:solidFill>
+                  <a:srgbClr val="FF4D4D"/>
+                </a:solidFill>
+                <a:latin typeface="Roboto"/>
+              </a:rPr>
+              <a:t>Spark </a:t>
+            </a:r>
+            <a:r>
+              <a:rPr lang="tr-TR" b="1" dirty="0" err="1">
+                <a:solidFill>
+                  <a:srgbClr val="FF4D4D"/>
+                </a:solidFill>
+                <a:latin typeface="Roboto"/>
+              </a:rPr>
+              <a:t>Python&amp;Scala</a:t>
+            </a:r>
+            <a:r>
+              <a:rPr lang="tr-TR" b="1" dirty="0">
+                <a:solidFill>
+                  <a:srgbClr val="FF4D4D"/>
+                </a:solidFill>
+                <a:latin typeface="Roboto"/>
+              </a:rPr>
+              <a:t> </a:t>
+            </a:r>
+            <a:r>
+              <a:rPr lang="tr-TR" b="1" dirty="0" err="1">
+                <a:solidFill>
+                  <a:srgbClr val="FF4D4D"/>
+                </a:solidFill>
+                <a:latin typeface="Roboto"/>
+              </a:rPr>
+              <a:t>Big</a:t>
+            </a:r>
+            <a:r>
+              <a:rPr lang="tr-TR" b="1" dirty="0">
+                <a:solidFill>
+                  <a:srgbClr val="FF4D4D"/>
+                </a:solidFill>
+                <a:latin typeface="Roboto"/>
+              </a:rPr>
+              <a:t> Data Türkçe</a:t>
+            </a:r>
+            <a:endParaRPr lang="tr-TR" dirty="0"/>
+          </a:p>
+        </p:txBody>
+      </p:sp>
+      <p:sp>
+        <p:nvSpPr>
+          <p:cNvPr id="11" name="Dikdörtgen 10">
+            <a:extLst>
+              <a:ext uri="{FF2B5EF4-FFF2-40B4-BE49-F238E27FC236}">
+                <a16:creationId xmlns:a16="http://schemas.microsoft.com/office/drawing/2014/main" id="{52D1EF34-F09A-46E2-AA0C-11FE99A49BD0}"/>
+              </a:ext>
+            </a:extLst>
+          </p:cNvPr>
+          <p:cNvSpPr/>
+          <p:nvPr/>
+        </p:nvSpPr>
+        <p:spPr>
+          <a:xfrm>
+            <a:off x="7345904" y="2758717"/>
+            <a:ext cx="2274982" cy="369332"/>
+          </a:xfrm>
+          <a:prstGeom prst="rect">
+            <a:avLst/>
+          </a:prstGeom>
+        </p:spPr>
+        <p:txBody>
+          <a:bodyPr wrap="none">
+            <a:spAutoFit/>
+          </a:bodyPr>
+          <a:lstStyle/>
+          <a:p>
+            <a:r>
+              <a:rPr lang="tr-TR" b="1" dirty="0" err="1">
+                <a:solidFill>
+                  <a:srgbClr val="FF4D4D"/>
+                </a:solidFill>
+                <a:latin typeface="Roboto"/>
+              </a:rPr>
+              <a:t>Python&amp;R</a:t>
+            </a:r>
+            <a:r>
+              <a:rPr lang="tr-TR" b="1" dirty="0">
+                <a:solidFill>
+                  <a:srgbClr val="FF4D4D"/>
+                </a:solidFill>
+                <a:latin typeface="Roboto"/>
+              </a:rPr>
+              <a:t> İngilizce</a:t>
+            </a:r>
+            <a:endParaRPr lang="tr-TR" dirty="0"/>
+          </a:p>
+        </p:txBody>
+      </p:sp>
+      <p:sp>
+        <p:nvSpPr>
+          <p:cNvPr id="12" name="Dikdörtgen 11">
+            <a:extLst>
+              <a:ext uri="{FF2B5EF4-FFF2-40B4-BE49-F238E27FC236}">
+                <a16:creationId xmlns:a16="http://schemas.microsoft.com/office/drawing/2014/main" id="{B8449501-FF42-4F54-9AB4-EAB024C5090C}"/>
+              </a:ext>
+            </a:extLst>
+          </p:cNvPr>
+          <p:cNvSpPr/>
+          <p:nvPr/>
+        </p:nvSpPr>
+        <p:spPr>
+          <a:xfrm>
+            <a:off x="7527871" y="1573372"/>
+            <a:ext cx="1787669" cy="369332"/>
+          </a:xfrm>
+          <a:prstGeom prst="rect">
+            <a:avLst/>
+          </a:prstGeom>
+        </p:spPr>
+        <p:txBody>
+          <a:bodyPr wrap="none">
+            <a:spAutoFit/>
+          </a:bodyPr>
+          <a:lstStyle/>
+          <a:p>
+            <a:r>
+              <a:rPr lang="tr-TR" b="1" dirty="0">
+                <a:solidFill>
+                  <a:srgbClr val="FF4D4D"/>
+                </a:solidFill>
+                <a:latin typeface="Roboto"/>
+              </a:rPr>
+              <a:t>Python Türkçe</a:t>
+            </a:r>
+            <a:endParaRPr lang="tr-TR" dirty="0"/>
           </a:p>
         </p:txBody>
       </p:sp>

--- a/opening_remarks.pptx
+++ b/opening_remarks.pptx
@@ -7,13 +7,16 @@
   <p:sldIdLst>
     <p:sldId id="256" r:id="rId2"/>
     <p:sldId id="329" r:id="rId3"/>
-    <p:sldId id="328" r:id="rId4"/>
-    <p:sldId id="336" r:id="rId5"/>
-    <p:sldId id="337" r:id="rId6"/>
-    <p:sldId id="340" r:id="rId7"/>
-    <p:sldId id="338" r:id="rId8"/>
-    <p:sldId id="341" r:id="rId9"/>
-    <p:sldId id="339" r:id="rId10"/>
+    <p:sldId id="342" r:id="rId4"/>
+    <p:sldId id="343" r:id="rId5"/>
+    <p:sldId id="345" r:id="rId6"/>
+    <p:sldId id="328" r:id="rId7"/>
+    <p:sldId id="336" r:id="rId8"/>
+    <p:sldId id="337" r:id="rId9"/>
+    <p:sldId id="344" r:id="rId10"/>
+    <p:sldId id="338" r:id="rId11"/>
+    <p:sldId id="341" r:id="rId12"/>
+    <p:sldId id="339" r:id="rId13"/>
   </p:sldIdLst>
   <p:sldSz cx="12192000" cy="6858000"/>
   <p:notesSz cx="6858000" cy="9144000"/>
@@ -361,11 +364,49 @@
   </pc:docChgLst>
   <pc:docChgLst>
     <pc:chgData name="Erkan ŞİRİN" userId="7f10ce1d6aaf8c5d" providerId="LiveId" clId="{0E0E6E0D-F67B-4125-8FD1-98F3660D98D2}"/>
-    <pc:docChg chg="custSel addSld modSld sldOrd">
-      <pc:chgData name="Erkan ŞİRİN" userId="7f10ce1d6aaf8c5d" providerId="LiveId" clId="{0E0E6E0D-F67B-4125-8FD1-98F3660D98D2}" dt="2019-06-12T19:51:24.644" v="191" actId="1076"/>
+    <pc:docChg chg="custSel addSld delSld modSld sldOrd">
+      <pc:chgData name="Erkan ŞİRİN" userId="7f10ce1d6aaf8c5d" providerId="LiveId" clId="{0E0E6E0D-F67B-4125-8FD1-98F3660D98D2}" dt="2019-06-13T06:08:08.862" v="655" actId="207"/>
       <pc:docMkLst>
         <pc:docMk/>
       </pc:docMkLst>
+      <pc:sldChg chg="modSp">
+        <pc:chgData name="Erkan ŞİRİN" userId="7f10ce1d6aaf8c5d" providerId="LiveId" clId="{0E0E6E0D-F67B-4125-8FD1-98F3660D98D2}" dt="2019-06-13T05:37:18.580" v="204" actId="20577"/>
+        <pc:sldMkLst>
+          <pc:docMk/>
+          <pc:sldMk cId="2918214722" sldId="256"/>
+        </pc:sldMkLst>
+        <pc:spChg chg="mod">
+          <ac:chgData name="Erkan ŞİRİN" userId="7f10ce1d6aaf8c5d" providerId="LiveId" clId="{0E0E6E0D-F67B-4125-8FD1-98F3660D98D2}" dt="2019-06-13T05:37:18.580" v="204" actId="20577"/>
+          <ac:spMkLst>
+            <pc:docMk/>
+            <pc:sldMk cId="2918214722" sldId="256"/>
+            <ac:spMk id="4" creationId="{424A21BB-7B81-40BA-B1C9-62E84447A657}"/>
+          </ac:spMkLst>
+        </pc:spChg>
+      </pc:sldChg>
+      <pc:sldChg chg="modSp modAnim">
+        <pc:chgData name="Erkan ŞİRİN" userId="7f10ce1d6aaf8c5d" providerId="LiveId" clId="{0E0E6E0D-F67B-4125-8FD1-98F3660D98D2}" dt="2019-06-13T06:04:18.307" v="601" actId="255"/>
+        <pc:sldMkLst>
+          <pc:docMk/>
+          <pc:sldMk cId="2519033183" sldId="337"/>
+        </pc:sldMkLst>
+        <pc:spChg chg="mod">
+          <ac:chgData name="Erkan ŞİRİN" userId="7f10ce1d6aaf8c5d" providerId="LiveId" clId="{0E0E6E0D-F67B-4125-8FD1-98F3660D98D2}" dt="2019-06-13T06:04:18.307" v="601" actId="255"/>
+          <ac:spMkLst>
+            <pc:docMk/>
+            <pc:sldMk cId="2519033183" sldId="337"/>
+            <ac:spMk id="3" creationId="{2DC8A280-C738-452F-B627-12CB68E50CC1}"/>
+          </ac:spMkLst>
+        </pc:spChg>
+        <pc:spChg chg="mod">
+          <ac:chgData name="Erkan ŞİRİN" userId="7f10ce1d6aaf8c5d" providerId="LiveId" clId="{0E0E6E0D-F67B-4125-8FD1-98F3660D98D2}" dt="2019-06-13T06:00:32.046" v="342" actId="20577"/>
+          <ac:spMkLst>
+            <pc:docMk/>
+            <pc:sldMk cId="2519033183" sldId="337"/>
+            <ac:spMk id="16" creationId="{00000000-0000-0000-0000-000000000000}"/>
+          </ac:spMkLst>
+        </pc:spChg>
+      </pc:sldChg>
       <pc:sldChg chg="addSp delSp modSp add delAnim">
         <pc:chgData name="Erkan ŞİRİN" userId="7f10ce1d6aaf8c5d" providerId="LiveId" clId="{0E0E6E0D-F67B-4125-8FD1-98F3660D98D2}" dt="2019-06-12T19:41:37.924" v="91"/>
         <pc:sldMkLst>
@@ -516,8 +557,8 @@
           </ac:picMkLst>
         </pc:picChg>
       </pc:sldChg>
-      <pc:sldChg chg="addSp delSp modSp add ord">
-        <pc:chgData name="Erkan ŞİRİN" userId="7f10ce1d6aaf8c5d" providerId="LiveId" clId="{0E0E6E0D-F67B-4125-8FD1-98F3660D98D2}" dt="2019-06-12T19:39:21.541" v="82" actId="1076"/>
+      <pc:sldChg chg="addSp delSp modSp add del ord">
+        <pc:chgData name="Erkan ŞİRİN" userId="7f10ce1d6aaf8c5d" providerId="LiveId" clId="{0E0E6E0D-F67B-4125-8FD1-98F3660D98D2}" dt="2019-06-13T05:55:10.650" v="227" actId="2696"/>
         <pc:sldMkLst>
           <pc:docMk/>
           <pc:sldMk cId="1206312110" sldId="340"/>
@@ -578,6 +619,105 @@
           </ac:picMkLst>
         </pc:picChg>
       </pc:sldChg>
+      <pc:sldChg chg="modSp add ord modAnim">
+        <pc:chgData name="Erkan ŞİRİN" userId="7f10ce1d6aaf8c5d" providerId="LiveId" clId="{0E0E6E0D-F67B-4125-8FD1-98F3660D98D2}" dt="2019-06-13T06:04:50.822" v="602"/>
+        <pc:sldMkLst>
+          <pc:docMk/>
+          <pc:sldMk cId="3505777942" sldId="342"/>
+        </pc:sldMkLst>
+        <pc:spChg chg="mod">
+          <ac:chgData name="Erkan ŞİRİN" userId="7f10ce1d6aaf8c5d" providerId="LiveId" clId="{0E0E6E0D-F67B-4125-8FD1-98F3660D98D2}" dt="2019-06-13T05:59:53.101" v="334" actId="1076"/>
+          <ac:spMkLst>
+            <pc:docMk/>
+            <pc:sldMk cId="3505777942" sldId="342"/>
+            <ac:spMk id="3" creationId="{2DC8A280-C738-452F-B627-12CB68E50CC1}"/>
+          </ac:spMkLst>
+        </pc:spChg>
+        <pc:spChg chg="mod">
+          <ac:chgData name="Erkan ŞİRİN" userId="7f10ce1d6aaf8c5d" providerId="LiveId" clId="{0E0E6E0D-F67B-4125-8FD1-98F3660D98D2}" dt="2019-06-13T05:58:18.135" v="313" actId="20577"/>
+          <ac:spMkLst>
+            <pc:docMk/>
+            <pc:sldMk cId="3505777942" sldId="342"/>
+            <ac:spMk id="16" creationId="{00000000-0000-0000-0000-000000000000}"/>
+          </ac:spMkLst>
+        </pc:spChg>
+      </pc:sldChg>
+      <pc:sldChg chg="modSp add ord">
+        <pc:chgData name="Erkan ŞİRİN" userId="7f10ce1d6aaf8c5d" providerId="LiveId" clId="{0E0E6E0D-F67B-4125-8FD1-98F3660D98D2}" dt="2019-06-13T06:04:50.822" v="602"/>
+        <pc:sldMkLst>
+          <pc:docMk/>
+          <pc:sldMk cId="2586904466" sldId="343"/>
+        </pc:sldMkLst>
+        <pc:spChg chg="mod">
+          <ac:chgData name="Erkan ŞİRİN" userId="7f10ce1d6aaf8c5d" providerId="LiveId" clId="{0E0E6E0D-F67B-4125-8FD1-98F3660D98D2}" dt="2019-06-13T05:57:55.183" v="307" actId="20577"/>
+          <ac:spMkLst>
+            <pc:docMk/>
+            <pc:sldMk cId="2586904466" sldId="343"/>
+            <ac:spMk id="3" creationId="{2DC8A280-C738-452F-B627-12CB68E50CC1}"/>
+          </ac:spMkLst>
+        </pc:spChg>
+        <pc:spChg chg="mod">
+          <ac:chgData name="Erkan ŞİRİN" userId="7f10ce1d6aaf8c5d" providerId="LiveId" clId="{0E0E6E0D-F67B-4125-8FD1-98F3660D98D2}" dt="2019-06-13T05:56:46.463" v="281" actId="1076"/>
+          <ac:spMkLst>
+            <pc:docMk/>
+            <pc:sldMk cId="2586904466" sldId="343"/>
+            <ac:spMk id="16" creationId="{00000000-0000-0000-0000-000000000000}"/>
+          </ac:spMkLst>
+        </pc:spChg>
+      </pc:sldChg>
+      <pc:sldChg chg="add">
+        <pc:chgData name="Erkan ŞİRİN" userId="7f10ce1d6aaf8c5d" providerId="LiveId" clId="{0E0E6E0D-F67B-4125-8FD1-98F3660D98D2}" dt="2019-06-13T06:00:25.063" v="335"/>
+        <pc:sldMkLst>
+          <pc:docMk/>
+          <pc:sldMk cId="1599730476" sldId="344"/>
+        </pc:sldMkLst>
+      </pc:sldChg>
+      <pc:sldChg chg="addSp delSp modSp add delAnim">
+        <pc:chgData name="Erkan ŞİRİN" userId="7f10ce1d6aaf8c5d" providerId="LiveId" clId="{0E0E6E0D-F67B-4125-8FD1-98F3660D98D2}" dt="2019-06-13T06:08:08.862" v="655" actId="207"/>
+        <pc:sldMkLst>
+          <pc:docMk/>
+          <pc:sldMk cId="4279619642" sldId="345"/>
+        </pc:sldMkLst>
+        <pc:spChg chg="add mod">
+          <ac:chgData name="Erkan ŞİRİN" userId="7f10ce1d6aaf8c5d" providerId="LiveId" clId="{0E0E6E0D-F67B-4125-8FD1-98F3660D98D2}" dt="2019-06-13T06:07:04.621" v="634" actId="14100"/>
+          <ac:spMkLst>
+            <pc:docMk/>
+            <pc:sldMk cId="4279619642" sldId="345"/>
+            <ac:spMk id="2" creationId="{4C6B8E27-6BF5-40D7-9A51-E30B062C319C}"/>
+          </ac:spMkLst>
+        </pc:spChg>
+        <pc:spChg chg="del">
+          <ac:chgData name="Erkan ŞİRİN" userId="7f10ce1d6aaf8c5d" providerId="LiveId" clId="{0E0E6E0D-F67B-4125-8FD1-98F3660D98D2}" dt="2019-06-13T06:05:45.388" v="619" actId="478"/>
+          <ac:spMkLst>
+            <pc:docMk/>
+            <pc:sldMk cId="4279619642" sldId="345"/>
+            <ac:spMk id="3" creationId="{2DC8A280-C738-452F-B627-12CB68E50CC1}"/>
+          </ac:spMkLst>
+        </pc:spChg>
+        <pc:spChg chg="mod">
+          <ac:chgData name="Erkan ŞİRİN" userId="7f10ce1d6aaf8c5d" providerId="LiveId" clId="{0E0E6E0D-F67B-4125-8FD1-98F3660D98D2}" dt="2019-06-13T06:08:08.862" v="655" actId="207"/>
+          <ac:spMkLst>
+            <pc:docMk/>
+            <pc:sldMk cId="4279619642" sldId="345"/>
+            <ac:spMk id="16" creationId="{00000000-0000-0000-0000-000000000000}"/>
+          </ac:spMkLst>
+        </pc:spChg>
+        <pc:picChg chg="add mod">
+          <ac:chgData name="Erkan ŞİRİN" userId="7f10ce1d6aaf8c5d" providerId="LiveId" clId="{0E0E6E0D-F67B-4125-8FD1-98F3660D98D2}" dt="2019-06-13T06:07:32.760" v="639" actId="1076"/>
+          <ac:picMkLst>
+            <pc:docMk/>
+            <pc:sldMk cId="4279619642" sldId="345"/>
+            <ac:picMk id="5" creationId="{6A28FFB5-D38D-4B4E-B90A-CDDF5EEEEACA}"/>
+          </ac:picMkLst>
+        </pc:picChg>
+      </pc:sldChg>
+      <pc:sldChg chg="add del">
+        <pc:chgData name="Erkan ŞİRİN" userId="7f10ce1d6aaf8c5d" providerId="LiveId" clId="{0E0E6E0D-F67B-4125-8FD1-98F3660D98D2}" dt="2019-06-13T06:05:31.978" v="604" actId="2696"/>
+        <pc:sldMkLst>
+          <pc:docMk/>
+          <pc:sldMk cId="323060194" sldId="346"/>
+        </pc:sldMkLst>
+      </pc:sldChg>
     </pc:docChg>
   </pc:docChgLst>
 </pc:chgInfo>
@@ -730,7 +870,7 @@
           <a:p>
             <a:fld id="{BAB971F1-0A24-473E-8A66-D77E329B588E}" type="datetimeFigureOut">
               <a:rPr lang="tr-TR" smtClean="0"/>
-              <a:t>12.06.2019</a:t>
+              <a:t>13.06.2019</a:t>
             </a:fld>
             <a:endParaRPr lang="tr-TR"/>
           </a:p>
@@ -928,7 +1068,7 @@
           <a:p>
             <a:fld id="{BAB971F1-0A24-473E-8A66-D77E329B588E}" type="datetimeFigureOut">
               <a:rPr lang="tr-TR" smtClean="0"/>
-              <a:t>12.06.2019</a:t>
+              <a:t>13.06.2019</a:t>
             </a:fld>
             <a:endParaRPr lang="tr-TR"/>
           </a:p>
@@ -1136,7 +1276,7 @@
           <a:p>
             <a:fld id="{BAB971F1-0A24-473E-8A66-D77E329B588E}" type="datetimeFigureOut">
               <a:rPr lang="tr-TR" smtClean="0"/>
-              <a:t>12.06.2019</a:t>
+              <a:t>13.06.2019</a:t>
             </a:fld>
             <a:endParaRPr lang="tr-TR"/>
           </a:p>
@@ -1334,7 +1474,7 @@
           <a:p>
             <a:fld id="{BAB971F1-0A24-473E-8A66-D77E329B588E}" type="datetimeFigureOut">
               <a:rPr lang="tr-TR" smtClean="0"/>
-              <a:t>12.06.2019</a:t>
+              <a:t>13.06.2019</a:t>
             </a:fld>
             <a:endParaRPr lang="tr-TR"/>
           </a:p>
@@ -1609,7 +1749,7 @@
           <a:p>
             <a:fld id="{BAB971F1-0A24-473E-8A66-D77E329B588E}" type="datetimeFigureOut">
               <a:rPr lang="tr-TR" smtClean="0"/>
-              <a:t>12.06.2019</a:t>
+              <a:t>13.06.2019</a:t>
             </a:fld>
             <a:endParaRPr lang="tr-TR"/>
           </a:p>
@@ -1874,7 +2014,7 @@
           <a:p>
             <a:fld id="{BAB971F1-0A24-473E-8A66-D77E329B588E}" type="datetimeFigureOut">
               <a:rPr lang="tr-TR" smtClean="0"/>
-              <a:t>12.06.2019</a:t>
+              <a:t>13.06.2019</a:t>
             </a:fld>
             <a:endParaRPr lang="tr-TR"/>
           </a:p>
@@ -2286,7 +2426,7 @@
           <a:p>
             <a:fld id="{BAB971F1-0A24-473E-8A66-D77E329B588E}" type="datetimeFigureOut">
               <a:rPr lang="tr-TR" smtClean="0"/>
-              <a:t>12.06.2019</a:t>
+              <a:t>13.06.2019</a:t>
             </a:fld>
             <a:endParaRPr lang="tr-TR"/>
           </a:p>
@@ -2427,7 +2567,7 @@
           <a:p>
             <a:fld id="{BAB971F1-0A24-473E-8A66-D77E329B588E}" type="datetimeFigureOut">
               <a:rPr lang="tr-TR" smtClean="0"/>
-              <a:t>12.06.2019</a:t>
+              <a:t>13.06.2019</a:t>
             </a:fld>
             <a:endParaRPr lang="tr-TR"/>
           </a:p>
@@ -2540,7 +2680,7 @@
           <a:p>
             <a:fld id="{BAB971F1-0A24-473E-8A66-D77E329B588E}" type="datetimeFigureOut">
               <a:rPr lang="tr-TR" smtClean="0"/>
-              <a:t>12.06.2019</a:t>
+              <a:t>13.06.2019</a:t>
             </a:fld>
             <a:endParaRPr lang="tr-TR"/>
           </a:p>
@@ -2851,7 +2991,7 @@
           <a:p>
             <a:fld id="{BAB971F1-0A24-473E-8A66-D77E329B588E}" type="datetimeFigureOut">
               <a:rPr lang="tr-TR" smtClean="0"/>
-              <a:t>12.06.2019</a:t>
+              <a:t>13.06.2019</a:t>
             </a:fld>
             <a:endParaRPr lang="tr-TR"/>
           </a:p>
@@ -3139,7 +3279,7 @@
           <a:p>
             <a:fld id="{BAB971F1-0A24-473E-8A66-D77E329B588E}" type="datetimeFigureOut">
               <a:rPr lang="tr-TR" smtClean="0"/>
-              <a:t>12.06.2019</a:t>
+              <a:t>13.06.2019</a:t>
             </a:fld>
             <a:endParaRPr lang="tr-TR"/>
           </a:p>
@@ -3380,7 +3520,7 @@
           <a:p>
             <a:fld id="{BAB971F1-0A24-473E-8A66-D77E329B588E}" type="datetimeFigureOut">
               <a:rPr lang="tr-TR" smtClean="0"/>
-              <a:t>12.06.2019</a:t>
+              <a:t>13.06.2019</a:t>
             </a:fld>
             <a:endParaRPr lang="tr-TR"/>
           </a:p>
@@ -3876,6 +4016,20 @@
           <a:lstStyle/>
           <a:p>
             <a:r>
+              <a:rPr lang="tr-TR" sz="4200" b="1" dirty="0" err="1">
+                <a:solidFill>
+                  <a:schemeClr val="accent4">
+                    <a:lumMod val="60000"/>
+                    <a:lumOff val="40000"/>
+                  </a:schemeClr>
+                </a:solidFill>
+                <a:latin typeface="Roboto"/>
+                <a:ea typeface="+mn-ea"/>
+                <a:cs typeface="+mn-cs"/>
+              </a:rPr>
+              <a:t>Uderstanding</a:t>
+            </a:r>
+            <a:r>
               <a:rPr lang="tr-TR" sz="4200" b="1" dirty="0">
                 <a:solidFill>
                   <a:schemeClr val="accent4">
@@ -3887,7 +4041,7 @@
                 <a:ea typeface="+mn-ea"/>
                 <a:cs typeface="+mn-cs"/>
               </a:rPr>
-              <a:t>Machine Learning </a:t>
+              <a:t> Machine Learning </a:t>
             </a:r>
             <a:br>
               <a:rPr lang="tr-TR" sz="4200" b="1" dirty="0">
@@ -3967,6 +4121,780 @@
   <p:clrMapOvr>
     <a:masterClrMapping/>
   </p:clrMapOvr>
+</p:sld>
+</file>
+
+<file path=ppt/slides/slide10.xml><?xml version="1.0" encoding="utf-8"?>
+<p:sld xmlns:a="http://schemas.openxmlformats.org/drawingml/2006/main" xmlns:r="http://schemas.openxmlformats.org/officeDocument/2006/relationships" xmlns:p="http://schemas.openxmlformats.org/presentationml/2006/main">
+  <p:cSld>
+    <p:spTree>
+      <p:nvGrpSpPr>
+        <p:cNvPr id="1" name=""/>
+        <p:cNvGrpSpPr/>
+        <p:nvPr/>
+      </p:nvGrpSpPr>
+      <p:grpSpPr>
+        <a:xfrm>
+          <a:off x="0" y="0"/>
+          <a:ext cx="0" cy="0"/>
+          <a:chOff x="0" y="0"/>
+          <a:chExt cx="0" cy="0"/>
+        </a:xfrm>
+      </p:grpSpPr>
+      <p:sp>
+        <p:nvSpPr>
+          <p:cNvPr id="16" name="Unvan 1"/>
+          <p:cNvSpPr>
+            <a:spLocks noGrp="1"/>
+          </p:cNvSpPr>
+          <p:nvPr>
+            <p:ph type="ctrTitle"/>
+          </p:nvPr>
+        </p:nvSpPr>
+        <p:spPr>
+          <a:xfrm>
+            <a:off x="1650999" y="369937"/>
+            <a:ext cx="8610600" cy="619433"/>
+          </a:xfrm>
+        </p:spPr>
+        <p:txBody>
+          <a:bodyPr>
+            <a:noAutofit/>
+          </a:bodyPr>
+          <a:lstStyle/>
+          <a:p>
+            <a:r>
+              <a:rPr lang="tr-TR" sz="4000" b="1" dirty="0">
+                <a:solidFill>
+                  <a:srgbClr val="FF4D4D"/>
+                </a:solidFill>
+                <a:latin typeface="Roboto"/>
+                <a:ea typeface="+mn-ea"/>
+                <a:cs typeface="+mn-cs"/>
+              </a:rPr>
+              <a:t>Tavsiye Edilen Kaynaklar</a:t>
+            </a:r>
+            <a:endParaRPr lang="en-US" sz="4000" b="1" dirty="0">
+              <a:solidFill>
+                <a:srgbClr val="FF4D4D"/>
+              </a:solidFill>
+              <a:latin typeface="Roboto"/>
+              <a:ea typeface="+mn-ea"/>
+              <a:cs typeface="+mn-cs"/>
+            </a:endParaRPr>
+          </a:p>
+        </p:txBody>
+      </p:sp>
+      <p:pic>
+        <p:nvPicPr>
+          <p:cNvPr id="6" name="Resim 5">
+            <a:hlinkClick r:id="rId2"/>
+            <a:extLst>
+              <a:ext uri="{FF2B5EF4-FFF2-40B4-BE49-F238E27FC236}">
+                <a16:creationId xmlns:a16="http://schemas.microsoft.com/office/drawing/2014/main" id="{73CE6A87-7605-4AD9-97AC-889EDE878737}"/>
+              </a:ext>
+            </a:extLst>
+          </p:cNvPr>
+          <p:cNvPicPr>
+            <a:picLocks noChangeAspect="1"/>
+          </p:cNvPicPr>
+          <p:nvPr/>
+        </p:nvPicPr>
+        <p:blipFill>
+          <a:blip r:embed="rId3">
+            <a:extLst>
+              <a:ext uri="{28A0092B-C50C-407E-A947-70E740481C1C}">
+                <a14:useLocalDpi xmlns:a14="http://schemas.microsoft.com/office/drawing/2010/main" val="0"/>
+              </a:ext>
+            </a:extLst>
+          </a:blip>
+          <a:stretch>
+            <a:fillRect/>
+          </a:stretch>
+        </p:blipFill>
+        <p:spPr>
+          <a:xfrm>
+            <a:off x="6637984" y="1494472"/>
+            <a:ext cx="3623615" cy="4752975"/>
+          </a:xfrm>
+          <a:prstGeom prst="rect">
+            <a:avLst/>
+          </a:prstGeom>
+        </p:spPr>
+      </p:pic>
+      <p:pic>
+        <p:nvPicPr>
+          <p:cNvPr id="1026" name="Picture 2" descr="Book Cover">
+            <a:hlinkClick r:id="rId4"/>
+            <a:extLst>
+              <a:ext uri="{FF2B5EF4-FFF2-40B4-BE49-F238E27FC236}">
+                <a16:creationId xmlns:a16="http://schemas.microsoft.com/office/drawing/2014/main" id="{E6D06054-73FC-444F-9E17-06053F321B5E}"/>
+              </a:ext>
+            </a:extLst>
+          </p:cNvPr>
+          <p:cNvPicPr>
+            <a:picLocks noChangeAspect="1" noChangeArrowheads="1"/>
+          </p:cNvPicPr>
+          <p:nvPr/>
+        </p:nvPicPr>
+        <p:blipFill>
+          <a:blip r:embed="rId5">
+            <a:extLst>
+              <a:ext uri="{28A0092B-C50C-407E-A947-70E740481C1C}">
+                <a14:useLocalDpi xmlns:a14="http://schemas.microsoft.com/office/drawing/2010/main" val="0"/>
+              </a:ext>
+            </a:extLst>
+          </a:blip>
+          <a:srcRect/>
+          <a:stretch>
+            <a:fillRect/>
+          </a:stretch>
+        </p:blipFill>
+        <p:spPr bwMode="auto">
+          <a:xfrm>
+            <a:off x="1457961" y="1494472"/>
+            <a:ext cx="3600450" cy="4752975"/>
+          </a:xfrm>
+          <a:prstGeom prst="rect">
+            <a:avLst/>
+          </a:prstGeom>
+          <a:noFill/>
+          <a:extLst>
+            <a:ext uri="{909E8E84-426E-40DD-AFC4-6F175D3DCCD1}">
+              <a14:hiddenFill xmlns:a14="http://schemas.microsoft.com/office/drawing/2010/main">
+                <a:solidFill>
+                  <a:srgbClr val="FFFFFF"/>
+                </a:solidFill>
+              </a14:hiddenFill>
+            </a:ext>
+          </a:extLst>
+        </p:spPr>
+      </p:pic>
+    </p:spTree>
+    <p:extLst>
+      <p:ext uri="{BB962C8B-B14F-4D97-AF65-F5344CB8AC3E}">
+        <p14:creationId xmlns:p14="http://schemas.microsoft.com/office/powerpoint/2010/main" val="1944784783"/>
+      </p:ext>
+    </p:extLst>
+  </p:cSld>
+  <p:clrMapOvr>
+    <a:masterClrMapping/>
+  </p:clrMapOvr>
+  <p:transition spd="slow">
+    <p:push dir="u"/>
+  </p:transition>
+</p:sld>
+</file>
+
+<file path=ppt/slides/slide11.xml><?xml version="1.0" encoding="utf-8"?>
+<p:sld xmlns:a="http://schemas.openxmlformats.org/drawingml/2006/main" xmlns:r="http://schemas.openxmlformats.org/officeDocument/2006/relationships" xmlns:p="http://schemas.openxmlformats.org/presentationml/2006/main">
+  <p:cSld>
+    <p:spTree>
+      <p:nvGrpSpPr>
+        <p:cNvPr id="1" name=""/>
+        <p:cNvGrpSpPr/>
+        <p:nvPr/>
+      </p:nvGrpSpPr>
+      <p:grpSpPr>
+        <a:xfrm>
+          <a:off x="0" y="0"/>
+          <a:ext cx="0" cy="0"/>
+          <a:chOff x="0" y="0"/>
+          <a:chExt cx="0" cy="0"/>
+        </a:xfrm>
+      </p:grpSpPr>
+      <p:sp>
+        <p:nvSpPr>
+          <p:cNvPr id="16" name="Unvan 1"/>
+          <p:cNvSpPr>
+            <a:spLocks noGrp="1"/>
+          </p:cNvSpPr>
+          <p:nvPr>
+            <p:ph type="ctrTitle"/>
+          </p:nvPr>
+        </p:nvSpPr>
+        <p:spPr>
+          <a:xfrm>
+            <a:off x="1650999" y="369937"/>
+            <a:ext cx="8610600" cy="619433"/>
+          </a:xfrm>
+        </p:spPr>
+        <p:txBody>
+          <a:bodyPr>
+            <a:noAutofit/>
+          </a:bodyPr>
+          <a:lstStyle/>
+          <a:p>
+            <a:r>
+              <a:rPr lang="tr-TR" sz="4000" b="1" dirty="0">
+                <a:solidFill>
+                  <a:srgbClr val="FF4D4D"/>
+                </a:solidFill>
+                <a:latin typeface="Roboto"/>
+                <a:ea typeface="+mn-ea"/>
+                <a:cs typeface="+mn-cs"/>
+              </a:rPr>
+              <a:t>Tavsiye Edilen Kaynaklar</a:t>
+            </a:r>
+            <a:endParaRPr lang="en-US" sz="4000" b="1" dirty="0">
+              <a:solidFill>
+                <a:srgbClr val="FF4D4D"/>
+              </a:solidFill>
+              <a:latin typeface="Roboto"/>
+              <a:ea typeface="+mn-ea"/>
+              <a:cs typeface="+mn-cs"/>
+            </a:endParaRPr>
+          </a:p>
+        </p:txBody>
+      </p:sp>
+      <p:pic>
+        <p:nvPicPr>
+          <p:cNvPr id="4" name="Resim 3">
+            <a:hlinkClick r:id="rId2"/>
+            <a:extLst>
+              <a:ext uri="{FF2B5EF4-FFF2-40B4-BE49-F238E27FC236}">
+                <a16:creationId xmlns:a16="http://schemas.microsoft.com/office/drawing/2014/main" id="{1E603009-26E8-469D-8544-D43F291576DE}"/>
+              </a:ext>
+            </a:extLst>
+          </p:cNvPr>
+          <p:cNvPicPr>
+            <a:picLocks noChangeAspect="1"/>
+          </p:cNvPicPr>
+          <p:nvPr/>
+        </p:nvPicPr>
+        <p:blipFill>
+          <a:blip r:embed="rId3">
+            <a:extLst>
+              <a:ext uri="{28A0092B-C50C-407E-A947-70E740481C1C}">
+                <a14:useLocalDpi xmlns:a14="http://schemas.microsoft.com/office/drawing/2010/main" val="0"/>
+              </a:ext>
+            </a:extLst>
+          </a:blip>
+          <a:stretch>
+            <a:fillRect/>
+          </a:stretch>
+        </p:blipFill>
+        <p:spPr>
+          <a:xfrm>
+            <a:off x="1650999" y="1494472"/>
+            <a:ext cx="3629025" cy="4752975"/>
+          </a:xfrm>
+          <a:prstGeom prst="rect">
+            <a:avLst/>
+          </a:prstGeom>
+        </p:spPr>
+      </p:pic>
+      <p:pic>
+        <p:nvPicPr>
+          <p:cNvPr id="2" name="Resim 1">
+            <a:hlinkClick r:id="rId4"/>
+            <a:extLst>
+              <a:ext uri="{FF2B5EF4-FFF2-40B4-BE49-F238E27FC236}">
+                <a16:creationId xmlns:a16="http://schemas.microsoft.com/office/drawing/2014/main" id="{01A57F16-493D-405C-836C-6B2E4612C891}"/>
+              </a:ext>
+            </a:extLst>
+          </p:cNvPr>
+          <p:cNvPicPr>
+            <a:picLocks noChangeAspect="1"/>
+          </p:cNvPicPr>
+          <p:nvPr/>
+        </p:nvPicPr>
+        <p:blipFill>
+          <a:blip r:embed="rId5"/>
+          <a:stretch>
+            <a:fillRect/>
+          </a:stretch>
+        </p:blipFill>
+        <p:spPr>
+          <a:xfrm>
+            <a:off x="6787912" y="1494472"/>
+            <a:ext cx="3753089" cy="4659876"/>
+          </a:xfrm>
+          <a:prstGeom prst="rect">
+            <a:avLst/>
+          </a:prstGeom>
+        </p:spPr>
+      </p:pic>
+    </p:spTree>
+    <p:extLst>
+      <p:ext uri="{BB962C8B-B14F-4D97-AF65-F5344CB8AC3E}">
+        <p14:creationId xmlns:p14="http://schemas.microsoft.com/office/powerpoint/2010/main" val="2201042094"/>
+      </p:ext>
+    </p:extLst>
+  </p:cSld>
+  <p:clrMapOvr>
+    <a:masterClrMapping/>
+  </p:clrMapOvr>
+  <p:transition spd="slow">
+    <p:push dir="u"/>
+  </p:transition>
+</p:sld>
+</file>
+
+<file path=ppt/slides/slide12.xml><?xml version="1.0" encoding="utf-8"?>
+<p:sld xmlns:a="http://schemas.openxmlformats.org/drawingml/2006/main" xmlns:r="http://schemas.openxmlformats.org/officeDocument/2006/relationships" xmlns:p="http://schemas.openxmlformats.org/presentationml/2006/main">
+  <p:cSld>
+    <p:spTree>
+      <p:nvGrpSpPr>
+        <p:cNvPr id="1" name=""/>
+        <p:cNvGrpSpPr/>
+        <p:nvPr/>
+      </p:nvGrpSpPr>
+      <p:grpSpPr>
+        <a:xfrm>
+          <a:off x="0" y="0"/>
+          <a:ext cx="0" cy="0"/>
+          <a:chOff x="0" y="0"/>
+          <a:chExt cx="0" cy="0"/>
+        </a:xfrm>
+      </p:grpSpPr>
+      <p:sp>
+        <p:nvSpPr>
+          <p:cNvPr id="16" name="Unvan 1"/>
+          <p:cNvSpPr>
+            <a:spLocks noGrp="1"/>
+          </p:cNvSpPr>
+          <p:nvPr>
+            <p:ph type="ctrTitle"/>
+          </p:nvPr>
+        </p:nvSpPr>
+        <p:spPr>
+          <a:xfrm>
+            <a:off x="1650999" y="369937"/>
+            <a:ext cx="8610600" cy="619433"/>
+          </a:xfrm>
+        </p:spPr>
+        <p:txBody>
+          <a:bodyPr>
+            <a:noAutofit/>
+          </a:bodyPr>
+          <a:lstStyle/>
+          <a:p>
+            <a:r>
+              <a:rPr lang="tr-TR" sz="4000" b="1" dirty="0">
+                <a:solidFill>
+                  <a:srgbClr val="FF4D4D"/>
+                </a:solidFill>
+                <a:latin typeface="Roboto"/>
+                <a:ea typeface="+mn-ea"/>
+                <a:cs typeface="+mn-cs"/>
+              </a:rPr>
+              <a:t>Tavsiye Edilen Kaynaklar</a:t>
+            </a:r>
+            <a:endParaRPr lang="en-US" sz="4000" b="1" dirty="0">
+              <a:solidFill>
+                <a:srgbClr val="FF4D4D"/>
+              </a:solidFill>
+              <a:latin typeface="Roboto"/>
+              <a:ea typeface="+mn-ea"/>
+              <a:cs typeface="+mn-cs"/>
+            </a:endParaRPr>
+          </a:p>
+        </p:txBody>
+      </p:sp>
+      <p:pic>
+        <p:nvPicPr>
+          <p:cNvPr id="3" name="Resim 2">
+            <a:hlinkClick r:id="rId2"/>
+            <a:extLst>
+              <a:ext uri="{FF2B5EF4-FFF2-40B4-BE49-F238E27FC236}">
+                <a16:creationId xmlns:a16="http://schemas.microsoft.com/office/drawing/2014/main" id="{3DC4C4A6-EADF-4792-B7B6-0FFFF50F4D75}"/>
+              </a:ext>
+            </a:extLst>
+          </p:cNvPr>
+          <p:cNvPicPr>
+            <a:picLocks noChangeAspect="1"/>
+          </p:cNvPicPr>
+          <p:nvPr/>
+        </p:nvPicPr>
+        <p:blipFill>
+          <a:blip r:embed="rId3">
+            <a:extLst>
+              <a:ext uri="{28A0092B-C50C-407E-A947-70E740481C1C}">
+                <a14:useLocalDpi xmlns:a14="http://schemas.microsoft.com/office/drawing/2010/main" val="0"/>
+              </a:ext>
+            </a:extLst>
+          </a:blip>
+          <a:stretch>
+            <a:fillRect/>
+          </a:stretch>
+        </p:blipFill>
+        <p:spPr>
+          <a:xfrm>
+            <a:off x="1650999" y="1494472"/>
+            <a:ext cx="3256788" cy="4906841"/>
+          </a:xfrm>
+          <a:prstGeom prst="rect">
+            <a:avLst/>
+          </a:prstGeom>
+        </p:spPr>
+      </p:pic>
+      <p:sp>
+        <p:nvSpPr>
+          <p:cNvPr id="5" name="Dikdörtgen 4">
+            <a:extLst>
+              <a:ext uri="{FF2B5EF4-FFF2-40B4-BE49-F238E27FC236}">
+                <a16:creationId xmlns:a16="http://schemas.microsoft.com/office/drawing/2014/main" id="{2E79593C-AA84-4F0F-BB9B-1B5A70AC7FE0}"/>
+              </a:ext>
+            </a:extLst>
+          </p:cNvPr>
+          <p:cNvSpPr/>
+          <p:nvPr/>
+        </p:nvSpPr>
+        <p:spPr>
+          <a:xfrm>
+            <a:off x="5894834" y="1885177"/>
+            <a:ext cx="5389617" cy="461665"/>
+          </a:xfrm>
+          <a:prstGeom prst="rect">
+            <a:avLst/>
+          </a:prstGeom>
+        </p:spPr>
+        <p:txBody>
+          <a:bodyPr wrap="none">
+            <a:spAutoFit/>
+          </a:bodyPr>
+          <a:lstStyle/>
+          <a:p>
+            <a:r>
+              <a:rPr lang="tr-TR" sz="2400" dirty="0">
+                <a:hlinkClick r:id="rId4"/>
+              </a:rPr>
+              <a:t>https://www.udemy.com/python-egitimi/</a:t>
+            </a:r>
+            <a:endParaRPr lang="tr-TR" sz="2400" dirty="0"/>
+          </a:p>
+        </p:txBody>
+      </p:sp>
+      <p:sp>
+        <p:nvSpPr>
+          <p:cNvPr id="7" name="Dikdörtgen 6">
+            <a:extLst>
+              <a:ext uri="{FF2B5EF4-FFF2-40B4-BE49-F238E27FC236}">
+                <a16:creationId xmlns:a16="http://schemas.microsoft.com/office/drawing/2014/main" id="{1D61EBCE-31AA-48F0-8EE0-52989DAEFFDE}"/>
+              </a:ext>
+            </a:extLst>
+          </p:cNvPr>
+          <p:cNvSpPr/>
+          <p:nvPr/>
+        </p:nvSpPr>
+        <p:spPr>
+          <a:xfrm>
+            <a:off x="5894834" y="3133466"/>
+            <a:ext cx="5647443" cy="461665"/>
+          </a:xfrm>
+          <a:prstGeom prst="rect">
+            <a:avLst/>
+          </a:prstGeom>
+        </p:spPr>
+        <p:txBody>
+          <a:bodyPr wrap="none">
+            <a:spAutoFit/>
+          </a:bodyPr>
+          <a:lstStyle/>
+          <a:p>
+            <a:r>
+              <a:rPr lang="tr-TR" sz="2400" dirty="0">
+                <a:hlinkClick r:id="rId5"/>
+              </a:rPr>
+              <a:t>https://www.udemy.com/machinelearning/</a:t>
+            </a:r>
+            <a:endParaRPr lang="tr-TR" sz="2400" dirty="0"/>
+          </a:p>
+        </p:txBody>
+      </p:sp>
+      <p:sp>
+        <p:nvSpPr>
+          <p:cNvPr id="2" name="Dikdörtgen 1">
+            <a:extLst>
+              <a:ext uri="{FF2B5EF4-FFF2-40B4-BE49-F238E27FC236}">
+                <a16:creationId xmlns:a16="http://schemas.microsoft.com/office/drawing/2014/main" id="{C75F96FF-6A46-4881-9731-DF8F9F85D732}"/>
+              </a:ext>
+            </a:extLst>
+          </p:cNvPr>
+          <p:cNvSpPr/>
+          <p:nvPr/>
+        </p:nvSpPr>
+        <p:spPr>
+          <a:xfrm>
+            <a:off x="5894834" y="4344849"/>
+            <a:ext cx="6049285" cy="461665"/>
+          </a:xfrm>
+          <a:prstGeom prst="rect">
+            <a:avLst/>
+          </a:prstGeom>
+        </p:spPr>
+        <p:txBody>
+          <a:bodyPr wrap="none">
+            <a:spAutoFit/>
+          </a:bodyPr>
+          <a:lstStyle/>
+          <a:p>
+            <a:r>
+              <a:rPr lang="tr-TR" sz="2400" dirty="0">
+                <a:hlinkClick r:id="rId6"/>
+              </a:rPr>
+              <a:t>https://www.udemy.com/apache-spark-egitimi</a:t>
+            </a:r>
+            <a:endParaRPr lang="tr-TR" sz="2400" dirty="0"/>
+          </a:p>
+        </p:txBody>
+      </p:sp>
+      <p:sp>
+        <p:nvSpPr>
+          <p:cNvPr id="8" name="Dikdörtgen 7">
+            <a:extLst>
+              <a:ext uri="{FF2B5EF4-FFF2-40B4-BE49-F238E27FC236}">
+                <a16:creationId xmlns:a16="http://schemas.microsoft.com/office/drawing/2014/main" id="{5B34C7BD-5F9F-4405-9C4D-00441BB340B7}"/>
+              </a:ext>
+            </a:extLst>
+          </p:cNvPr>
+          <p:cNvSpPr/>
+          <p:nvPr/>
+        </p:nvSpPr>
+        <p:spPr>
+          <a:xfrm>
+            <a:off x="6095311" y="5646727"/>
+            <a:ext cx="5602111" cy="461665"/>
+          </a:xfrm>
+          <a:prstGeom prst="rect">
+            <a:avLst/>
+          </a:prstGeom>
+        </p:spPr>
+        <p:txBody>
+          <a:bodyPr wrap="none">
+            <a:spAutoFit/>
+          </a:bodyPr>
+          <a:lstStyle/>
+          <a:p>
+            <a:r>
+              <a:rPr lang="tr-TR" sz="2400" dirty="0">
+                <a:hlinkClick r:id="rId7"/>
+              </a:rPr>
+              <a:t>https://belgeler.yazbel.com/python-istihza/</a:t>
+            </a:r>
+            <a:endParaRPr lang="tr-TR" sz="2400" dirty="0"/>
+          </a:p>
+        </p:txBody>
+      </p:sp>
+      <p:sp>
+        <p:nvSpPr>
+          <p:cNvPr id="9" name="Dikdörtgen 8">
+            <a:extLst>
+              <a:ext uri="{FF2B5EF4-FFF2-40B4-BE49-F238E27FC236}">
+                <a16:creationId xmlns:a16="http://schemas.microsoft.com/office/drawing/2014/main" id="{9AC6C4DD-18B1-4B4E-8B1C-24435C353CC0}"/>
+              </a:ext>
+            </a:extLst>
+          </p:cNvPr>
+          <p:cNvSpPr/>
+          <p:nvPr/>
+        </p:nvSpPr>
+        <p:spPr>
+          <a:xfrm>
+            <a:off x="7284215" y="5157371"/>
+            <a:ext cx="2501519" cy="369332"/>
+          </a:xfrm>
+          <a:prstGeom prst="rect">
+            <a:avLst/>
+          </a:prstGeom>
+        </p:spPr>
+        <p:txBody>
+          <a:bodyPr wrap="none">
+            <a:spAutoFit/>
+          </a:bodyPr>
+          <a:lstStyle/>
+          <a:p>
+            <a:r>
+              <a:rPr lang="tr-TR" b="1" dirty="0">
+                <a:solidFill>
+                  <a:srgbClr val="FF4D4D"/>
+                </a:solidFill>
+                <a:latin typeface="Roboto"/>
+              </a:rPr>
+              <a:t>Python Temel Türkçe</a:t>
+            </a:r>
+            <a:endParaRPr lang="tr-TR" dirty="0"/>
+          </a:p>
+        </p:txBody>
+      </p:sp>
+      <p:sp>
+        <p:nvSpPr>
+          <p:cNvPr id="10" name="Dikdörtgen 9">
+            <a:extLst>
+              <a:ext uri="{FF2B5EF4-FFF2-40B4-BE49-F238E27FC236}">
+                <a16:creationId xmlns:a16="http://schemas.microsoft.com/office/drawing/2014/main" id="{47FBF739-3F5B-45FD-8107-1F72088D3BB6}"/>
+              </a:ext>
+            </a:extLst>
+          </p:cNvPr>
+          <p:cNvSpPr/>
+          <p:nvPr/>
+        </p:nvSpPr>
+        <p:spPr>
+          <a:xfrm>
+            <a:off x="6458289" y="3906936"/>
+            <a:ext cx="4262705" cy="369332"/>
+          </a:xfrm>
+          <a:prstGeom prst="rect">
+            <a:avLst/>
+          </a:prstGeom>
+        </p:spPr>
+        <p:txBody>
+          <a:bodyPr wrap="none">
+            <a:spAutoFit/>
+          </a:bodyPr>
+          <a:lstStyle/>
+          <a:p>
+            <a:r>
+              <a:rPr lang="tr-TR" b="1" dirty="0">
+                <a:solidFill>
+                  <a:srgbClr val="FF4D4D"/>
+                </a:solidFill>
+                <a:latin typeface="Roboto"/>
+              </a:rPr>
+              <a:t>Spark </a:t>
+            </a:r>
+            <a:r>
+              <a:rPr lang="tr-TR" b="1" dirty="0" err="1">
+                <a:solidFill>
+                  <a:srgbClr val="FF4D4D"/>
+                </a:solidFill>
+                <a:latin typeface="Roboto"/>
+              </a:rPr>
+              <a:t>Python&amp;Scala</a:t>
+            </a:r>
+            <a:r>
+              <a:rPr lang="tr-TR" b="1" dirty="0">
+                <a:solidFill>
+                  <a:srgbClr val="FF4D4D"/>
+                </a:solidFill>
+                <a:latin typeface="Roboto"/>
+              </a:rPr>
+              <a:t> </a:t>
+            </a:r>
+            <a:r>
+              <a:rPr lang="tr-TR" b="1" dirty="0" err="1">
+                <a:solidFill>
+                  <a:srgbClr val="FF4D4D"/>
+                </a:solidFill>
+                <a:latin typeface="Roboto"/>
+              </a:rPr>
+              <a:t>Big</a:t>
+            </a:r>
+            <a:r>
+              <a:rPr lang="tr-TR" b="1" dirty="0">
+                <a:solidFill>
+                  <a:srgbClr val="FF4D4D"/>
+                </a:solidFill>
+                <a:latin typeface="Roboto"/>
+              </a:rPr>
+              <a:t> Data Türkçe</a:t>
+            </a:r>
+            <a:endParaRPr lang="tr-TR" dirty="0"/>
+          </a:p>
+        </p:txBody>
+      </p:sp>
+      <p:sp>
+        <p:nvSpPr>
+          <p:cNvPr id="11" name="Dikdörtgen 10">
+            <a:extLst>
+              <a:ext uri="{FF2B5EF4-FFF2-40B4-BE49-F238E27FC236}">
+                <a16:creationId xmlns:a16="http://schemas.microsoft.com/office/drawing/2014/main" id="{52D1EF34-F09A-46E2-AA0C-11FE99A49BD0}"/>
+              </a:ext>
+            </a:extLst>
+          </p:cNvPr>
+          <p:cNvSpPr/>
+          <p:nvPr/>
+        </p:nvSpPr>
+        <p:spPr>
+          <a:xfrm>
+            <a:off x="7345904" y="2758717"/>
+            <a:ext cx="2274982" cy="369332"/>
+          </a:xfrm>
+          <a:prstGeom prst="rect">
+            <a:avLst/>
+          </a:prstGeom>
+        </p:spPr>
+        <p:txBody>
+          <a:bodyPr wrap="none">
+            <a:spAutoFit/>
+          </a:bodyPr>
+          <a:lstStyle/>
+          <a:p>
+            <a:r>
+              <a:rPr lang="tr-TR" b="1" dirty="0" err="1">
+                <a:solidFill>
+                  <a:srgbClr val="FF4D4D"/>
+                </a:solidFill>
+                <a:latin typeface="Roboto"/>
+              </a:rPr>
+              <a:t>Python&amp;R</a:t>
+            </a:r>
+            <a:r>
+              <a:rPr lang="tr-TR" b="1" dirty="0">
+                <a:solidFill>
+                  <a:srgbClr val="FF4D4D"/>
+                </a:solidFill>
+                <a:latin typeface="Roboto"/>
+              </a:rPr>
+              <a:t> İngilizce</a:t>
+            </a:r>
+            <a:endParaRPr lang="tr-TR" dirty="0"/>
+          </a:p>
+        </p:txBody>
+      </p:sp>
+      <p:sp>
+        <p:nvSpPr>
+          <p:cNvPr id="12" name="Dikdörtgen 11">
+            <a:extLst>
+              <a:ext uri="{FF2B5EF4-FFF2-40B4-BE49-F238E27FC236}">
+                <a16:creationId xmlns:a16="http://schemas.microsoft.com/office/drawing/2014/main" id="{B8449501-FF42-4F54-9AB4-EAB024C5090C}"/>
+              </a:ext>
+            </a:extLst>
+          </p:cNvPr>
+          <p:cNvSpPr/>
+          <p:nvPr/>
+        </p:nvSpPr>
+        <p:spPr>
+          <a:xfrm>
+            <a:off x="7527871" y="1573372"/>
+            <a:ext cx="1787669" cy="369332"/>
+          </a:xfrm>
+          <a:prstGeom prst="rect">
+            <a:avLst/>
+          </a:prstGeom>
+        </p:spPr>
+        <p:txBody>
+          <a:bodyPr wrap="none">
+            <a:spAutoFit/>
+          </a:bodyPr>
+          <a:lstStyle/>
+          <a:p>
+            <a:r>
+              <a:rPr lang="tr-TR" b="1" dirty="0">
+                <a:solidFill>
+                  <a:srgbClr val="FF4D4D"/>
+                </a:solidFill>
+                <a:latin typeface="Roboto"/>
+              </a:rPr>
+              <a:t>Python Türkçe</a:t>
+            </a:r>
+            <a:endParaRPr lang="tr-TR" dirty="0"/>
+          </a:p>
+        </p:txBody>
+      </p:sp>
+    </p:spTree>
+    <p:extLst>
+      <p:ext uri="{BB962C8B-B14F-4D97-AF65-F5344CB8AC3E}">
+        <p14:creationId xmlns:p14="http://schemas.microsoft.com/office/powerpoint/2010/main" val="915150309"/>
+      </p:ext>
+    </p:extLst>
+  </p:cSld>
+  <p:clrMapOvr>
+    <a:masterClrMapping/>
+  </p:clrMapOvr>
+  <p:transition spd="slow">
+    <p:push dir="u"/>
+  </p:transition>
 </p:sld>
 </file>
 
@@ -4247,6 +5175,993 @@
 </file>
 
 <file path=ppt/slides/slide3.xml><?xml version="1.0" encoding="utf-8"?>
+<p:sld xmlns:a="http://schemas.openxmlformats.org/drawingml/2006/main" xmlns:r="http://schemas.openxmlformats.org/officeDocument/2006/relationships" xmlns:p="http://schemas.openxmlformats.org/presentationml/2006/main">
+  <p:cSld>
+    <p:spTree>
+      <p:nvGrpSpPr>
+        <p:cNvPr id="1" name=""/>
+        <p:cNvGrpSpPr/>
+        <p:nvPr/>
+      </p:nvGrpSpPr>
+      <p:grpSpPr>
+        <a:xfrm>
+          <a:off x="0" y="0"/>
+          <a:ext cx="0" cy="0"/>
+          <a:chOff x="0" y="0"/>
+          <a:chExt cx="0" cy="0"/>
+        </a:xfrm>
+      </p:grpSpPr>
+      <p:sp>
+        <p:nvSpPr>
+          <p:cNvPr id="16" name="Unvan 1"/>
+          <p:cNvSpPr>
+            <a:spLocks noGrp="1"/>
+          </p:cNvSpPr>
+          <p:nvPr>
+            <p:ph type="ctrTitle"/>
+          </p:nvPr>
+        </p:nvSpPr>
+        <p:spPr>
+          <a:xfrm>
+            <a:off x="3574026" y="685799"/>
+            <a:ext cx="5043948" cy="619433"/>
+          </a:xfrm>
+        </p:spPr>
+        <p:txBody>
+          <a:bodyPr>
+            <a:noAutofit/>
+          </a:bodyPr>
+          <a:lstStyle/>
+          <a:p>
+            <a:r>
+              <a:rPr lang="tr-TR" sz="4000" b="1" dirty="0">
+                <a:solidFill>
+                  <a:srgbClr val="FF4D4D"/>
+                </a:solidFill>
+                <a:latin typeface="Roboto"/>
+                <a:ea typeface="+mn-ea"/>
+                <a:cs typeface="+mn-cs"/>
+              </a:rPr>
+              <a:t>Diğer Eğitimler</a:t>
+            </a:r>
+            <a:endParaRPr lang="en-US" sz="4000" b="1" dirty="0">
+              <a:solidFill>
+                <a:srgbClr val="FF4D4D"/>
+              </a:solidFill>
+              <a:latin typeface="Roboto"/>
+              <a:ea typeface="+mn-ea"/>
+              <a:cs typeface="+mn-cs"/>
+            </a:endParaRPr>
+          </a:p>
+        </p:txBody>
+      </p:sp>
+      <p:sp>
+        <p:nvSpPr>
+          <p:cNvPr id="3" name="Metin kutusu 2">
+            <a:extLst>
+              <a:ext uri="{FF2B5EF4-FFF2-40B4-BE49-F238E27FC236}">
+                <a16:creationId xmlns:a16="http://schemas.microsoft.com/office/drawing/2014/main" id="{2DC8A280-C738-452F-B627-12CB68E50CC1}"/>
+              </a:ext>
+            </a:extLst>
+          </p:cNvPr>
+          <p:cNvSpPr txBox="1"/>
+          <p:nvPr/>
+        </p:nvSpPr>
+        <p:spPr>
+          <a:xfrm>
+            <a:off x="2825014" y="1408182"/>
+            <a:ext cx="7121244" cy="4600042"/>
+          </a:xfrm>
+          <a:prstGeom prst="rect">
+            <a:avLst/>
+          </a:prstGeom>
+          <a:noFill/>
+        </p:spPr>
+        <p:txBody>
+          <a:bodyPr wrap="square" rtlCol="0">
+            <a:spAutoFit/>
+          </a:bodyPr>
+          <a:lstStyle/>
+          <a:p>
+            <a:pPr marL="365125" indent="-365125" defTabSz="365125">
+              <a:lnSpc>
+                <a:spcPct val="150000"/>
+              </a:lnSpc>
+              <a:buFont typeface="+mj-lt"/>
+              <a:buAutoNum type="arabicPeriod"/>
+            </a:pPr>
+            <a:r>
+              <a:rPr lang="tr-TR" sz="2200" dirty="0">
+                <a:latin typeface="Roboto"/>
+              </a:rPr>
+              <a:t>	Hadoop Büyük Veri Platform Yönetimi</a:t>
+            </a:r>
+          </a:p>
+          <a:p>
+            <a:pPr marL="365125" indent="-365125" defTabSz="365125">
+              <a:lnSpc>
+                <a:spcPct val="150000"/>
+              </a:lnSpc>
+              <a:buFont typeface="+mj-lt"/>
+              <a:buAutoNum type="arabicPeriod"/>
+            </a:pPr>
+            <a:r>
+              <a:rPr lang="tr-TR" sz="2200" dirty="0">
+                <a:latin typeface="Roboto"/>
+              </a:rPr>
+              <a:t>	Hadoop Developer</a:t>
+            </a:r>
+          </a:p>
+          <a:p>
+            <a:pPr marL="365125" indent="-365125" defTabSz="365125">
+              <a:lnSpc>
+                <a:spcPct val="150000"/>
+              </a:lnSpc>
+              <a:buFont typeface="+mj-lt"/>
+              <a:buAutoNum type="arabicPeriod"/>
+            </a:pPr>
+            <a:r>
+              <a:rPr lang="tr-TR" sz="2200" dirty="0">
+                <a:latin typeface="Roboto"/>
+              </a:rPr>
+              <a:t>	Hadoop Spark Developer</a:t>
+            </a:r>
+          </a:p>
+          <a:p>
+            <a:pPr marL="365125" indent="-365125" defTabSz="365125">
+              <a:lnSpc>
+                <a:spcPct val="150000"/>
+              </a:lnSpc>
+              <a:buFont typeface="+mj-lt"/>
+              <a:buAutoNum type="arabicPeriod"/>
+            </a:pPr>
+            <a:r>
+              <a:rPr lang="tr-TR" sz="2200" dirty="0">
+                <a:latin typeface="Roboto"/>
+              </a:rPr>
+              <a:t>	Temel Python Programlama</a:t>
+            </a:r>
+          </a:p>
+          <a:p>
+            <a:pPr marL="365125" indent="-365125" defTabSz="365125">
+              <a:lnSpc>
+                <a:spcPct val="150000"/>
+              </a:lnSpc>
+              <a:buFont typeface="+mj-lt"/>
+              <a:buAutoNum type="arabicPeriod"/>
+            </a:pPr>
+            <a:r>
+              <a:rPr lang="tr-TR" sz="2200" dirty="0">
+                <a:latin typeface="Roboto"/>
+              </a:rPr>
+              <a:t>	Python ile Makine Öğrenmesi</a:t>
+            </a:r>
+          </a:p>
+          <a:p>
+            <a:pPr marL="365125" indent="-365125" defTabSz="365125">
+              <a:lnSpc>
+                <a:spcPct val="150000"/>
+              </a:lnSpc>
+              <a:buFont typeface="+mj-lt"/>
+              <a:buAutoNum type="arabicPeriod"/>
+            </a:pPr>
+            <a:r>
+              <a:rPr lang="tr-TR" sz="2200" dirty="0">
+                <a:latin typeface="Roboto"/>
+              </a:rPr>
+              <a:t>	Python ile Derin Öğrenme Giriş</a:t>
+            </a:r>
+          </a:p>
+          <a:p>
+            <a:pPr marL="365125" indent="-365125" defTabSz="365125">
+              <a:lnSpc>
+                <a:spcPct val="150000"/>
+              </a:lnSpc>
+              <a:buFont typeface="+mj-lt"/>
+              <a:buAutoNum type="arabicPeriod"/>
+            </a:pPr>
+            <a:r>
+              <a:rPr lang="tr-TR" sz="2200" dirty="0">
+                <a:latin typeface="Roboto"/>
+              </a:rPr>
+              <a:t>	Apache Spark ile Makine Öğrenmesi </a:t>
+            </a:r>
+          </a:p>
+          <a:p>
+            <a:pPr marL="365125" indent="-365125" defTabSz="365125">
+              <a:lnSpc>
+                <a:spcPct val="150000"/>
+              </a:lnSpc>
+              <a:buFont typeface="+mj-lt"/>
+              <a:buAutoNum type="arabicPeriod"/>
+            </a:pPr>
+            <a:r>
+              <a:rPr lang="tr-TR" sz="2200" dirty="0">
+                <a:latin typeface="Roboto"/>
+              </a:rPr>
+              <a:t>	Apache Spark ile </a:t>
+            </a:r>
+            <a:r>
+              <a:rPr lang="tr-TR" sz="2200" dirty="0" err="1">
+                <a:latin typeface="Roboto"/>
+              </a:rPr>
+              <a:t>Streaming</a:t>
+            </a:r>
+            <a:endParaRPr lang="tr-TR" sz="2200" dirty="0">
+              <a:latin typeface="Roboto"/>
+            </a:endParaRPr>
+          </a:p>
+          <a:p>
+            <a:pPr marL="365125" indent="-365125" defTabSz="365125">
+              <a:lnSpc>
+                <a:spcPct val="150000"/>
+              </a:lnSpc>
+              <a:buFont typeface="+mj-lt"/>
+              <a:buAutoNum type="arabicPeriod"/>
+            </a:pPr>
+            <a:r>
+              <a:rPr lang="tr-TR" sz="2200" dirty="0">
+                <a:latin typeface="Roboto"/>
+              </a:rPr>
+              <a:t>	Apache </a:t>
+            </a:r>
+            <a:r>
+              <a:rPr lang="tr-TR" sz="2200" dirty="0" err="1">
+                <a:latin typeface="Roboto"/>
+              </a:rPr>
+              <a:t>Flink</a:t>
+            </a:r>
+            <a:r>
+              <a:rPr lang="tr-TR" sz="2200" dirty="0">
+                <a:latin typeface="Roboto"/>
+              </a:rPr>
+              <a:t> ile </a:t>
+            </a:r>
+            <a:r>
+              <a:rPr lang="tr-TR" sz="2200" dirty="0" err="1">
+                <a:latin typeface="Roboto"/>
+              </a:rPr>
+              <a:t>Streaming</a:t>
+            </a:r>
+            <a:endParaRPr lang="tr-TR" sz="2200" dirty="0">
+              <a:latin typeface="Roboto"/>
+            </a:endParaRPr>
+          </a:p>
+        </p:txBody>
+      </p:sp>
+    </p:spTree>
+    <p:extLst>
+      <p:ext uri="{BB962C8B-B14F-4D97-AF65-F5344CB8AC3E}">
+        <p14:creationId xmlns:p14="http://schemas.microsoft.com/office/powerpoint/2010/main" val="3505777942"/>
+      </p:ext>
+    </p:extLst>
+  </p:cSld>
+  <p:clrMapOvr>
+    <a:masterClrMapping/>
+  </p:clrMapOvr>
+  <p:transition spd="slow">
+    <p:push dir="u"/>
+  </p:transition>
+  <p:timing>
+    <p:tnLst>
+      <p:par>
+        <p:cTn id="1" dur="indefinite" restart="never" nodeType="tmRoot">
+          <p:childTnLst>
+            <p:seq concurrent="1" nextAc="seek">
+              <p:cTn id="2" dur="indefinite" nodeType="mainSeq">
+                <p:childTnLst>
+                  <p:par>
+                    <p:cTn id="3" fill="hold">
+                      <p:stCondLst>
+                        <p:cond delay="indefinite"/>
+                      </p:stCondLst>
+                      <p:childTnLst>
+                        <p:par>
+                          <p:cTn id="4" fill="hold">
+                            <p:stCondLst>
+                              <p:cond delay="0"/>
+                            </p:stCondLst>
+                            <p:childTnLst>
+                              <p:par>
+                                <p:cTn id="5" presetID="53" presetClass="entr" presetSubtype="16" fill="hold" grpId="0" nodeType="clickEffect">
+                                  <p:stCondLst>
+                                    <p:cond delay="0"/>
+                                  </p:stCondLst>
+                                  <p:childTnLst>
+                                    <p:set>
+                                      <p:cBhvr>
+                                        <p:cTn id="6" dur="1" fill="hold">
+                                          <p:stCondLst>
+                                            <p:cond delay="0"/>
+                                          </p:stCondLst>
+                                        </p:cTn>
+                                        <p:tgtEl>
+                                          <p:spTgt spid="3"/>
+                                        </p:tgtEl>
+                                        <p:attrNameLst>
+                                          <p:attrName>style.visibility</p:attrName>
+                                        </p:attrNameLst>
+                                      </p:cBhvr>
+                                      <p:to>
+                                        <p:strVal val="visible"/>
+                                      </p:to>
+                                    </p:set>
+                                    <p:anim calcmode="lin" valueType="num">
+                                      <p:cBhvr>
+                                        <p:cTn id="7" dur="500" fill="hold"/>
+                                        <p:tgtEl>
+                                          <p:spTgt spid="3"/>
+                                        </p:tgtEl>
+                                        <p:attrNameLst>
+                                          <p:attrName>ppt_w</p:attrName>
+                                        </p:attrNameLst>
+                                      </p:cBhvr>
+                                      <p:tavLst>
+                                        <p:tav tm="0">
+                                          <p:val>
+                                            <p:fltVal val="0"/>
+                                          </p:val>
+                                        </p:tav>
+                                        <p:tav tm="100000">
+                                          <p:val>
+                                            <p:strVal val="#ppt_w"/>
+                                          </p:val>
+                                        </p:tav>
+                                      </p:tavLst>
+                                    </p:anim>
+                                    <p:anim calcmode="lin" valueType="num">
+                                      <p:cBhvr>
+                                        <p:cTn id="8" dur="500" fill="hold"/>
+                                        <p:tgtEl>
+                                          <p:spTgt spid="3"/>
+                                        </p:tgtEl>
+                                        <p:attrNameLst>
+                                          <p:attrName>ppt_h</p:attrName>
+                                        </p:attrNameLst>
+                                      </p:cBhvr>
+                                      <p:tavLst>
+                                        <p:tav tm="0">
+                                          <p:val>
+                                            <p:fltVal val="0"/>
+                                          </p:val>
+                                        </p:tav>
+                                        <p:tav tm="100000">
+                                          <p:val>
+                                            <p:strVal val="#ppt_h"/>
+                                          </p:val>
+                                        </p:tav>
+                                      </p:tavLst>
+                                    </p:anim>
+                                    <p:animEffect transition="in" filter="fade">
+                                      <p:cBhvr>
+                                        <p:cTn id="9" dur="500"/>
+                                        <p:tgtEl>
+                                          <p:spTgt spid="3"/>
+                                        </p:tgtEl>
+                                      </p:cBhvr>
+                                    </p:animEffect>
+                                  </p:childTnLst>
+                                </p:cTn>
+                              </p:par>
+                            </p:childTnLst>
+                          </p:cTn>
+                        </p:par>
+                      </p:childTnLst>
+                    </p:cTn>
+                  </p:par>
+                </p:childTnLst>
+              </p:cTn>
+              <p:prevCondLst>
+                <p:cond evt="onPrev" delay="0">
+                  <p:tgtEl>
+                    <p:sldTgt/>
+                  </p:tgtEl>
+                </p:cond>
+              </p:prevCondLst>
+              <p:nextCondLst>
+                <p:cond evt="onNext" delay="0">
+                  <p:tgtEl>
+                    <p:sldTgt/>
+                  </p:tgtEl>
+                </p:cond>
+              </p:nextCondLst>
+            </p:seq>
+          </p:childTnLst>
+        </p:cTn>
+      </p:par>
+    </p:tnLst>
+    <p:bldLst>
+      <p:bldP spid="3" grpId="0"/>
+    </p:bldLst>
+  </p:timing>
+</p:sld>
+</file>
+
+<file path=ppt/slides/slide4.xml><?xml version="1.0" encoding="utf-8"?>
+<p:sld xmlns:a="http://schemas.openxmlformats.org/drawingml/2006/main" xmlns:r="http://schemas.openxmlformats.org/officeDocument/2006/relationships" xmlns:p="http://schemas.openxmlformats.org/presentationml/2006/main">
+  <p:cSld>
+    <p:spTree>
+      <p:nvGrpSpPr>
+        <p:cNvPr id="1" name=""/>
+        <p:cNvGrpSpPr/>
+        <p:nvPr/>
+      </p:nvGrpSpPr>
+      <p:grpSpPr>
+        <a:xfrm>
+          <a:off x="0" y="0"/>
+          <a:ext cx="0" cy="0"/>
+          <a:chOff x="0" y="0"/>
+          <a:chExt cx="0" cy="0"/>
+        </a:xfrm>
+      </p:grpSpPr>
+      <p:sp>
+        <p:nvSpPr>
+          <p:cNvPr id="16" name="Unvan 1"/>
+          <p:cNvSpPr>
+            <a:spLocks noGrp="1"/>
+          </p:cNvSpPr>
+          <p:nvPr>
+            <p:ph type="ctrTitle"/>
+          </p:nvPr>
+        </p:nvSpPr>
+        <p:spPr>
+          <a:xfrm>
+            <a:off x="1856117" y="668546"/>
+            <a:ext cx="8479766" cy="619433"/>
+          </a:xfrm>
+        </p:spPr>
+        <p:txBody>
+          <a:bodyPr>
+            <a:noAutofit/>
+          </a:bodyPr>
+          <a:lstStyle/>
+          <a:p>
+            <a:r>
+              <a:rPr lang="tr-TR" sz="4000" b="1" dirty="0">
+                <a:solidFill>
+                  <a:srgbClr val="FF4D4D"/>
+                </a:solidFill>
+                <a:latin typeface="Roboto"/>
+                <a:ea typeface="+mn-ea"/>
+                <a:cs typeface="+mn-cs"/>
+              </a:rPr>
+              <a:t>Eğitim Verilen Kurum ve Şirketler</a:t>
+            </a:r>
+            <a:endParaRPr lang="en-US" sz="4000" b="1" dirty="0">
+              <a:solidFill>
+                <a:srgbClr val="FF4D4D"/>
+              </a:solidFill>
+              <a:latin typeface="Roboto"/>
+              <a:ea typeface="+mn-ea"/>
+              <a:cs typeface="+mn-cs"/>
+            </a:endParaRPr>
+          </a:p>
+        </p:txBody>
+      </p:sp>
+      <p:sp>
+        <p:nvSpPr>
+          <p:cNvPr id="3" name="Metin kutusu 2">
+            <a:extLst>
+              <a:ext uri="{FF2B5EF4-FFF2-40B4-BE49-F238E27FC236}">
+                <a16:creationId xmlns:a16="http://schemas.microsoft.com/office/drawing/2014/main" id="{2DC8A280-C738-452F-B627-12CB68E50CC1}"/>
+              </a:ext>
+            </a:extLst>
+          </p:cNvPr>
+          <p:cNvSpPr txBox="1"/>
+          <p:nvPr/>
+        </p:nvSpPr>
+        <p:spPr>
+          <a:xfrm>
+            <a:off x="2825013" y="1606590"/>
+            <a:ext cx="7964129" cy="3584379"/>
+          </a:xfrm>
+          <a:prstGeom prst="rect">
+            <a:avLst/>
+          </a:prstGeom>
+          <a:noFill/>
+        </p:spPr>
+        <p:txBody>
+          <a:bodyPr wrap="square" rtlCol="0">
+            <a:spAutoFit/>
+          </a:bodyPr>
+          <a:lstStyle/>
+          <a:p>
+            <a:pPr marL="365125" indent="-365125" defTabSz="365125">
+              <a:lnSpc>
+                <a:spcPct val="150000"/>
+              </a:lnSpc>
+              <a:buFont typeface="+mj-lt"/>
+              <a:buAutoNum type="arabicPeriod"/>
+              <a:tabLst>
+                <a:tab pos="449263" algn="l"/>
+              </a:tabLst>
+            </a:pPr>
+            <a:r>
+              <a:rPr lang="tr-TR" sz="2200" dirty="0">
+                <a:latin typeface="Roboto"/>
+              </a:rPr>
+              <a:t>Boğaziçi Üniversitesi	</a:t>
+            </a:r>
+          </a:p>
+          <a:p>
+            <a:pPr marL="365125" indent="-365125" defTabSz="365125">
+              <a:lnSpc>
+                <a:spcPct val="150000"/>
+              </a:lnSpc>
+              <a:buFont typeface="+mj-lt"/>
+              <a:buAutoNum type="arabicPeriod"/>
+              <a:tabLst>
+                <a:tab pos="449263" algn="l"/>
+              </a:tabLst>
+            </a:pPr>
+            <a:r>
+              <a:rPr lang="tr-TR" sz="2200" dirty="0">
+                <a:latin typeface="Roboto"/>
+              </a:rPr>
+              <a:t>Azerbaycan İçişleri Bakanlığı</a:t>
+            </a:r>
+          </a:p>
+          <a:p>
+            <a:pPr marL="365125" indent="-365125" defTabSz="365125">
+              <a:lnSpc>
+                <a:spcPct val="150000"/>
+              </a:lnSpc>
+              <a:buFont typeface="+mj-lt"/>
+              <a:buAutoNum type="arabicPeriod"/>
+              <a:tabLst>
+                <a:tab pos="449263" algn="l"/>
+              </a:tabLst>
+            </a:pPr>
+            <a:r>
+              <a:rPr lang="tr-TR" sz="2200" dirty="0">
+                <a:latin typeface="Roboto"/>
+              </a:rPr>
+              <a:t>	İş Bankası</a:t>
+            </a:r>
+          </a:p>
+          <a:p>
+            <a:pPr marL="365125" indent="-365125" defTabSz="365125">
+              <a:lnSpc>
+                <a:spcPct val="150000"/>
+              </a:lnSpc>
+              <a:buFont typeface="+mj-lt"/>
+              <a:buAutoNum type="arabicPeriod"/>
+              <a:tabLst>
+                <a:tab pos="449263" algn="l"/>
+              </a:tabLst>
+            </a:pPr>
+            <a:r>
+              <a:rPr lang="tr-TR" sz="2200" dirty="0">
+                <a:latin typeface="Roboto"/>
+              </a:rPr>
+              <a:t>	Sahibinden.com</a:t>
+            </a:r>
+          </a:p>
+          <a:p>
+            <a:pPr marL="365125" indent="-365125" defTabSz="365125">
+              <a:lnSpc>
+                <a:spcPct val="150000"/>
+              </a:lnSpc>
+              <a:buFont typeface="+mj-lt"/>
+              <a:buAutoNum type="arabicPeriod"/>
+              <a:tabLst>
+                <a:tab pos="449263" algn="l"/>
+              </a:tabLst>
+            </a:pPr>
+            <a:r>
+              <a:rPr lang="tr-TR" sz="2200" dirty="0">
+                <a:latin typeface="Roboto"/>
+              </a:rPr>
+              <a:t>	</a:t>
+            </a:r>
+            <a:r>
+              <a:rPr lang="tr-TR" sz="2200" dirty="0" err="1">
+                <a:latin typeface="Roboto"/>
+              </a:rPr>
+              <a:t>Allianz</a:t>
+            </a:r>
+            <a:r>
+              <a:rPr lang="tr-TR" sz="2200" dirty="0">
+                <a:latin typeface="Roboto"/>
+              </a:rPr>
+              <a:t> Sigorta</a:t>
+            </a:r>
+          </a:p>
+          <a:p>
+            <a:pPr marL="365125" indent="-365125" defTabSz="365125">
+              <a:lnSpc>
+                <a:spcPct val="150000"/>
+              </a:lnSpc>
+              <a:buFont typeface="+mj-lt"/>
+              <a:buAutoNum type="arabicPeriod"/>
+              <a:tabLst>
+                <a:tab pos="449263" algn="l"/>
+              </a:tabLst>
+            </a:pPr>
+            <a:r>
+              <a:rPr lang="tr-TR" sz="2200" dirty="0">
+                <a:latin typeface="Roboto"/>
+              </a:rPr>
+              <a:t>	Tarım ve Kredi Kooperatifleri Birliği</a:t>
+            </a:r>
+          </a:p>
+          <a:p>
+            <a:pPr marL="457200" indent="-457200">
+              <a:lnSpc>
+                <a:spcPct val="150000"/>
+              </a:lnSpc>
+              <a:buFont typeface="+mj-lt"/>
+              <a:buAutoNum type="arabicPeriod"/>
+            </a:pPr>
+            <a:endParaRPr lang="tr-TR" sz="2200" dirty="0">
+              <a:latin typeface="Roboto"/>
+            </a:endParaRPr>
+          </a:p>
+        </p:txBody>
+      </p:sp>
+    </p:spTree>
+    <p:extLst>
+      <p:ext uri="{BB962C8B-B14F-4D97-AF65-F5344CB8AC3E}">
+        <p14:creationId xmlns:p14="http://schemas.microsoft.com/office/powerpoint/2010/main" val="2586904466"/>
+      </p:ext>
+    </p:extLst>
+  </p:cSld>
+  <p:clrMapOvr>
+    <a:masterClrMapping/>
+  </p:clrMapOvr>
+  <p:transition spd="slow">
+    <p:push dir="u"/>
+  </p:transition>
+  <p:timing>
+    <p:tnLst>
+      <p:par>
+        <p:cTn id="1" dur="indefinite" restart="never" nodeType="tmRoot">
+          <p:childTnLst>
+            <p:seq concurrent="1" nextAc="seek">
+              <p:cTn id="2" dur="indefinite" nodeType="mainSeq">
+                <p:childTnLst>
+                  <p:par>
+                    <p:cTn id="3" fill="hold">
+                      <p:stCondLst>
+                        <p:cond delay="indefinite"/>
+                      </p:stCondLst>
+                      <p:childTnLst>
+                        <p:par>
+                          <p:cTn id="4" fill="hold">
+                            <p:stCondLst>
+                              <p:cond delay="0"/>
+                            </p:stCondLst>
+                            <p:childTnLst>
+                              <p:par>
+                                <p:cTn id="5" presetID="53" presetClass="entr" presetSubtype="16" fill="hold" grpId="0" nodeType="clickEffect">
+                                  <p:stCondLst>
+                                    <p:cond delay="0"/>
+                                  </p:stCondLst>
+                                  <p:childTnLst>
+                                    <p:set>
+                                      <p:cBhvr>
+                                        <p:cTn id="6" dur="1" fill="hold">
+                                          <p:stCondLst>
+                                            <p:cond delay="0"/>
+                                          </p:stCondLst>
+                                        </p:cTn>
+                                        <p:tgtEl>
+                                          <p:spTgt spid="3"/>
+                                        </p:tgtEl>
+                                        <p:attrNameLst>
+                                          <p:attrName>style.visibility</p:attrName>
+                                        </p:attrNameLst>
+                                      </p:cBhvr>
+                                      <p:to>
+                                        <p:strVal val="visible"/>
+                                      </p:to>
+                                    </p:set>
+                                    <p:anim calcmode="lin" valueType="num">
+                                      <p:cBhvr>
+                                        <p:cTn id="7" dur="500" fill="hold"/>
+                                        <p:tgtEl>
+                                          <p:spTgt spid="3"/>
+                                        </p:tgtEl>
+                                        <p:attrNameLst>
+                                          <p:attrName>ppt_w</p:attrName>
+                                        </p:attrNameLst>
+                                      </p:cBhvr>
+                                      <p:tavLst>
+                                        <p:tav tm="0">
+                                          <p:val>
+                                            <p:fltVal val="0"/>
+                                          </p:val>
+                                        </p:tav>
+                                        <p:tav tm="100000">
+                                          <p:val>
+                                            <p:strVal val="#ppt_w"/>
+                                          </p:val>
+                                        </p:tav>
+                                      </p:tavLst>
+                                    </p:anim>
+                                    <p:anim calcmode="lin" valueType="num">
+                                      <p:cBhvr>
+                                        <p:cTn id="8" dur="500" fill="hold"/>
+                                        <p:tgtEl>
+                                          <p:spTgt spid="3"/>
+                                        </p:tgtEl>
+                                        <p:attrNameLst>
+                                          <p:attrName>ppt_h</p:attrName>
+                                        </p:attrNameLst>
+                                      </p:cBhvr>
+                                      <p:tavLst>
+                                        <p:tav tm="0">
+                                          <p:val>
+                                            <p:fltVal val="0"/>
+                                          </p:val>
+                                        </p:tav>
+                                        <p:tav tm="100000">
+                                          <p:val>
+                                            <p:strVal val="#ppt_h"/>
+                                          </p:val>
+                                        </p:tav>
+                                      </p:tavLst>
+                                    </p:anim>
+                                    <p:animEffect transition="in" filter="fade">
+                                      <p:cBhvr>
+                                        <p:cTn id="9" dur="500"/>
+                                        <p:tgtEl>
+                                          <p:spTgt spid="3"/>
+                                        </p:tgtEl>
+                                      </p:cBhvr>
+                                    </p:animEffect>
+                                  </p:childTnLst>
+                                </p:cTn>
+                              </p:par>
+                            </p:childTnLst>
+                          </p:cTn>
+                        </p:par>
+                      </p:childTnLst>
+                    </p:cTn>
+                  </p:par>
+                </p:childTnLst>
+              </p:cTn>
+              <p:prevCondLst>
+                <p:cond evt="onPrev" delay="0">
+                  <p:tgtEl>
+                    <p:sldTgt/>
+                  </p:tgtEl>
+                </p:cond>
+              </p:prevCondLst>
+              <p:nextCondLst>
+                <p:cond evt="onNext" delay="0">
+                  <p:tgtEl>
+                    <p:sldTgt/>
+                  </p:tgtEl>
+                </p:cond>
+              </p:nextCondLst>
+            </p:seq>
+          </p:childTnLst>
+        </p:cTn>
+      </p:par>
+    </p:tnLst>
+    <p:bldLst>
+      <p:bldP spid="3" grpId="0"/>
+    </p:bldLst>
+  </p:timing>
+</p:sld>
+</file>
+
+<file path=ppt/slides/slide5.xml><?xml version="1.0" encoding="utf-8"?>
+<p:sld xmlns:a="http://schemas.openxmlformats.org/drawingml/2006/main" xmlns:r="http://schemas.openxmlformats.org/officeDocument/2006/relationships" xmlns:p="http://schemas.openxmlformats.org/presentationml/2006/main">
+  <p:cSld>
+    <p:spTree>
+      <p:nvGrpSpPr>
+        <p:cNvPr id="1" name=""/>
+        <p:cNvGrpSpPr/>
+        <p:nvPr/>
+      </p:nvGrpSpPr>
+      <p:grpSpPr>
+        <a:xfrm>
+          <a:off x="0" y="0"/>
+          <a:ext cx="0" cy="0"/>
+          <a:chOff x="0" y="0"/>
+          <a:chExt cx="0" cy="0"/>
+        </a:xfrm>
+      </p:grpSpPr>
+      <p:sp>
+        <p:nvSpPr>
+          <p:cNvPr id="16" name="Unvan 1"/>
+          <p:cNvSpPr>
+            <a:spLocks noGrp="1"/>
+          </p:cNvSpPr>
+          <p:nvPr>
+            <p:ph type="ctrTitle"/>
+          </p:nvPr>
+        </p:nvSpPr>
+        <p:spPr>
+          <a:xfrm>
+            <a:off x="5799066" y="792477"/>
+            <a:ext cx="2735334" cy="619433"/>
+          </a:xfrm>
+        </p:spPr>
+        <p:txBody>
+          <a:bodyPr>
+            <a:noAutofit/>
+          </a:bodyPr>
+          <a:lstStyle/>
+          <a:p>
+            <a:r>
+              <a:rPr lang="tr-TR" sz="4400" b="1" dirty="0">
+                <a:solidFill>
+                  <a:srgbClr val="645A53"/>
+                </a:solidFill>
+                <a:latin typeface="Roboto"/>
+                <a:ea typeface="+mn-ea"/>
+                <a:cs typeface="+mn-cs"/>
+              </a:rPr>
+              <a:t>Kursları</a:t>
+            </a:r>
+            <a:endParaRPr lang="en-US" sz="4400" b="1" dirty="0">
+              <a:solidFill>
+                <a:srgbClr val="645A53"/>
+              </a:solidFill>
+              <a:latin typeface="Roboto"/>
+              <a:ea typeface="+mn-ea"/>
+              <a:cs typeface="+mn-cs"/>
+            </a:endParaRPr>
+          </a:p>
+        </p:txBody>
+      </p:sp>
+      <p:sp>
+        <p:nvSpPr>
+          <p:cNvPr id="2" name="Dikdörtgen 1">
+            <a:extLst>
+              <a:ext uri="{FF2B5EF4-FFF2-40B4-BE49-F238E27FC236}">
+                <a16:creationId xmlns:a16="http://schemas.microsoft.com/office/drawing/2014/main" id="{4C6B8E27-6BF5-40D7-9A51-E30B062C319C}"/>
+              </a:ext>
+            </a:extLst>
+          </p:cNvPr>
+          <p:cNvSpPr/>
+          <p:nvPr/>
+        </p:nvSpPr>
+        <p:spPr>
+          <a:xfrm>
+            <a:off x="1584960" y="1852643"/>
+            <a:ext cx="9113520" cy="3877985"/>
+          </a:xfrm>
+          <a:prstGeom prst="rect">
+            <a:avLst/>
+          </a:prstGeom>
+        </p:spPr>
+        <p:txBody>
+          <a:bodyPr wrap="square">
+            <a:spAutoFit/>
+          </a:bodyPr>
+          <a:lstStyle/>
+          <a:p>
+            <a:r>
+              <a:rPr lang="tr-TR" sz="2400" b="1" dirty="0">
+                <a:latin typeface="Roboto"/>
+              </a:rPr>
+              <a:t>1. A'dan Z'ye Uygulamalı Hadoop ve Büyük Veri Eğitimi</a:t>
+            </a:r>
+          </a:p>
+          <a:p>
+            <a:r>
+              <a:rPr lang="tr-TR" dirty="0">
+                <a:latin typeface="Roboto"/>
+                <a:hlinkClick r:id="rId2"/>
+              </a:rPr>
+              <a:t> https://www.udemy.com/adan-zye-uygulamal-hadoop-buyuk-veri-egitimi</a:t>
+            </a:r>
+            <a:endParaRPr lang="tr-TR" dirty="0">
+              <a:latin typeface="Roboto"/>
+            </a:endParaRPr>
+          </a:p>
+          <a:p>
+            <a:r>
+              <a:rPr lang="tr-TR" dirty="0">
+                <a:latin typeface="Roboto"/>
+              </a:rPr>
+              <a:t>Yeni başlayanlar için büyük veri ve Hadoop teknolojilerini hem teorik hem de pratik uygulamalar içeren bir kurstur. Veri bilimci, büyük veri yöneticisi ve mühendisi pozisyonlarında çalışanlar veya kariyer hedefinde bu pozisyonlardan biri olanlar için idealdir.</a:t>
+            </a:r>
+          </a:p>
+          <a:p>
+            <a:endParaRPr lang="tr-TR" dirty="0">
+              <a:latin typeface="Roboto"/>
+            </a:endParaRPr>
+          </a:p>
+          <a:p>
+            <a:r>
+              <a:rPr lang="tr-TR" sz="2400" b="1" dirty="0">
+                <a:latin typeface="Roboto"/>
+              </a:rPr>
+              <a:t>2. A'dan Z'ye Apache Spark (</a:t>
+            </a:r>
+            <a:r>
+              <a:rPr lang="tr-TR" sz="2400" b="1" dirty="0" err="1">
+                <a:latin typeface="Roboto"/>
+              </a:rPr>
+              <a:t>Scala</a:t>
+            </a:r>
+            <a:r>
+              <a:rPr lang="tr-TR" sz="2400" b="1" dirty="0">
+                <a:latin typeface="Roboto"/>
+              </a:rPr>
+              <a:t> &amp; Python)</a:t>
+            </a:r>
+          </a:p>
+          <a:p>
+            <a:r>
+              <a:rPr lang="tr-TR" dirty="0">
+                <a:latin typeface="Roboto"/>
+                <a:hlinkClick r:id="rId3"/>
+              </a:rPr>
+              <a:t>https://www.udemy.com/apache-spark-egitimi/</a:t>
+            </a:r>
+            <a:endParaRPr lang="tr-TR" dirty="0">
+              <a:latin typeface="Roboto"/>
+            </a:endParaRPr>
+          </a:p>
+          <a:p>
+            <a:r>
+              <a:rPr lang="tr-TR" dirty="0">
+                <a:latin typeface="Roboto"/>
+              </a:rPr>
+              <a:t>Kursiyerlerin Apache Spark ile ilgili her türlü teorik bilgiyi öğrenmeleri ve uygulama seviyesinde yetenek kazanmalarını hedeflemektedir. Apache Spark ile daha gerçekçi uygulamalar ile orta ve ileri seviyeli veri bilimci ve veri mühendisi gibi pozisyonlardaki çalışanların veya bunların adaylarının yeteneklerini geliştirmek hedeflenmiştir.</a:t>
+            </a:r>
+          </a:p>
+        </p:txBody>
+      </p:sp>
+      <p:pic>
+        <p:nvPicPr>
+          <p:cNvPr id="5" name="Resim 4">
+            <a:extLst>
+              <a:ext uri="{FF2B5EF4-FFF2-40B4-BE49-F238E27FC236}">
+                <a16:creationId xmlns:a16="http://schemas.microsoft.com/office/drawing/2014/main" id="{6A28FFB5-D38D-4B4E-B90A-CDDF5EEEEACA}"/>
+              </a:ext>
+            </a:extLst>
+          </p:cNvPr>
+          <p:cNvPicPr>
+            <a:picLocks noChangeAspect="1"/>
+          </p:cNvPicPr>
+          <p:nvPr/>
+        </p:nvPicPr>
+        <p:blipFill>
+          <a:blip r:embed="rId4">
+            <a:extLst>
+              <a:ext uri="{28A0092B-C50C-407E-A947-70E740481C1C}">
+                <a14:useLocalDpi xmlns:a14="http://schemas.microsoft.com/office/drawing/2010/main" val="0"/>
+              </a:ext>
+            </a:extLst>
+          </a:blip>
+          <a:stretch>
+            <a:fillRect/>
+          </a:stretch>
+        </p:blipFill>
+        <p:spPr>
+          <a:xfrm>
+            <a:off x="1813560" y="-240640"/>
+            <a:ext cx="4709160" cy="2472309"/>
+          </a:xfrm>
+          <a:prstGeom prst="rect">
+            <a:avLst/>
+          </a:prstGeom>
+        </p:spPr>
+      </p:pic>
+    </p:spTree>
+    <p:extLst>
+      <p:ext uri="{BB962C8B-B14F-4D97-AF65-F5344CB8AC3E}">
+        <p14:creationId xmlns:p14="http://schemas.microsoft.com/office/powerpoint/2010/main" val="4279619642"/>
+      </p:ext>
+    </p:extLst>
+  </p:cSld>
+  <p:clrMapOvr>
+    <a:masterClrMapping/>
+  </p:clrMapOvr>
+  <p:transition spd="slow">
+    <p:push dir="u"/>
+  </p:transition>
+</p:sld>
+</file>
+
+<file path=ppt/slides/slide6.xml><?xml version="1.0" encoding="utf-8"?>
 <p:sld xmlns:a="http://schemas.openxmlformats.org/drawingml/2006/main" xmlns:r="http://schemas.openxmlformats.org/officeDocument/2006/relationships" xmlns:p="http://schemas.openxmlformats.org/presentationml/2006/main">
   <p:cSld>
     <p:spTree>
@@ -4619,7 +6534,7 @@
 </p:sld>
 </file>
 
-<file path=ppt/slides/slide4.xml><?xml version="1.0" encoding="utf-8"?>
+<file path=ppt/slides/slide7.xml><?xml version="1.0" encoding="utf-8"?>
 <p:sld xmlns:a="http://schemas.openxmlformats.org/drawingml/2006/main" xmlns:r="http://schemas.openxmlformats.org/officeDocument/2006/relationships" xmlns:p="http://schemas.openxmlformats.org/presentationml/2006/main">
   <p:cSld>
     <p:spTree>
@@ -5070,7 +6985,7 @@
 </p:sld>
 </file>
 
-<file path=ppt/slides/slide5.xml><?xml version="1.0" encoding="utf-8"?>
+<file path=ppt/slides/slide8.xml><?xml version="1.0" encoding="utf-8"?>
 <p:sld xmlns:a="http://schemas.openxmlformats.org/drawingml/2006/main" xmlns:r="http://schemas.openxmlformats.org/officeDocument/2006/relationships" xmlns:p="http://schemas.openxmlformats.org/presentationml/2006/main">
   <p:cSld>
     <p:spTree>
@@ -5118,7 +7033,7 @@
                 <a:ea typeface="+mn-ea"/>
                 <a:cs typeface="+mn-cs"/>
               </a:rPr>
-              <a:t>Eğitim Hedefi</a:t>
+              <a:t>Eğitim İçeriği</a:t>
             </a:r>
             <a:endParaRPr lang="en-US" sz="4000" b="1" dirty="0">
               <a:solidFill>
@@ -5146,7 +7061,7 @@
         <p:spPr>
           <a:xfrm>
             <a:off x="1930401" y="989370"/>
-            <a:ext cx="8976852" cy="4651979"/>
+            <a:ext cx="8976852" cy="5113644"/>
           </a:xfrm>
           <a:prstGeom prst="rect">
             <a:avLst/>
@@ -5169,7 +7084,7 @@
               <a:rPr lang="tr-TR" sz="2000" dirty="0">
                 <a:latin typeface="Roboto"/>
               </a:rPr>
-              <a:t>Makine öğrenmesine yetecek kadar python pratiği kazanmak</a:t>
+              <a:t>Kurulumlar</a:t>
             </a:r>
           </a:p>
           <a:p>
@@ -5183,7 +7098,7 @@
               <a:rPr lang="tr-TR" sz="2000" dirty="0">
                 <a:latin typeface="Roboto"/>
               </a:rPr>
-              <a:t>Görselleştirme kütüphanelerini tanımak ve temel grafikleri çizebilmek</a:t>
+              <a:t>Python Temel</a:t>
             </a:r>
           </a:p>
           <a:p>
@@ -5195,10 +7110,16 @@
               <a:buAutoNum type="arabicPeriod"/>
             </a:pPr>
             <a:r>
+              <a:rPr lang="tr-TR" sz="2000" dirty="0" err="1">
+                <a:latin typeface="Roboto"/>
+              </a:rPr>
+              <a:t>Pandas</a:t>
+            </a:r>
+            <a:r>
               <a:rPr lang="tr-TR" sz="2000" dirty="0">
                 <a:latin typeface="Roboto"/>
               </a:rPr>
-              <a:t>Veri hazırlığını anlamak ve uygulamak</a:t>
+              <a:t> ile Veri Manipülasyon ve Analizi</a:t>
             </a:r>
           </a:p>
           <a:p>
@@ -5209,10 +7130,16 @@
               <a:buAutoNum type="arabicPeriod"/>
             </a:pPr>
             <a:r>
+              <a:rPr lang="tr-TR" sz="2000" dirty="0" err="1">
+                <a:latin typeface="Roboto"/>
+              </a:rPr>
+              <a:t>Numpy</a:t>
+            </a:r>
+            <a:r>
               <a:rPr lang="tr-TR" sz="2000" dirty="0">
                 <a:latin typeface="Roboto"/>
               </a:rPr>
-              <a:t>Makine öğrenmesi temel kavramlarını öğrenmek ve hangi problemin nasıl çözüleceği kavramak</a:t>
+              <a:t> ile Temel Vektör ve Matris İşlemleri</a:t>
             </a:r>
           </a:p>
           <a:p>
@@ -5226,7 +7153,7 @@
               <a:rPr lang="tr-TR" sz="2000" dirty="0">
                 <a:latin typeface="Roboto"/>
               </a:rPr>
-              <a:t>Regresyon pratiği kazanmak</a:t>
+              <a:t>Python ile Veri Görselleştirmesi</a:t>
             </a:r>
           </a:p>
           <a:p>
@@ -5240,7 +7167,7 @@
               <a:rPr lang="tr-TR" sz="2000" dirty="0">
                 <a:latin typeface="Roboto"/>
               </a:rPr>
-              <a:t>Sınıflandırma pratiği kazanmak</a:t>
+              <a:t>Makine Öğrenmesine Giriş</a:t>
             </a:r>
           </a:p>
           <a:p>
@@ -5254,7 +7181,7 @@
               <a:rPr lang="tr-TR" sz="2000" dirty="0">
                 <a:latin typeface="Roboto"/>
               </a:rPr>
-              <a:t>Kümeleme pratiği kazanmak</a:t>
+              <a:t>Veri Temizliği ve Ön Hazırlığı</a:t>
             </a:r>
           </a:p>
           <a:p>
@@ -5265,16 +7192,10 @@
               <a:buAutoNum type="arabicPeriod"/>
             </a:pPr>
             <a:r>
-              <a:rPr lang="tr-TR" sz="2000" dirty="0" err="1">
-                <a:latin typeface="Roboto"/>
-              </a:rPr>
-              <a:t>Tuning</a:t>
-            </a:r>
-            <a:r>
               <a:rPr lang="tr-TR" sz="2000" dirty="0">
                 <a:latin typeface="Roboto"/>
               </a:rPr>
-              <a:t> yapabilmek</a:t>
+              <a:t>Lineer Regresyon</a:t>
             </a:r>
           </a:p>
           <a:p>
@@ -5288,7 +7209,44 @@
               <a:rPr lang="tr-TR" sz="2000" dirty="0">
                 <a:latin typeface="Roboto"/>
               </a:rPr>
-              <a:t>Deri öğrenme temel kavramlarını öğrenmek</a:t>
+              <a:t>Sınıflandırma</a:t>
+            </a:r>
+          </a:p>
+          <a:p>
+            <a:pPr marL="342900" indent="-342900">
+              <a:lnSpc>
+                <a:spcPct val="150000"/>
+              </a:lnSpc>
+              <a:buAutoNum type="arabicPeriod"/>
+            </a:pPr>
+            <a:r>
+              <a:rPr lang="tr-TR" sz="2000" dirty="0">
+                <a:latin typeface="Roboto"/>
+              </a:rPr>
+              <a:t>Model </a:t>
+            </a:r>
+            <a:r>
+              <a:rPr lang="tr-TR" sz="2000" dirty="0" err="1">
+                <a:latin typeface="Roboto"/>
+              </a:rPr>
+              <a:t>Tuning</a:t>
+            </a:r>
+            <a:endParaRPr lang="tr-TR" sz="2000" dirty="0">
+              <a:latin typeface="Roboto"/>
+            </a:endParaRPr>
+          </a:p>
+          <a:p>
+            <a:pPr marL="342900" indent="-342900">
+              <a:lnSpc>
+                <a:spcPct val="150000"/>
+              </a:lnSpc>
+              <a:buAutoNum type="arabicPeriod"/>
+            </a:pPr>
+            <a:r>
+              <a:rPr lang="tr-TR" sz="2000" dirty="0">
+                <a:latin typeface="Roboto"/>
+              </a:rPr>
+              <a:t>Kümeleme</a:t>
             </a:r>
           </a:p>
         </p:txBody>
@@ -5297,6 +7255,952 @@
     <p:extLst>
       <p:ext uri="{BB962C8B-B14F-4D97-AF65-F5344CB8AC3E}">
         <p14:creationId xmlns:p14="http://schemas.microsoft.com/office/powerpoint/2010/main" val="2519033183"/>
+      </p:ext>
+    </p:extLst>
+  </p:cSld>
+  <p:clrMapOvr>
+    <a:masterClrMapping/>
+  </p:clrMapOvr>
+  <p:transition spd="slow">
+    <p:push dir="u"/>
+  </p:transition>
+  <p:timing>
+    <p:tnLst>
+      <p:par>
+        <p:cTn id="1" dur="indefinite" restart="never" nodeType="tmRoot">
+          <p:childTnLst>
+            <p:seq concurrent="1" nextAc="seek">
+              <p:cTn id="2" dur="indefinite" nodeType="mainSeq">
+                <p:childTnLst>
+                  <p:par>
+                    <p:cTn id="3" fill="hold">
+                      <p:stCondLst>
+                        <p:cond delay="indefinite"/>
+                      </p:stCondLst>
+                      <p:childTnLst>
+                        <p:par>
+                          <p:cTn id="4" fill="hold">
+                            <p:stCondLst>
+                              <p:cond delay="0"/>
+                            </p:stCondLst>
+                            <p:childTnLst>
+                              <p:par>
+                                <p:cTn id="5" presetID="10" presetClass="entr" presetSubtype="0" fill="hold" nodeType="clickEffect">
+                                  <p:stCondLst>
+                                    <p:cond delay="0"/>
+                                  </p:stCondLst>
+                                  <p:childTnLst>
+                                    <p:set>
+                                      <p:cBhvr>
+                                        <p:cTn id="6" dur="1" fill="hold">
+                                          <p:stCondLst>
+                                            <p:cond delay="0"/>
+                                          </p:stCondLst>
+                                        </p:cTn>
+                                        <p:tgtEl>
+                                          <p:spTgt spid="3">
+                                            <p:txEl>
+                                              <p:pRg st="0" end="0"/>
+                                            </p:txEl>
+                                          </p:spTgt>
+                                        </p:tgtEl>
+                                        <p:attrNameLst>
+                                          <p:attrName>style.visibility</p:attrName>
+                                        </p:attrNameLst>
+                                      </p:cBhvr>
+                                      <p:to>
+                                        <p:strVal val="visible"/>
+                                      </p:to>
+                                    </p:set>
+                                    <p:animEffect transition="in" filter="fade">
+                                      <p:cBhvr>
+                                        <p:cTn id="7" dur="500"/>
+                                        <p:tgtEl>
+                                          <p:spTgt spid="3">
+                                            <p:txEl>
+                                              <p:pRg st="0" end="0"/>
+                                            </p:txEl>
+                                          </p:spTgt>
+                                        </p:tgtEl>
+                                      </p:cBhvr>
+                                    </p:animEffect>
+                                  </p:childTnLst>
+                                </p:cTn>
+                              </p:par>
+                            </p:childTnLst>
+                          </p:cTn>
+                        </p:par>
+                      </p:childTnLst>
+                    </p:cTn>
+                  </p:par>
+                  <p:par>
+                    <p:cTn id="8" fill="hold">
+                      <p:stCondLst>
+                        <p:cond delay="indefinite"/>
+                      </p:stCondLst>
+                      <p:childTnLst>
+                        <p:par>
+                          <p:cTn id="9" fill="hold">
+                            <p:stCondLst>
+                              <p:cond delay="0"/>
+                            </p:stCondLst>
+                            <p:childTnLst>
+                              <p:par>
+                                <p:cTn id="10" presetID="10" presetClass="entr" presetSubtype="0" fill="hold" nodeType="clickEffect">
+                                  <p:stCondLst>
+                                    <p:cond delay="0"/>
+                                  </p:stCondLst>
+                                  <p:childTnLst>
+                                    <p:set>
+                                      <p:cBhvr>
+                                        <p:cTn id="11" dur="1" fill="hold">
+                                          <p:stCondLst>
+                                            <p:cond delay="0"/>
+                                          </p:stCondLst>
+                                        </p:cTn>
+                                        <p:tgtEl>
+                                          <p:spTgt spid="3">
+                                            <p:txEl>
+                                              <p:pRg st="1" end="1"/>
+                                            </p:txEl>
+                                          </p:spTgt>
+                                        </p:tgtEl>
+                                        <p:attrNameLst>
+                                          <p:attrName>style.visibility</p:attrName>
+                                        </p:attrNameLst>
+                                      </p:cBhvr>
+                                      <p:to>
+                                        <p:strVal val="visible"/>
+                                      </p:to>
+                                    </p:set>
+                                    <p:animEffect transition="in" filter="fade">
+                                      <p:cBhvr>
+                                        <p:cTn id="12" dur="500"/>
+                                        <p:tgtEl>
+                                          <p:spTgt spid="3">
+                                            <p:txEl>
+                                              <p:pRg st="1" end="1"/>
+                                            </p:txEl>
+                                          </p:spTgt>
+                                        </p:tgtEl>
+                                      </p:cBhvr>
+                                    </p:animEffect>
+                                  </p:childTnLst>
+                                </p:cTn>
+                              </p:par>
+                            </p:childTnLst>
+                          </p:cTn>
+                        </p:par>
+                      </p:childTnLst>
+                    </p:cTn>
+                  </p:par>
+                  <p:par>
+                    <p:cTn id="13" fill="hold">
+                      <p:stCondLst>
+                        <p:cond delay="indefinite"/>
+                      </p:stCondLst>
+                      <p:childTnLst>
+                        <p:par>
+                          <p:cTn id="14" fill="hold">
+                            <p:stCondLst>
+                              <p:cond delay="0"/>
+                            </p:stCondLst>
+                            <p:childTnLst>
+                              <p:par>
+                                <p:cTn id="15" presetID="10" presetClass="entr" presetSubtype="0" fill="hold" nodeType="clickEffect">
+                                  <p:stCondLst>
+                                    <p:cond delay="0"/>
+                                  </p:stCondLst>
+                                  <p:childTnLst>
+                                    <p:set>
+                                      <p:cBhvr>
+                                        <p:cTn id="16" dur="1" fill="hold">
+                                          <p:stCondLst>
+                                            <p:cond delay="0"/>
+                                          </p:stCondLst>
+                                        </p:cTn>
+                                        <p:tgtEl>
+                                          <p:spTgt spid="3">
+                                            <p:txEl>
+                                              <p:pRg st="2" end="2"/>
+                                            </p:txEl>
+                                          </p:spTgt>
+                                        </p:tgtEl>
+                                        <p:attrNameLst>
+                                          <p:attrName>style.visibility</p:attrName>
+                                        </p:attrNameLst>
+                                      </p:cBhvr>
+                                      <p:to>
+                                        <p:strVal val="visible"/>
+                                      </p:to>
+                                    </p:set>
+                                    <p:animEffect transition="in" filter="fade">
+                                      <p:cBhvr>
+                                        <p:cTn id="17" dur="500"/>
+                                        <p:tgtEl>
+                                          <p:spTgt spid="3">
+                                            <p:txEl>
+                                              <p:pRg st="2" end="2"/>
+                                            </p:txEl>
+                                          </p:spTgt>
+                                        </p:tgtEl>
+                                      </p:cBhvr>
+                                    </p:animEffect>
+                                  </p:childTnLst>
+                                </p:cTn>
+                              </p:par>
+                            </p:childTnLst>
+                          </p:cTn>
+                        </p:par>
+                      </p:childTnLst>
+                    </p:cTn>
+                  </p:par>
+                  <p:par>
+                    <p:cTn id="18" fill="hold">
+                      <p:stCondLst>
+                        <p:cond delay="indefinite"/>
+                      </p:stCondLst>
+                      <p:childTnLst>
+                        <p:par>
+                          <p:cTn id="19" fill="hold">
+                            <p:stCondLst>
+                              <p:cond delay="0"/>
+                            </p:stCondLst>
+                            <p:childTnLst>
+                              <p:par>
+                                <p:cTn id="20" presetID="10" presetClass="entr" presetSubtype="0" fill="hold" nodeType="clickEffect">
+                                  <p:stCondLst>
+                                    <p:cond delay="0"/>
+                                  </p:stCondLst>
+                                  <p:childTnLst>
+                                    <p:set>
+                                      <p:cBhvr>
+                                        <p:cTn id="21" dur="1" fill="hold">
+                                          <p:stCondLst>
+                                            <p:cond delay="0"/>
+                                          </p:stCondLst>
+                                        </p:cTn>
+                                        <p:tgtEl>
+                                          <p:spTgt spid="3">
+                                            <p:txEl>
+                                              <p:pRg st="3" end="3"/>
+                                            </p:txEl>
+                                          </p:spTgt>
+                                        </p:tgtEl>
+                                        <p:attrNameLst>
+                                          <p:attrName>style.visibility</p:attrName>
+                                        </p:attrNameLst>
+                                      </p:cBhvr>
+                                      <p:to>
+                                        <p:strVal val="visible"/>
+                                      </p:to>
+                                    </p:set>
+                                    <p:animEffect transition="in" filter="fade">
+                                      <p:cBhvr>
+                                        <p:cTn id="22" dur="500"/>
+                                        <p:tgtEl>
+                                          <p:spTgt spid="3">
+                                            <p:txEl>
+                                              <p:pRg st="3" end="3"/>
+                                            </p:txEl>
+                                          </p:spTgt>
+                                        </p:tgtEl>
+                                      </p:cBhvr>
+                                    </p:animEffect>
+                                  </p:childTnLst>
+                                </p:cTn>
+                              </p:par>
+                            </p:childTnLst>
+                          </p:cTn>
+                        </p:par>
+                      </p:childTnLst>
+                    </p:cTn>
+                  </p:par>
+                  <p:par>
+                    <p:cTn id="23" fill="hold">
+                      <p:stCondLst>
+                        <p:cond delay="indefinite"/>
+                      </p:stCondLst>
+                      <p:childTnLst>
+                        <p:par>
+                          <p:cTn id="24" fill="hold">
+                            <p:stCondLst>
+                              <p:cond delay="0"/>
+                            </p:stCondLst>
+                            <p:childTnLst>
+                              <p:par>
+                                <p:cTn id="25" presetID="10" presetClass="entr" presetSubtype="0" fill="hold" nodeType="clickEffect">
+                                  <p:stCondLst>
+                                    <p:cond delay="0"/>
+                                  </p:stCondLst>
+                                  <p:childTnLst>
+                                    <p:set>
+                                      <p:cBhvr>
+                                        <p:cTn id="26" dur="1" fill="hold">
+                                          <p:stCondLst>
+                                            <p:cond delay="0"/>
+                                          </p:stCondLst>
+                                        </p:cTn>
+                                        <p:tgtEl>
+                                          <p:spTgt spid="3">
+                                            <p:txEl>
+                                              <p:pRg st="4" end="4"/>
+                                            </p:txEl>
+                                          </p:spTgt>
+                                        </p:tgtEl>
+                                        <p:attrNameLst>
+                                          <p:attrName>style.visibility</p:attrName>
+                                        </p:attrNameLst>
+                                      </p:cBhvr>
+                                      <p:to>
+                                        <p:strVal val="visible"/>
+                                      </p:to>
+                                    </p:set>
+                                    <p:animEffect transition="in" filter="fade">
+                                      <p:cBhvr>
+                                        <p:cTn id="27" dur="500"/>
+                                        <p:tgtEl>
+                                          <p:spTgt spid="3">
+                                            <p:txEl>
+                                              <p:pRg st="4" end="4"/>
+                                            </p:txEl>
+                                          </p:spTgt>
+                                        </p:tgtEl>
+                                      </p:cBhvr>
+                                    </p:animEffect>
+                                  </p:childTnLst>
+                                </p:cTn>
+                              </p:par>
+                            </p:childTnLst>
+                          </p:cTn>
+                        </p:par>
+                      </p:childTnLst>
+                    </p:cTn>
+                  </p:par>
+                  <p:par>
+                    <p:cTn id="28" fill="hold">
+                      <p:stCondLst>
+                        <p:cond delay="indefinite"/>
+                      </p:stCondLst>
+                      <p:childTnLst>
+                        <p:par>
+                          <p:cTn id="29" fill="hold">
+                            <p:stCondLst>
+                              <p:cond delay="0"/>
+                            </p:stCondLst>
+                            <p:childTnLst>
+                              <p:par>
+                                <p:cTn id="30" presetID="10" presetClass="entr" presetSubtype="0" fill="hold" nodeType="clickEffect">
+                                  <p:stCondLst>
+                                    <p:cond delay="0"/>
+                                  </p:stCondLst>
+                                  <p:childTnLst>
+                                    <p:set>
+                                      <p:cBhvr>
+                                        <p:cTn id="31" dur="1" fill="hold">
+                                          <p:stCondLst>
+                                            <p:cond delay="0"/>
+                                          </p:stCondLst>
+                                        </p:cTn>
+                                        <p:tgtEl>
+                                          <p:spTgt spid="3">
+                                            <p:txEl>
+                                              <p:pRg st="5" end="5"/>
+                                            </p:txEl>
+                                          </p:spTgt>
+                                        </p:tgtEl>
+                                        <p:attrNameLst>
+                                          <p:attrName>style.visibility</p:attrName>
+                                        </p:attrNameLst>
+                                      </p:cBhvr>
+                                      <p:to>
+                                        <p:strVal val="visible"/>
+                                      </p:to>
+                                    </p:set>
+                                    <p:animEffect transition="in" filter="fade">
+                                      <p:cBhvr>
+                                        <p:cTn id="32" dur="500"/>
+                                        <p:tgtEl>
+                                          <p:spTgt spid="3">
+                                            <p:txEl>
+                                              <p:pRg st="5" end="5"/>
+                                            </p:txEl>
+                                          </p:spTgt>
+                                        </p:tgtEl>
+                                      </p:cBhvr>
+                                    </p:animEffect>
+                                  </p:childTnLst>
+                                </p:cTn>
+                              </p:par>
+                            </p:childTnLst>
+                          </p:cTn>
+                        </p:par>
+                      </p:childTnLst>
+                    </p:cTn>
+                  </p:par>
+                  <p:par>
+                    <p:cTn id="33" fill="hold">
+                      <p:stCondLst>
+                        <p:cond delay="indefinite"/>
+                      </p:stCondLst>
+                      <p:childTnLst>
+                        <p:par>
+                          <p:cTn id="34" fill="hold">
+                            <p:stCondLst>
+                              <p:cond delay="0"/>
+                            </p:stCondLst>
+                            <p:childTnLst>
+                              <p:par>
+                                <p:cTn id="35" presetID="10" presetClass="entr" presetSubtype="0" fill="hold" nodeType="clickEffect">
+                                  <p:stCondLst>
+                                    <p:cond delay="0"/>
+                                  </p:stCondLst>
+                                  <p:childTnLst>
+                                    <p:set>
+                                      <p:cBhvr>
+                                        <p:cTn id="36" dur="1" fill="hold">
+                                          <p:stCondLst>
+                                            <p:cond delay="0"/>
+                                          </p:stCondLst>
+                                        </p:cTn>
+                                        <p:tgtEl>
+                                          <p:spTgt spid="3">
+                                            <p:txEl>
+                                              <p:pRg st="6" end="6"/>
+                                            </p:txEl>
+                                          </p:spTgt>
+                                        </p:tgtEl>
+                                        <p:attrNameLst>
+                                          <p:attrName>style.visibility</p:attrName>
+                                        </p:attrNameLst>
+                                      </p:cBhvr>
+                                      <p:to>
+                                        <p:strVal val="visible"/>
+                                      </p:to>
+                                    </p:set>
+                                    <p:animEffect transition="in" filter="fade">
+                                      <p:cBhvr>
+                                        <p:cTn id="37" dur="500"/>
+                                        <p:tgtEl>
+                                          <p:spTgt spid="3">
+                                            <p:txEl>
+                                              <p:pRg st="6" end="6"/>
+                                            </p:txEl>
+                                          </p:spTgt>
+                                        </p:tgtEl>
+                                      </p:cBhvr>
+                                    </p:animEffect>
+                                  </p:childTnLst>
+                                </p:cTn>
+                              </p:par>
+                            </p:childTnLst>
+                          </p:cTn>
+                        </p:par>
+                      </p:childTnLst>
+                    </p:cTn>
+                  </p:par>
+                  <p:par>
+                    <p:cTn id="38" fill="hold">
+                      <p:stCondLst>
+                        <p:cond delay="indefinite"/>
+                      </p:stCondLst>
+                      <p:childTnLst>
+                        <p:par>
+                          <p:cTn id="39" fill="hold">
+                            <p:stCondLst>
+                              <p:cond delay="0"/>
+                            </p:stCondLst>
+                            <p:childTnLst>
+                              <p:par>
+                                <p:cTn id="40" presetID="10" presetClass="entr" presetSubtype="0" fill="hold" nodeType="clickEffect">
+                                  <p:stCondLst>
+                                    <p:cond delay="0"/>
+                                  </p:stCondLst>
+                                  <p:childTnLst>
+                                    <p:set>
+                                      <p:cBhvr>
+                                        <p:cTn id="41" dur="1" fill="hold">
+                                          <p:stCondLst>
+                                            <p:cond delay="0"/>
+                                          </p:stCondLst>
+                                        </p:cTn>
+                                        <p:tgtEl>
+                                          <p:spTgt spid="3">
+                                            <p:txEl>
+                                              <p:pRg st="7" end="7"/>
+                                            </p:txEl>
+                                          </p:spTgt>
+                                        </p:tgtEl>
+                                        <p:attrNameLst>
+                                          <p:attrName>style.visibility</p:attrName>
+                                        </p:attrNameLst>
+                                      </p:cBhvr>
+                                      <p:to>
+                                        <p:strVal val="visible"/>
+                                      </p:to>
+                                    </p:set>
+                                    <p:animEffect transition="in" filter="fade">
+                                      <p:cBhvr>
+                                        <p:cTn id="42" dur="500"/>
+                                        <p:tgtEl>
+                                          <p:spTgt spid="3">
+                                            <p:txEl>
+                                              <p:pRg st="7" end="7"/>
+                                            </p:txEl>
+                                          </p:spTgt>
+                                        </p:tgtEl>
+                                      </p:cBhvr>
+                                    </p:animEffect>
+                                  </p:childTnLst>
+                                </p:cTn>
+                              </p:par>
+                            </p:childTnLst>
+                          </p:cTn>
+                        </p:par>
+                      </p:childTnLst>
+                    </p:cTn>
+                  </p:par>
+                  <p:par>
+                    <p:cTn id="43" fill="hold">
+                      <p:stCondLst>
+                        <p:cond delay="indefinite"/>
+                      </p:stCondLst>
+                      <p:childTnLst>
+                        <p:par>
+                          <p:cTn id="44" fill="hold">
+                            <p:stCondLst>
+                              <p:cond delay="0"/>
+                            </p:stCondLst>
+                            <p:childTnLst>
+                              <p:par>
+                                <p:cTn id="45" presetID="10" presetClass="entr" presetSubtype="0" fill="hold" nodeType="clickEffect">
+                                  <p:stCondLst>
+                                    <p:cond delay="0"/>
+                                  </p:stCondLst>
+                                  <p:childTnLst>
+                                    <p:set>
+                                      <p:cBhvr>
+                                        <p:cTn id="46" dur="1" fill="hold">
+                                          <p:stCondLst>
+                                            <p:cond delay="0"/>
+                                          </p:stCondLst>
+                                        </p:cTn>
+                                        <p:tgtEl>
+                                          <p:spTgt spid="3">
+                                            <p:txEl>
+                                              <p:pRg st="8" end="8"/>
+                                            </p:txEl>
+                                          </p:spTgt>
+                                        </p:tgtEl>
+                                        <p:attrNameLst>
+                                          <p:attrName>style.visibility</p:attrName>
+                                        </p:attrNameLst>
+                                      </p:cBhvr>
+                                      <p:to>
+                                        <p:strVal val="visible"/>
+                                      </p:to>
+                                    </p:set>
+                                    <p:animEffect transition="in" filter="fade">
+                                      <p:cBhvr>
+                                        <p:cTn id="47" dur="500"/>
+                                        <p:tgtEl>
+                                          <p:spTgt spid="3">
+                                            <p:txEl>
+                                              <p:pRg st="8" end="8"/>
+                                            </p:txEl>
+                                          </p:spTgt>
+                                        </p:tgtEl>
+                                      </p:cBhvr>
+                                    </p:animEffect>
+                                  </p:childTnLst>
+                                </p:cTn>
+                              </p:par>
+                            </p:childTnLst>
+                          </p:cTn>
+                        </p:par>
+                      </p:childTnLst>
+                    </p:cTn>
+                  </p:par>
+                  <p:par>
+                    <p:cTn id="48" fill="hold">
+                      <p:stCondLst>
+                        <p:cond delay="indefinite"/>
+                      </p:stCondLst>
+                      <p:childTnLst>
+                        <p:par>
+                          <p:cTn id="49" fill="hold">
+                            <p:stCondLst>
+                              <p:cond delay="0"/>
+                            </p:stCondLst>
+                            <p:childTnLst>
+                              <p:par>
+                                <p:cTn id="50" presetID="10" presetClass="entr" presetSubtype="0" fill="hold" nodeType="clickEffect">
+                                  <p:stCondLst>
+                                    <p:cond delay="0"/>
+                                  </p:stCondLst>
+                                  <p:childTnLst>
+                                    <p:set>
+                                      <p:cBhvr>
+                                        <p:cTn id="51" dur="1" fill="hold">
+                                          <p:stCondLst>
+                                            <p:cond delay="0"/>
+                                          </p:stCondLst>
+                                        </p:cTn>
+                                        <p:tgtEl>
+                                          <p:spTgt spid="3">
+                                            <p:txEl>
+                                              <p:pRg st="9" end="9"/>
+                                            </p:txEl>
+                                          </p:spTgt>
+                                        </p:tgtEl>
+                                        <p:attrNameLst>
+                                          <p:attrName>style.visibility</p:attrName>
+                                        </p:attrNameLst>
+                                      </p:cBhvr>
+                                      <p:to>
+                                        <p:strVal val="visible"/>
+                                      </p:to>
+                                    </p:set>
+                                    <p:animEffect transition="in" filter="fade">
+                                      <p:cBhvr>
+                                        <p:cTn id="52" dur="500"/>
+                                        <p:tgtEl>
+                                          <p:spTgt spid="3">
+                                            <p:txEl>
+                                              <p:pRg st="9" end="9"/>
+                                            </p:txEl>
+                                          </p:spTgt>
+                                        </p:tgtEl>
+                                      </p:cBhvr>
+                                    </p:animEffect>
+                                  </p:childTnLst>
+                                </p:cTn>
+                              </p:par>
+                            </p:childTnLst>
+                          </p:cTn>
+                        </p:par>
+                      </p:childTnLst>
+                    </p:cTn>
+                  </p:par>
+                  <p:par>
+                    <p:cTn id="53" fill="hold">
+                      <p:stCondLst>
+                        <p:cond delay="indefinite"/>
+                      </p:stCondLst>
+                      <p:childTnLst>
+                        <p:par>
+                          <p:cTn id="54" fill="hold">
+                            <p:stCondLst>
+                              <p:cond delay="0"/>
+                            </p:stCondLst>
+                            <p:childTnLst>
+                              <p:par>
+                                <p:cTn id="55" presetID="10" presetClass="entr" presetSubtype="0" fill="hold" nodeType="clickEffect">
+                                  <p:stCondLst>
+                                    <p:cond delay="0"/>
+                                  </p:stCondLst>
+                                  <p:childTnLst>
+                                    <p:set>
+                                      <p:cBhvr>
+                                        <p:cTn id="56" dur="1" fill="hold">
+                                          <p:stCondLst>
+                                            <p:cond delay="0"/>
+                                          </p:stCondLst>
+                                        </p:cTn>
+                                        <p:tgtEl>
+                                          <p:spTgt spid="3">
+                                            <p:txEl>
+                                              <p:pRg st="10" end="10"/>
+                                            </p:txEl>
+                                          </p:spTgt>
+                                        </p:tgtEl>
+                                        <p:attrNameLst>
+                                          <p:attrName>style.visibility</p:attrName>
+                                        </p:attrNameLst>
+                                      </p:cBhvr>
+                                      <p:to>
+                                        <p:strVal val="visible"/>
+                                      </p:to>
+                                    </p:set>
+                                    <p:animEffect transition="in" filter="fade">
+                                      <p:cBhvr>
+                                        <p:cTn id="57" dur="500"/>
+                                        <p:tgtEl>
+                                          <p:spTgt spid="3">
+                                            <p:txEl>
+                                              <p:pRg st="10" end="10"/>
+                                            </p:txEl>
+                                          </p:spTgt>
+                                        </p:tgtEl>
+                                      </p:cBhvr>
+                                    </p:animEffect>
+                                  </p:childTnLst>
+                                </p:cTn>
+                              </p:par>
+                            </p:childTnLst>
+                          </p:cTn>
+                        </p:par>
+                      </p:childTnLst>
+                    </p:cTn>
+                  </p:par>
+                </p:childTnLst>
+              </p:cTn>
+              <p:prevCondLst>
+                <p:cond evt="onPrev" delay="0">
+                  <p:tgtEl>
+                    <p:sldTgt/>
+                  </p:tgtEl>
+                </p:cond>
+              </p:prevCondLst>
+              <p:nextCondLst>
+                <p:cond evt="onNext" delay="0">
+                  <p:tgtEl>
+                    <p:sldTgt/>
+                  </p:tgtEl>
+                </p:cond>
+              </p:nextCondLst>
+            </p:seq>
+          </p:childTnLst>
+        </p:cTn>
+      </p:par>
+    </p:tnLst>
+  </p:timing>
+</p:sld>
+</file>
+
+<file path=ppt/slides/slide9.xml><?xml version="1.0" encoding="utf-8"?>
+<p:sld xmlns:a="http://schemas.openxmlformats.org/drawingml/2006/main" xmlns:r="http://schemas.openxmlformats.org/officeDocument/2006/relationships" xmlns:p="http://schemas.openxmlformats.org/presentationml/2006/main">
+  <p:cSld>
+    <p:spTree>
+      <p:nvGrpSpPr>
+        <p:cNvPr id="1" name=""/>
+        <p:cNvGrpSpPr/>
+        <p:nvPr/>
+      </p:nvGrpSpPr>
+      <p:grpSpPr>
+        <a:xfrm>
+          <a:off x="0" y="0"/>
+          <a:ext cx="0" cy="0"/>
+          <a:chOff x="0" y="0"/>
+          <a:chExt cx="0" cy="0"/>
+        </a:xfrm>
+      </p:grpSpPr>
+      <p:sp>
+        <p:nvSpPr>
+          <p:cNvPr id="16" name="Unvan 1"/>
+          <p:cNvSpPr>
+            <a:spLocks noGrp="1"/>
+          </p:cNvSpPr>
+          <p:nvPr>
+            <p:ph type="ctrTitle"/>
+          </p:nvPr>
+        </p:nvSpPr>
+        <p:spPr>
+          <a:xfrm>
+            <a:off x="3574026" y="304799"/>
+            <a:ext cx="5043948" cy="619433"/>
+          </a:xfrm>
+        </p:spPr>
+        <p:txBody>
+          <a:bodyPr>
+            <a:noAutofit/>
+          </a:bodyPr>
+          <a:lstStyle/>
+          <a:p>
+            <a:r>
+              <a:rPr lang="tr-TR" sz="4000" b="1" dirty="0">
+                <a:solidFill>
+                  <a:srgbClr val="FF4D4D"/>
+                </a:solidFill>
+                <a:latin typeface="Roboto"/>
+                <a:ea typeface="+mn-ea"/>
+                <a:cs typeface="+mn-cs"/>
+              </a:rPr>
+              <a:t>Eğitim Hedefi</a:t>
+            </a:r>
+            <a:endParaRPr lang="en-US" sz="4000" b="1" dirty="0">
+              <a:solidFill>
+                <a:srgbClr val="FF4D4D"/>
+              </a:solidFill>
+              <a:latin typeface="Roboto"/>
+              <a:ea typeface="+mn-ea"/>
+              <a:cs typeface="+mn-cs"/>
+            </a:endParaRPr>
+          </a:p>
+        </p:txBody>
+      </p:sp>
+      <p:sp>
+        <p:nvSpPr>
+          <p:cNvPr id="3" name="Metin kutusu 2">
+            <a:extLst>
+              <a:ext uri="{FF2B5EF4-FFF2-40B4-BE49-F238E27FC236}">
+                <a16:creationId xmlns:a16="http://schemas.microsoft.com/office/drawing/2014/main" id="{2DC8A280-C738-452F-B627-12CB68E50CC1}"/>
+              </a:ext>
+            </a:extLst>
+          </p:cNvPr>
+          <p:cNvSpPr txBox="1"/>
+          <p:nvPr/>
+        </p:nvSpPr>
+        <p:spPr>
+          <a:xfrm>
+            <a:off x="1930401" y="989370"/>
+            <a:ext cx="8976852" cy="5615704"/>
+          </a:xfrm>
+          <a:prstGeom prst="rect">
+            <a:avLst/>
+          </a:prstGeom>
+          <a:noFill/>
+        </p:spPr>
+        <p:txBody>
+          <a:bodyPr wrap="square" rtlCol="0">
+            <a:spAutoFit/>
+          </a:bodyPr>
+          <a:lstStyle/>
+          <a:p>
+            <a:pPr marL="342900" indent="-342900">
+              <a:lnSpc>
+                <a:spcPct val="150000"/>
+              </a:lnSpc>
+              <a:buAutoNum type="arabicPeriod"/>
+            </a:pPr>
+            <a:r>
+              <a:rPr lang="tr-TR" sz="2200" dirty="0">
+                <a:latin typeface="Roboto"/>
+              </a:rPr>
+              <a:t>Makine öğrenmesine yetecek kadar python pratiği kazanmak</a:t>
+            </a:r>
+          </a:p>
+          <a:p>
+            <a:pPr marL="342900" indent="-342900">
+              <a:lnSpc>
+                <a:spcPct val="150000"/>
+              </a:lnSpc>
+              <a:buAutoNum type="arabicPeriod"/>
+            </a:pPr>
+            <a:r>
+              <a:rPr lang="tr-TR" sz="2200" dirty="0">
+                <a:latin typeface="Roboto"/>
+              </a:rPr>
+              <a:t>Görselleştirme kütüphanelerini tanımak ve temel grafikleri çizebilmek</a:t>
+            </a:r>
+          </a:p>
+          <a:p>
+            <a:pPr marL="342900" indent="-342900">
+              <a:lnSpc>
+                <a:spcPct val="150000"/>
+              </a:lnSpc>
+              <a:buFontTx/>
+              <a:buAutoNum type="arabicPeriod"/>
+            </a:pPr>
+            <a:r>
+              <a:rPr lang="tr-TR" sz="2200" dirty="0">
+                <a:latin typeface="Roboto"/>
+              </a:rPr>
+              <a:t>Veri hazırlığını anlamak ve uygulamak</a:t>
+            </a:r>
+          </a:p>
+          <a:p>
+            <a:pPr marL="342900" indent="-342900">
+              <a:lnSpc>
+                <a:spcPct val="150000"/>
+              </a:lnSpc>
+              <a:buAutoNum type="arabicPeriod"/>
+            </a:pPr>
+            <a:r>
+              <a:rPr lang="tr-TR" sz="2200" dirty="0">
+                <a:latin typeface="Roboto"/>
+              </a:rPr>
+              <a:t>Makine öğrenmesi temel kavramlarını öğrenmek ve hangi problemin nasıl çözüleceği kavramak</a:t>
+            </a:r>
+          </a:p>
+          <a:p>
+            <a:pPr marL="342900" indent="-342900">
+              <a:lnSpc>
+                <a:spcPct val="150000"/>
+              </a:lnSpc>
+              <a:buAutoNum type="arabicPeriod"/>
+            </a:pPr>
+            <a:r>
+              <a:rPr lang="tr-TR" sz="2200" dirty="0">
+                <a:latin typeface="Roboto"/>
+              </a:rPr>
+              <a:t>Regresyon pratiği kazanmak</a:t>
+            </a:r>
+          </a:p>
+          <a:p>
+            <a:pPr marL="342900" indent="-342900">
+              <a:lnSpc>
+                <a:spcPct val="150000"/>
+              </a:lnSpc>
+              <a:buAutoNum type="arabicPeriod"/>
+            </a:pPr>
+            <a:r>
+              <a:rPr lang="tr-TR" sz="2200" dirty="0">
+                <a:latin typeface="Roboto"/>
+              </a:rPr>
+              <a:t>Sınıflandırma pratiği kazanmak</a:t>
+            </a:r>
+          </a:p>
+          <a:p>
+            <a:pPr marL="342900" indent="-342900">
+              <a:lnSpc>
+                <a:spcPct val="150000"/>
+              </a:lnSpc>
+              <a:buAutoNum type="arabicPeriod"/>
+            </a:pPr>
+            <a:r>
+              <a:rPr lang="tr-TR" sz="2200" dirty="0">
+                <a:latin typeface="Roboto"/>
+              </a:rPr>
+              <a:t>Kümeleme pratiği kazanmak</a:t>
+            </a:r>
+          </a:p>
+          <a:p>
+            <a:pPr marL="342900" indent="-342900">
+              <a:lnSpc>
+                <a:spcPct val="150000"/>
+              </a:lnSpc>
+              <a:buAutoNum type="arabicPeriod"/>
+            </a:pPr>
+            <a:r>
+              <a:rPr lang="tr-TR" sz="2200" dirty="0">
+                <a:latin typeface="Roboto"/>
+              </a:rPr>
+              <a:t>Model </a:t>
+            </a:r>
+            <a:r>
+              <a:rPr lang="tr-TR" sz="2200" dirty="0" err="1">
+                <a:latin typeface="Roboto"/>
+              </a:rPr>
+              <a:t>tuning</a:t>
+            </a:r>
+            <a:r>
+              <a:rPr lang="tr-TR" sz="2200" dirty="0">
+                <a:latin typeface="Roboto"/>
+              </a:rPr>
+              <a:t> yapabilmek</a:t>
+            </a:r>
+          </a:p>
+          <a:p>
+            <a:pPr marL="342900" indent="-342900">
+              <a:lnSpc>
+                <a:spcPct val="150000"/>
+              </a:lnSpc>
+              <a:buAutoNum type="arabicPeriod"/>
+            </a:pPr>
+            <a:r>
+              <a:rPr lang="tr-TR" sz="2200" dirty="0">
+                <a:latin typeface="Roboto"/>
+              </a:rPr>
+              <a:t>Deri öğrenme temel kavramlarını öğrenmek</a:t>
+            </a:r>
+          </a:p>
+        </p:txBody>
+      </p:sp>
+    </p:spTree>
+    <p:extLst>
+      <p:ext uri="{BB962C8B-B14F-4D97-AF65-F5344CB8AC3E}">
+        <p14:creationId xmlns:p14="http://schemas.microsoft.com/office/powerpoint/2010/main" val="1599730476"/>
       </p:ext>
     </p:extLst>
   </p:cSld>
@@ -5888,934 +8792,6 @@
 </p:sld>
 </file>
 
-<file path=ppt/slides/slide6.xml><?xml version="1.0" encoding="utf-8"?>
-<p:sld xmlns:a="http://schemas.openxmlformats.org/drawingml/2006/main" xmlns:r="http://schemas.openxmlformats.org/officeDocument/2006/relationships" xmlns:p="http://schemas.openxmlformats.org/presentationml/2006/main">
-  <p:cSld>
-    <p:spTree>
-      <p:nvGrpSpPr>
-        <p:cNvPr id="1" name=""/>
-        <p:cNvGrpSpPr/>
-        <p:nvPr/>
-      </p:nvGrpSpPr>
-      <p:grpSpPr>
-        <a:xfrm>
-          <a:off x="0" y="0"/>
-          <a:ext cx="0" cy="0"/>
-          <a:chOff x="0" y="0"/>
-          <a:chExt cx="0" cy="0"/>
-        </a:xfrm>
-      </p:grpSpPr>
-      <p:sp>
-        <p:nvSpPr>
-          <p:cNvPr id="16" name="Unvan 1"/>
-          <p:cNvSpPr>
-            <a:spLocks noGrp="1"/>
-          </p:cNvSpPr>
-          <p:nvPr>
-            <p:ph type="ctrTitle"/>
-          </p:nvPr>
-        </p:nvSpPr>
-        <p:spPr>
-          <a:xfrm>
-            <a:off x="1650999" y="369937"/>
-            <a:ext cx="8610600" cy="619433"/>
-          </a:xfrm>
-        </p:spPr>
-        <p:txBody>
-          <a:bodyPr>
-            <a:noAutofit/>
-          </a:bodyPr>
-          <a:lstStyle/>
-          <a:p>
-            <a:r>
-              <a:rPr lang="tr-TR" sz="4000" b="1" dirty="0">
-                <a:solidFill>
-                  <a:srgbClr val="FF4D4D"/>
-                </a:solidFill>
-                <a:latin typeface="Roboto"/>
-                <a:ea typeface="+mn-ea"/>
-                <a:cs typeface="+mn-cs"/>
-              </a:rPr>
-              <a:t>Tavsiye Edilen Kaynaklar</a:t>
-            </a:r>
-            <a:endParaRPr lang="en-US" sz="4000" b="1" dirty="0">
-              <a:solidFill>
-                <a:srgbClr val="FF4D4D"/>
-              </a:solidFill>
-              <a:latin typeface="Roboto"/>
-              <a:ea typeface="+mn-ea"/>
-              <a:cs typeface="+mn-cs"/>
-            </a:endParaRPr>
-          </a:p>
-        </p:txBody>
-      </p:sp>
-      <p:sp>
-        <p:nvSpPr>
-          <p:cNvPr id="5" name="Dikdörtgen 4">
-            <a:extLst>
-              <a:ext uri="{FF2B5EF4-FFF2-40B4-BE49-F238E27FC236}">
-                <a16:creationId xmlns:a16="http://schemas.microsoft.com/office/drawing/2014/main" id="{2E79593C-AA84-4F0F-BB9B-1B5A70AC7FE0}"/>
-              </a:ext>
-            </a:extLst>
-          </p:cNvPr>
-          <p:cNvSpPr/>
-          <p:nvPr/>
-        </p:nvSpPr>
-        <p:spPr>
-          <a:xfrm>
-            <a:off x="2816354" y="1874857"/>
-            <a:ext cx="5602111" cy="461665"/>
-          </a:xfrm>
-          <a:prstGeom prst="rect">
-            <a:avLst/>
-          </a:prstGeom>
-        </p:spPr>
-        <p:txBody>
-          <a:bodyPr wrap="none">
-            <a:spAutoFit/>
-          </a:bodyPr>
-          <a:lstStyle/>
-          <a:p>
-            <a:r>
-              <a:rPr lang="tr-TR" sz="2400" dirty="0">
-                <a:hlinkClick r:id="rId2"/>
-              </a:rPr>
-              <a:t>https://belgeler.yazbel.com/python-istihza/</a:t>
-            </a:r>
-            <a:endParaRPr lang="tr-TR" sz="2400" dirty="0"/>
-          </a:p>
-        </p:txBody>
-      </p:sp>
-      <p:sp>
-        <p:nvSpPr>
-          <p:cNvPr id="2" name="Dikdörtgen 1">
-            <a:extLst>
-              <a:ext uri="{FF2B5EF4-FFF2-40B4-BE49-F238E27FC236}">
-                <a16:creationId xmlns:a16="http://schemas.microsoft.com/office/drawing/2014/main" id="{804D80D6-B333-483D-9465-2443E76896B6}"/>
-              </a:ext>
-            </a:extLst>
-          </p:cNvPr>
-          <p:cNvSpPr/>
-          <p:nvPr/>
-        </p:nvSpPr>
-        <p:spPr>
-          <a:xfrm>
-            <a:off x="4887994" y="1505525"/>
-            <a:ext cx="1680781" cy="369332"/>
-          </a:xfrm>
-          <a:prstGeom prst="rect">
-            <a:avLst/>
-          </a:prstGeom>
-        </p:spPr>
-        <p:txBody>
-          <a:bodyPr wrap="none">
-            <a:spAutoFit/>
-          </a:bodyPr>
-          <a:lstStyle/>
-          <a:p>
-            <a:r>
-              <a:rPr lang="tr-TR" b="1" dirty="0">
-                <a:solidFill>
-                  <a:srgbClr val="FF4D4D"/>
-                </a:solidFill>
-                <a:latin typeface="Roboto"/>
-              </a:rPr>
-              <a:t>Python Temel</a:t>
-            </a:r>
-            <a:endParaRPr lang="tr-TR" dirty="0"/>
-          </a:p>
-        </p:txBody>
-      </p:sp>
-    </p:spTree>
-    <p:extLst>
-      <p:ext uri="{BB962C8B-B14F-4D97-AF65-F5344CB8AC3E}">
-        <p14:creationId xmlns:p14="http://schemas.microsoft.com/office/powerpoint/2010/main" val="1206312110"/>
-      </p:ext>
-    </p:extLst>
-  </p:cSld>
-  <p:clrMapOvr>
-    <a:masterClrMapping/>
-  </p:clrMapOvr>
-  <p:transition spd="slow">
-    <p:push dir="u"/>
-  </p:transition>
-</p:sld>
-</file>
-
-<file path=ppt/slides/slide7.xml><?xml version="1.0" encoding="utf-8"?>
-<p:sld xmlns:a="http://schemas.openxmlformats.org/drawingml/2006/main" xmlns:r="http://schemas.openxmlformats.org/officeDocument/2006/relationships" xmlns:p="http://schemas.openxmlformats.org/presentationml/2006/main">
-  <p:cSld>
-    <p:spTree>
-      <p:nvGrpSpPr>
-        <p:cNvPr id="1" name=""/>
-        <p:cNvGrpSpPr/>
-        <p:nvPr/>
-      </p:nvGrpSpPr>
-      <p:grpSpPr>
-        <a:xfrm>
-          <a:off x="0" y="0"/>
-          <a:ext cx="0" cy="0"/>
-          <a:chOff x="0" y="0"/>
-          <a:chExt cx="0" cy="0"/>
-        </a:xfrm>
-      </p:grpSpPr>
-      <p:sp>
-        <p:nvSpPr>
-          <p:cNvPr id="16" name="Unvan 1"/>
-          <p:cNvSpPr>
-            <a:spLocks noGrp="1"/>
-          </p:cNvSpPr>
-          <p:nvPr>
-            <p:ph type="ctrTitle"/>
-          </p:nvPr>
-        </p:nvSpPr>
-        <p:spPr>
-          <a:xfrm>
-            <a:off x="1650999" y="369937"/>
-            <a:ext cx="8610600" cy="619433"/>
-          </a:xfrm>
-        </p:spPr>
-        <p:txBody>
-          <a:bodyPr>
-            <a:noAutofit/>
-          </a:bodyPr>
-          <a:lstStyle/>
-          <a:p>
-            <a:r>
-              <a:rPr lang="tr-TR" sz="4000" b="1" dirty="0">
-                <a:solidFill>
-                  <a:srgbClr val="FF4D4D"/>
-                </a:solidFill>
-                <a:latin typeface="Roboto"/>
-                <a:ea typeface="+mn-ea"/>
-                <a:cs typeface="+mn-cs"/>
-              </a:rPr>
-              <a:t>Tavsiye Edilen Kaynaklar</a:t>
-            </a:r>
-            <a:endParaRPr lang="en-US" sz="4000" b="1" dirty="0">
-              <a:solidFill>
-                <a:srgbClr val="FF4D4D"/>
-              </a:solidFill>
-              <a:latin typeface="Roboto"/>
-              <a:ea typeface="+mn-ea"/>
-              <a:cs typeface="+mn-cs"/>
-            </a:endParaRPr>
-          </a:p>
-        </p:txBody>
-      </p:sp>
-      <p:pic>
-        <p:nvPicPr>
-          <p:cNvPr id="6" name="Resim 5">
-            <a:hlinkClick r:id="rId2"/>
-            <a:extLst>
-              <a:ext uri="{FF2B5EF4-FFF2-40B4-BE49-F238E27FC236}">
-                <a16:creationId xmlns:a16="http://schemas.microsoft.com/office/drawing/2014/main" id="{73CE6A87-7605-4AD9-97AC-889EDE878737}"/>
-              </a:ext>
-            </a:extLst>
-          </p:cNvPr>
-          <p:cNvPicPr>
-            <a:picLocks noChangeAspect="1"/>
-          </p:cNvPicPr>
-          <p:nvPr/>
-        </p:nvPicPr>
-        <p:blipFill>
-          <a:blip r:embed="rId3">
-            <a:extLst>
-              <a:ext uri="{28A0092B-C50C-407E-A947-70E740481C1C}">
-                <a14:useLocalDpi xmlns:a14="http://schemas.microsoft.com/office/drawing/2010/main" val="0"/>
-              </a:ext>
-            </a:extLst>
-          </a:blip>
-          <a:stretch>
-            <a:fillRect/>
-          </a:stretch>
-        </p:blipFill>
-        <p:spPr>
-          <a:xfrm>
-            <a:off x="6637984" y="1494472"/>
-            <a:ext cx="3623615" cy="4752975"/>
-          </a:xfrm>
-          <a:prstGeom prst="rect">
-            <a:avLst/>
-          </a:prstGeom>
-        </p:spPr>
-      </p:pic>
-      <p:pic>
-        <p:nvPicPr>
-          <p:cNvPr id="1026" name="Picture 2" descr="Book Cover">
-            <a:hlinkClick r:id="rId4"/>
-            <a:extLst>
-              <a:ext uri="{FF2B5EF4-FFF2-40B4-BE49-F238E27FC236}">
-                <a16:creationId xmlns:a16="http://schemas.microsoft.com/office/drawing/2014/main" id="{E6D06054-73FC-444F-9E17-06053F321B5E}"/>
-              </a:ext>
-            </a:extLst>
-          </p:cNvPr>
-          <p:cNvPicPr>
-            <a:picLocks noChangeAspect="1" noChangeArrowheads="1"/>
-          </p:cNvPicPr>
-          <p:nvPr/>
-        </p:nvPicPr>
-        <p:blipFill>
-          <a:blip r:embed="rId5">
-            <a:extLst>
-              <a:ext uri="{28A0092B-C50C-407E-A947-70E740481C1C}">
-                <a14:useLocalDpi xmlns:a14="http://schemas.microsoft.com/office/drawing/2010/main" val="0"/>
-              </a:ext>
-            </a:extLst>
-          </a:blip>
-          <a:srcRect/>
-          <a:stretch>
-            <a:fillRect/>
-          </a:stretch>
-        </p:blipFill>
-        <p:spPr bwMode="auto">
-          <a:xfrm>
-            <a:off x="1457961" y="1494472"/>
-            <a:ext cx="3600450" cy="4752975"/>
-          </a:xfrm>
-          <a:prstGeom prst="rect">
-            <a:avLst/>
-          </a:prstGeom>
-          <a:noFill/>
-          <a:extLst>
-            <a:ext uri="{909E8E84-426E-40DD-AFC4-6F175D3DCCD1}">
-              <a14:hiddenFill xmlns:a14="http://schemas.microsoft.com/office/drawing/2010/main">
-                <a:solidFill>
-                  <a:srgbClr val="FFFFFF"/>
-                </a:solidFill>
-              </a14:hiddenFill>
-            </a:ext>
-          </a:extLst>
-        </p:spPr>
-      </p:pic>
-    </p:spTree>
-    <p:extLst>
-      <p:ext uri="{BB962C8B-B14F-4D97-AF65-F5344CB8AC3E}">
-        <p14:creationId xmlns:p14="http://schemas.microsoft.com/office/powerpoint/2010/main" val="1944784783"/>
-      </p:ext>
-    </p:extLst>
-  </p:cSld>
-  <p:clrMapOvr>
-    <a:masterClrMapping/>
-  </p:clrMapOvr>
-  <p:transition spd="slow">
-    <p:push dir="u"/>
-  </p:transition>
-</p:sld>
-</file>
-
-<file path=ppt/slides/slide8.xml><?xml version="1.0" encoding="utf-8"?>
-<p:sld xmlns:a="http://schemas.openxmlformats.org/drawingml/2006/main" xmlns:r="http://schemas.openxmlformats.org/officeDocument/2006/relationships" xmlns:p="http://schemas.openxmlformats.org/presentationml/2006/main">
-  <p:cSld>
-    <p:spTree>
-      <p:nvGrpSpPr>
-        <p:cNvPr id="1" name=""/>
-        <p:cNvGrpSpPr/>
-        <p:nvPr/>
-      </p:nvGrpSpPr>
-      <p:grpSpPr>
-        <a:xfrm>
-          <a:off x="0" y="0"/>
-          <a:ext cx="0" cy="0"/>
-          <a:chOff x="0" y="0"/>
-          <a:chExt cx="0" cy="0"/>
-        </a:xfrm>
-      </p:grpSpPr>
-      <p:sp>
-        <p:nvSpPr>
-          <p:cNvPr id="16" name="Unvan 1"/>
-          <p:cNvSpPr>
-            <a:spLocks noGrp="1"/>
-          </p:cNvSpPr>
-          <p:nvPr>
-            <p:ph type="ctrTitle"/>
-          </p:nvPr>
-        </p:nvSpPr>
-        <p:spPr>
-          <a:xfrm>
-            <a:off x="1650999" y="369937"/>
-            <a:ext cx="8610600" cy="619433"/>
-          </a:xfrm>
-        </p:spPr>
-        <p:txBody>
-          <a:bodyPr>
-            <a:noAutofit/>
-          </a:bodyPr>
-          <a:lstStyle/>
-          <a:p>
-            <a:r>
-              <a:rPr lang="tr-TR" sz="4000" b="1" dirty="0">
-                <a:solidFill>
-                  <a:srgbClr val="FF4D4D"/>
-                </a:solidFill>
-                <a:latin typeface="Roboto"/>
-                <a:ea typeface="+mn-ea"/>
-                <a:cs typeface="+mn-cs"/>
-              </a:rPr>
-              <a:t>Tavsiye Edilen Kaynaklar</a:t>
-            </a:r>
-            <a:endParaRPr lang="en-US" sz="4000" b="1" dirty="0">
-              <a:solidFill>
-                <a:srgbClr val="FF4D4D"/>
-              </a:solidFill>
-              <a:latin typeface="Roboto"/>
-              <a:ea typeface="+mn-ea"/>
-              <a:cs typeface="+mn-cs"/>
-            </a:endParaRPr>
-          </a:p>
-        </p:txBody>
-      </p:sp>
-      <p:pic>
-        <p:nvPicPr>
-          <p:cNvPr id="4" name="Resim 3">
-            <a:hlinkClick r:id="rId2"/>
-            <a:extLst>
-              <a:ext uri="{FF2B5EF4-FFF2-40B4-BE49-F238E27FC236}">
-                <a16:creationId xmlns:a16="http://schemas.microsoft.com/office/drawing/2014/main" id="{1E603009-26E8-469D-8544-D43F291576DE}"/>
-              </a:ext>
-            </a:extLst>
-          </p:cNvPr>
-          <p:cNvPicPr>
-            <a:picLocks noChangeAspect="1"/>
-          </p:cNvPicPr>
-          <p:nvPr/>
-        </p:nvPicPr>
-        <p:blipFill>
-          <a:blip r:embed="rId3">
-            <a:extLst>
-              <a:ext uri="{28A0092B-C50C-407E-A947-70E740481C1C}">
-                <a14:useLocalDpi xmlns:a14="http://schemas.microsoft.com/office/drawing/2010/main" val="0"/>
-              </a:ext>
-            </a:extLst>
-          </a:blip>
-          <a:stretch>
-            <a:fillRect/>
-          </a:stretch>
-        </p:blipFill>
-        <p:spPr>
-          <a:xfrm>
-            <a:off x="1650999" y="1494472"/>
-            <a:ext cx="3629025" cy="4752975"/>
-          </a:xfrm>
-          <a:prstGeom prst="rect">
-            <a:avLst/>
-          </a:prstGeom>
-        </p:spPr>
-      </p:pic>
-      <p:pic>
-        <p:nvPicPr>
-          <p:cNvPr id="2" name="Resim 1">
-            <a:hlinkClick r:id="rId4"/>
-            <a:extLst>
-              <a:ext uri="{FF2B5EF4-FFF2-40B4-BE49-F238E27FC236}">
-                <a16:creationId xmlns:a16="http://schemas.microsoft.com/office/drawing/2014/main" id="{01A57F16-493D-405C-836C-6B2E4612C891}"/>
-              </a:ext>
-            </a:extLst>
-          </p:cNvPr>
-          <p:cNvPicPr>
-            <a:picLocks noChangeAspect="1"/>
-          </p:cNvPicPr>
-          <p:nvPr/>
-        </p:nvPicPr>
-        <p:blipFill>
-          <a:blip r:embed="rId5"/>
-          <a:stretch>
-            <a:fillRect/>
-          </a:stretch>
-        </p:blipFill>
-        <p:spPr>
-          <a:xfrm>
-            <a:off x="6787912" y="1494472"/>
-            <a:ext cx="3753089" cy="4659876"/>
-          </a:xfrm>
-          <a:prstGeom prst="rect">
-            <a:avLst/>
-          </a:prstGeom>
-        </p:spPr>
-      </p:pic>
-    </p:spTree>
-    <p:extLst>
-      <p:ext uri="{BB962C8B-B14F-4D97-AF65-F5344CB8AC3E}">
-        <p14:creationId xmlns:p14="http://schemas.microsoft.com/office/powerpoint/2010/main" val="2201042094"/>
-      </p:ext>
-    </p:extLst>
-  </p:cSld>
-  <p:clrMapOvr>
-    <a:masterClrMapping/>
-  </p:clrMapOvr>
-  <p:transition spd="slow">
-    <p:push dir="u"/>
-  </p:transition>
-</p:sld>
-</file>
-
-<file path=ppt/slides/slide9.xml><?xml version="1.0" encoding="utf-8"?>
-<p:sld xmlns:a="http://schemas.openxmlformats.org/drawingml/2006/main" xmlns:r="http://schemas.openxmlformats.org/officeDocument/2006/relationships" xmlns:p="http://schemas.openxmlformats.org/presentationml/2006/main">
-  <p:cSld>
-    <p:spTree>
-      <p:nvGrpSpPr>
-        <p:cNvPr id="1" name=""/>
-        <p:cNvGrpSpPr/>
-        <p:nvPr/>
-      </p:nvGrpSpPr>
-      <p:grpSpPr>
-        <a:xfrm>
-          <a:off x="0" y="0"/>
-          <a:ext cx="0" cy="0"/>
-          <a:chOff x="0" y="0"/>
-          <a:chExt cx="0" cy="0"/>
-        </a:xfrm>
-      </p:grpSpPr>
-      <p:sp>
-        <p:nvSpPr>
-          <p:cNvPr id="16" name="Unvan 1"/>
-          <p:cNvSpPr>
-            <a:spLocks noGrp="1"/>
-          </p:cNvSpPr>
-          <p:nvPr>
-            <p:ph type="ctrTitle"/>
-          </p:nvPr>
-        </p:nvSpPr>
-        <p:spPr>
-          <a:xfrm>
-            <a:off x="1650999" y="369937"/>
-            <a:ext cx="8610600" cy="619433"/>
-          </a:xfrm>
-        </p:spPr>
-        <p:txBody>
-          <a:bodyPr>
-            <a:noAutofit/>
-          </a:bodyPr>
-          <a:lstStyle/>
-          <a:p>
-            <a:r>
-              <a:rPr lang="tr-TR" sz="4000" b="1" dirty="0">
-                <a:solidFill>
-                  <a:srgbClr val="FF4D4D"/>
-                </a:solidFill>
-                <a:latin typeface="Roboto"/>
-                <a:ea typeface="+mn-ea"/>
-                <a:cs typeface="+mn-cs"/>
-              </a:rPr>
-              <a:t>Tavsiye Edilen Kaynaklar</a:t>
-            </a:r>
-            <a:endParaRPr lang="en-US" sz="4000" b="1" dirty="0">
-              <a:solidFill>
-                <a:srgbClr val="FF4D4D"/>
-              </a:solidFill>
-              <a:latin typeface="Roboto"/>
-              <a:ea typeface="+mn-ea"/>
-              <a:cs typeface="+mn-cs"/>
-            </a:endParaRPr>
-          </a:p>
-        </p:txBody>
-      </p:sp>
-      <p:pic>
-        <p:nvPicPr>
-          <p:cNvPr id="3" name="Resim 2">
-            <a:hlinkClick r:id="rId2"/>
-            <a:extLst>
-              <a:ext uri="{FF2B5EF4-FFF2-40B4-BE49-F238E27FC236}">
-                <a16:creationId xmlns:a16="http://schemas.microsoft.com/office/drawing/2014/main" id="{3DC4C4A6-EADF-4792-B7B6-0FFFF50F4D75}"/>
-              </a:ext>
-            </a:extLst>
-          </p:cNvPr>
-          <p:cNvPicPr>
-            <a:picLocks noChangeAspect="1"/>
-          </p:cNvPicPr>
-          <p:nvPr/>
-        </p:nvPicPr>
-        <p:blipFill>
-          <a:blip r:embed="rId3">
-            <a:extLst>
-              <a:ext uri="{28A0092B-C50C-407E-A947-70E740481C1C}">
-                <a14:useLocalDpi xmlns:a14="http://schemas.microsoft.com/office/drawing/2010/main" val="0"/>
-              </a:ext>
-            </a:extLst>
-          </a:blip>
-          <a:stretch>
-            <a:fillRect/>
-          </a:stretch>
-        </p:blipFill>
-        <p:spPr>
-          <a:xfrm>
-            <a:off x="1650999" y="1494472"/>
-            <a:ext cx="3256788" cy="4906841"/>
-          </a:xfrm>
-          <a:prstGeom prst="rect">
-            <a:avLst/>
-          </a:prstGeom>
-        </p:spPr>
-      </p:pic>
-      <p:sp>
-        <p:nvSpPr>
-          <p:cNvPr id="5" name="Dikdörtgen 4">
-            <a:extLst>
-              <a:ext uri="{FF2B5EF4-FFF2-40B4-BE49-F238E27FC236}">
-                <a16:creationId xmlns:a16="http://schemas.microsoft.com/office/drawing/2014/main" id="{2E79593C-AA84-4F0F-BB9B-1B5A70AC7FE0}"/>
-              </a:ext>
-            </a:extLst>
-          </p:cNvPr>
-          <p:cNvSpPr/>
-          <p:nvPr/>
-        </p:nvSpPr>
-        <p:spPr>
-          <a:xfrm>
-            <a:off x="5894834" y="1885177"/>
-            <a:ext cx="5389617" cy="461665"/>
-          </a:xfrm>
-          <a:prstGeom prst="rect">
-            <a:avLst/>
-          </a:prstGeom>
-        </p:spPr>
-        <p:txBody>
-          <a:bodyPr wrap="none">
-            <a:spAutoFit/>
-          </a:bodyPr>
-          <a:lstStyle/>
-          <a:p>
-            <a:r>
-              <a:rPr lang="tr-TR" sz="2400" dirty="0">
-                <a:hlinkClick r:id="rId4"/>
-              </a:rPr>
-              <a:t>https://www.udemy.com/python-egitimi/</a:t>
-            </a:r>
-            <a:endParaRPr lang="tr-TR" sz="2400" dirty="0"/>
-          </a:p>
-        </p:txBody>
-      </p:sp>
-      <p:sp>
-        <p:nvSpPr>
-          <p:cNvPr id="7" name="Dikdörtgen 6">
-            <a:extLst>
-              <a:ext uri="{FF2B5EF4-FFF2-40B4-BE49-F238E27FC236}">
-                <a16:creationId xmlns:a16="http://schemas.microsoft.com/office/drawing/2014/main" id="{1D61EBCE-31AA-48F0-8EE0-52989DAEFFDE}"/>
-              </a:ext>
-            </a:extLst>
-          </p:cNvPr>
-          <p:cNvSpPr/>
-          <p:nvPr/>
-        </p:nvSpPr>
-        <p:spPr>
-          <a:xfrm>
-            <a:off x="5894834" y="3133466"/>
-            <a:ext cx="5647443" cy="461665"/>
-          </a:xfrm>
-          <a:prstGeom prst="rect">
-            <a:avLst/>
-          </a:prstGeom>
-        </p:spPr>
-        <p:txBody>
-          <a:bodyPr wrap="none">
-            <a:spAutoFit/>
-          </a:bodyPr>
-          <a:lstStyle/>
-          <a:p>
-            <a:r>
-              <a:rPr lang="tr-TR" sz="2400" dirty="0">
-                <a:hlinkClick r:id="rId5"/>
-              </a:rPr>
-              <a:t>https://www.udemy.com/machinelearning/</a:t>
-            </a:r>
-            <a:endParaRPr lang="tr-TR" sz="2400" dirty="0"/>
-          </a:p>
-        </p:txBody>
-      </p:sp>
-      <p:sp>
-        <p:nvSpPr>
-          <p:cNvPr id="2" name="Dikdörtgen 1">
-            <a:extLst>
-              <a:ext uri="{FF2B5EF4-FFF2-40B4-BE49-F238E27FC236}">
-                <a16:creationId xmlns:a16="http://schemas.microsoft.com/office/drawing/2014/main" id="{C75F96FF-6A46-4881-9731-DF8F9F85D732}"/>
-              </a:ext>
-            </a:extLst>
-          </p:cNvPr>
-          <p:cNvSpPr/>
-          <p:nvPr/>
-        </p:nvSpPr>
-        <p:spPr>
-          <a:xfrm>
-            <a:off x="5894834" y="4344849"/>
-            <a:ext cx="6049285" cy="461665"/>
-          </a:xfrm>
-          <a:prstGeom prst="rect">
-            <a:avLst/>
-          </a:prstGeom>
-        </p:spPr>
-        <p:txBody>
-          <a:bodyPr wrap="none">
-            <a:spAutoFit/>
-          </a:bodyPr>
-          <a:lstStyle/>
-          <a:p>
-            <a:r>
-              <a:rPr lang="tr-TR" sz="2400" dirty="0">
-                <a:hlinkClick r:id="rId6"/>
-              </a:rPr>
-              <a:t>https://www.udemy.com/apache-spark-egitimi</a:t>
-            </a:r>
-            <a:endParaRPr lang="tr-TR" sz="2400" dirty="0"/>
-          </a:p>
-        </p:txBody>
-      </p:sp>
-      <p:sp>
-        <p:nvSpPr>
-          <p:cNvPr id="8" name="Dikdörtgen 7">
-            <a:extLst>
-              <a:ext uri="{FF2B5EF4-FFF2-40B4-BE49-F238E27FC236}">
-                <a16:creationId xmlns:a16="http://schemas.microsoft.com/office/drawing/2014/main" id="{5B34C7BD-5F9F-4405-9C4D-00441BB340B7}"/>
-              </a:ext>
-            </a:extLst>
-          </p:cNvPr>
-          <p:cNvSpPr/>
-          <p:nvPr/>
-        </p:nvSpPr>
-        <p:spPr>
-          <a:xfrm>
-            <a:off x="6095311" y="5646727"/>
-            <a:ext cx="5602111" cy="461665"/>
-          </a:xfrm>
-          <a:prstGeom prst="rect">
-            <a:avLst/>
-          </a:prstGeom>
-        </p:spPr>
-        <p:txBody>
-          <a:bodyPr wrap="none">
-            <a:spAutoFit/>
-          </a:bodyPr>
-          <a:lstStyle/>
-          <a:p>
-            <a:r>
-              <a:rPr lang="tr-TR" sz="2400" dirty="0">
-                <a:hlinkClick r:id="rId7"/>
-              </a:rPr>
-              <a:t>https://belgeler.yazbel.com/python-istihza/</a:t>
-            </a:r>
-            <a:endParaRPr lang="tr-TR" sz="2400" dirty="0"/>
-          </a:p>
-        </p:txBody>
-      </p:sp>
-      <p:sp>
-        <p:nvSpPr>
-          <p:cNvPr id="9" name="Dikdörtgen 8">
-            <a:extLst>
-              <a:ext uri="{FF2B5EF4-FFF2-40B4-BE49-F238E27FC236}">
-                <a16:creationId xmlns:a16="http://schemas.microsoft.com/office/drawing/2014/main" id="{9AC6C4DD-18B1-4B4E-8B1C-24435C353CC0}"/>
-              </a:ext>
-            </a:extLst>
-          </p:cNvPr>
-          <p:cNvSpPr/>
-          <p:nvPr/>
-        </p:nvSpPr>
-        <p:spPr>
-          <a:xfrm>
-            <a:off x="7284215" y="5157371"/>
-            <a:ext cx="2501519" cy="369332"/>
-          </a:xfrm>
-          <a:prstGeom prst="rect">
-            <a:avLst/>
-          </a:prstGeom>
-        </p:spPr>
-        <p:txBody>
-          <a:bodyPr wrap="none">
-            <a:spAutoFit/>
-          </a:bodyPr>
-          <a:lstStyle/>
-          <a:p>
-            <a:r>
-              <a:rPr lang="tr-TR" b="1" dirty="0">
-                <a:solidFill>
-                  <a:srgbClr val="FF4D4D"/>
-                </a:solidFill>
-                <a:latin typeface="Roboto"/>
-              </a:rPr>
-              <a:t>Python Temel Türkçe</a:t>
-            </a:r>
-            <a:endParaRPr lang="tr-TR" dirty="0"/>
-          </a:p>
-        </p:txBody>
-      </p:sp>
-      <p:sp>
-        <p:nvSpPr>
-          <p:cNvPr id="10" name="Dikdörtgen 9">
-            <a:extLst>
-              <a:ext uri="{FF2B5EF4-FFF2-40B4-BE49-F238E27FC236}">
-                <a16:creationId xmlns:a16="http://schemas.microsoft.com/office/drawing/2014/main" id="{47FBF739-3F5B-45FD-8107-1F72088D3BB6}"/>
-              </a:ext>
-            </a:extLst>
-          </p:cNvPr>
-          <p:cNvSpPr/>
-          <p:nvPr/>
-        </p:nvSpPr>
-        <p:spPr>
-          <a:xfrm>
-            <a:off x="6458289" y="3906936"/>
-            <a:ext cx="4262705" cy="369332"/>
-          </a:xfrm>
-          <a:prstGeom prst="rect">
-            <a:avLst/>
-          </a:prstGeom>
-        </p:spPr>
-        <p:txBody>
-          <a:bodyPr wrap="none">
-            <a:spAutoFit/>
-          </a:bodyPr>
-          <a:lstStyle/>
-          <a:p>
-            <a:r>
-              <a:rPr lang="tr-TR" b="1" dirty="0">
-                <a:solidFill>
-                  <a:srgbClr val="FF4D4D"/>
-                </a:solidFill>
-                <a:latin typeface="Roboto"/>
-              </a:rPr>
-              <a:t>Spark </a:t>
-            </a:r>
-            <a:r>
-              <a:rPr lang="tr-TR" b="1" dirty="0" err="1">
-                <a:solidFill>
-                  <a:srgbClr val="FF4D4D"/>
-                </a:solidFill>
-                <a:latin typeface="Roboto"/>
-              </a:rPr>
-              <a:t>Python&amp;Scala</a:t>
-            </a:r>
-            <a:r>
-              <a:rPr lang="tr-TR" b="1" dirty="0">
-                <a:solidFill>
-                  <a:srgbClr val="FF4D4D"/>
-                </a:solidFill>
-                <a:latin typeface="Roboto"/>
-              </a:rPr>
-              <a:t> </a:t>
-            </a:r>
-            <a:r>
-              <a:rPr lang="tr-TR" b="1" dirty="0" err="1">
-                <a:solidFill>
-                  <a:srgbClr val="FF4D4D"/>
-                </a:solidFill>
-                <a:latin typeface="Roboto"/>
-              </a:rPr>
-              <a:t>Big</a:t>
-            </a:r>
-            <a:r>
-              <a:rPr lang="tr-TR" b="1" dirty="0">
-                <a:solidFill>
-                  <a:srgbClr val="FF4D4D"/>
-                </a:solidFill>
-                <a:latin typeface="Roboto"/>
-              </a:rPr>
-              <a:t> Data Türkçe</a:t>
-            </a:r>
-            <a:endParaRPr lang="tr-TR" dirty="0"/>
-          </a:p>
-        </p:txBody>
-      </p:sp>
-      <p:sp>
-        <p:nvSpPr>
-          <p:cNvPr id="11" name="Dikdörtgen 10">
-            <a:extLst>
-              <a:ext uri="{FF2B5EF4-FFF2-40B4-BE49-F238E27FC236}">
-                <a16:creationId xmlns:a16="http://schemas.microsoft.com/office/drawing/2014/main" id="{52D1EF34-F09A-46E2-AA0C-11FE99A49BD0}"/>
-              </a:ext>
-            </a:extLst>
-          </p:cNvPr>
-          <p:cNvSpPr/>
-          <p:nvPr/>
-        </p:nvSpPr>
-        <p:spPr>
-          <a:xfrm>
-            <a:off x="7345904" y="2758717"/>
-            <a:ext cx="2274982" cy="369332"/>
-          </a:xfrm>
-          <a:prstGeom prst="rect">
-            <a:avLst/>
-          </a:prstGeom>
-        </p:spPr>
-        <p:txBody>
-          <a:bodyPr wrap="none">
-            <a:spAutoFit/>
-          </a:bodyPr>
-          <a:lstStyle/>
-          <a:p>
-            <a:r>
-              <a:rPr lang="tr-TR" b="1" dirty="0" err="1">
-                <a:solidFill>
-                  <a:srgbClr val="FF4D4D"/>
-                </a:solidFill>
-                <a:latin typeface="Roboto"/>
-              </a:rPr>
-              <a:t>Python&amp;R</a:t>
-            </a:r>
-            <a:r>
-              <a:rPr lang="tr-TR" b="1" dirty="0">
-                <a:solidFill>
-                  <a:srgbClr val="FF4D4D"/>
-                </a:solidFill>
-                <a:latin typeface="Roboto"/>
-              </a:rPr>
-              <a:t> İngilizce</a:t>
-            </a:r>
-            <a:endParaRPr lang="tr-TR" dirty="0"/>
-          </a:p>
-        </p:txBody>
-      </p:sp>
-      <p:sp>
-        <p:nvSpPr>
-          <p:cNvPr id="12" name="Dikdörtgen 11">
-            <a:extLst>
-              <a:ext uri="{FF2B5EF4-FFF2-40B4-BE49-F238E27FC236}">
-                <a16:creationId xmlns:a16="http://schemas.microsoft.com/office/drawing/2014/main" id="{B8449501-FF42-4F54-9AB4-EAB024C5090C}"/>
-              </a:ext>
-            </a:extLst>
-          </p:cNvPr>
-          <p:cNvSpPr/>
-          <p:nvPr/>
-        </p:nvSpPr>
-        <p:spPr>
-          <a:xfrm>
-            <a:off x="7527871" y="1573372"/>
-            <a:ext cx="1787669" cy="369332"/>
-          </a:xfrm>
-          <a:prstGeom prst="rect">
-            <a:avLst/>
-          </a:prstGeom>
-        </p:spPr>
-        <p:txBody>
-          <a:bodyPr wrap="none">
-            <a:spAutoFit/>
-          </a:bodyPr>
-          <a:lstStyle/>
-          <a:p>
-            <a:r>
-              <a:rPr lang="tr-TR" b="1" dirty="0">
-                <a:solidFill>
-                  <a:srgbClr val="FF4D4D"/>
-                </a:solidFill>
-                <a:latin typeface="Roboto"/>
-              </a:rPr>
-              <a:t>Python Türkçe</a:t>
-            </a:r>
-            <a:endParaRPr lang="tr-TR" dirty="0"/>
-          </a:p>
-        </p:txBody>
-      </p:sp>
-    </p:spTree>
-    <p:extLst>
-      <p:ext uri="{BB962C8B-B14F-4D97-AF65-F5344CB8AC3E}">
-        <p14:creationId xmlns:p14="http://schemas.microsoft.com/office/powerpoint/2010/main" val="915150309"/>
-      </p:ext>
-    </p:extLst>
-  </p:cSld>
-  <p:clrMapOvr>
-    <a:masterClrMapping/>
-  </p:clrMapOvr>
-  <p:transition spd="slow">
-    <p:push dir="u"/>
-  </p:transition>
-</p:sld>
-</file>
-
 <file path=ppt/theme/theme1.xml><?xml version="1.0" encoding="utf-8"?>
 <a:theme xmlns:a="http://schemas.openxmlformats.org/drawingml/2006/main" name="Office Teması">
   <a:themeElements>

--- a/opening_remarks.pptx
+++ b/opening_remarks.pptx
@@ -365,7 +365,7 @@
   <pc:docChgLst>
     <pc:chgData name="Erkan ŞİRİN" userId="7f10ce1d6aaf8c5d" providerId="LiveId" clId="{0E0E6E0D-F67B-4125-8FD1-98F3660D98D2}"/>
     <pc:docChg chg="custSel addSld delSld modSld sldOrd">
-      <pc:chgData name="Erkan ŞİRİN" userId="7f10ce1d6aaf8c5d" providerId="LiveId" clId="{0E0E6E0D-F67B-4125-8FD1-98F3660D98D2}" dt="2019-06-13T06:08:08.862" v="655" actId="207"/>
+      <pc:chgData name="Erkan ŞİRİN" userId="7f10ce1d6aaf8c5d" providerId="LiveId" clId="{0E0E6E0D-F67B-4125-8FD1-98F3660D98D2}" dt="2019-06-13T06:22:27.568" v="665" actId="20577"/>
       <pc:docMkLst>
         <pc:docMk/>
       </pc:docMkLst>
@@ -381,6 +381,21 @@
             <pc:docMk/>
             <pc:sldMk cId="2918214722" sldId="256"/>
             <ac:spMk id="4" creationId="{424A21BB-7B81-40BA-B1C9-62E84447A657}"/>
+          </ac:spMkLst>
+        </pc:spChg>
+      </pc:sldChg>
+      <pc:sldChg chg="modSp">
+        <pc:chgData name="Erkan ŞİRİN" userId="7f10ce1d6aaf8c5d" providerId="LiveId" clId="{0E0E6E0D-F67B-4125-8FD1-98F3660D98D2}" dt="2019-06-13T06:22:27.568" v="665" actId="20577"/>
+        <pc:sldMkLst>
+          <pc:docMk/>
+          <pc:sldMk cId="3627367780" sldId="328"/>
+        </pc:sldMkLst>
+        <pc:spChg chg="mod">
+          <ac:chgData name="Erkan ŞİRİN" userId="7f10ce1d6aaf8c5d" providerId="LiveId" clId="{0E0E6E0D-F67B-4125-8FD1-98F3660D98D2}" dt="2019-06-13T06:22:27.568" v="665" actId="20577"/>
+          <ac:spMkLst>
+            <pc:docMk/>
+            <pc:sldMk cId="3627367780" sldId="328"/>
+            <ac:spMk id="3" creationId="{2DC8A280-C738-452F-B627-12CB68E50CC1}"/>
           </ac:spMkLst>
         </pc:spChg>
       </pc:sldChg>
@@ -6260,7 +6275,7 @@
               <a:rPr lang="tr-TR" sz="3200" dirty="0">
                 <a:latin typeface="Roboto"/>
               </a:rPr>
-              <a:t>Öğleden Önce	: 09:00 – 12:00</a:t>
+              <a:t>Öğleden Önce	: 09:00 – 13:00</a:t>
             </a:r>
           </a:p>
           <a:p>
@@ -6274,7 +6289,7 @@
               <a:rPr lang="tr-TR" sz="3200" dirty="0">
                 <a:latin typeface="Roboto"/>
               </a:rPr>
-              <a:t>Öğle Arası		: 12:00 – 13:00</a:t>
+              <a:t>Öğle Arası		: 13:00 – 14:00</a:t>
             </a:r>
           </a:p>
           <a:p>
@@ -6288,19 +6303,7 @@
               <a:rPr lang="tr-TR" sz="3200" dirty="0">
                 <a:latin typeface="Roboto"/>
               </a:rPr>
-              <a:t>Öğleden Sonra	</a:t>
-            </a:r>
-            <a:r>
-              <a:rPr lang="tr-TR" sz="3200">
-                <a:latin typeface="Roboto"/>
-              </a:rPr>
-              <a:t>: 13:00 </a:t>
-            </a:r>
-            <a:r>
-              <a:rPr lang="tr-TR" sz="3200" dirty="0">
-                <a:latin typeface="Roboto"/>
-              </a:rPr>
-              <a:t>– 16:45</a:t>
+              <a:t>Öğleden Sonra	: 14:00 – 17:00</a:t>
             </a:r>
           </a:p>
         </p:txBody>

--- a/opening_remarks.pptx
+++ b/opening_remarks.pptx
@@ -365,7 +365,7 @@
   <pc:docChgLst>
     <pc:chgData name="Erkan ŞİRİN" userId="7f10ce1d6aaf8c5d" providerId="LiveId" clId="{0E0E6E0D-F67B-4125-8FD1-98F3660D98D2}"/>
     <pc:docChg chg="custSel addSld delSld modSld sldOrd">
-      <pc:chgData name="Erkan ŞİRİN" userId="7f10ce1d6aaf8c5d" providerId="LiveId" clId="{0E0E6E0D-F67B-4125-8FD1-98F3660D98D2}" dt="2019-06-13T06:22:27.568" v="665" actId="20577"/>
+      <pc:chgData name="Erkan ŞİRİN" userId="7f10ce1d6aaf8c5d" providerId="LiveId" clId="{0E0E6E0D-F67B-4125-8FD1-98F3660D98D2}" dt="2019-06-15T11:02:51.369" v="671" actId="1076"/>
       <pc:docMkLst>
         <pc:docMk/>
       </pc:docMkLst>
@@ -398,6 +398,53 @@
             <ac:spMk id="3" creationId="{2DC8A280-C738-452F-B627-12CB68E50CC1}"/>
           </ac:spMkLst>
         </pc:spChg>
+      </pc:sldChg>
+      <pc:sldChg chg="addSp modSp">
+        <pc:chgData name="Erkan ŞİRİN" userId="7f10ce1d6aaf8c5d" providerId="LiveId" clId="{0E0E6E0D-F67B-4125-8FD1-98F3660D98D2}" dt="2019-06-15T11:02:51.369" v="671" actId="1076"/>
+        <pc:sldMkLst>
+          <pc:docMk/>
+          <pc:sldMk cId="2883417890" sldId="329"/>
+        </pc:sldMkLst>
+        <pc:spChg chg="add mod">
+          <ac:chgData name="Erkan ŞİRİN" userId="7f10ce1d6aaf8c5d" providerId="LiveId" clId="{0E0E6E0D-F67B-4125-8FD1-98F3660D98D2}" dt="2019-06-15T11:02:51.369" v="671" actId="1076"/>
+          <ac:spMkLst>
+            <pc:docMk/>
+            <pc:sldMk cId="2883417890" sldId="329"/>
+            <ac:spMk id="2" creationId="{C18A4F09-FF0E-4D70-9F20-F75EC4B9FF06}"/>
+          </ac:spMkLst>
+        </pc:spChg>
+        <pc:spChg chg="mod">
+          <ac:chgData name="Erkan ŞİRİN" userId="7f10ce1d6aaf8c5d" providerId="LiveId" clId="{0E0E6E0D-F67B-4125-8FD1-98F3660D98D2}" dt="2019-06-15T10:58:30.245" v="669" actId="1076"/>
+          <ac:spMkLst>
+            <pc:docMk/>
+            <pc:sldMk cId="2883417890" sldId="329"/>
+            <ac:spMk id="4" creationId="{FF7BC00C-9752-41A8-9C88-7451042D3C5C}"/>
+          </ac:spMkLst>
+        </pc:spChg>
+        <pc:spChg chg="mod">
+          <ac:chgData name="Erkan ŞİRİN" userId="7f10ce1d6aaf8c5d" providerId="LiveId" clId="{0E0E6E0D-F67B-4125-8FD1-98F3660D98D2}" dt="2019-06-15T10:58:30.245" v="669" actId="1076"/>
+          <ac:spMkLst>
+            <pc:docMk/>
+            <pc:sldMk cId="2883417890" sldId="329"/>
+            <ac:spMk id="5" creationId="{34DF71B8-B6CB-403D-B382-6A34CAAB5B4E}"/>
+          </ac:spMkLst>
+        </pc:spChg>
+        <pc:spChg chg="mod">
+          <ac:chgData name="Erkan ŞİRİN" userId="7f10ce1d6aaf8c5d" providerId="LiveId" clId="{0E0E6E0D-F67B-4125-8FD1-98F3660D98D2}" dt="2019-06-15T10:58:22.729" v="667" actId="1076"/>
+          <ac:spMkLst>
+            <pc:docMk/>
+            <pc:sldMk cId="2883417890" sldId="329"/>
+            <ac:spMk id="13" creationId="{00000000-0000-0000-0000-000000000000}"/>
+          </ac:spMkLst>
+        </pc:spChg>
+        <pc:picChg chg="mod">
+          <ac:chgData name="Erkan ŞİRİN" userId="7f10ce1d6aaf8c5d" providerId="LiveId" clId="{0E0E6E0D-F67B-4125-8FD1-98F3660D98D2}" dt="2019-06-15T10:58:25.940" v="668" actId="1076"/>
+          <ac:picMkLst>
+            <pc:docMk/>
+            <pc:sldMk cId="2883417890" sldId="329"/>
+            <ac:picMk id="3" creationId="{00000000-0000-0000-0000-000000000000}"/>
+          </ac:picMkLst>
+        </pc:picChg>
       </pc:sldChg>
       <pc:sldChg chg="modSp modAnim">
         <pc:chgData name="Erkan ŞİRİN" userId="7f10ce1d6aaf8c5d" providerId="LiveId" clId="{0E0E6E0D-F67B-4125-8FD1-98F3660D98D2}" dt="2019-06-13T06:04:18.307" v="601" actId="255"/>
@@ -572,45 +619,6 @@
           </ac:picMkLst>
         </pc:picChg>
       </pc:sldChg>
-      <pc:sldChg chg="addSp delSp modSp add del ord">
-        <pc:chgData name="Erkan ŞİRİN" userId="7f10ce1d6aaf8c5d" providerId="LiveId" clId="{0E0E6E0D-F67B-4125-8FD1-98F3660D98D2}" dt="2019-06-13T05:55:10.650" v="227" actId="2696"/>
-        <pc:sldMkLst>
-          <pc:docMk/>
-          <pc:sldMk cId="1206312110" sldId="340"/>
-        </pc:sldMkLst>
-        <pc:spChg chg="add mod">
-          <ac:chgData name="Erkan ŞİRİN" userId="7f10ce1d6aaf8c5d" providerId="LiveId" clId="{0E0E6E0D-F67B-4125-8FD1-98F3660D98D2}" dt="2019-06-12T19:39:21.541" v="82" actId="1076"/>
-          <ac:spMkLst>
-            <pc:docMk/>
-            <pc:sldMk cId="1206312110" sldId="340"/>
-            <ac:spMk id="2" creationId="{804D80D6-B333-483D-9465-2443E76896B6}"/>
-          </ac:spMkLst>
-        </pc:spChg>
-        <pc:spChg chg="mod">
-          <ac:chgData name="Erkan ŞİRİN" userId="7f10ce1d6aaf8c5d" providerId="LiveId" clId="{0E0E6E0D-F67B-4125-8FD1-98F3660D98D2}" dt="2019-06-12T19:39:03.076" v="66" actId="1076"/>
-          <ac:spMkLst>
-            <pc:docMk/>
-            <pc:sldMk cId="1206312110" sldId="340"/>
-            <ac:spMk id="5" creationId="{2E79593C-AA84-4F0F-BB9B-1B5A70AC7FE0}"/>
-          </ac:spMkLst>
-        </pc:spChg>
-        <pc:spChg chg="del mod">
-          <ac:chgData name="Erkan ŞİRİN" userId="7f10ce1d6aaf8c5d" providerId="LiveId" clId="{0E0E6E0D-F67B-4125-8FD1-98F3660D98D2}" dt="2019-06-12T19:39:06.660" v="68" actId="478"/>
-          <ac:spMkLst>
-            <pc:docMk/>
-            <pc:sldMk cId="1206312110" sldId="340"/>
-            <ac:spMk id="7" creationId="{1D61EBCE-31AA-48F0-8EE0-52989DAEFFDE}"/>
-          </ac:spMkLst>
-        </pc:spChg>
-        <pc:picChg chg="del">
-          <ac:chgData name="Erkan ŞİRİN" userId="7f10ce1d6aaf8c5d" providerId="LiveId" clId="{0E0E6E0D-F67B-4125-8FD1-98F3660D98D2}" dt="2019-06-12T19:38:49.790" v="63" actId="478"/>
-          <ac:picMkLst>
-            <pc:docMk/>
-            <pc:sldMk cId="1206312110" sldId="340"/>
-            <ac:picMk id="3" creationId="{3DC4C4A6-EADF-4792-B7B6-0FFFF50F4D75}"/>
-          </ac:picMkLst>
-        </pc:picChg>
-      </pc:sldChg>
       <pc:sldChg chg="addSp delSp modSp add">
         <pc:chgData name="Erkan ŞİRİN" userId="7f10ce1d6aaf8c5d" providerId="LiveId" clId="{0E0E6E0D-F67B-4125-8FD1-98F3660D98D2}" dt="2019-06-12T19:46:33.348" v="97"/>
         <pc:sldMkLst>
@@ -726,13 +734,6 @@
           </ac:picMkLst>
         </pc:picChg>
       </pc:sldChg>
-      <pc:sldChg chg="add del">
-        <pc:chgData name="Erkan ŞİRİN" userId="7f10ce1d6aaf8c5d" providerId="LiveId" clId="{0E0E6E0D-F67B-4125-8FD1-98F3660D98D2}" dt="2019-06-13T06:05:31.978" v="604" actId="2696"/>
-        <pc:sldMkLst>
-          <pc:docMk/>
-          <pc:sldMk cId="323060194" sldId="346"/>
-        </pc:sldMkLst>
-      </pc:sldChg>
     </pc:docChg>
   </pc:docChgLst>
 </pc:chgInfo>
@@ -885,7 +886,7 @@
           <a:p>
             <a:fld id="{BAB971F1-0A24-473E-8A66-D77E329B588E}" type="datetimeFigureOut">
               <a:rPr lang="tr-TR" smtClean="0"/>
-              <a:t>13.06.2019</a:t>
+              <a:t>15.06.2019</a:t>
             </a:fld>
             <a:endParaRPr lang="tr-TR"/>
           </a:p>
@@ -1083,7 +1084,7 @@
           <a:p>
             <a:fld id="{BAB971F1-0A24-473E-8A66-D77E329B588E}" type="datetimeFigureOut">
               <a:rPr lang="tr-TR" smtClean="0"/>
-              <a:t>13.06.2019</a:t>
+              <a:t>15.06.2019</a:t>
             </a:fld>
             <a:endParaRPr lang="tr-TR"/>
           </a:p>
@@ -1291,7 +1292,7 @@
           <a:p>
             <a:fld id="{BAB971F1-0A24-473E-8A66-D77E329B588E}" type="datetimeFigureOut">
               <a:rPr lang="tr-TR" smtClean="0"/>
-              <a:t>13.06.2019</a:t>
+              <a:t>15.06.2019</a:t>
             </a:fld>
             <a:endParaRPr lang="tr-TR"/>
           </a:p>
@@ -1489,7 +1490,7 @@
           <a:p>
             <a:fld id="{BAB971F1-0A24-473E-8A66-D77E329B588E}" type="datetimeFigureOut">
               <a:rPr lang="tr-TR" smtClean="0"/>
-              <a:t>13.06.2019</a:t>
+              <a:t>15.06.2019</a:t>
             </a:fld>
             <a:endParaRPr lang="tr-TR"/>
           </a:p>
@@ -1764,7 +1765,7 @@
           <a:p>
             <a:fld id="{BAB971F1-0A24-473E-8A66-D77E329B588E}" type="datetimeFigureOut">
               <a:rPr lang="tr-TR" smtClean="0"/>
-              <a:t>13.06.2019</a:t>
+              <a:t>15.06.2019</a:t>
             </a:fld>
             <a:endParaRPr lang="tr-TR"/>
           </a:p>
@@ -2029,7 +2030,7 @@
           <a:p>
             <a:fld id="{BAB971F1-0A24-473E-8A66-D77E329B588E}" type="datetimeFigureOut">
               <a:rPr lang="tr-TR" smtClean="0"/>
-              <a:t>13.06.2019</a:t>
+              <a:t>15.06.2019</a:t>
             </a:fld>
             <a:endParaRPr lang="tr-TR"/>
           </a:p>
@@ -2441,7 +2442,7 @@
           <a:p>
             <a:fld id="{BAB971F1-0A24-473E-8A66-D77E329B588E}" type="datetimeFigureOut">
               <a:rPr lang="tr-TR" smtClean="0"/>
-              <a:t>13.06.2019</a:t>
+              <a:t>15.06.2019</a:t>
             </a:fld>
             <a:endParaRPr lang="tr-TR"/>
           </a:p>
@@ -2582,7 +2583,7 @@
           <a:p>
             <a:fld id="{BAB971F1-0A24-473E-8A66-D77E329B588E}" type="datetimeFigureOut">
               <a:rPr lang="tr-TR" smtClean="0"/>
-              <a:t>13.06.2019</a:t>
+              <a:t>15.06.2019</a:t>
             </a:fld>
             <a:endParaRPr lang="tr-TR"/>
           </a:p>
@@ -2695,7 +2696,7 @@
           <a:p>
             <a:fld id="{BAB971F1-0A24-473E-8A66-D77E329B588E}" type="datetimeFigureOut">
               <a:rPr lang="tr-TR" smtClean="0"/>
-              <a:t>13.06.2019</a:t>
+              <a:t>15.06.2019</a:t>
             </a:fld>
             <a:endParaRPr lang="tr-TR"/>
           </a:p>
@@ -3006,7 +3007,7 @@
           <a:p>
             <a:fld id="{BAB971F1-0A24-473E-8A66-D77E329B588E}" type="datetimeFigureOut">
               <a:rPr lang="tr-TR" smtClean="0"/>
-              <a:t>13.06.2019</a:t>
+              <a:t>15.06.2019</a:t>
             </a:fld>
             <a:endParaRPr lang="tr-TR"/>
           </a:p>
@@ -3294,7 +3295,7 @@
           <a:p>
             <a:fld id="{BAB971F1-0A24-473E-8A66-D77E329B588E}" type="datetimeFigureOut">
               <a:rPr lang="tr-TR" smtClean="0"/>
-              <a:t>13.06.2019</a:t>
+              <a:t>15.06.2019</a:t>
             </a:fld>
             <a:endParaRPr lang="tr-TR"/>
           </a:p>
@@ -3535,7 +3536,7 @@
           <a:p>
             <a:fld id="{BAB971F1-0A24-473E-8A66-D77E329B588E}" type="datetimeFigureOut">
               <a:rPr lang="tr-TR" smtClean="0"/>
-              <a:t>13.06.2019</a:t>
+              <a:t>15.06.2019</a:t>
             </a:fld>
             <a:endParaRPr lang="tr-TR"/>
           </a:p>
@@ -4938,8 +4939,8 @@
         </p:nvSpPr>
         <p:spPr>
           <a:xfrm>
-            <a:off x="6001407" y="1059184"/>
-            <a:ext cx="5276193" cy="3970318"/>
+            <a:off x="6096000" y="891544"/>
+            <a:ext cx="5276193" cy="3070841"/>
           </a:xfrm>
           <a:prstGeom prst="rect">
             <a:avLst/>
@@ -4966,20 +4967,6 @@
               </a:rPr>
               <a:t>Erkan ŞİRİN</a:t>
             </a:r>
-          </a:p>
-          <a:p>
-            <a:pPr>
-              <a:lnSpc>
-                <a:spcPct val="150000"/>
-              </a:lnSpc>
-            </a:pPr>
-            <a:endParaRPr lang="tr-TR" sz="3600" dirty="0">
-              <a:solidFill>
-                <a:srgbClr val="404041"/>
-              </a:solidFill>
-              <a:latin typeface="Verdana" panose="020B0604030504040204" pitchFamily="34" charset="0"/>
-              <a:ea typeface="Verdana" panose="020B0604030504040204" pitchFamily="34" charset="0"/>
-            </a:endParaRPr>
           </a:p>
           <a:p>
             <a:pPr>
@@ -5074,7 +5061,7 @@
         </p:blipFill>
         <p:spPr>
           <a:xfrm>
-            <a:off x="2440468" y="1842367"/>
+            <a:off x="1733292" y="1334050"/>
             <a:ext cx="2700528" cy="2628335"/>
           </a:xfrm>
           <a:prstGeom prst="rect">
@@ -5096,7 +5083,7 @@
         </p:nvSpPr>
         <p:spPr>
           <a:xfrm>
-            <a:off x="1733292" y="5029502"/>
+            <a:off x="1164601" y="4328462"/>
             <a:ext cx="3837910" cy="830997"/>
           </a:xfrm>
           <a:prstGeom prst="rect">
@@ -5148,7 +5135,7 @@
         </p:nvSpPr>
         <p:spPr>
           <a:xfrm>
-            <a:off x="2170422" y="5983481"/>
+            <a:off x="1601731" y="5282441"/>
             <a:ext cx="2762295" cy="461665"/>
           </a:xfrm>
           <a:prstGeom prst="rect">
@@ -5170,6 +5157,92 @@
               </a:rPr>
               <a:t>+90 506 543 2731</a:t>
             </a:r>
+          </a:p>
+        </p:txBody>
+      </p:sp>
+      <p:sp>
+        <p:nvSpPr>
+          <p:cNvPr id="2" name="Dikdörtgen 1">
+            <a:extLst>
+              <a:ext uri="{FF2B5EF4-FFF2-40B4-BE49-F238E27FC236}">
+                <a16:creationId xmlns:a16="http://schemas.microsoft.com/office/drawing/2014/main" id="{C18A4F09-FF0E-4D70-9F20-F75EC4B9FF06}"/>
+              </a:ext>
+            </a:extLst>
+          </p:cNvPr>
+          <p:cNvSpPr/>
+          <p:nvPr/>
+        </p:nvSpPr>
+        <p:spPr>
+          <a:xfrm>
+            <a:off x="5686096" y="4308010"/>
+            <a:ext cx="6096000" cy="772712"/>
+          </a:xfrm>
+          <a:prstGeom prst="rect">
+            <a:avLst/>
+          </a:prstGeom>
+        </p:spPr>
+        <p:txBody>
+          <a:bodyPr>
+            <a:spAutoFit/>
+          </a:bodyPr>
+          <a:lstStyle/>
+          <a:p>
+            <a:pPr marL="457200" algn="just">
+              <a:lnSpc>
+                <a:spcPct val="107000"/>
+              </a:lnSpc>
+              <a:spcAft>
+                <a:spcPts val="800"/>
+              </a:spcAft>
+            </a:pPr>
+            <a:r>
+              <a:rPr lang="tr-TR" b="1" dirty="0" err="1">
+                <a:latin typeface="Arial" panose="020B0604020202020204" pitchFamily="34" charset="0"/>
+                <a:ea typeface="Calibri" panose="020F0502020204030204" pitchFamily="34" charset="0"/>
+                <a:cs typeface="Times New Roman" panose="02020603050405020304" pitchFamily="18" charset="0"/>
+              </a:rPr>
+              <a:t>LinkedIn</a:t>
+            </a:r>
+            <a:r>
+              <a:rPr lang="tr-TR" dirty="0">
+                <a:latin typeface="Arial" panose="020B0604020202020204" pitchFamily="34" charset="0"/>
+                <a:ea typeface="Calibri" panose="020F0502020204030204" pitchFamily="34" charset="0"/>
+                <a:cs typeface="Times New Roman" panose="02020603050405020304" pitchFamily="18" charset="0"/>
+              </a:rPr>
+              <a:t>:</a:t>
+            </a:r>
+            <a:endParaRPr lang="tr-TR" dirty="0">
+              <a:latin typeface="Calibri" panose="020F0502020204030204" pitchFamily="34" charset="0"/>
+              <a:ea typeface="Calibri" panose="020F0502020204030204" pitchFamily="34" charset="0"/>
+              <a:cs typeface="Times New Roman" panose="02020603050405020304" pitchFamily="18" charset="0"/>
+            </a:endParaRPr>
+          </a:p>
+          <a:p>
+            <a:pPr marL="457200" algn="just">
+              <a:lnSpc>
+                <a:spcPct val="107000"/>
+              </a:lnSpc>
+              <a:spcAft>
+                <a:spcPts val="800"/>
+              </a:spcAft>
+            </a:pPr>
+            <a:r>
+              <a:rPr lang="tr-TR" u="sng" dirty="0">
+                <a:solidFill>
+                  <a:srgbClr val="0563C1"/>
+                </a:solidFill>
+                <a:latin typeface="Arial" panose="020B0604020202020204" pitchFamily="34" charset="0"/>
+                <a:ea typeface="Calibri" panose="020F0502020204030204" pitchFamily="34" charset="0"/>
+                <a:cs typeface="Times New Roman" panose="02020603050405020304" pitchFamily="18" charset="0"/>
+                <a:hlinkClick r:id="rId5"/>
+              </a:rPr>
+              <a:t>https://www.linkedin.com/in/erkansirin78</a:t>
+            </a:r>
+            <a:endParaRPr lang="tr-TR" dirty="0">
+              <a:latin typeface="Calibri" panose="020F0502020204030204" pitchFamily="34" charset="0"/>
+              <a:ea typeface="Calibri" panose="020F0502020204030204" pitchFamily="34" charset="0"/>
+              <a:cs typeface="Times New Roman" panose="02020603050405020304" pitchFamily="18" charset="0"/>
+            </a:endParaRPr>
           </a:p>
         </p:txBody>
       </p:sp>

--- a/opening_remarks.pptx
+++ b/opening_remarks.pptx
@@ -365,7 +365,7 @@
   <pc:docChgLst>
     <pc:chgData name="Erkan ŞİRİN" userId="7f10ce1d6aaf8c5d" providerId="LiveId" clId="{0E0E6E0D-F67B-4125-8FD1-98F3660D98D2}"/>
     <pc:docChg chg="custSel addSld delSld modSld sldOrd">
-      <pc:chgData name="Erkan ŞİRİN" userId="7f10ce1d6aaf8c5d" providerId="LiveId" clId="{0E0E6E0D-F67B-4125-8FD1-98F3660D98D2}" dt="2019-06-15T11:02:51.369" v="671" actId="1076"/>
+      <pc:chgData name="Erkan ŞİRİN" userId="7f10ce1d6aaf8c5d" providerId="LiveId" clId="{0E0E6E0D-F67B-4125-8FD1-98F3660D98D2}" dt="2019-06-17T09:47:22.326" v="774" actId="20577"/>
       <pc:docMkLst>
         <pc:docMk/>
       </pc:docMkLst>
@@ -525,13 +525,13 @@
         </pc:picChg>
       </pc:sldChg>
       <pc:sldChg chg="addSp delSp modSp add">
-        <pc:chgData name="Erkan ŞİRİN" userId="7f10ce1d6aaf8c5d" providerId="LiveId" clId="{0E0E6E0D-F67B-4125-8FD1-98F3660D98D2}" dt="2019-06-12T19:51:24.644" v="191" actId="1076"/>
+        <pc:chgData name="Erkan ŞİRİN" userId="7f10ce1d6aaf8c5d" providerId="LiveId" clId="{0E0E6E0D-F67B-4125-8FD1-98F3660D98D2}" dt="2019-06-17T09:47:22.326" v="774" actId="20577"/>
         <pc:sldMkLst>
           <pc:docMk/>
           <pc:sldMk cId="915150309" sldId="339"/>
         </pc:sldMkLst>
         <pc:spChg chg="add mod">
-          <ac:chgData name="Erkan ŞİRİN" userId="7f10ce1d6aaf8c5d" providerId="LiveId" clId="{0E0E6E0D-F67B-4125-8FD1-98F3660D98D2}" dt="2019-06-12T19:49:13.964" v="105" actId="1076"/>
+          <ac:chgData name="Erkan ŞİRİN" userId="7f10ce1d6aaf8c5d" providerId="LiveId" clId="{0E0E6E0D-F67B-4125-8FD1-98F3660D98D2}" dt="2019-06-17T09:46:44.302" v="740" actId="1035"/>
           <ac:spMkLst>
             <pc:docMk/>
             <pc:sldMk cId="915150309" sldId="339"/>
@@ -539,7 +539,7 @@
           </ac:spMkLst>
         </pc:spChg>
         <pc:spChg chg="add mod">
-          <ac:chgData name="Erkan ŞİRİN" userId="7f10ce1d6aaf8c5d" providerId="LiveId" clId="{0E0E6E0D-F67B-4125-8FD1-98F3660D98D2}" dt="2019-06-12T19:50:28.628" v="174" actId="1076"/>
+          <ac:chgData name="Erkan ŞİRİN" userId="7f10ce1d6aaf8c5d" providerId="LiveId" clId="{0E0E6E0D-F67B-4125-8FD1-98F3660D98D2}" dt="2019-06-17T09:46:44.302" v="740" actId="1035"/>
           <ac:spMkLst>
             <pc:docMk/>
             <pc:sldMk cId="915150309" sldId="339"/>
@@ -547,7 +547,7 @@
           </ac:spMkLst>
         </pc:spChg>
         <pc:spChg chg="add mod">
-          <ac:chgData name="Erkan ŞİRİN" userId="7f10ce1d6aaf8c5d" providerId="LiveId" clId="{0E0E6E0D-F67B-4125-8FD1-98F3660D98D2}" dt="2019-06-12T19:49:50.940" v="140" actId="1076"/>
+          <ac:chgData name="Erkan ŞİRİN" userId="7f10ce1d6aaf8c5d" providerId="LiveId" clId="{0E0E6E0D-F67B-4125-8FD1-98F3660D98D2}" dt="2019-06-17T09:46:44.302" v="740" actId="1035"/>
           <ac:spMkLst>
             <pc:docMk/>
             <pc:sldMk cId="915150309" sldId="339"/>
@@ -555,7 +555,7 @@
           </ac:spMkLst>
         </pc:spChg>
         <pc:spChg chg="add mod">
-          <ac:chgData name="Erkan ŞİRİN" userId="7f10ce1d6aaf8c5d" providerId="LiveId" clId="{0E0E6E0D-F67B-4125-8FD1-98F3660D98D2}" dt="2019-06-12T19:51:24.644" v="191" actId="1076"/>
+          <ac:chgData name="Erkan ŞİRİN" userId="7f10ce1d6aaf8c5d" providerId="LiveId" clId="{0E0E6E0D-F67B-4125-8FD1-98F3660D98D2}" dt="2019-06-17T09:46:44.302" v="740" actId="1035"/>
           <ac:spMkLst>
             <pc:docMk/>
             <pc:sldMk cId="915150309" sldId="339"/>
@@ -563,7 +563,7 @@
           </ac:spMkLst>
         </pc:spChg>
         <pc:spChg chg="add mod">
-          <ac:chgData name="Erkan ŞİRİN" userId="7f10ce1d6aaf8c5d" providerId="LiveId" clId="{0E0E6E0D-F67B-4125-8FD1-98F3660D98D2}" dt="2019-06-12T19:49:40.140" v="136" actId="1076"/>
+          <ac:chgData name="Erkan ŞİRİN" userId="7f10ce1d6aaf8c5d" providerId="LiveId" clId="{0E0E6E0D-F67B-4125-8FD1-98F3660D98D2}" dt="2019-06-17T09:46:44.302" v="740" actId="1035"/>
           <ac:spMkLst>
             <pc:docMk/>
             <pc:sldMk cId="915150309" sldId="339"/>
@@ -571,7 +571,7 @@
           </ac:spMkLst>
         </pc:spChg>
         <pc:spChg chg="add mod">
-          <ac:chgData name="Erkan ŞİRİN" userId="7f10ce1d6aaf8c5d" providerId="LiveId" clId="{0E0E6E0D-F67B-4125-8FD1-98F3660D98D2}" dt="2019-06-12T19:50:24.436" v="173" actId="1076"/>
+          <ac:chgData name="Erkan ŞİRİN" userId="7f10ce1d6aaf8c5d" providerId="LiveId" clId="{0E0E6E0D-F67B-4125-8FD1-98F3660D98D2}" dt="2019-06-17T09:46:44.302" v="740" actId="1035"/>
           <ac:spMkLst>
             <pc:docMk/>
             <pc:sldMk cId="915150309" sldId="339"/>
@@ -579,7 +579,7 @@
           </ac:spMkLst>
         </pc:spChg>
         <pc:spChg chg="add mod">
-          <ac:chgData name="Erkan ŞİRİN" userId="7f10ce1d6aaf8c5d" providerId="LiveId" clId="{0E0E6E0D-F67B-4125-8FD1-98F3660D98D2}" dt="2019-06-12T19:50:52.084" v="190" actId="1076"/>
+          <ac:chgData name="Erkan ŞİRİN" userId="7f10ce1d6aaf8c5d" providerId="LiveId" clId="{0E0E6E0D-F67B-4125-8FD1-98F3660D98D2}" dt="2019-06-17T09:46:44.302" v="740" actId="1035"/>
           <ac:spMkLst>
             <pc:docMk/>
             <pc:sldMk cId="915150309" sldId="339"/>
@@ -587,11 +587,27 @@
           </ac:spMkLst>
         </pc:spChg>
         <pc:spChg chg="add mod">
-          <ac:chgData name="Erkan ŞİRİN" userId="7f10ce1d6aaf8c5d" providerId="LiveId" clId="{0E0E6E0D-F67B-4125-8FD1-98F3660D98D2}" dt="2019-06-12T19:50:47.611" v="189" actId="1076"/>
+          <ac:chgData name="Erkan ŞİRİN" userId="7f10ce1d6aaf8c5d" providerId="LiveId" clId="{0E0E6E0D-F67B-4125-8FD1-98F3660D98D2}" dt="2019-06-17T09:46:44.302" v="740" actId="1035"/>
           <ac:spMkLst>
             <pc:docMk/>
             <pc:sldMk cId="915150309" sldId="339"/>
             <ac:spMk id="12" creationId="{B8449501-FF42-4F54-9AB4-EAB024C5090C}"/>
+          </ac:spMkLst>
+        </pc:spChg>
+        <pc:spChg chg="add mod">
+          <ac:chgData name="Erkan ŞİRİN" userId="7f10ce1d6aaf8c5d" providerId="LiveId" clId="{0E0E6E0D-F67B-4125-8FD1-98F3660D98D2}" dt="2019-06-17T09:47:22.326" v="774" actId="20577"/>
+          <ac:spMkLst>
+            <pc:docMk/>
+            <pc:sldMk cId="915150309" sldId="339"/>
+            <ac:spMk id="13" creationId="{5B07A9B9-9F4D-49B7-A6FB-9971F83F16EF}"/>
+          </ac:spMkLst>
+        </pc:spChg>
+        <pc:spChg chg="add mod">
+          <ac:chgData name="Erkan ŞİRİN" userId="7f10ce1d6aaf8c5d" providerId="LiveId" clId="{0E0E6E0D-F67B-4125-8FD1-98F3660D98D2}" dt="2019-06-17T09:46:53.298" v="741" actId="1076"/>
+          <ac:spMkLst>
+            <pc:docMk/>
+            <pc:sldMk cId="915150309" sldId="339"/>
+            <ac:spMk id="14" creationId="{5F66CAAC-600E-4CC7-B994-71507352AEC2}"/>
           </ac:spMkLst>
         </pc:spChg>
         <pc:picChg chg="add mod">
@@ -886,7 +902,7 @@
           <a:p>
             <a:fld id="{BAB971F1-0A24-473E-8A66-D77E329B588E}" type="datetimeFigureOut">
               <a:rPr lang="tr-TR" smtClean="0"/>
-              <a:t>15.06.2019</a:t>
+              <a:t>17.06.2019</a:t>
             </a:fld>
             <a:endParaRPr lang="tr-TR"/>
           </a:p>
@@ -1084,7 +1100,7 @@
           <a:p>
             <a:fld id="{BAB971F1-0A24-473E-8A66-D77E329B588E}" type="datetimeFigureOut">
               <a:rPr lang="tr-TR" smtClean="0"/>
-              <a:t>15.06.2019</a:t>
+              <a:t>17.06.2019</a:t>
             </a:fld>
             <a:endParaRPr lang="tr-TR"/>
           </a:p>
@@ -1292,7 +1308,7 @@
           <a:p>
             <a:fld id="{BAB971F1-0A24-473E-8A66-D77E329B588E}" type="datetimeFigureOut">
               <a:rPr lang="tr-TR" smtClean="0"/>
-              <a:t>15.06.2019</a:t>
+              <a:t>17.06.2019</a:t>
             </a:fld>
             <a:endParaRPr lang="tr-TR"/>
           </a:p>
@@ -1490,7 +1506,7 @@
           <a:p>
             <a:fld id="{BAB971F1-0A24-473E-8A66-D77E329B588E}" type="datetimeFigureOut">
               <a:rPr lang="tr-TR" smtClean="0"/>
-              <a:t>15.06.2019</a:t>
+              <a:t>17.06.2019</a:t>
             </a:fld>
             <a:endParaRPr lang="tr-TR"/>
           </a:p>
@@ -1765,7 +1781,7 @@
           <a:p>
             <a:fld id="{BAB971F1-0A24-473E-8A66-D77E329B588E}" type="datetimeFigureOut">
               <a:rPr lang="tr-TR" smtClean="0"/>
-              <a:t>15.06.2019</a:t>
+              <a:t>17.06.2019</a:t>
             </a:fld>
             <a:endParaRPr lang="tr-TR"/>
           </a:p>
@@ -2030,7 +2046,7 @@
           <a:p>
             <a:fld id="{BAB971F1-0A24-473E-8A66-D77E329B588E}" type="datetimeFigureOut">
               <a:rPr lang="tr-TR" smtClean="0"/>
-              <a:t>15.06.2019</a:t>
+              <a:t>17.06.2019</a:t>
             </a:fld>
             <a:endParaRPr lang="tr-TR"/>
           </a:p>
@@ -2442,7 +2458,7 @@
           <a:p>
             <a:fld id="{BAB971F1-0A24-473E-8A66-D77E329B588E}" type="datetimeFigureOut">
               <a:rPr lang="tr-TR" smtClean="0"/>
-              <a:t>15.06.2019</a:t>
+              <a:t>17.06.2019</a:t>
             </a:fld>
             <a:endParaRPr lang="tr-TR"/>
           </a:p>
@@ -2583,7 +2599,7 @@
           <a:p>
             <a:fld id="{BAB971F1-0A24-473E-8A66-D77E329B588E}" type="datetimeFigureOut">
               <a:rPr lang="tr-TR" smtClean="0"/>
-              <a:t>15.06.2019</a:t>
+              <a:t>17.06.2019</a:t>
             </a:fld>
             <a:endParaRPr lang="tr-TR"/>
           </a:p>
@@ -2696,7 +2712,7 @@
           <a:p>
             <a:fld id="{BAB971F1-0A24-473E-8A66-D77E329B588E}" type="datetimeFigureOut">
               <a:rPr lang="tr-TR" smtClean="0"/>
-              <a:t>15.06.2019</a:t>
+              <a:t>17.06.2019</a:t>
             </a:fld>
             <a:endParaRPr lang="tr-TR"/>
           </a:p>
@@ -3007,7 +3023,7 @@
           <a:p>
             <a:fld id="{BAB971F1-0A24-473E-8A66-D77E329B588E}" type="datetimeFigureOut">
               <a:rPr lang="tr-TR" smtClean="0"/>
-              <a:t>15.06.2019</a:t>
+              <a:t>17.06.2019</a:t>
             </a:fld>
             <a:endParaRPr lang="tr-TR"/>
           </a:p>
@@ -3295,7 +3311,7 @@
           <a:p>
             <a:fld id="{BAB971F1-0A24-473E-8A66-D77E329B588E}" type="datetimeFigureOut">
               <a:rPr lang="tr-TR" smtClean="0"/>
-              <a:t>15.06.2019</a:t>
+              <a:t>17.06.2019</a:t>
             </a:fld>
             <a:endParaRPr lang="tr-TR"/>
           </a:p>
@@ -3536,7 +3552,7 @@
           <a:p>
             <a:fld id="{BAB971F1-0A24-473E-8A66-D77E329B588E}" type="datetimeFigureOut">
               <a:rPr lang="tr-TR" smtClean="0"/>
-              <a:t>15.06.2019</a:t>
+              <a:t>17.06.2019</a:t>
             </a:fld>
             <a:endParaRPr lang="tr-TR"/>
           </a:p>
@@ -4559,7 +4575,7 @@
         </p:nvSpPr>
         <p:spPr>
           <a:xfrm>
-            <a:off x="5894834" y="1885177"/>
+            <a:off x="5894834" y="1600508"/>
             <a:ext cx="5389617" cy="461665"/>
           </a:xfrm>
           <a:prstGeom prst="rect">
@@ -4596,7 +4612,7 @@
         </p:nvSpPr>
         <p:spPr>
           <a:xfrm>
-            <a:off x="5894834" y="3133466"/>
+            <a:off x="5894834" y="2658604"/>
             <a:ext cx="5647443" cy="461665"/>
           </a:xfrm>
           <a:prstGeom prst="rect">
@@ -4633,7 +4649,7 @@
         </p:nvSpPr>
         <p:spPr>
           <a:xfrm>
-            <a:off x="5894834" y="4344849"/>
+            <a:off x="5894834" y="3721556"/>
             <a:ext cx="6049285" cy="461665"/>
           </a:xfrm>
           <a:prstGeom prst="rect">
@@ -4670,7 +4686,7 @@
         </p:nvSpPr>
         <p:spPr>
           <a:xfrm>
-            <a:off x="6095311" y="5646727"/>
+            <a:off x="6072445" y="4772307"/>
             <a:ext cx="5602111" cy="461665"/>
           </a:xfrm>
           <a:prstGeom prst="rect">
@@ -4707,7 +4723,7 @@
         </p:nvSpPr>
         <p:spPr>
           <a:xfrm>
-            <a:off x="7284215" y="5157371"/>
+            <a:off x="7284215" y="4393131"/>
             <a:ext cx="2501519" cy="369332"/>
           </a:xfrm>
           <a:prstGeom prst="rect">
@@ -4747,7 +4763,7 @@
         </p:nvSpPr>
         <p:spPr>
           <a:xfrm>
-            <a:off x="6458289" y="3906936"/>
+            <a:off x="6458289" y="3286460"/>
             <a:ext cx="4262705" cy="369332"/>
           </a:xfrm>
           <a:prstGeom prst="rect">
@@ -4823,7 +4839,7 @@
         </p:nvSpPr>
         <p:spPr>
           <a:xfrm>
-            <a:off x="7345904" y="2758717"/>
+            <a:off x="7397483" y="2289272"/>
             <a:ext cx="2274982" cy="369332"/>
           </a:xfrm>
           <a:prstGeom prst="rect">
@@ -4872,7 +4888,7 @@
         </p:nvSpPr>
         <p:spPr>
           <a:xfrm>
-            <a:off x="7527871" y="1573372"/>
+            <a:off x="7527871" y="1288703"/>
             <a:ext cx="1787669" cy="369332"/>
           </a:xfrm>
           <a:prstGeom prst="rect">
@@ -4893,6 +4909,92 @@
                 <a:latin typeface="Roboto"/>
               </a:rPr>
               <a:t>Python Türkçe</a:t>
+            </a:r>
+            <a:endParaRPr lang="tr-TR" dirty="0"/>
+          </a:p>
+        </p:txBody>
+      </p:sp>
+      <p:sp>
+        <p:nvSpPr>
+          <p:cNvPr id="13" name="Dikdörtgen 12">
+            <a:extLst>
+              <a:ext uri="{FF2B5EF4-FFF2-40B4-BE49-F238E27FC236}">
+                <a16:creationId xmlns:a16="http://schemas.microsoft.com/office/drawing/2014/main" id="{5B07A9B9-9F4D-49B7-A6FB-9971F83F16EF}"/>
+              </a:ext>
+            </a:extLst>
+          </p:cNvPr>
+          <p:cNvSpPr/>
+          <p:nvPr/>
+        </p:nvSpPr>
+        <p:spPr>
+          <a:xfrm>
+            <a:off x="6777671" y="5655492"/>
+            <a:ext cx="4283609" cy="830997"/>
+          </a:xfrm>
+          <a:prstGeom prst="rect">
+            <a:avLst/>
+          </a:prstGeom>
+        </p:spPr>
+        <p:txBody>
+          <a:bodyPr wrap="none">
+            <a:spAutoFit/>
+          </a:bodyPr>
+          <a:lstStyle/>
+          <a:p>
+            <a:r>
+              <a:rPr lang="tr-TR" sz="2400" dirty="0">
+                <a:hlinkClick r:id="rId8"/>
+              </a:rPr>
+              <a:t>http://www.datascience.istanbul</a:t>
+            </a:r>
+            <a:endParaRPr lang="tr-TR" sz="2400" dirty="0"/>
+          </a:p>
+          <a:p>
+            <a:r>
+              <a:rPr lang="tr-TR" sz="2400" dirty="0">
+                <a:hlinkClick r:id="rId9"/>
+              </a:rPr>
+              <a:t>http://www.veribilimiokulu.com</a:t>
+            </a:r>
+            <a:endParaRPr lang="tr-TR" sz="2400" dirty="0"/>
+          </a:p>
+        </p:txBody>
+      </p:sp>
+      <p:sp>
+        <p:nvSpPr>
+          <p:cNvPr id="14" name="Dikdörtgen 13">
+            <a:extLst>
+              <a:ext uri="{FF2B5EF4-FFF2-40B4-BE49-F238E27FC236}">
+                <a16:creationId xmlns:a16="http://schemas.microsoft.com/office/drawing/2014/main" id="{5F66CAAC-600E-4CC7-B994-71507352AEC2}"/>
+              </a:ext>
+            </a:extLst>
+          </p:cNvPr>
+          <p:cNvSpPr/>
+          <p:nvPr/>
+        </p:nvSpPr>
+        <p:spPr>
+          <a:xfrm>
+            <a:off x="7234815" y="5351549"/>
+            <a:ext cx="2967479" cy="369332"/>
+          </a:xfrm>
+          <a:prstGeom prst="rect">
+            <a:avLst/>
+          </a:prstGeom>
+        </p:spPr>
+        <p:txBody>
+          <a:bodyPr wrap="none">
+            <a:spAutoFit/>
+          </a:bodyPr>
+          <a:lstStyle/>
+          <a:p>
+            <a:r>
+              <a:rPr lang="tr-TR" b="1" dirty="0">
+                <a:solidFill>
+                  <a:srgbClr val="FF4D4D"/>
+                </a:solidFill>
+                <a:latin typeface="Roboto"/>
+              </a:rPr>
+              <a:t>Machine Learning Türkçe</a:t>
             </a:r>
             <a:endParaRPr lang="tr-TR" dirty="0"/>
           </a:p>

--- a/opening_remarks.pptx
+++ b/opening_remarks.pptx
@@ -17,6 +17,14 @@
     <p:sldId id="338" r:id="rId11"/>
     <p:sldId id="341" r:id="rId12"/>
     <p:sldId id="339" r:id="rId13"/>
+    <p:sldId id="346" r:id="rId14"/>
+    <p:sldId id="386" r:id="rId15"/>
+    <p:sldId id="388" r:id="rId16"/>
+    <p:sldId id="389" r:id="rId17"/>
+    <p:sldId id="392" r:id="rId18"/>
+    <p:sldId id="390" r:id="rId19"/>
+    <p:sldId id="391" r:id="rId20"/>
+    <p:sldId id="385" r:id="rId21"/>
   </p:sldIdLst>
   <p:sldSz cx="12192000" cy="6858000"/>
   <p:notesSz cx="6858000" cy="9144000"/>
@@ -365,18 +373,18 @@
   <pc:docChgLst>
     <pc:chgData name="Erkan ŞİRİN" userId="7f10ce1d6aaf8c5d" providerId="LiveId" clId="{0E0E6E0D-F67B-4125-8FD1-98F3660D98D2}"/>
     <pc:docChg chg="custSel addSld delSld modSld sldOrd">
-      <pc:chgData name="Erkan ŞİRİN" userId="7f10ce1d6aaf8c5d" providerId="LiveId" clId="{0E0E6E0D-F67B-4125-8FD1-98F3660D98D2}" dt="2019-06-17T09:47:22.326" v="774" actId="20577"/>
+      <pc:chgData name="Erkan ŞİRİN" userId="7f10ce1d6aaf8c5d" providerId="LiveId" clId="{0E0E6E0D-F67B-4125-8FD1-98F3660D98D2}" dt="2019-07-28T12:22:57.530" v="808" actId="20577"/>
       <pc:docMkLst>
         <pc:docMk/>
       </pc:docMkLst>
       <pc:sldChg chg="modSp">
-        <pc:chgData name="Erkan ŞİRİN" userId="7f10ce1d6aaf8c5d" providerId="LiveId" clId="{0E0E6E0D-F67B-4125-8FD1-98F3660D98D2}" dt="2019-06-13T05:37:18.580" v="204" actId="20577"/>
+        <pc:chgData name="Erkan ŞİRİN" userId="7f10ce1d6aaf8c5d" providerId="LiveId" clId="{0E0E6E0D-F67B-4125-8FD1-98F3660D98D2}" dt="2019-07-04T14:25:16.572" v="775" actId="6549"/>
         <pc:sldMkLst>
           <pc:docMk/>
           <pc:sldMk cId="2918214722" sldId="256"/>
         </pc:sldMkLst>
         <pc:spChg chg="mod">
-          <ac:chgData name="Erkan ŞİRİN" userId="7f10ce1d6aaf8c5d" providerId="LiveId" clId="{0E0E6E0D-F67B-4125-8FD1-98F3660D98D2}" dt="2019-06-13T05:37:18.580" v="204" actId="20577"/>
+          <ac:chgData name="Erkan ŞİRİN" userId="7f10ce1d6aaf8c5d" providerId="LiveId" clId="{0E0E6E0D-F67B-4125-8FD1-98F3660D98D2}" dt="2019-07-04T14:25:16.572" v="775" actId="6549"/>
           <ac:spMkLst>
             <pc:docMk/>
             <pc:sldMk cId="2918214722" sldId="256"/>
@@ -470,7 +478,7 @@
         </pc:spChg>
       </pc:sldChg>
       <pc:sldChg chg="addSp delSp modSp add delAnim">
-        <pc:chgData name="Erkan ŞİRİN" userId="7f10ce1d6aaf8c5d" providerId="LiveId" clId="{0E0E6E0D-F67B-4125-8FD1-98F3660D98D2}" dt="2019-06-12T19:41:37.924" v="91"/>
+        <pc:chgData name="Erkan ŞİRİN" userId="7f10ce1d6aaf8c5d" providerId="LiveId" clId="{0E0E6E0D-F67B-4125-8FD1-98F3660D98D2}" dt="2019-07-28T12:21:17.664" v="779" actId="20577"/>
         <pc:sldMkLst>
           <pc:docMk/>
           <pc:sldMk cId="1944784783" sldId="338"/>
@@ -492,7 +500,7 @@
           </ac:spMkLst>
         </pc:spChg>
         <pc:spChg chg="mod">
-          <ac:chgData name="Erkan ŞİRİN" userId="7f10ce1d6aaf8c5d" providerId="LiveId" clId="{0E0E6E0D-F67B-4125-8FD1-98F3660D98D2}" dt="2019-06-11T03:32:20.207" v="28" actId="1076"/>
+          <ac:chgData name="Erkan ŞİRİN" userId="7f10ce1d6aaf8c5d" providerId="LiveId" clId="{0E0E6E0D-F67B-4125-8FD1-98F3660D98D2}" dt="2019-07-28T12:21:17.664" v="779" actId="20577"/>
           <ac:spMkLst>
             <pc:docMk/>
             <pc:sldMk cId="1944784783" sldId="338"/>
@@ -525,7 +533,7 @@
         </pc:picChg>
       </pc:sldChg>
       <pc:sldChg chg="addSp delSp modSp add">
-        <pc:chgData name="Erkan ŞİRİN" userId="7f10ce1d6aaf8c5d" providerId="LiveId" clId="{0E0E6E0D-F67B-4125-8FD1-98F3660D98D2}" dt="2019-06-17T09:47:22.326" v="774" actId="20577"/>
+        <pc:chgData name="Erkan ŞİRİN" userId="7f10ce1d6aaf8c5d" providerId="LiveId" clId="{0E0E6E0D-F67B-4125-8FD1-98F3660D98D2}" dt="2019-07-28T12:21:29.547" v="781"/>
         <pc:sldMkLst>
           <pc:docMk/>
           <pc:sldMk cId="915150309" sldId="339"/>
@@ -610,6 +618,14 @@
             <ac:spMk id="14" creationId="{5F66CAAC-600E-4CC7-B994-71507352AEC2}"/>
           </ac:spMkLst>
         </pc:spChg>
+        <pc:spChg chg="mod">
+          <ac:chgData name="Erkan ŞİRİN" userId="7f10ce1d6aaf8c5d" providerId="LiveId" clId="{0E0E6E0D-F67B-4125-8FD1-98F3660D98D2}" dt="2019-07-28T12:21:29.547" v="781"/>
+          <ac:spMkLst>
+            <pc:docMk/>
+            <pc:sldMk cId="915150309" sldId="339"/>
+            <ac:spMk id="16" creationId="{00000000-0000-0000-0000-000000000000}"/>
+          </ac:spMkLst>
+        </pc:spChg>
         <pc:picChg chg="add mod">
           <ac:chgData name="Erkan ŞİRİN" userId="7f10ce1d6aaf8c5d" providerId="LiveId" clId="{0E0E6E0D-F67B-4125-8FD1-98F3660D98D2}" dt="2019-06-11T03:38:10.060" v="51"/>
           <ac:picMkLst>
@@ -636,11 +652,19 @@
         </pc:picChg>
       </pc:sldChg>
       <pc:sldChg chg="addSp delSp modSp add">
-        <pc:chgData name="Erkan ŞİRİN" userId="7f10ce1d6aaf8c5d" providerId="LiveId" clId="{0E0E6E0D-F67B-4125-8FD1-98F3660D98D2}" dt="2019-06-12T19:46:33.348" v="97"/>
+        <pc:chgData name="Erkan ŞİRİN" userId="7f10ce1d6aaf8c5d" providerId="LiveId" clId="{0E0E6E0D-F67B-4125-8FD1-98F3660D98D2}" dt="2019-07-28T12:21:25.638" v="780"/>
         <pc:sldMkLst>
           <pc:docMk/>
           <pc:sldMk cId="2201042094" sldId="341"/>
         </pc:sldMkLst>
+        <pc:spChg chg="mod">
+          <ac:chgData name="Erkan ŞİRİN" userId="7f10ce1d6aaf8c5d" providerId="LiveId" clId="{0E0E6E0D-F67B-4125-8FD1-98F3660D98D2}" dt="2019-07-28T12:21:25.638" v="780"/>
+          <ac:spMkLst>
+            <pc:docMk/>
+            <pc:sldMk cId="2201042094" sldId="341"/>
+            <ac:spMk id="16" creationId="{00000000-0000-0000-0000-000000000000}"/>
+          </ac:spMkLst>
+        </pc:spChg>
         <pc:picChg chg="add mod">
           <ac:chgData name="Erkan ŞİRİN" userId="7f10ce1d6aaf8c5d" providerId="LiveId" clId="{0E0E6E0D-F67B-4125-8FD1-98F3660D98D2}" dt="2019-06-12T19:46:33.348" v="97"/>
           <ac:picMkLst>
@@ -750,6 +774,126 @@
           </ac:picMkLst>
         </pc:picChg>
       </pc:sldChg>
+      <pc:sldChg chg="modSp add">
+        <pc:chgData name="Erkan ŞİRİN" userId="7f10ce1d6aaf8c5d" providerId="LiveId" clId="{0E0E6E0D-F67B-4125-8FD1-98F3660D98D2}" dt="2019-07-28T12:21:43.817" v="783" actId="20577"/>
+        <pc:sldMkLst>
+          <pc:docMk/>
+          <pc:sldMk cId="3622917333" sldId="346"/>
+        </pc:sldMkLst>
+        <pc:spChg chg="mod">
+          <ac:chgData name="Erkan ŞİRİN" userId="7f10ce1d6aaf8c5d" providerId="LiveId" clId="{0E0E6E0D-F67B-4125-8FD1-98F3660D98D2}" dt="2019-07-28T12:21:43.817" v="783" actId="20577"/>
+          <ac:spMkLst>
+            <pc:docMk/>
+            <pc:sldMk cId="3622917333" sldId="346"/>
+            <ac:spMk id="3" creationId="{D42DE1B9-BAF2-438A-99D4-A19B593936A9}"/>
+          </ac:spMkLst>
+        </pc:spChg>
+      </pc:sldChg>
+      <pc:sldChg chg="modSp add">
+        <pc:chgData name="Erkan ŞİRİN" userId="7f10ce1d6aaf8c5d" providerId="LiveId" clId="{0E0E6E0D-F67B-4125-8FD1-98F3660D98D2}" dt="2019-07-28T12:22:57.530" v="808" actId="20577"/>
+        <pc:sldMkLst>
+          <pc:docMk/>
+          <pc:sldMk cId="3211515688" sldId="385"/>
+        </pc:sldMkLst>
+        <pc:spChg chg="mod">
+          <ac:chgData name="Erkan ŞİRİN" userId="7f10ce1d6aaf8c5d" providerId="LiveId" clId="{0E0E6E0D-F67B-4125-8FD1-98F3660D98D2}" dt="2019-07-28T12:22:57.530" v="808" actId="20577"/>
+          <ac:spMkLst>
+            <pc:docMk/>
+            <pc:sldMk cId="3211515688" sldId="385"/>
+            <ac:spMk id="3" creationId="{D42DE1B9-BAF2-438A-99D4-A19B593936A9}"/>
+          </ac:spMkLst>
+        </pc:spChg>
+      </pc:sldChg>
+      <pc:sldChg chg="modSp add">
+        <pc:chgData name="Erkan ŞİRİN" userId="7f10ce1d6aaf8c5d" providerId="LiveId" clId="{0E0E6E0D-F67B-4125-8FD1-98F3660D98D2}" dt="2019-07-28T12:21:49.848" v="785" actId="20577"/>
+        <pc:sldMkLst>
+          <pc:docMk/>
+          <pc:sldMk cId="1361825446" sldId="386"/>
+        </pc:sldMkLst>
+        <pc:spChg chg="mod">
+          <ac:chgData name="Erkan ŞİRİN" userId="7f10ce1d6aaf8c5d" providerId="LiveId" clId="{0E0E6E0D-F67B-4125-8FD1-98F3660D98D2}" dt="2019-07-28T12:21:49.848" v="785" actId="20577"/>
+          <ac:spMkLst>
+            <pc:docMk/>
+            <pc:sldMk cId="1361825446" sldId="386"/>
+            <ac:spMk id="3" creationId="{D42DE1B9-BAF2-438A-99D4-A19B593936A9}"/>
+          </ac:spMkLst>
+        </pc:spChg>
+      </pc:sldChg>
+      <pc:sldChg chg="modSp add">
+        <pc:chgData name="Erkan ŞİRİN" userId="7f10ce1d6aaf8c5d" providerId="LiveId" clId="{0E0E6E0D-F67B-4125-8FD1-98F3660D98D2}" dt="2019-07-28T12:21:56.104" v="787" actId="20577"/>
+        <pc:sldMkLst>
+          <pc:docMk/>
+          <pc:sldMk cId="1541464282" sldId="388"/>
+        </pc:sldMkLst>
+        <pc:spChg chg="mod">
+          <ac:chgData name="Erkan ŞİRİN" userId="7f10ce1d6aaf8c5d" providerId="LiveId" clId="{0E0E6E0D-F67B-4125-8FD1-98F3660D98D2}" dt="2019-07-28T12:21:56.104" v="787" actId="20577"/>
+          <ac:spMkLst>
+            <pc:docMk/>
+            <pc:sldMk cId="1541464282" sldId="388"/>
+            <ac:spMk id="3" creationId="{D42DE1B9-BAF2-438A-99D4-A19B593936A9}"/>
+          </ac:spMkLst>
+        </pc:spChg>
+      </pc:sldChg>
+      <pc:sldChg chg="modSp add">
+        <pc:chgData name="Erkan ŞİRİN" userId="7f10ce1d6aaf8c5d" providerId="LiveId" clId="{0E0E6E0D-F67B-4125-8FD1-98F3660D98D2}" dt="2019-07-28T12:22:33.877" v="792" actId="20577"/>
+        <pc:sldMkLst>
+          <pc:docMk/>
+          <pc:sldMk cId="2865463576" sldId="389"/>
+        </pc:sldMkLst>
+        <pc:spChg chg="mod">
+          <ac:chgData name="Erkan ŞİRİN" userId="7f10ce1d6aaf8c5d" providerId="LiveId" clId="{0E0E6E0D-F67B-4125-8FD1-98F3660D98D2}" dt="2019-07-28T12:22:33.877" v="792" actId="20577"/>
+          <ac:spMkLst>
+            <pc:docMk/>
+            <pc:sldMk cId="2865463576" sldId="389"/>
+            <ac:spMk id="3" creationId="{D42DE1B9-BAF2-438A-99D4-A19B593936A9}"/>
+          </ac:spMkLst>
+        </pc:spChg>
+      </pc:sldChg>
+      <pc:sldChg chg="modSp add">
+        <pc:chgData name="Erkan ŞİRİN" userId="7f10ce1d6aaf8c5d" providerId="LiveId" clId="{0E0E6E0D-F67B-4125-8FD1-98F3660D98D2}" dt="2019-07-28T12:22:48.320" v="802" actId="20577"/>
+        <pc:sldMkLst>
+          <pc:docMk/>
+          <pc:sldMk cId="2632417626" sldId="390"/>
+        </pc:sldMkLst>
+        <pc:spChg chg="mod">
+          <ac:chgData name="Erkan ŞİRİN" userId="7f10ce1d6aaf8c5d" providerId="LiveId" clId="{0E0E6E0D-F67B-4125-8FD1-98F3660D98D2}" dt="2019-07-28T12:22:48.320" v="802" actId="20577"/>
+          <ac:spMkLst>
+            <pc:docMk/>
+            <pc:sldMk cId="2632417626" sldId="390"/>
+            <ac:spMk id="3" creationId="{D42DE1B9-BAF2-438A-99D4-A19B593936A9}"/>
+          </ac:spMkLst>
+        </pc:spChg>
+      </pc:sldChg>
+      <pc:sldChg chg="modSp add">
+        <pc:chgData name="Erkan ŞİRİN" userId="7f10ce1d6aaf8c5d" providerId="LiveId" clId="{0E0E6E0D-F67B-4125-8FD1-98F3660D98D2}" dt="2019-07-28T12:22:52.832" v="805" actId="20577"/>
+        <pc:sldMkLst>
+          <pc:docMk/>
+          <pc:sldMk cId="2030863806" sldId="391"/>
+        </pc:sldMkLst>
+        <pc:spChg chg="mod">
+          <ac:chgData name="Erkan ŞİRİN" userId="7f10ce1d6aaf8c5d" providerId="LiveId" clId="{0E0E6E0D-F67B-4125-8FD1-98F3660D98D2}" dt="2019-07-28T12:22:52.832" v="805" actId="20577"/>
+          <ac:spMkLst>
+            <pc:docMk/>
+            <pc:sldMk cId="2030863806" sldId="391"/>
+            <ac:spMk id="3" creationId="{D42DE1B9-BAF2-438A-99D4-A19B593936A9}"/>
+          </ac:spMkLst>
+        </pc:spChg>
+      </pc:sldChg>
+      <pc:sldChg chg="modSp add">
+        <pc:chgData name="Erkan ŞİRİN" userId="7f10ce1d6aaf8c5d" providerId="LiveId" clId="{0E0E6E0D-F67B-4125-8FD1-98F3660D98D2}" dt="2019-07-28T12:22:42.455" v="799" actId="20577"/>
+        <pc:sldMkLst>
+          <pc:docMk/>
+          <pc:sldMk cId="2593947091" sldId="392"/>
+        </pc:sldMkLst>
+        <pc:spChg chg="mod">
+          <ac:chgData name="Erkan ŞİRİN" userId="7f10ce1d6aaf8c5d" providerId="LiveId" clId="{0E0E6E0D-F67B-4125-8FD1-98F3660D98D2}" dt="2019-07-28T12:22:42.455" v="799" actId="20577"/>
+          <ac:spMkLst>
+            <pc:docMk/>
+            <pc:sldMk cId="2593947091" sldId="392"/>
+            <ac:spMk id="3" creationId="{D42DE1B9-BAF2-438A-99D4-A19B593936A9}"/>
+          </ac:spMkLst>
+        </pc:spChg>
+      </pc:sldChg>
     </pc:docChg>
   </pc:docChgLst>
 </pc:chgInfo>
@@ -902,7 +1046,7 @@
           <a:p>
             <a:fld id="{BAB971F1-0A24-473E-8A66-D77E329B588E}" type="datetimeFigureOut">
               <a:rPr lang="tr-TR" smtClean="0"/>
-              <a:t>17.06.2019</a:t>
+              <a:t>28.07.2019</a:t>
             </a:fld>
             <a:endParaRPr lang="tr-TR"/>
           </a:p>
@@ -1100,7 +1244,7 @@
           <a:p>
             <a:fld id="{BAB971F1-0A24-473E-8A66-D77E329B588E}" type="datetimeFigureOut">
               <a:rPr lang="tr-TR" smtClean="0"/>
-              <a:t>17.06.2019</a:t>
+              <a:t>28.07.2019</a:t>
             </a:fld>
             <a:endParaRPr lang="tr-TR"/>
           </a:p>
@@ -1308,7 +1452,7 @@
           <a:p>
             <a:fld id="{BAB971F1-0A24-473E-8A66-D77E329B588E}" type="datetimeFigureOut">
               <a:rPr lang="tr-TR" smtClean="0"/>
-              <a:t>17.06.2019</a:t>
+              <a:t>28.07.2019</a:t>
             </a:fld>
             <a:endParaRPr lang="tr-TR"/>
           </a:p>
@@ -1506,7 +1650,7 @@
           <a:p>
             <a:fld id="{BAB971F1-0A24-473E-8A66-D77E329B588E}" type="datetimeFigureOut">
               <a:rPr lang="tr-TR" smtClean="0"/>
-              <a:t>17.06.2019</a:t>
+              <a:t>28.07.2019</a:t>
             </a:fld>
             <a:endParaRPr lang="tr-TR"/>
           </a:p>
@@ -1781,7 +1925,7 @@
           <a:p>
             <a:fld id="{BAB971F1-0A24-473E-8A66-D77E329B588E}" type="datetimeFigureOut">
               <a:rPr lang="tr-TR" smtClean="0"/>
-              <a:t>17.06.2019</a:t>
+              <a:t>28.07.2019</a:t>
             </a:fld>
             <a:endParaRPr lang="tr-TR"/>
           </a:p>
@@ -2046,7 +2190,7 @@
           <a:p>
             <a:fld id="{BAB971F1-0A24-473E-8A66-D77E329B588E}" type="datetimeFigureOut">
               <a:rPr lang="tr-TR" smtClean="0"/>
-              <a:t>17.06.2019</a:t>
+              <a:t>28.07.2019</a:t>
             </a:fld>
             <a:endParaRPr lang="tr-TR"/>
           </a:p>
@@ -2458,7 +2602,7 @@
           <a:p>
             <a:fld id="{BAB971F1-0A24-473E-8A66-D77E329B588E}" type="datetimeFigureOut">
               <a:rPr lang="tr-TR" smtClean="0"/>
-              <a:t>17.06.2019</a:t>
+              <a:t>28.07.2019</a:t>
             </a:fld>
             <a:endParaRPr lang="tr-TR"/>
           </a:p>
@@ -2599,7 +2743,7 @@
           <a:p>
             <a:fld id="{BAB971F1-0A24-473E-8A66-D77E329B588E}" type="datetimeFigureOut">
               <a:rPr lang="tr-TR" smtClean="0"/>
-              <a:t>17.06.2019</a:t>
+              <a:t>28.07.2019</a:t>
             </a:fld>
             <a:endParaRPr lang="tr-TR"/>
           </a:p>
@@ -2712,7 +2856,7 @@
           <a:p>
             <a:fld id="{BAB971F1-0A24-473E-8A66-D77E329B588E}" type="datetimeFigureOut">
               <a:rPr lang="tr-TR" smtClean="0"/>
-              <a:t>17.06.2019</a:t>
+              <a:t>28.07.2019</a:t>
             </a:fld>
             <a:endParaRPr lang="tr-TR"/>
           </a:p>
@@ -3023,7 +3167,7 @@
           <a:p>
             <a:fld id="{BAB971F1-0A24-473E-8A66-D77E329B588E}" type="datetimeFigureOut">
               <a:rPr lang="tr-TR" smtClean="0"/>
-              <a:t>17.06.2019</a:t>
+              <a:t>28.07.2019</a:t>
             </a:fld>
             <a:endParaRPr lang="tr-TR"/>
           </a:p>
@@ -3311,7 +3455,7 @@
           <a:p>
             <a:fld id="{BAB971F1-0A24-473E-8A66-D77E329B588E}" type="datetimeFigureOut">
               <a:rPr lang="tr-TR" smtClean="0"/>
-              <a:t>17.06.2019</a:t>
+              <a:t>28.07.2019</a:t>
             </a:fld>
             <a:endParaRPr lang="tr-TR"/>
           </a:p>
@@ -3552,7 +3696,7 @@
           <a:p>
             <a:fld id="{BAB971F1-0A24-473E-8A66-D77E329B588E}" type="datetimeFigureOut">
               <a:rPr lang="tr-TR" smtClean="0"/>
-              <a:t>17.06.2019</a:t>
+              <a:t>28.07.2019</a:t>
             </a:fld>
             <a:endParaRPr lang="tr-TR"/>
           </a:p>
@@ -4048,20 +4192,6 @@
           <a:lstStyle/>
           <a:p>
             <a:r>
-              <a:rPr lang="tr-TR" sz="4200" b="1" dirty="0" err="1">
-                <a:solidFill>
-                  <a:schemeClr val="accent4">
-                    <a:lumMod val="60000"/>
-                    <a:lumOff val="40000"/>
-                  </a:schemeClr>
-                </a:solidFill>
-                <a:latin typeface="Roboto"/>
-                <a:ea typeface="+mn-ea"/>
-                <a:cs typeface="+mn-cs"/>
-              </a:rPr>
-              <a:t>Uderstanding</a:t>
-            </a:r>
-            <a:r>
               <a:rPr lang="tr-TR" sz="4200" b="1" dirty="0">
                 <a:solidFill>
                   <a:schemeClr val="accent4">
@@ -4073,7 +4203,7 @@
                 <a:ea typeface="+mn-ea"/>
                 <a:cs typeface="+mn-cs"/>
               </a:rPr>
-              <a:t> Machine Learning </a:t>
+              <a:t>Machine Learning </a:t>
             </a:r>
             <a:br>
               <a:rPr lang="tr-TR" sz="4200" b="1" dirty="0">
@@ -4204,7 +4334,7 @@
                 <a:ea typeface="+mn-ea"/>
                 <a:cs typeface="+mn-cs"/>
               </a:rPr>
-              <a:t>Tavsiye Edilen Kaynaklar</a:t>
+              <a:t>ML Tavsiye Edilen Kaynaklar</a:t>
             </a:r>
             <a:endParaRPr lang="en-US" sz="4000" b="1" dirty="0">
               <a:solidFill>
@@ -4363,6 +4493,15 @@
                   <a:srgbClr val="FF4D4D"/>
                 </a:solidFill>
                 <a:latin typeface="Roboto"/>
+              </a:rPr>
+              <a:t>ML </a:t>
+            </a:r>
+            <a:r>
+              <a:rPr lang="tr-TR" sz="4000" b="1" dirty="0">
+                <a:solidFill>
+                  <a:srgbClr val="FF4D4D"/>
+                </a:solidFill>
+                <a:latin typeface="Roboto"/>
                 <a:ea typeface="+mn-ea"/>
                 <a:cs typeface="+mn-cs"/>
               </a:rPr>
@@ -4508,6 +4647,15 @@
                   <a:srgbClr val="FF4D4D"/>
                 </a:solidFill>
                 <a:latin typeface="Roboto"/>
+              </a:rPr>
+              <a:t>ML </a:t>
+            </a:r>
+            <a:r>
+              <a:rPr lang="tr-TR" sz="4000" b="1" dirty="0">
+                <a:solidFill>
+                  <a:srgbClr val="FF4D4D"/>
+                </a:solidFill>
+                <a:latin typeface="Roboto"/>
                 <a:ea typeface="+mn-ea"/>
                 <a:cs typeface="+mn-cs"/>
               </a:rPr>
@@ -5013,6 +5161,1201 @@
   <p:transition spd="slow">
     <p:push dir="u"/>
   </p:transition>
+</p:sld>
+</file>
+
+<file path=ppt/slides/slide13.xml><?xml version="1.0" encoding="utf-8"?>
+<p:sld xmlns:a="http://schemas.openxmlformats.org/drawingml/2006/main" xmlns:r="http://schemas.openxmlformats.org/officeDocument/2006/relationships" xmlns:p="http://schemas.openxmlformats.org/presentationml/2006/main">
+  <p:cSld>
+    <p:spTree>
+      <p:nvGrpSpPr>
+        <p:cNvPr id="1" name=""/>
+        <p:cNvGrpSpPr/>
+        <p:nvPr/>
+      </p:nvGrpSpPr>
+      <p:grpSpPr>
+        <a:xfrm>
+          <a:off x="0" y="0"/>
+          <a:ext cx="0" cy="0"/>
+          <a:chOff x="0" y="0"/>
+          <a:chExt cx="0" cy="0"/>
+        </a:xfrm>
+      </p:grpSpPr>
+      <p:sp>
+        <p:nvSpPr>
+          <p:cNvPr id="3" name="Rectangle 7">
+            <a:extLst>
+              <a:ext uri="{FF2B5EF4-FFF2-40B4-BE49-F238E27FC236}">
+                <a16:creationId xmlns:a16="http://schemas.microsoft.com/office/drawing/2014/main" id="{D42DE1B9-BAF2-438A-99D4-A19B593936A9}"/>
+              </a:ext>
+            </a:extLst>
+          </p:cNvPr>
+          <p:cNvSpPr>
+            <a:spLocks noChangeArrowheads="1"/>
+          </p:cNvSpPr>
+          <p:nvPr/>
+        </p:nvSpPr>
+        <p:spPr bwMode="auto">
+          <a:xfrm>
+            <a:off x="1818167" y="571412"/>
+            <a:ext cx="8429625" cy="590931"/>
+          </a:xfrm>
+          <a:prstGeom prst="rect">
+            <a:avLst/>
+          </a:prstGeom>
+          <a:noFill/>
+          <a:ln>
+            <a:noFill/>
+          </a:ln>
+          <a:extLst>
+            <a:ext uri="{909E8E84-426E-40DD-AFC4-6F175D3DCCD1}">
+              <a14:hiddenFill xmlns:a14="http://schemas.microsoft.com/office/drawing/2010/main">
+                <a:solidFill>
+                  <a:srgbClr val="FFFFFF"/>
+                </a:solidFill>
+              </a14:hiddenFill>
+            </a:ext>
+            <a:ext uri="{91240B29-F687-4F45-9708-019B960494DF}">
+              <a14:hiddenLine xmlns:a14="http://schemas.microsoft.com/office/drawing/2010/main" w="9525">
+                <a:solidFill>
+                  <a:srgbClr val="000000"/>
+                </a:solidFill>
+                <a:miter lim="800000"/>
+                <a:headEnd/>
+                <a:tailEnd/>
+              </a14:hiddenLine>
+            </a:ext>
+          </a:extLst>
+        </p:spPr>
+        <p:txBody>
+          <a:bodyPr>
+            <a:spAutoFit/>
+          </a:bodyPr>
+          <a:lstStyle/>
+          <a:p>
+            <a:pPr marL="0" lvl="1" algn="ctr">
+              <a:lnSpc>
+                <a:spcPct val="90000"/>
+              </a:lnSpc>
+              <a:spcBef>
+                <a:spcPct val="0"/>
+              </a:spcBef>
+            </a:pPr>
+            <a:r>
+              <a:rPr lang="tr-TR" sz="3600" b="1" dirty="0">
+                <a:solidFill>
+                  <a:srgbClr val="FF4D4D"/>
+                </a:solidFill>
+                <a:latin typeface="Roboto"/>
+              </a:rPr>
+              <a:t>DL Tavsiye Edilen Kaynaklar</a:t>
+            </a:r>
+            <a:endParaRPr lang="tr-TR" sz="3600" b="1" dirty="0">
+              <a:solidFill>
+                <a:srgbClr val="FF1F20"/>
+              </a:solidFill>
+              <a:latin typeface="Arial" panose="020B0604020202020204" pitchFamily="34" charset="0"/>
+              <a:ea typeface="Verdana" panose="020B0604030504040204" pitchFamily="34" charset="0"/>
+              <a:cs typeface="Arial" panose="020B0604020202020204" pitchFamily="34" charset="0"/>
+            </a:endParaRPr>
+          </a:p>
+        </p:txBody>
+      </p:sp>
+      <p:pic>
+        <p:nvPicPr>
+          <p:cNvPr id="1026" name="Picture 2" descr="fundamentals of deep learning ile ilgili gÃ¶rsel sonucu">
+            <a:hlinkClick r:id="rId2"/>
+            <a:extLst>
+              <a:ext uri="{FF2B5EF4-FFF2-40B4-BE49-F238E27FC236}">
+                <a16:creationId xmlns:a16="http://schemas.microsoft.com/office/drawing/2014/main" id="{3585B33B-C0EF-4536-A403-9FE13BE4CFC4}"/>
+              </a:ext>
+            </a:extLst>
+          </p:cNvPr>
+          <p:cNvPicPr>
+            <a:picLocks noChangeAspect="1" noChangeArrowheads="1"/>
+          </p:cNvPicPr>
+          <p:nvPr/>
+        </p:nvPicPr>
+        <p:blipFill>
+          <a:blip r:embed="rId3">
+            <a:extLst>
+              <a:ext uri="{28A0092B-C50C-407E-A947-70E740481C1C}">
+                <a14:useLocalDpi xmlns:a14="http://schemas.microsoft.com/office/drawing/2010/main" val="0"/>
+              </a:ext>
+            </a:extLst>
+          </a:blip>
+          <a:srcRect/>
+          <a:stretch>
+            <a:fillRect/>
+          </a:stretch>
+        </p:blipFill>
+        <p:spPr bwMode="auto">
+          <a:xfrm>
+            <a:off x="1199075" y="1421222"/>
+            <a:ext cx="3629025" cy="4752975"/>
+          </a:xfrm>
+          <a:prstGeom prst="rect">
+            <a:avLst/>
+          </a:prstGeom>
+          <a:noFill/>
+          <a:extLst>
+            <a:ext uri="{909E8E84-426E-40DD-AFC4-6F175D3DCCD1}">
+              <a14:hiddenFill xmlns:a14="http://schemas.microsoft.com/office/drawing/2010/main">
+                <a:solidFill>
+                  <a:srgbClr val="FFFFFF"/>
+                </a:solidFill>
+              </a14:hiddenFill>
+            </a:ext>
+          </a:extLst>
+        </p:spPr>
+      </p:pic>
+      <p:pic>
+        <p:nvPicPr>
+          <p:cNvPr id="1028" name="Picture 4" descr="hands on machine learning with scikit learn ile ilgili gÃ¶rsel sonucu">
+            <a:hlinkClick r:id="rId4"/>
+            <a:extLst>
+              <a:ext uri="{FF2B5EF4-FFF2-40B4-BE49-F238E27FC236}">
+                <a16:creationId xmlns:a16="http://schemas.microsoft.com/office/drawing/2014/main" id="{05DDABC5-0EF5-476E-A1F4-7352A9B173A1}"/>
+              </a:ext>
+            </a:extLst>
+          </p:cNvPr>
+          <p:cNvPicPr>
+            <a:picLocks noChangeAspect="1" noChangeArrowheads="1"/>
+          </p:cNvPicPr>
+          <p:nvPr/>
+        </p:nvPicPr>
+        <p:blipFill>
+          <a:blip r:embed="rId5">
+            <a:extLst>
+              <a:ext uri="{28A0092B-C50C-407E-A947-70E740481C1C}">
+                <a14:useLocalDpi xmlns:a14="http://schemas.microsoft.com/office/drawing/2010/main" val="0"/>
+              </a:ext>
+            </a:extLst>
+          </a:blip>
+          <a:srcRect/>
+          <a:stretch>
+            <a:fillRect/>
+          </a:stretch>
+        </p:blipFill>
+        <p:spPr bwMode="auto">
+          <a:xfrm>
+            <a:off x="7363900" y="1303235"/>
+            <a:ext cx="3629025" cy="4762269"/>
+          </a:xfrm>
+          <a:prstGeom prst="rect">
+            <a:avLst/>
+          </a:prstGeom>
+          <a:noFill/>
+          <a:extLst>
+            <a:ext uri="{909E8E84-426E-40DD-AFC4-6F175D3DCCD1}">
+              <a14:hiddenFill xmlns:a14="http://schemas.microsoft.com/office/drawing/2010/main">
+                <a:solidFill>
+                  <a:srgbClr val="FFFFFF"/>
+                </a:solidFill>
+              </a14:hiddenFill>
+            </a:ext>
+          </a:extLst>
+        </p:spPr>
+      </p:pic>
+    </p:spTree>
+    <p:extLst>
+      <p:ext uri="{BB962C8B-B14F-4D97-AF65-F5344CB8AC3E}">
+        <p14:creationId xmlns:p14="http://schemas.microsoft.com/office/powerpoint/2010/main" val="3622917333"/>
+      </p:ext>
+    </p:extLst>
+  </p:cSld>
+  <p:clrMapOvr>
+    <a:masterClrMapping/>
+  </p:clrMapOvr>
+</p:sld>
+</file>
+
+<file path=ppt/slides/slide14.xml><?xml version="1.0" encoding="utf-8"?>
+<p:sld xmlns:a="http://schemas.openxmlformats.org/drawingml/2006/main" xmlns:r="http://schemas.openxmlformats.org/officeDocument/2006/relationships" xmlns:p="http://schemas.openxmlformats.org/presentationml/2006/main">
+  <p:cSld>
+    <p:spTree>
+      <p:nvGrpSpPr>
+        <p:cNvPr id="1" name=""/>
+        <p:cNvGrpSpPr/>
+        <p:nvPr/>
+      </p:nvGrpSpPr>
+      <p:grpSpPr>
+        <a:xfrm>
+          <a:off x="0" y="0"/>
+          <a:ext cx="0" cy="0"/>
+          <a:chOff x="0" y="0"/>
+          <a:chExt cx="0" cy="0"/>
+        </a:xfrm>
+      </p:grpSpPr>
+      <p:sp>
+        <p:nvSpPr>
+          <p:cNvPr id="3" name="Rectangle 7">
+            <a:extLst>
+              <a:ext uri="{FF2B5EF4-FFF2-40B4-BE49-F238E27FC236}">
+                <a16:creationId xmlns:a16="http://schemas.microsoft.com/office/drawing/2014/main" id="{D42DE1B9-BAF2-438A-99D4-A19B593936A9}"/>
+              </a:ext>
+            </a:extLst>
+          </p:cNvPr>
+          <p:cNvSpPr>
+            <a:spLocks noChangeArrowheads="1"/>
+          </p:cNvSpPr>
+          <p:nvPr/>
+        </p:nvSpPr>
+        <p:spPr bwMode="auto">
+          <a:xfrm>
+            <a:off x="1818167" y="571412"/>
+            <a:ext cx="8429625" cy="590931"/>
+          </a:xfrm>
+          <a:prstGeom prst="rect">
+            <a:avLst/>
+          </a:prstGeom>
+          <a:noFill/>
+          <a:ln>
+            <a:noFill/>
+          </a:ln>
+          <a:extLst>
+            <a:ext uri="{909E8E84-426E-40DD-AFC4-6F175D3DCCD1}">
+              <a14:hiddenFill xmlns:a14="http://schemas.microsoft.com/office/drawing/2010/main">
+                <a:solidFill>
+                  <a:srgbClr val="FFFFFF"/>
+                </a:solidFill>
+              </a14:hiddenFill>
+            </a:ext>
+            <a:ext uri="{91240B29-F687-4F45-9708-019B960494DF}">
+              <a14:hiddenLine xmlns:a14="http://schemas.microsoft.com/office/drawing/2010/main" w="9525">
+                <a:solidFill>
+                  <a:srgbClr val="000000"/>
+                </a:solidFill>
+                <a:miter lim="800000"/>
+                <a:headEnd/>
+                <a:tailEnd/>
+              </a14:hiddenLine>
+            </a:ext>
+          </a:extLst>
+        </p:spPr>
+        <p:txBody>
+          <a:bodyPr>
+            <a:spAutoFit/>
+          </a:bodyPr>
+          <a:lstStyle/>
+          <a:p>
+            <a:pPr marL="0" lvl="1" algn="ctr">
+              <a:lnSpc>
+                <a:spcPct val="90000"/>
+              </a:lnSpc>
+              <a:spcBef>
+                <a:spcPct val="0"/>
+              </a:spcBef>
+            </a:pPr>
+            <a:r>
+              <a:rPr lang="tr-TR" sz="3600" b="1" dirty="0">
+                <a:solidFill>
+                  <a:srgbClr val="FF4D4D"/>
+                </a:solidFill>
+                <a:latin typeface="Roboto"/>
+              </a:rPr>
+              <a:t>DL Tavsiye Edilen Kaynaklar</a:t>
+            </a:r>
+            <a:endParaRPr lang="tr-TR" sz="3600" b="1" dirty="0">
+              <a:solidFill>
+                <a:srgbClr val="FF1F20"/>
+              </a:solidFill>
+              <a:latin typeface="Arial" panose="020B0604020202020204" pitchFamily="34" charset="0"/>
+              <a:ea typeface="Verdana" panose="020B0604030504040204" pitchFamily="34" charset="0"/>
+              <a:cs typeface="Arial" panose="020B0604020202020204" pitchFamily="34" charset="0"/>
+            </a:endParaRPr>
+          </a:p>
+        </p:txBody>
+      </p:sp>
+      <p:pic>
+        <p:nvPicPr>
+          <p:cNvPr id="2050" name="Picture 2" descr="deep learning a practitioner's approach ile ilgili gÃ¶rsel sonucu">
+            <a:hlinkClick r:id="rId2"/>
+            <a:extLst>
+              <a:ext uri="{FF2B5EF4-FFF2-40B4-BE49-F238E27FC236}">
+                <a16:creationId xmlns:a16="http://schemas.microsoft.com/office/drawing/2014/main" id="{5465F746-E1D6-4012-B723-22C50E3ED2C9}"/>
+              </a:ext>
+            </a:extLst>
+          </p:cNvPr>
+          <p:cNvPicPr>
+            <a:picLocks noChangeAspect="1" noChangeArrowheads="1"/>
+          </p:cNvPicPr>
+          <p:nvPr/>
+        </p:nvPicPr>
+        <p:blipFill>
+          <a:blip r:embed="rId3">
+            <a:extLst>
+              <a:ext uri="{28A0092B-C50C-407E-A947-70E740481C1C}">
+                <a14:useLocalDpi xmlns:a14="http://schemas.microsoft.com/office/drawing/2010/main" val="0"/>
+              </a:ext>
+            </a:extLst>
+          </a:blip>
+          <a:srcRect/>
+          <a:stretch>
+            <a:fillRect/>
+          </a:stretch>
+        </p:blipFill>
+        <p:spPr bwMode="auto">
+          <a:xfrm>
+            <a:off x="845114" y="1295861"/>
+            <a:ext cx="3629025" cy="4752975"/>
+          </a:xfrm>
+          <a:prstGeom prst="rect">
+            <a:avLst/>
+          </a:prstGeom>
+          <a:noFill/>
+          <a:extLst>
+            <a:ext uri="{909E8E84-426E-40DD-AFC4-6F175D3DCCD1}">
+              <a14:hiddenFill xmlns:a14="http://schemas.microsoft.com/office/drawing/2010/main">
+                <a:solidFill>
+                  <a:srgbClr val="FFFFFF"/>
+                </a:solidFill>
+              </a14:hiddenFill>
+            </a:ext>
+          </a:extLst>
+        </p:spPr>
+      </p:pic>
+      <p:pic>
+        <p:nvPicPr>
+          <p:cNvPr id="2052" name="Picture 4" descr="Deep Learning (Adaptive Computation and Machine Learning series) ile ilgili gÃ¶rsel sonucu">
+            <a:hlinkClick r:id="rId4"/>
+            <a:extLst>
+              <a:ext uri="{FF2B5EF4-FFF2-40B4-BE49-F238E27FC236}">
+                <a16:creationId xmlns:a16="http://schemas.microsoft.com/office/drawing/2014/main" id="{B0E76038-BE77-497C-8DCA-208E5A77FD14}"/>
+              </a:ext>
+            </a:extLst>
+          </p:cNvPr>
+          <p:cNvPicPr>
+            <a:picLocks noChangeAspect="1" noChangeArrowheads="1"/>
+          </p:cNvPicPr>
+          <p:nvPr/>
+        </p:nvPicPr>
+        <p:blipFill>
+          <a:blip r:embed="rId5">
+            <a:extLst>
+              <a:ext uri="{28A0092B-C50C-407E-A947-70E740481C1C}">
+                <a14:useLocalDpi xmlns:a14="http://schemas.microsoft.com/office/drawing/2010/main" val="0"/>
+              </a:ext>
+            </a:extLst>
+          </a:blip>
+          <a:srcRect/>
+          <a:stretch>
+            <a:fillRect/>
+          </a:stretch>
+        </p:blipFill>
+        <p:spPr bwMode="auto">
+          <a:xfrm>
+            <a:off x="6970457" y="1295860"/>
+            <a:ext cx="3619500" cy="4752975"/>
+          </a:xfrm>
+          <a:prstGeom prst="rect">
+            <a:avLst/>
+          </a:prstGeom>
+          <a:noFill/>
+          <a:extLst>
+            <a:ext uri="{909E8E84-426E-40DD-AFC4-6F175D3DCCD1}">
+              <a14:hiddenFill xmlns:a14="http://schemas.microsoft.com/office/drawing/2010/main">
+                <a:solidFill>
+                  <a:srgbClr val="FFFFFF"/>
+                </a:solidFill>
+              </a14:hiddenFill>
+            </a:ext>
+          </a:extLst>
+        </p:spPr>
+      </p:pic>
+    </p:spTree>
+    <p:extLst>
+      <p:ext uri="{BB962C8B-B14F-4D97-AF65-F5344CB8AC3E}">
+        <p14:creationId xmlns:p14="http://schemas.microsoft.com/office/powerpoint/2010/main" val="1361825446"/>
+      </p:ext>
+    </p:extLst>
+  </p:cSld>
+  <p:clrMapOvr>
+    <a:masterClrMapping/>
+  </p:clrMapOvr>
+</p:sld>
+</file>
+
+<file path=ppt/slides/slide15.xml><?xml version="1.0" encoding="utf-8"?>
+<p:sld xmlns:a="http://schemas.openxmlformats.org/drawingml/2006/main" xmlns:r="http://schemas.openxmlformats.org/officeDocument/2006/relationships" xmlns:p="http://schemas.openxmlformats.org/presentationml/2006/main">
+  <p:cSld>
+    <p:spTree>
+      <p:nvGrpSpPr>
+        <p:cNvPr id="1" name=""/>
+        <p:cNvGrpSpPr/>
+        <p:nvPr/>
+      </p:nvGrpSpPr>
+      <p:grpSpPr>
+        <a:xfrm>
+          <a:off x="0" y="0"/>
+          <a:ext cx="0" cy="0"/>
+          <a:chOff x="0" y="0"/>
+          <a:chExt cx="0" cy="0"/>
+        </a:xfrm>
+      </p:grpSpPr>
+      <p:sp>
+        <p:nvSpPr>
+          <p:cNvPr id="3" name="Rectangle 7">
+            <a:extLst>
+              <a:ext uri="{FF2B5EF4-FFF2-40B4-BE49-F238E27FC236}">
+                <a16:creationId xmlns:a16="http://schemas.microsoft.com/office/drawing/2014/main" id="{D42DE1B9-BAF2-438A-99D4-A19B593936A9}"/>
+              </a:ext>
+            </a:extLst>
+          </p:cNvPr>
+          <p:cNvSpPr>
+            <a:spLocks noChangeArrowheads="1"/>
+          </p:cNvSpPr>
+          <p:nvPr/>
+        </p:nvSpPr>
+        <p:spPr bwMode="auto">
+          <a:xfrm>
+            <a:off x="1818167" y="571412"/>
+            <a:ext cx="8429625" cy="590931"/>
+          </a:xfrm>
+          <a:prstGeom prst="rect">
+            <a:avLst/>
+          </a:prstGeom>
+          <a:noFill/>
+          <a:ln>
+            <a:noFill/>
+          </a:ln>
+          <a:extLst>
+            <a:ext uri="{909E8E84-426E-40DD-AFC4-6F175D3DCCD1}">
+              <a14:hiddenFill xmlns:a14="http://schemas.microsoft.com/office/drawing/2010/main">
+                <a:solidFill>
+                  <a:srgbClr val="FFFFFF"/>
+                </a:solidFill>
+              </a14:hiddenFill>
+            </a:ext>
+            <a:ext uri="{91240B29-F687-4F45-9708-019B960494DF}">
+              <a14:hiddenLine xmlns:a14="http://schemas.microsoft.com/office/drawing/2010/main" w="9525">
+                <a:solidFill>
+                  <a:srgbClr val="000000"/>
+                </a:solidFill>
+                <a:miter lim="800000"/>
+                <a:headEnd/>
+                <a:tailEnd/>
+              </a14:hiddenLine>
+            </a:ext>
+          </a:extLst>
+        </p:spPr>
+        <p:txBody>
+          <a:bodyPr>
+            <a:spAutoFit/>
+          </a:bodyPr>
+          <a:lstStyle/>
+          <a:p>
+            <a:pPr marL="0" lvl="1" algn="ctr">
+              <a:lnSpc>
+                <a:spcPct val="90000"/>
+              </a:lnSpc>
+              <a:spcBef>
+                <a:spcPct val="0"/>
+              </a:spcBef>
+            </a:pPr>
+            <a:r>
+              <a:rPr lang="tr-TR" sz="3600" b="1" dirty="0">
+                <a:solidFill>
+                  <a:srgbClr val="FF4D4D"/>
+                </a:solidFill>
+                <a:latin typeface="Roboto"/>
+              </a:rPr>
+              <a:t>DL Tavsiye Edilen Kaynaklar</a:t>
+            </a:r>
+            <a:endParaRPr lang="tr-TR" sz="3600" b="1" dirty="0">
+              <a:solidFill>
+                <a:srgbClr val="FF1F20"/>
+              </a:solidFill>
+              <a:latin typeface="Arial" panose="020B0604020202020204" pitchFamily="34" charset="0"/>
+              <a:ea typeface="Verdana" panose="020B0604030504040204" pitchFamily="34" charset="0"/>
+              <a:cs typeface="Arial" panose="020B0604020202020204" pitchFamily="34" charset="0"/>
+            </a:endParaRPr>
+          </a:p>
+        </p:txBody>
+      </p:sp>
+      <p:pic>
+        <p:nvPicPr>
+          <p:cNvPr id="3074" name="Picture 2" descr="Deep Learning with Python ile ilgili gÃ¶rsel sonucu">
+            <a:hlinkClick r:id="rId2"/>
+            <a:extLst>
+              <a:ext uri="{FF2B5EF4-FFF2-40B4-BE49-F238E27FC236}">
+                <a16:creationId xmlns:a16="http://schemas.microsoft.com/office/drawing/2014/main" id="{C7C9B4CE-5AD1-4D24-AD9E-6352CB9AB2E7}"/>
+              </a:ext>
+            </a:extLst>
+          </p:cNvPr>
+          <p:cNvPicPr>
+            <a:picLocks noChangeAspect="1" noChangeArrowheads="1"/>
+          </p:cNvPicPr>
+          <p:nvPr/>
+        </p:nvPicPr>
+        <p:blipFill>
+          <a:blip r:embed="rId3">
+            <a:extLst>
+              <a:ext uri="{28A0092B-C50C-407E-A947-70E740481C1C}">
+                <a14:useLocalDpi xmlns:a14="http://schemas.microsoft.com/office/drawing/2010/main" val="0"/>
+              </a:ext>
+            </a:extLst>
+          </a:blip>
+          <a:srcRect/>
+          <a:stretch>
+            <a:fillRect/>
+          </a:stretch>
+        </p:blipFill>
+        <p:spPr bwMode="auto">
+          <a:xfrm>
+            <a:off x="772445" y="1309763"/>
+            <a:ext cx="3790185" cy="4737732"/>
+          </a:xfrm>
+          <a:prstGeom prst="rect">
+            <a:avLst/>
+          </a:prstGeom>
+          <a:noFill/>
+          <a:extLst>
+            <a:ext uri="{909E8E84-426E-40DD-AFC4-6F175D3DCCD1}">
+              <a14:hiddenFill xmlns:a14="http://schemas.microsoft.com/office/drawing/2010/main">
+                <a:solidFill>
+                  <a:srgbClr val="FFFFFF"/>
+                </a:solidFill>
+              </a14:hiddenFill>
+            </a:ext>
+          </a:extLst>
+        </p:spPr>
+      </p:pic>
+      <p:pic>
+        <p:nvPicPr>
+          <p:cNvPr id="3076" name="Picture 4" descr="Deep Learning for the Life Sciences ile ilgili gÃ¶rsel sonucu">
+            <a:hlinkClick r:id="rId4"/>
+            <a:extLst>
+              <a:ext uri="{FF2B5EF4-FFF2-40B4-BE49-F238E27FC236}">
+                <a16:creationId xmlns:a16="http://schemas.microsoft.com/office/drawing/2014/main" id="{F651E65C-66F5-43A6-9EFE-3284259EABBA}"/>
+              </a:ext>
+            </a:extLst>
+          </p:cNvPr>
+          <p:cNvPicPr>
+            <a:picLocks noChangeAspect="1" noChangeArrowheads="1"/>
+          </p:cNvPicPr>
+          <p:nvPr/>
+        </p:nvPicPr>
+        <p:blipFill>
+          <a:blip r:embed="rId5">
+            <a:extLst>
+              <a:ext uri="{28A0092B-C50C-407E-A947-70E740481C1C}">
+                <a14:useLocalDpi xmlns:a14="http://schemas.microsoft.com/office/drawing/2010/main" val="0"/>
+              </a:ext>
+            </a:extLst>
+          </a:blip>
+          <a:srcRect/>
+          <a:stretch>
+            <a:fillRect/>
+          </a:stretch>
+        </p:blipFill>
+        <p:spPr bwMode="auto">
+          <a:xfrm>
+            <a:off x="7629371" y="1309763"/>
+            <a:ext cx="3629025" cy="4752975"/>
+          </a:xfrm>
+          <a:prstGeom prst="rect">
+            <a:avLst/>
+          </a:prstGeom>
+          <a:noFill/>
+          <a:extLst>
+            <a:ext uri="{909E8E84-426E-40DD-AFC4-6F175D3DCCD1}">
+              <a14:hiddenFill xmlns:a14="http://schemas.microsoft.com/office/drawing/2010/main">
+                <a:solidFill>
+                  <a:srgbClr val="FFFFFF"/>
+                </a:solidFill>
+              </a14:hiddenFill>
+            </a:ext>
+          </a:extLst>
+        </p:spPr>
+      </p:pic>
+    </p:spTree>
+    <p:extLst>
+      <p:ext uri="{BB962C8B-B14F-4D97-AF65-F5344CB8AC3E}">
+        <p14:creationId xmlns:p14="http://schemas.microsoft.com/office/powerpoint/2010/main" val="1541464282"/>
+      </p:ext>
+    </p:extLst>
+  </p:cSld>
+  <p:clrMapOvr>
+    <a:masterClrMapping/>
+  </p:clrMapOvr>
+</p:sld>
+</file>
+
+<file path=ppt/slides/slide16.xml><?xml version="1.0" encoding="utf-8"?>
+<p:sld xmlns:a="http://schemas.openxmlformats.org/drawingml/2006/main" xmlns:r="http://schemas.openxmlformats.org/officeDocument/2006/relationships" xmlns:p="http://schemas.openxmlformats.org/presentationml/2006/main">
+  <p:cSld>
+    <p:spTree>
+      <p:nvGrpSpPr>
+        <p:cNvPr id="1" name=""/>
+        <p:cNvGrpSpPr/>
+        <p:nvPr/>
+      </p:nvGrpSpPr>
+      <p:grpSpPr>
+        <a:xfrm>
+          <a:off x="0" y="0"/>
+          <a:ext cx="0" cy="0"/>
+          <a:chOff x="0" y="0"/>
+          <a:chExt cx="0" cy="0"/>
+        </a:xfrm>
+      </p:grpSpPr>
+      <p:sp>
+        <p:nvSpPr>
+          <p:cNvPr id="3" name="Rectangle 7">
+            <a:extLst>
+              <a:ext uri="{FF2B5EF4-FFF2-40B4-BE49-F238E27FC236}">
+                <a16:creationId xmlns:a16="http://schemas.microsoft.com/office/drawing/2014/main" id="{D42DE1B9-BAF2-438A-99D4-A19B593936A9}"/>
+              </a:ext>
+            </a:extLst>
+          </p:cNvPr>
+          <p:cNvSpPr>
+            <a:spLocks noChangeArrowheads="1"/>
+          </p:cNvSpPr>
+          <p:nvPr/>
+        </p:nvSpPr>
+        <p:spPr bwMode="auto">
+          <a:xfrm>
+            <a:off x="1818167" y="571412"/>
+            <a:ext cx="8429625" cy="590931"/>
+          </a:xfrm>
+          <a:prstGeom prst="rect">
+            <a:avLst/>
+          </a:prstGeom>
+          <a:noFill/>
+          <a:ln>
+            <a:noFill/>
+          </a:ln>
+          <a:extLst>
+            <a:ext uri="{909E8E84-426E-40DD-AFC4-6F175D3DCCD1}">
+              <a14:hiddenFill xmlns:a14="http://schemas.microsoft.com/office/drawing/2010/main">
+                <a:solidFill>
+                  <a:srgbClr val="FFFFFF"/>
+                </a:solidFill>
+              </a14:hiddenFill>
+            </a:ext>
+            <a:ext uri="{91240B29-F687-4F45-9708-019B960494DF}">
+              <a14:hiddenLine xmlns:a14="http://schemas.microsoft.com/office/drawing/2010/main" w="9525">
+                <a:solidFill>
+                  <a:srgbClr val="000000"/>
+                </a:solidFill>
+                <a:miter lim="800000"/>
+                <a:headEnd/>
+                <a:tailEnd/>
+              </a14:hiddenLine>
+            </a:ext>
+          </a:extLst>
+        </p:spPr>
+        <p:txBody>
+          <a:bodyPr>
+            <a:spAutoFit/>
+          </a:bodyPr>
+          <a:lstStyle/>
+          <a:p>
+            <a:pPr marL="0" lvl="1" algn="ctr">
+              <a:lnSpc>
+                <a:spcPct val="90000"/>
+              </a:lnSpc>
+              <a:spcBef>
+                <a:spcPct val="0"/>
+              </a:spcBef>
+            </a:pPr>
+            <a:r>
+              <a:rPr lang="tr-TR" sz="3600" b="1" dirty="0">
+                <a:solidFill>
+                  <a:srgbClr val="FF1F20"/>
+                </a:solidFill>
+                <a:latin typeface="Arial" panose="020B0604020202020204" pitchFamily="34" charset="0"/>
+                <a:ea typeface="Verdana" panose="020B0604030504040204" pitchFamily="34" charset="0"/>
+                <a:cs typeface="Arial" panose="020B0604020202020204" pitchFamily="34" charset="0"/>
+              </a:rPr>
+              <a:t>DL KAYNAKLAR – UDEMY KURSLARI</a:t>
+            </a:r>
+          </a:p>
+        </p:txBody>
+      </p:sp>
+      <p:pic>
+        <p:nvPicPr>
+          <p:cNvPr id="5" name="Resim 4">
+            <a:hlinkClick r:id="rId2"/>
+            <a:extLst>
+              <a:ext uri="{FF2B5EF4-FFF2-40B4-BE49-F238E27FC236}">
+                <a16:creationId xmlns:a16="http://schemas.microsoft.com/office/drawing/2014/main" id="{687D2270-0E17-4A86-BCFC-BA0AD05953E5}"/>
+              </a:ext>
+            </a:extLst>
+          </p:cNvPr>
+          <p:cNvPicPr>
+            <a:picLocks noChangeAspect="1"/>
+          </p:cNvPicPr>
+          <p:nvPr/>
+        </p:nvPicPr>
+        <p:blipFill>
+          <a:blip r:embed="rId3"/>
+          <a:stretch>
+            <a:fillRect/>
+          </a:stretch>
+        </p:blipFill>
+        <p:spPr>
+          <a:xfrm>
+            <a:off x="1563411" y="2001601"/>
+            <a:ext cx="8939136" cy="3240000"/>
+          </a:xfrm>
+          <a:prstGeom prst="rect">
+            <a:avLst/>
+          </a:prstGeom>
+        </p:spPr>
+      </p:pic>
+    </p:spTree>
+    <p:extLst>
+      <p:ext uri="{BB962C8B-B14F-4D97-AF65-F5344CB8AC3E}">
+        <p14:creationId xmlns:p14="http://schemas.microsoft.com/office/powerpoint/2010/main" val="2865463576"/>
+      </p:ext>
+    </p:extLst>
+  </p:cSld>
+  <p:clrMapOvr>
+    <a:masterClrMapping/>
+  </p:clrMapOvr>
+</p:sld>
+</file>
+
+<file path=ppt/slides/slide17.xml><?xml version="1.0" encoding="utf-8"?>
+<p:sld xmlns:a="http://schemas.openxmlformats.org/drawingml/2006/main" xmlns:r="http://schemas.openxmlformats.org/officeDocument/2006/relationships" xmlns:p="http://schemas.openxmlformats.org/presentationml/2006/main">
+  <p:cSld>
+    <p:spTree>
+      <p:nvGrpSpPr>
+        <p:cNvPr id="1" name=""/>
+        <p:cNvGrpSpPr/>
+        <p:nvPr/>
+      </p:nvGrpSpPr>
+      <p:grpSpPr>
+        <a:xfrm>
+          <a:off x="0" y="0"/>
+          <a:ext cx="0" cy="0"/>
+          <a:chOff x="0" y="0"/>
+          <a:chExt cx="0" cy="0"/>
+        </a:xfrm>
+      </p:grpSpPr>
+      <p:sp>
+        <p:nvSpPr>
+          <p:cNvPr id="3" name="Rectangle 7">
+            <a:extLst>
+              <a:ext uri="{FF2B5EF4-FFF2-40B4-BE49-F238E27FC236}">
+                <a16:creationId xmlns:a16="http://schemas.microsoft.com/office/drawing/2014/main" id="{D42DE1B9-BAF2-438A-99D4-A19B593936A9}"/>
+              </a:ext>
+            </a:extLst>
+          </p:cNvPr>
+          <p:cNvSpPr>
+            <a:spLocks noChangeArrowheads="1"/>
+          </p:cNvSpPr>
+          <p:nvPr/>
+        </p:nvSpPr>
+        <p:spPr bwMode="auto">
+          <a:xfrm>
+            <a:off x="1818167" y="571412"/>
+            <a:ext cx="8429625" cy="590931"/>
+          </a:xfrm>
+          <a:prstGeom prst="rect">
+            <a:avLst/>
+          </a:prstGeom>
+          <a:noFill/>
+          <a:ln>
+            <a:noFill/>
+          </a:ln>
+          <a:extLst>
+            <a:ext uri="{909E8E84-426E-40DD-AFC4-6F175D3DCCD1}">
+              <a14:hiddenFill xmlns:a14="http://schemas.microsoft.com/office/drawing/2010/main">
+                <a:solidFill>
+                  <a:srgbClr val="FFFFFF"/>
+                </a:solidFill>
+              </a14:hiddenFill>
+            </a:ext>
+            <a:ext uri="{91240B29-F687-4F45-9708-019B960494DF}">
+              <a14:hiddenLine xmlns:a14="http://schemas.microsoft.com/office/drawing/2010/main" w="9525">
+                <a:solidFill>
+                  <a:srgbClr val="000000"/>
+                </a:solidFill>
+                <a:miter lim="800000"/>
+                <a:headEnd/>
+                <a:tailEnd/>
+              </a14:hiddenLine>
+            </a:ext>
+          </a:extLst>
+        </p:spPr>
+        <p:txBody>
+          <a:bodyPr>
+            <a:spAutoFit/>
+          </a:bodyPr>
+          <a:lstStyle/>
+          <a:p>
+            <a:pPr marL="0" lvl="1" algn="ctr">
+              <a:lnSpc>
+                <a:spcPct val="90000"/>
+              </a:lnSpc>
+              <a:spcBef>
+                <a:spcPct val="0"/>
+              </a:spcBef>
+            </a:pPr>
+            <a:r>
+              <a:rPr lang="tr-TR" sz="3600" b="1" dirty="0">
+                <a:solidFill>
+                  <a:srgbClr val="FF1F20"/>
+                </a:solidFill>
+                <a:latin typeface="Arial" panose="020B0604020202020204" pitchFamily="34" charset="0"/>
+                <a:ea typeface="Verdana" panose="020B0604030504040204" pitchFamily="34" charset="0"/>
+                <a:cs typeface="Arial" panose="020B0604020202020204" pitchFamily="34" charset="0"/>
+              </a:rPr>
+              <a:t>DL KAYNAKLAR – UDEMY KURSLARI</a:t>
+            </a:r>
+          </a:p>
+        </p:txBody>
+      </p:sp>
+      <p:pic>
+        <p:nvPicPr>
+          <p:cNvPr id="4" name="Resim 3">
+            <a:hlinkClick r:id="rId2"/>
+            <a:extLst>
+              <a:ext uri="{FF2B5EF4-FFF2-40B4-BE49-F238E27FC236}">
+                <a16:creationId xmlns:a16="http://schemas.microsoft.com/office/drawing/2014/main" id="{529DF1A4-B0D4-40AC-B1D3-13B650213D01}"/>
+              </a:ext>
+            </a:extLst>
+          </p:cNvPr>
+          <p:cNvPicPr>
+            <a:picLocks noChangeAspect="1"/>
+          </p:cNvPicPr>
+          <p:nvPr/>
+        </p:nvPicPr>
+        <p:blipFill>
+          <a:blip r:embed="rId3"/>
+          <a:stretch>
+            <a:fillRect/>
+          </a:stretch>
+        </p:blipFill>
+        <p:spPr>
+          <a:xfrm>
+            <a:off x="1356935" y="2202398"/>
+            <a:ext cx="9352088" cy="3240000"/>
+          </a:xfrm>
+          <a:prstGeom prst="rect">
+            <a:avLst/>
+          </a:prstGeom>
+        </p:spPr>
+      </p:pic>
+    </p:spTree>
+    <p:extLst>
+      <p:ext uri="{BB962C8B-B14F-4D97-AF65-F5344CB8AC3E}">
+        <p14:creationId xmlns:p14="http://schemas.microsoft.com/office/powerpoint/2010/main" val="2593947091"/>
+      </p:ext>
+    </p:extLst>
+  </p:cSld>
+  <p:clrMapOvr>
+    <a:masterClrMapping/>
+  </p:clrMapOvr>
+</p:sld>
+</file>
+
+<file path=ppt/slides/slide18.xml><?xml version="1.0" encoding="utf-8"?>
+<p:sld xmlns:a="http://schemas.openxmlformats.org/drawingml/2006/main" xmlns:r="http://schemas.openxmlformats.org/officeDocument/2006/relationships" xmlns:p="http://schemas.openxmlformats.org/presentationml/2006/main">
+  <p:cSld>
+    <p:spTree>
+      <p:nvGrpSpPr>
+        <p:cNvPr id="1" name=""/>
+        <p:cNvGrpSpPr/>
+        <p:nvPr/>
+      </p:nvGrpSpPr>
+      <p:grpSpPr>
+        <a:xfrm>
+          <a:off x="0" y="0"/>
+          <a:ext cx="0" cy="0"/>
+          <a:chOff x="0" y="0"/>
+          <a:chExt cx="0" cy="0"/>
+        </a:xfrm>
+      </p:grpSpPr>
+      <p:sp>
+        <p:nvSpPr>
+          <p:cNvPr id="3" name="Rectangle 7">
+            <a:extLst>
+              <a:ext uri="{FF2B5EF4-FFF2-40B4-BE49-F238E27FC236}">
+                <a16:creationId xmlns:a16="http://schemas.microsoft.com/office/drawing/2014/main" id="{D42DE1B9-BAF2-438A-99D4-A19B593936A9}"/>
+              </a:ext>
+            </a:extLst>
+          </p:cNvPr>
+          <p:cNvSpPr>
+            <a:spLocks noChangeArrowheads="1"/>
+          </p:cNvSpPr>
+          <p:nvPr/>
+        </p:nvSpPr>
+        <p:spPr bwMode="auto">
+          <a:xfrm>
+            <a:off x="1818167" y="571412"/>
+            <a:ext cx="8429625" cy="590931"/>
+          </a:xfrm>
+          <a:prstGeom prst="rect">
+            <a:avLst/>
+          </a:prstGeom>
+          <a:noFill/>
+          <a:ln>
+            <a:noFill/>
+          </a:ln>
+          <a:extLst>
+            <a:ext uri="{909E8E84-426E-40DD-AFC4-6F175D3DCCD1}">
+              <a14:hiddenFill xmlns:a14="http://schemas.microsoft.com/office/drawing/2010/main">
+                <a:solidFill>
+                  <a:srgbClr val="FFFFFF"/>
+                </a:solidFill>
+              </a14:hiddenFill>
+            </a:ext>
+            <a:ext uri="{91240B29-F687-4F45-9708-019B960494DF}">
+              <a14:hiddenLine xmlns:a14="http://schemas.microsoft.com/office/drawing/2010/main" w="9525">
+                <a:solidFill>
+                  <a:srgbClr val="000000"/>
+                </a:solidFill>
+                <a:miter lim="800000"/>
+                <a:headEnd/>
+                <a:tailEnd/>
+              </a14:hiddenLine>
+            </a:ext>
+          </a:extLst>
+        </p:spPr>
+        <p:txBody>
+          <a:bodyPr>
+            <a:spAutoFit/>
+          </a:bodyPr>
+          <a:lstStyle/>
+          <a:p>
+            <a:pPr marL="0" lvl="1" algn="ctr">
+              <a:lnSpc>
+                <a:spcPct val="90000"/>
+              </a:lnSpc>
+              <a:spcBef>
+                <a:spcPct val="0"/>
+              </a:spcBef>
+            </a:pPr>
+            <a:r>
+              <a:rPr lang="tr-TR" sz="3600" b="1" dirty="0">
+                <a:solidFill>
+                  <a:srgbClr val="FF1F20"/>
+                </a:solidFill>
+                <a:latin typeface="Arial" panose="020B0604020202020204" pitchFamily="34" charset="0"/>
+                <a:ea typeface="Verdana" panose="020B0604030504040204" pitchFamily="34" charset="0"/>
+                <a:cs typeface="Arial" panose="020B0604020202020204" pitchFamily="34" charset="0"/>
+              </a:rPr>
+              <a:t>DL KAYNAKLAR – UDEMY KURSLARI</a:t>
+            </a:r>
+          </a:p>
+        </p:txBody>
+      </p:sp>
+      <p:pic>
+        <p:nvPicPr>
+          <p:cNvPr id="5" name="Resim 4">
+            <a:hlinkClick r:id="rId2"/>
+            <a:extLst>
+              <a:ext uri="{FF2B5EF4-FFF2-40B4-BE49-F238E27FC236}">
+                <a16:creationId xmlns:a16="http://schemas.microsoft.com/office/drawing/2014/main" id="{C83AF47C-8E9D-46D2-828D-D8641ADFDB6E}"/>
+              </a:ext>
+            </a:extLst>
+          </p:cNvPr>
+          <p:cNvPicPr>
+            <a:picLocks noChangeAspect="1"/>
+          </p:cNvPicPr>
+          <p:nvPr/>
+        </p:nvPicPr>
+        <p:blipFill>
+          <a:blip r:embed="rId3"/>
+          <a:stretch>
+            <a:fillRect/>
+          </a:stretch>
+        </p:blipFill>
+        <p:spPr>
+          <a:xfrm>
+            <a:off x="1862400" y="2000049"/>
+            <a:ext cx="8467199" cy="3240000"/>
+          </a:xfrm>
+          <a:prstGeom prst="rect">
+            <a:avLst/>
+          </a:prstGeom>
+        </p:spPr>
+      </p:pic>
+      <p:sp>
+        <p:nvSpPr>
+          <p:cNvPr id="2" name="Dikdörtgen 1">
+            <a:extLst>
+              <a:ext uri="{FF2B5EF4-FFF2-40B4-BE49-F238E27FC236}">
+                <a16:creationId xmlns:a16="http://schemas.microsoft.com/office/drawing/2014/main" id="{3899DF63-61A8-4B86-AF5F-5177C3AAE102}"/>
+              </a:ext>
+            </a:extLst>
+          </p:cNvPr>
+          <p:cNvSpPr/>
+          <p:nvPr/>
+        </p:nvSpPr>
+        <p:spPr>
+          <a:xfrm>
+            <a:off x="3143245" y="5488771"/>
+            <a:ext cx="5573000" cy="369332"/>
+          </a:xfrm>
+          <a:prstGeom prst="rect">
+            <a:avLst/>
+          </a:prstGeom>
+        </p:spPr>
+        <p:txBody>
+          <a:bodyPr wrap="none">
+            <a:spAutoFit/>
+          </a:bodyPr>
+          <a:lstStyle/>
+          <a:p>
+            <a:r>
+              <a:rPr lang="tr-TR" dirty="0">
+                <a:hlinkClick r:id="rId4"/>
+              </a:rPr>
+              <a:t>https://www.superdatascience.com/pages/deep-learning</a:t>
+            </a:r>
+            <a:endParaRPr lang="tr-TR" dirty="0"/>
+          </a:p>
+        </p:txBody>
+      </p:sp>
+    </p:spTree>
+    <p:extLst>
+      <p:ext uri="{BB962C8B-B14F-4D97-AF65-F5344CB8AC3E}">
+        <p14:creationId xmlns:p14="http://schemas.microsoft.com/office/powerpoint/2010/main" val="2632417626"/>
+      </p:ext>
+    </p:extLst>
+  </p:cSld>
+  <p:clrMapOvr>
+    <a:masterClrMapping/>
+  </p:clrMapOvr>
+</p:sld>
+</file>
+
+<file path=ppt/slides/slide19.xml><?xml version="1.0" encoding="utf-8"?>
+<p:sld xmlns:a="http://schemas.openxmlformats.org/drawingml/2006/main" xmlns:r="http://schemas.openxmlformats.org/officeDocument/2006/relationships" xmlns:p="http://schemas.openxmlformats.org/presentationml/2006/main">
+  <p:cSld>
+    <p:spTree>
+      <p:nvGrpSpPr>
+        <p:cNvPr id="1" name=""/>
+        <p:cNvGrpSpPr/>
+        <p:nvPr/>
+      </p:nvGrpSpPr>
+      <p:grpSpPr>
+        <a:xfrm>
+          <a:off x="0" y="0"/>
+          <a:ext cx="0" cy="0"/>
+          <a:chOff x="0" y="0"/>
+          <a:chExt cx="0" cy="0"/>
+        </a:xfrm>
+      </p:grpSpPr>
+      <p:sp>
+        <p:nvSpPr>
+          <p:cNvPr id="3" name="Rectangle 7">
+            <a:extLst>
+              <a:ext uri="{FF2B5EF4-FFF2-40B4-BE49-F238E27FC236}">
+                <a16:creationId xmlns:a16="http://schemas.microsoft.com/office/drawing/2014/main" id="{D42DE1B9-BAF2-438A-99D4-A19B593936A9}"/>
+              </a:ext>
+            </a:extLst>
+          </p:cNvPr>
+          <p:cNvSpPr>
+            <a:spLocks noChangeArrowheads="1"/>
+          </p:cNvSpPr>
+          <p:nvPr/>
+        </p:nvSpPr>
+        <p:spPr bwMode="auto">
+          <a:xfrm>
+            <a:off x="1818167" y="571412"/>
+            <a:ext cx="8429625" cy="590931"/>
+          </a:xfrm>
+          <a:prstGeom prst="rect">
+            <a:avLst/>
+          </a:prstGeom>
+          <a:noFill/>
+          <a:ln>
+            <a:noFill/>
+          </a:ln>
+          <a:extLst>
+            <a:ext uri="{909E8E84-426E-40DD-AFC4-6F175D3DCCD1}">
+              <a14:hiddenFill xmlns:a14="http://schemas.microsoft.com/office/drawing/2010/main">
+                <a:solidFill>
+                  <a:srgbClr val="FFFFFF"/>
+                </a:solidFill>
+              </a14:hiddenFill>
+            </a:ext>
+            <a:ext uri="{91240B29-F687-4F45-9708-019B960494DF}">
+              <a14:hiddenLine xmlns:a14="http://schemas.microsoft.com/office/drawing/2010/main" w="9525">
+                <a:solidFill>
+                  <a:srgbClr val="000000"/>
+                </a:solidFill>
+                <a:miter lim="800000"/>
+                <a:headEnd/>
+                <a:tailEnd/>
+              </a14:hiddenLine>
+            </a:ext>
+          </a:extLst>
+        </p:spPr>
+        <p:txBody>
+          <a:bodyPr>
+            <a:spAutoFit/>
+          </a:bodyPr>
+          <a:lstStyle/>
+          <a:p>
+            <a:pPr marL="0" lvl="1" algn="ctr">
+              <a:lnSpc>
+                <a:spcPct val="90000"/>
+              </a:lnSpc>
+              <a:spcBef>
+                <a:spcPct val="0"/>
+              </a:spcBef>
+            </a:pPr>
+            <a:r>
+              <a:rPr lang="tr-TR" sz="3600" b="1" dirty="0">
+                <a:solidFill>
+                  <a:srgbClr val="FF1F20"/>
+                </a:solidFill>
+                <a:latin typeface="Arial" panose="020B0604020202020204" pitchFamily="34" charset="0"/>
+                <a:ea typeface="Verdana" panose="020B0604030504040204" pitchFamily="34" charset="0"/>
+                <a:cs typeface="Arial" panose="020B0604020202020204" pitchFamily="34" charset="0"/>
+              </a:rPr>
+              <a:t>DL KAYNAKLAR – UDEMY KURSLARI</a:t>
+            </a:r>
+          </a:p>
+        </p:txBody>
+      </p:sp>
+      <p:pic>
+        <p:nvPicPr>
+          <p:cNvPr id="2" name="Resim 1">
+            <a:hlinkClick r:id="rId2"/>
+            <a:extLst>
+              <a:ext uri="{FF2B5EF4-FFF2-40B4-BE49-F238E27FC236}">
+                <a16:creationId xmlns:a16="http://schemas.microsoft.com/office/drawing/2014/main" id="{241013FF-291F-4AD0-A7E5-5B46EE121F18}"/>
+              </a:ext>
+            </a:extLst>
+          </p:cNvPr>
+          <p:cNvPicPr>
+            <a:picLocks noChangeAspect="1"/>
+          </p:cNvPicPr>
+          <p:nvPr/>
+        </p:nvPicPr>
+        <p:blipFill>
+          <a:blip r:embed="rId3"/>
+          <a:stretch>
+            <a:fillRect/>
+          </a:stretch>
+        </p:blipFill>
+        <p:spPr>
+          <a:xfrm>
+            <a:off x="1818166" y="1842962"/>
+            <a:ext cx="8738874" cy="3240000"/>
+          </a:xfrm>
+          <a:prstGeom prst="rect">
+            <a:avLst/>
+          </a:prstGeom>
+        </p:spPr>
+      </p:pic>
+    </p:spTree>
+    <p:extLst>
+      <p:ext uri="{BB962C8B-B14F-4D97-AF65-F5344CB8AC3E}">
+        <p14:creationId xmlns:p14="http://schemas.microsoft.com/office/powerpoint/2010/main" val="2030863806"/>
+      </p:ext>
+    </p:extLst>
+  </p:cSld>
+  <p:clrMapOvr>
+    <a:masterClrMapping/>
+  </p:clrMapOvr>
 </p:sld>
 </file>
 
@@ -5361,6 +6704,262 @@
   <p:transition spd="slow">
     <p:push dir="u"/>
   </p:transition>
+</p:sld>
+</file>
+
+<file path=ppt/slides/slide20.xml><?xml version="1.0" encoding="utf-8"?>
+<p:sld xmlns:a="http://schemas.openxmlformats.org/drawingml/2006/main" xmlns:r="http://schemas.openxmlformats.org/officeDocument/2006/relationships" xmlns:p="http://schemas.openxmlformats.org/presentationml/2006/main">
+  <p:cSld>
+    <p:spTree>
+      <p:nvGrpSpPr>
+        <p:cNvPr id="1" name=""/>
+        <p:cNvGrpSpPr/>
+        <p:nvPr/>
+      </p:nvGrpSpPr>
+      <p:grpSpPr>
+        <a:xfrm>
+          <a:off x="0" y="0"/>
+          <a:ext cx="0" cy="0"/>
+          <a:chOff x="0" y="0"/>
+          <a:chExt cx="0" cy="0"/>
+        </a:xfrm>
+      </p:grpSpPr>
+      <p:sp>
+        <p:nvSpPr>
+          <p:cNvPr id="2" name="Dikdörtgen 1">
+            <a:extLst>
+              <a:ext uri="{FF2B5EF4-FFF2-40B4-BE49-F238E27FC236}">
+                <a16:creationId xmlns:a16="http://schemas.microsoft.com/office/drawing/2014/main" id="{9E7DAE9A-5611-476C-9343-F8F6556FE056}"/>
+              </a:ext>
+            </a:extLst>
+          </p:cNvPr>
+          <p:cNvSpPr/>
+          <p:nvPr/>
+        </p:nvSpPr>
+        <p:spPr>
+          <a:xfrm>
+            <a:off x="1002890" y="1162343"/>
+            <a:ext cx="10707330" cy="1384995"/>
+          </a:xfrm>
+          <a:prstGeom prst="rect">
+            <a:avLst/>
+          </a:prstGeom>
+        </p:spPr>
+        <p:txBody>
+          <a:bodyPr wrap="square">
+            <a:spAutoFit/>
+          </a:bodyPr>
+          <a:lstStyle/>
+          <a:p>
+            <a:pPr marL="457200" indent="-457200">
+              <a:buFont typeface="Arial" panose="020B0604020202020204" pitchFamily="34" charset="0"/>
+              <a:buChar char="•"/>
+            </a:pPr>
+            <a:r>
+              <a:rPr lang="tr-TR" sz="2800" dirty="0">
+                <a:solidFill>
+                  <a:srgbClr val="0070C0"/>
+                </a:solidFill>
+                <a:latin typeface="Roboto"/>
+              </a:rPr>
+              <a:t>Şeker, Abdulkadir, Banu Diri, </a:t>
+            </a:r>
+            <a:r>
+              <a:rPr lang="tr-TR" sz="2800" dirty="0" err="1">
+                <a:solidFill>
+                  <a:srgbClr val="0070C0"/>
+                </a:solidFill>
+                <a:latin typeface="Roboto"/>
+              </a:rPr>
+              <a:t>and</a:t>
+            </a:r>
+            <a:r>
+              <a:rPr lang="tr-TR" sz="2800" dirty="0">
+                <a:solidFill>
+                  <a:srgbClr val="0070C0"/>
+                </a:solidFill>
+                <a:latin typeface="Roboto"/>
+              </a:rPr>
+              <a:t> Hasan Hüseyin Balık. "Derin Öğrenme Yöntemleri ve Uygulamaları Hakkında Bir İnceleme." Gazi Mühendislik Bilimleri Dergisi (GMBD) 3.3 (2017): 47-64.</a:t>
+            </a:r>
+          </a:p>
+        </p:txBody>
+      </p:sp>
+      <p:sp>
+        <p:nvSpPr>
+          <p:cNvPr id="3" name="Rectangle 7">
+            <a:extLst>
+              <a:ext uri="{FF2B5EF4-FFF2-40B4-BE49-F238E27FC236}">
+                <a16:creationId xmlns:a16="http://schemas.microsoft.com/office/drawing/2014/main" id="{D42DE1B9-BAF2-438A-99D4-A19B593936A9}"/>
+              </a:ext>
+            </a:extLst>
+          </p:cNvPr>
+          <p:cNvSpPr>
+            <a:spLocks noChangeArrowheads="1"/>
+          </p:cNvSpPr>
+          <p:nvPr/>
+        </p:nvSpPr>
+        <p:spPr bwMode="auto">
+          <a:xfrm>
+            <a:off x="1818167" y="571412"/>
+            <a:ext cx="8429625" cy="590931"/>
+          </a:xfrm>
+          <a:prstGeom prst="rect">
+            <a:avLst/>
+          </a:prstGeom>
+          <a:noFill/>
+          <a:ln>
+            <a:noFill/>
+          </a:ln>
+          <a:extLst>
+            <a:ext uri="{909E8E84-426E-40DD-AFC4-6F175D3DCCD1}">
+              <a14:hiddenFill xmlns:a14="http://schemas.microsoft.com/office/drawing/2010/main">
+                <a:solidFill>
+                  <a:srgbClr val="FFFFFF"/>
+                </a:solidFill>
+              </a14:hiddenFill>
+            </a:ext>
+            <a:ext uri="{91240B29-F687-4F45-9708-019B960494DF}">
+              <a14:hiddenLine xmlns:a14="http://schemas.microsoft.com/office/drawing/2010/main" w="9525">
+                <a:solidFill>
+                  <a:srgbClr val="000000"/>
+                </a:solidFill>
+                <a:miter lim="800000"/>
+                <a:headEnd/>
+                <a:tailEnd/>
+              </a14:hiddenLine>
+            </a:ext>
+          </a:extLst>
+        </p:spPr>
+        <p:txBody>
+          <a:bodyPr>
+            <a:spAutoFit/>
+          </a:bodyPr>
+          <a:lstStyle/>
+          <a:p>
+            <a:pPr marL="0" lvl="1" algn="ctr">
+              <a:lnSpc>
+                <a:spcPct val="90000"/>
+              </a:lnSpc>
+              <a:spcBef>
+                <a:spcPct val="0"/>
+              </a:spcBef>
+            </a:pPr>
+            <a:r>
+              <a:rPr lang="tr-TR" sz="3600" b="1" dirty="0">
+                <a:solidFill>
+                  <a:srgbClr val="FF1F20"/>
+                </a:solidFill>
+                <a:latin typeface="Arial" panose="020B0604020202020204" pitchFamily="34" charset="0"/>
+                <a:ea typeface="Verdana" panose="020B0604030504040204" pitchFamily="34" charset="0"/>
+                <a:cs typeface="Arial" panose="020B0604020202020204" pitchFamily="34" charset="0"/>
+              </a:rPr>
+              <a:t>DL KAYNAKLAR - MAKALELER</a:t>
+            </a:r>
+          </a:p>
+        </p:txBody>
+      </p:sp>
+    </p:spTree>
+    <p:extLst>
+      <p:ext uri="{BB962C8B-B14F-4D97-AF65-F5344CB8AC3E}">
+        <p14:creationId xmlns:p14="http://schemas.microsoft.com/office/powerpoint/2010/main" val="3211515688"/>
+      </p:ext>
+    </p:extLst>
+  </p:cSld>
+  <p:clrMapOvr>
+    <a:masterClrMapping/>
+  </p:clrMapOvr>
+  <p:timing>
+    <p:tnLst>
+      <p:par>
+        <p:cTn id="1" dur="indefinite" restart="never" nodeType="tmRoot">
+          <p:childTnLst>
+            <p:seq concurrent="1" nextAc="seek">
+              <p:cTn id="2" dur="indefinite" nodeType="mainSeq">
+                <p:childTnLst>
+                  <p:par>
+                    <p:cTn id="3" fill="hold">
+                      <p:stCondLst>
+                        <p:cond delay="indefinite"/>
+                      </p:stCondLst>
+                      <p:childTnLst>
+                        <p:par>
+                          <p:cTn id="4" fill="hold">
+                            <p:stCondLst>
+                              <p:cond delay="0"/>
+                            </p:stCondLst>
+                            <p:childTnLst>
+                              <p:par>
+                                <p:cTn id="5" presetID="10" presetClass="entr" presetSubtype="0" fill="hold" nodeType="clickEffect">
+                                  <p:stCondLst>
+                                    <p:cond delay="0"/>
+                                  </p:stCondLst>
+                                  <p:childTnLst>
+                                    <p:set>
+                                      <p:cBhvr>
+                                        <p:cTn id="6" dur="1" fill="hold">
+                                          <p:stCondLst>
+                                            <p:cond delay="0"/>
+                                          </p:stCondLst>
+                                        </p:cTn>
+                                        <p:tgtEl>
+                                          <p:spTgt spid="2">
+                                            <p:txEl>
+                                              <p:pRg st="0" end="0"/>
+                                            </p:txEl>
+                                          </p:spTgt>
+                                        </p:tgtEl>
+                                        <p:attrNameLst>
+                                          <p:attrName>style.visibility</p:attrName>
+                                        </p:attrNameLst>
+                                      </p:cBhvr>
+                                      <p:to>
+                                        <p:strVal val="visible"/>
+                                      </p:to>
+                                    </p:set>
+                                    <p:animEffect transition="in" filter="fade">
+                                      <p:cBhvr>
+                                        <p:cTn id="7" dur="500"/>
+                                        <p:tgtEl>
+                                          <p:spTgt spid="2">
+                                            <p:txEl>
+                                              <p:pRg st="0" end="0"/>
+                                            </p:txEl>
+                                          </p:spTgt>
+                                        </p:tgtEl>
+                                      </p:cBhvr>
+                                    </p:animEffect>
+                                  </p:childTnLst>
+                                </p:cTn>
+                              </p:par>
+                            </p:childTnLst>
+                          </p:cTn>
+                        </p:par>
+                      </p:childTnLst>
+                    </p:cTn>
+                  </p:par>
+                </p:childTnLst>
+              </p:cTn>
+              <p:prevCondLst>
+                <p:cond evt="onPrev" delay="0">
+                  <p:tgtEl>
+                    <p:sldTgt/>
+                  </p:tgtEl>
+                </p:cond>
+              </p:prevCondLst>
+              <p:nextCondLst>
+                <p:cond evt="onNext" delay="0">
+                  <p:tgtEl>
+                    <p:sldTgt/>
+                  </p:tgtEl>
+                </p:cond>
+              </p:nextCondLst>
+            </p:seq>
+          </p:childTnLst>
+        </p:cTn>
+      </p:par>
+    </p:tnLst>
+  </p:timing>
 </p:sld>
 </file>
 

--- a/opening_remarks.pptx
+++ b/opening_remarks.pptx
@@ -145,91 +145,6 @@
 <file path=ppt/changesInfos/changesInfo1.xml><?xml version="1.0" encoding="utf-8"?>
 <pc:chgInfo xmlns:a="http://schemas.openxmlformats.org/drawingml/2006/main" xmlns:r="http://schemas.openxmlformats.org/officeDocument/2006/relationships" xmlns:ac="http://schemas.microsoft.com/office/drawing/2013/main/command" xmlns:pc="http://schemas.microsoft.com/office/powerpoint/2013/main/command">
   <pc:docChgLst>
-    <pc:chgData name="Erkan ŞİRİN" userId="7f10ce1d6aaf8c5d" providerId="LiveId" clId="{D58FBEED-92FA-47F6-9D9E-9218785E3E2A}"/>
-    <pc:docChg chg="undo addSld delSld modSld">
-      <pc:chgData name="Erkan ŞİRİN" userId="7f10ce1d6aaf8c5d" providerId="LiveId" clId="{D58FBEED-92FA-47F6-9D9E-9218785E3E2A}" dt="2019-05-20T06:13:25.996" v="523" actId="20577"/>
-      <pc:docMkLst>
-        <pc:docMk/>
-      </pc:docMkLst>
-      <pc:sldChg chg="addSp delSp modSp">
-        <pc:chgData name="Erkan ŞİRİN" userId="7f10ce1d6aaf8c5d" providerId="LiveId" clId="{D58FBEED-92FA-47F6-9D9E-9218785E3E2A}" dt="2019-05-19T18:38:15.180" v="514" actId="14861"/>
-        <pc:sldMkLst>
-          <pc:docMk/>
-          <pc:sldMk cId="2918214722" sldId="256"/>
-        </pc:sldMkLst>
-        <pc:spChg chg="mod">
-          <ac:chgData name="Erkan ŞİRİN" userId="7f10ce1d6aaf8c5d" providerId="LiveId" clId="{D58FBEED-92FA-47F6-9D9E-9218785E3E2A}" dt="2019-05-19T18:38:15.180" v="514" actId="14861"/>
-          <ac:spMkLst>
-            <pc:docMk/>
-            <pc:sldMk cId="2918214722" sldId="256"/>
-            <ac:spMk id="4" creationId="{424A21BB-7B81-40BA-B1C9-62E84447A657}"/>
-          </ac:spMkLst>
-        </pc:spChg>
-        <pc:spChg chg="del mod">
-          <ac:chgData name="Erkan ŞİRİN" userId="7f10ce1d6aaf8c5d" providerId="LiveId" clId="{D58FBEED-92FA-47F6-9D9E-9218785E3E2A}" dt="2019-05-19T02:44:32.111" v="75"/>
-          <ac:spMkLst>
-            <pc:docMk/>
-            <pc:sldMk cId="2918214722" sldId="256"/>
-            <ac:spMk id="5" creationId="{2F3F6B1B-C576-4C5E-89BF-9AA33D5D6F7A}"/>
-          </ac:spMkLst>
-        </pc:spChg>
-        <pc:picChg chg="add mod ord modCrop">
-          <ac:chgData name="Erkan ŞİRİN" userId="7f10ce1d6aaf8c5d" providerId="LiveId" clId="{D58FBEED-92FA-47F6-9D9E-9218785E3E2A}" dt="2019-05-19T02:43:24.568" v="69" actId="1076"/>
-          <ac:picMkLst>
-            <pc:docMk/>
-            <pc:sldMk cId="2918214722" sldId="256"/>
-            <ac:picMk id="3" creationId="{71F9858B-0148-4498-87C1-84E0D6409DEC}"/>
-          </ac:picMkLst>
-        </pc:picChg>
-      </pc:sldChg>
-      <pc:sldChg chg="modSp">
-        <pc:chgData name="Erkan ŞİRİN" userId="7f10ce1d6aaf8c5d" providerId="LiveId" clId="{D58FBEED-92FA-47F6-9D9E-9218785E3E2A}" dt="2019-05-20T06:13:25.996" v="523" actId="20577"/>
-        <pc:sldMkLst>
-          <pc:docMk/>
-          <pc:sldMk cId="3627367780" sldId="328"/>
-        </pc:sldMkLst>
-        <pc:spChg chg="mod">
-          <ac:chgData name="Erkan ŞİRİN" userId="7f10ce1d6aaf8c5d" providerId="LiveId" clId="{D58FBEED-92FA-47F6-9D9E-9218785E3E2A}" dt="2019-05-20T06:13:25.996" v="523" actId="20577"/>
-          <ac:spMkLst>
-            <pc:docMk/>
-            <pc:sldMk cId="3627367780" sldId="328"/>
-            <ac:spMk id="3" creationId="{2DC8A280-C738-452F-B627-12CB68E50CC1}"/>
-          </ac:spMkLst>
-        </pc:spChg>
-        <pc:spChg chg="mod">
-          <ac:chgData name="Erkan ŞİRİN" userId="7f10ce1d6aaf8c5d" providerId="LiveId" clId="{D58FBEED-92FA-47F6-9D9E-9218785E3E2A}" dt="2019-05-19T02:46:00.506" v="89" actId="20577"/>
-          <ac:spMkLst>
-            <pc:docMk/>
-            <pc:sldMk cId="3627367780" sldId="328"/>
-            <ac:spMk id="16" creationId="{00000000-0000-0000-0000-000000000000}"/>
-          </ac:spMkLst>
-        </pc:spChg>
-      </pc:sldChg>
-      <pc:sldChg chg="add">
-        <pc:chgData name="Erkan ŞİRİN" userId="7f10ce1d6aaf8c5d" providerId="LiveId" clId="{D58FBEED-92FA-47F6-9D9E-9218785E3E2A}" dt="2019-05-19T02:49:48.161" v="95"/>
-        <pc:sldMkLst>
-          <pc:docMk/>
-          <pc:sldMk cId="809421221" sldId="336"/>
-        </pc:sldMkLst>
-      </pc:sldChg>
-      <pc:sldChg chg="modSp add modAnim">
-        <pc:chgData name="Erkan ŞİRİN" userId="7f10ce1d6aaf8c5d" providerId="LiveId" clId="{D58FBEED-92FA-47F6-9D9E-9218785E3E2A}" dt="2019-05-19T02:54:58.304" v="505" actId="20577"/>
-        <pc:sldMkLst>
-          <pc:docMk/>
-          <pc:sldMk cId="2519033183" sldId="337"/>
-        </pc:sldMkLst>
-        <pc:spChg chg="mod">
-          <ac:chgData name="Erkan ŞİRİN" userId="7f10ce1d6aaf8c5d" providerId="LiveId" clId="{D58FBEED-92FA-47F6-9D9E-9218785E3E2A}" dt="2019-05-19T02:54:58.304" v="505" actId="20577"/>
-          <ac:spMkLst>
-            <pc:docMk/>
-            <pc:sldMk cId="2519033183" sldId="337"/>
-            <ac:spMk id="3" creationId="{2DC8A280-C738-452F-B627-12CB68E50CC1}"/>
-          </ac:spMkLst>
-        </pc:spChg>
-      </pc:sldChg>
-    </pc:docChg>
-  </pc:docChgLst>
-  <pc:docChgLst>
     <pc:chgData name="Erkan ŞİRİN" userId="7f10ce1d6aaf8c5d" providerId="LiveId" clId="{9B0FE44A-60BF-4ED3-A9BD-90942CEEE884}"/>
     <pc:docChg chg="custSel modSld">
       <pc:chgData name="Erkan ŞİRİN" userId="7f10ce1d6aaf8c5d" providerId="LiveId" clId="{9B0FE44A-60BF-4ED3-A9BD-90942CEEE884}" dt="2019-05-06T06:45:15.043" v="640" actId="20577"/>
@@ -324,46 +239,84 @@
     </pc:docChg>
   </pc:docChgLst>
   <pc:docChgLst>
-    <pc:chgData name="Erkan ŞİRİN" userId="7f10ce1d6aaf8c5d" providerId="LiveId" clId="{8A07AB2F-FA98-4AB7-A034-4EBBDB3F8537}"/>
-    <pc:docChg chg="undo custSel addSld delSld modSld">
-      <pc:chgData name="Erkan ŞİRİN" userId="7f10ce1d6aaf8c5d" providerId="LiveId" clId="{8A07AB2F-FA98-4AB7-A034-4EBBDB3F8537}" dt="2019-05-15T18:09:25.938" v="863" actId="1076"/>
+    <pc:chgData name="Erkan ŞİRİN" userId="7f10ce1d6aaf8c5d" providerId="LiveId" clId="{D58FBEED-92FA-47F6-9D9E-9218785E3E2A}"/>
+    <pc:docChg chg="undo addSld delSld modSld">
+      <pc:chgData name="Erkan ŞİRİN" userId="7f10ce1d6aaf8c5d" providerId="LiveId" clId="{D58FBEED-92FA-47F6-9D9E-9218785E3E2A}" dt="2019-05-20T06:13:25.996" v="523" actId="20577"/>
       <pc:docMkLst>
         <pc:docMk/>
       </pc:docMkLst>
-      <pc:sldChg chg="modSp">
-        <pc:chgData name="Erkan ŞİRİN" userId="7f10ce1d6aaf8c5d" providerId="LiveId" clId="{8A07AB2F-FA98-4AB7-A034-4EBBDB3F8537}" dt="2019-05-15T18:09:25.938" v="863" actId="1076"/>
+      <pc:sldChg chg="addSp delSp modSp">
+        <pc:chgData name="Erkan ŞİRİN" userId="7f10ce1d6aaf8c5d" providerId="LiveId" clId="{D58FBEED-92FA-47F6-9D9E-9218785E3E2A}" dt="2019-05-19T18:38:15.180" v="514" actId="14861"/>
         <pc:sldMkLst>
           <pc:docMk/>
           <pc:sldMk cId="2918214722" sldId="256"/>
         </pc:sldMkLst>
         <pc:spChg chg="mod">
-          <ac:chgData name="Erkan ŞİRİN" userId="7f10ce1d6aaf8c5d" providerId="LiveId" clId="{8A07AB2F-FA98-4AB7-A034-4EBBDB3F8537}" dt="2019-05-15T18:09:22.837" v="862" actId="1076"/>
+          <ac:chgData name="Erkan ŞİRİN" userId="7f10ce1d6aaf8c5d" providerId="LiveId" clId="{D58FBEED-92FA-47F6-9D9E-9218785E3E2A}" dt="2019-05-19T18:38:15.180" v="514" actId="14861"/>
           <ac:spMkLst>
             <pc:docMk/>
             <pc:sldMk cId="2918214722" sldId="256"/>
             <ac:spMk id="4" creationId="{424A21BB-7B81-40BA-B1C9-62E84447A657}"/>
           </ac:spMkLst>
         </pc:spChg>
-        <pc:spChg chg="mod">
-          <ac:chgData name="Erkan ŞİRİN" userId="7f10ce1d6aaf8c5d" providerId="LiveId" clId="{8A07AB2F-FA98-4AB7-A034-4EBBDB3F8537}" dt="2019-05-15T18:09:25.938" v="863" actId="1076"/>
+        <pc:spChg chg="del mod">
+          <ac:chgData name="Erkan ŞİRİN" userId="7f10ce1d6aaf8c5d" providerId="LiveId" clId="{D58FBEED-92FA-47F6-9D9E-9218785E3E2A}" dt="2019-05-19T02:44:32.111" v="75"/>
           <ac:spMkLst>
             <pc:docMk/>
             <pc:sldMk cId="2918214722" sldId="256"/>
             <ac:spMk id="5" creationId="{2F3F6B1B-C576-4C5E-89BF-9AA33D5D6F7A}"/>
           </ac:spMkLst>
         </pc:spChg>
+        <pc:picChg chg="add mod ord modCrop">
+          <ac:chgData name="Erkan ŞİRİN" userId="7f10ce1d6aaf8c5d" providerId="LiveId" clId="{D58FBEED-92FA-47F6-9D9E-9218785E3E2A}" dt="2019-05-19T02:43:24.568" v="69" actId="1076"/>
+          <ac:picMkLst>
+            <pc:docMk/>
+            <pc:sldMk cId="2918214722" sldId="256"/>
+            <ac:picMk id="3" creationId="{71F9858B-0148-4498-87C1-84E0D6409DEC}"/>
+          </ac:picMkLst>
+        </pc:picChg>
       </pc:sldChg>
       <pc:sldChg chg="modSp">
-        <pc:chgData name="Erkan ŞİRİN" userId="7f10ce1d6aaf8c5d" providerId="LiveId" clId="{8A07AB2F-FA98-4AB7-A034-4EBBDB3F8537}" dt="2019-05-14T01:01:22.017" v="95" actId="20577"/>
+        <pc:chgData name="Erkan ŞİRİN" userId="7f10ce1d6aaf8c5d" providerId="LiveId" clId="{D58FBEED-92FA-47F6-9D9E-9218785E3E2A}" dt="2019-05-20T06:13:25.996" v="523" actId="20577"/>
         <pc:sldMkLst>
           <pc:docMk/>
           <pc:sldMk cId="3627367780" sldId="328"/>
         </pc:sldMkLst>
         <pc:spChg chg="mod">
-          <ac:chgData name="Erkan ŞİRİN" userId="7f10ce1d6aaf8c5d" providerId="LiveId" clId="{8A07AB2F-FA98-4AB7-A034-4EBBDB3F8537}" dt="2019-05-14T01:01:22.017" v="95" actId="20577"/>
+          <ac:chgData name="Erkan ŞİRİN" userId="7f10ce1d6aaf8c5d" providerId="LiveId" clId="{D58FBEED-92FA-47F6-9D9E-9218785E3E2A}" dt="2019-05-20T06:13:25.996" v="523" actId="20577"/>
           <ac:spMkLst>
             <pc:docMk/>
             <pc:sldMk cId="3627367780" sldId="328"/>
+            <ac:spMk id="3" creationId="{2DC8A280-C738-452F-B627-12CB68E50CC1}"/>
+          </ac:spMkLst>
+        </pc:spChg>
+        <pc:spChg chg="mod">
+          <ac:chgData name="Erkan ŞİRİN" userId="7f10ce1d6aaf8c5d" providerId="LiveId" clId="{D58FBEED-92FA-47F6-9D9E-9218785E3E2A}" dt="2019-05-19T02:46:00.506" v="89" actId="20577"/>
+          <ac:spMkLst>
+            <pc:docMk/>
+            <pc:sldMk cId="3627367780" sldId="328"/>
+            <ac:spMk id="16" creationId="{00000000-0000-0000-0000-000000000000}"/>
+          </ac:spMkLst>
+        </pc:spChg>
+      </pc:sldChg>
+      <pc:sldChg chg="add">
+        <pc:chgData name="Erkan ŞİRİN" userId="7f10ce1d6aaf8c5d" providerId="LiveId" clId="{D58FBEED-92FA-47F6-9D9E-9218785E3E2A}" dt="2019-05-19T02:49:48.161" v="95"/>
+        <pc:sldMkLst>
+          <pc:docMk/>
+          <pc:sldMk cId="809421221" sldId="336"/>
+        </pc:sldMkLst>
+      </pc:sldChg>
+      <pc:sldChg chg="modSp add modAnim">
+        <pc:chgData name="Erkan ŞİRİN" userId="7f10ce1d6aaf8c5d" providerId="LiveId" clId="{D58FBEED-92FA-47F6-9D9E-9218785E3E2A}" dt="2019-05-19T02:54:58.304" v="505" actId="20577"/>
+        <pc:sldMkLst>
+          <pc:docMk/>
+          <pc:sldMk cId="2519033183" sldId="337"/>
+        </pc:sldMkLst>
+        <pc:spChg chg="mod">
+          <ac:chgData name="Erkan ŞİRİN" userId="7f10ce1d6aaf8c5d" providerId="LiveId" clId="{D58FBEED-92FA-47F6-9D9E-9218785E3E2A}" dt="2019-05-19T02:54:58.304" v="505" actId="20577"/>
+          <ac:spMkLst>
+            <pc:docMk/>
+            <pc:sldMk cId="2519033183" sldId="337"/>
             <ac:spMk id="3" creationId="{2DC8A280-C738-452F-B627-12CB68E50CC1}"/>
           </ac:spMkLst>
         </pc:spChg>
@@ -896,6 +849,53 @@
       </pc:sldChg>
     </pc:docChg>
   </pc:docChgLst>
+  <pc:docChgLst>
+    <pc:chgData name="Erkan ŞİRİN" userId="7f10ce1d6aaf8c5d" providerId="LiveId" clId="{8A07AB2F-FA98-4AB7-A034-4EBBDB3F8537}"/>
+    <pc:docChg chg="undo custSel addSld delSld modSld">
+      <pc:chgData name="Erkan ŞİRİN" userId="7f10ce1d6aaf8c5d" providerId="LiveId" clId="{8A07AB2F-FA98-4AB7-A034-4EBBDB3F8537}" dt="2019-05-15T18:09:25.938" v="863" actId="1076"/>
+      <pc:docMkLst>
+        <pc:docMk/>
+      </pc:docMkLst>
+      <pc:sldChg chg="modSp">
+        <pc:chgData name="Erkan ŞİRİN" userId="7f10ce1d6aaf8c5d" providerId="LiveId" clId="{8A07AB2F-FA98-4AB7-A034-4EBBDB3F8537}" dt="2019-05-15T18:09:25.938" v="863" actId="1076"/>
+        <pc:sldMkLst>
+          <pc:docMk/>
+          <pc:sldMk cId="2918214722" sldId="256"/>
+        </pc:sldMkLst>
+        <pc:spChg chg="mod">
+          <ac:chgData name="Erkan ŞİRİN" userId="7f10ce1d6aaf8c5d" providerId="LiveId" clId="{8A07AB2F-FA98-4AB7-A034-4EBBDB3F8537}" dt="2019-05-15T18:09:22.837" v="862" actId="1076"/>
+          <ac:spMkLst>
+            <pc:docMk/>
+            <pc:sldMk cId="2918214722" sldId="256"/>
+            <ac:spMk id="4" creationId="{424A21BB-7B81-40BA-B1C9-62E84447A657}"/>
+          </ac:spMkLst>
+        </pc:spChg>
+        <pc:spChg chg="mod">
+          <ac:chgData name="Erkan ŞİRİN" userId="7f10ce1d6aaf8c5d" providerId="LiveId" clId="{8A07AB2F-FA98-4AB7-A034-4EBBDB3F8537}" dt="2019-05-15T18:09:25.938" v="863" actId="1076"/>
+          <ac:spMkLst>
+            <pc:docMk/>
+            <pc:sldMk cId="2918214722" sldId="256"/>
+            <ac:spMk id="5" creationId="{2F3F6B1B-C576-4C5E-89BF-9AA33D5D6F7A}"/>
+          </ac:spMkLst>
+        </pc:spChg>
+      </pc:sldChg>
+      <pc:sldChg chg="modSp">
+        <pc:chgData name="Erkan ŞİRİN" userId="7f10ce1d6aaf8c5d" providerId="LiveId" clId="{8A07AB2F-FA98-4AB7-A034-4EBBDB3F8537}" dt="2019-05-14T01:01:22.017" v="95" actId="20577"/>
+        <pc:sldMkLst>
+          <pc:docMk/>
+          <pc:sldMk cId="3627367780" sldId="328"/>
+        </pc:sldMkLst>
+        <pc:spChg chg="mod">
+          <ac:chgData name="Erkan ŞİRİN" userId="7f10ce1d6aaf8c5d" providerId="LiveId" clId="{8A07AB2F-FA98-4AB7-A034-4EBBDB3F8537}" dt="2019-05-14T01:01:22.017" v="95" actId="20577"/>
+          <ac:spMkLst>
+            <pc:docMk/>
+            <pc:sldMk cId="3627367780" sldId="328"/>
+            <ac:spMk id="3" creationId="{2DC8A280-C738-452F-B627-12CB68E50CC1}"/>
+          </ac:spMkLst>
+        </pc:spChg>
+      </pc:sldChg>
+    </pc:docChg>
+  </pc:docChgLst>
 </pc:chgInfo>
 </file>
 
@@ -1046,7 +1046,7 @@
           <a:p>
             <a:fld id="{BAB971F1-0A24-473E-8A66-D77E329B588E}" type="datetimeFigureOut">
               <a:rPr lang="tr-TR" smtClean="0"/>
-              <a:t>28.07.2019</a:t>
+              <a:t>7.11.2019</a:t>
             </a:fld>
             <a:endParaRPr lang="tr-TR"/>
           </a:p>
@@ -1244,7 +1244,7 @@
           <a:p>
             <a:fld id="{BAB971F1-0A24-473E-8A66-D77E329B588E}" type="datetimeFigureOut">
               <a:rPr lang="tr-TR" smtClean="0"/>
-              <a:t>28.07.2019</a:t>
+              <a:t>7.11.2019</a:t>
             </a:fld>
             <a:endParaRPr lang="tr-TR"/>
           </a:p>
@@ -1452,7 +1452,7 @@
           <a:p>
             <a:fld id="{BAB971F1-0A24-473E-8A66-D77E329B588E}" type="datetimeFigureOut">
               <a:rPr lang="tr-TR" smtClean="0"/>
-              <a:t>28.07.2019</a:t>
+              <a:t>7.11.2019</a:t>
             </a:fld>
             <a:endParaRPr lang="tr-TR"/>
           </a:p>
@@ -1650,7 +1650,7 @@
           <a:p>
             <a:fld id="{BAB971F1-0A24-473E-8A66-D77E329B588E}" type="datetimeFigureOut">
               <a:rPr lang="tr-TR" smtClean="0"/>
-              <a:t>28.07.2019</a:t>
+              <a:t>7.11.2019</a:t>
             </a:fld>
             <a:endParaRPr lang="tr-TR"/>
           </a:p>
@@ -1925,7 +1925,7 @@
           <a:p>
             <a:fld id="{BAB971F1-0A24-473E-8A66-D77E329B588E}" type="datetimeFigureOut">
               <a:rPr lang="tr-TR" smtClean="0"/>
-              <a:t>28.07.2019</a:t>
+              <a:t>7.11.2019</a:t>
             </a:fld>
             <a:endParaRPr lang="tr-TR"/>
           </a:p>
@@ -2190,7 +2190,7 @@
           <a:p>
             <a:fld id="{BAB971F1-0A24-473E-8A66-D77E329B588E}" type="datetimeFigureOut">
               <a:rPr lang="tr-TR" smtClean="0"/>
-              <a:t>28.07.2019</a:t>
+              <a:t>7.11.2019</a:t>
             </a:fld>
             <a:endParaRPr lang="tr-TR"/>
           </a:p>
@@ -2602,7 +2602,7 @@
           <a:p>
             <a:fld id="{BAB971F1-0A24-473E-8A66-D77E329B588E}" type="datetimeFigureOut">
               <a:rPr lang="tr-TR" smtClean="0"/>
-              <a:t>28.07.2019</a:t>
+              <a:t>7.11.2019</a:t>
             </a:fld>
             <a:endParaRPr lang="tr-TR"/>
           </a:p>
@@ -2743,7 +2743,7 @@
           <a:p>
             <a:fld id="{BAB971F1-0A24-473E-8A66-D77E329B588E}" type="datetimeFigureOut">
               <a:rPr lang="tr-TR" smtClean="0"/>
-              <a:t>28.07.2019</a:t>
+              <a:t>7.11.2019</a:t>
             </a:fld>
             <a:endParaRPr lang="tr-TR"/>
           </a:p>
@@ -2856,7 +2856,7 @@
           <a:p>
             <a:fld id="{BAB971F1-0A24-473E-8A66-D77E329B588E}" type="datetimeFigureOut">
               <a:rPr lang="tr-TR" smtClean="0"/>
-              <a:t>28.07.2019</a:t>
+              <a:t>7.11.2019</a:t>
             </a:fld>
             <a:endParaRPr lang="tr-TR"/>
           </a:p>
@@ -3167,7 +3167,7 @@
           <a:p>
             <a:fld id="{BAB971F1-0A24-473E-8A66-D77E329B588E}" type="datetimeFigureOut">
               <a:rPr lang="tr-TR" smtClean="0"/>
-              <a:t>28.07.2019</a:t>
+              <a:t>7.11.2019</a:t>
             </a:fld>
             <a:endParaRPr lang="tr-TR"/>
           </a:p>
@@ -3455,7 +3455,7 @@
           <a:p>
             <a:fld id="{BAB971F1-0A24-473E-8A66-D77E329B588E}" type="datetimeFigureOut">
               <a:rPr lang="tr-TR" smtClean="0"/>
-              <a:t>28.07.2019</a:t>
+              <a:t>7.11.2019</a:t>
             </a:fld>
             <a:endParaRPr lang="tr-TR"/>
           </a:p>
@@ -3696,7 +3696,7 @@
           <a:p>
             <a:fld id="{BAB971F1-0A24-473E-8A66-D77E329B588E}" type="datetimeFigureOut">
               <a:rPr lang="tr-TR" smtClean="0"/>
-              <a:t>28.07.2019</a:t>
+              <a:t>7.11.2019</a:t>
             </a:fld>
             <a:endParaRPr lang="tr-TR"/>
           </a:p>
@@ -4115,10 +4115,10 @@
       </p:grpSpPr>
       <p:pic>
         <p:nvPicPr>
-          <p:cNvPr id="3" name="Resim 2">
-            <a:extLst>
-              <a:ext uri="{FF2B5EF4-FFF2-40B4-BE49-F238E27FC236}">
-                <a16:creationId xmlns:a16="http://schemas.microsoft.com/office/drawing/2014/main" id="{71F9858B-0148-4498-87C1-84E0D6409DEC}"/>
+          <p:cNvPr id="7" name="Resim 6">
+            <a:extLst>
+              <a:ext uri="{FF2B5EF4-FFF2-40B4-BE49-F238E27FC236}">
+                <a16:creationId xmlns:a16="http://schemas.microsoft.com/office/drawing/2014/main" id="{F21ACDA5-4C88-4465-8ED1-B724E9D40CF7}"/>
               </a:ext>
             </a:extLst>
           </p:cNvPr>
@@ -4127,7 +4127,7 @@
           </p:cNvPicPr>
           <p:nvPr/>
         </p:nvPicPr>
-        <p:blipFill rotWithShape="1">
+        <p:blipFill>
           <a:blip r:embed="rId2">
             <a:extLst>
               <a:ext uri="{28A0092B-C50C-407E-A947-70E740481C1C}">
@@ -4135,144 +4135,20 @@
               </a:ext>
             </a:extLst>
           </a:blip>
-          <a:srcRect l="3297" t="12075" r="1683" b="5315"/>
-          <a:stretch/>
+          <a:stretch>
+            <a:fillRect/>
+          </a:stretch>
         </p:blipFill>
         <p:spPr>
           <a:xfrm>
-            <a:off x="0" y="1"/>
-            <a:ext cx="12192000" cy="6858000"/>
+            <a:off x="-76200" y="0"/>
+            <a:ext cx="12344400" cy="6858000"/>
           </a:xfrm>
           <a:prstGeom prst="rect">
             <a:avLst/>
           </a:prstGeom>
         </p:spPr>
       </p:pic>
-      <p:sp>
-        <p:nvSpPr>
-          <p:cNvPr id="4" name="Unvan 1">
-            <a:extLst>
-              <a:ext uri="{FF2B5EF4-FFF2-40B4-BE49-F238E27FC236}">
-                <a16:creationId xmlns:a16="http://schemas.microsoft.com/office/drawing/2014/main" id="{424A21BB-7B81-40BA-B1C9-62E84447A657}"/>
-              </a:ext>
-            </a:extLst>
-          </p:cNvPr>
-          <p:cNvSpPr>
-            <a:spLocks noGrp="1"/>
-          </p:cNvSpPr>
-          <p:nvPr>
-            <p:ph type="ctrTitle"/>
-          </p:nvPr>
-        </p:nvSpPr>
-        <p:spPr>
-          <a:xfrm>
-            <a:off x="2459601" y="2143125"/>
-            <a:ext cx="7247415" cy="2571750"/>
-          </a:xfrm>
-          <a:solidFill>
-            <a:schemeClr val="accent1">
-              <a:lumMod val="75000"/>
-            </a:schemeClr>
-          </a:solidFill>
-          <a:ln w="3175">
-            <a:noFill/>
-          </a:ln>
-          <a:effectLst>
-            <a:outerShdw blurRad="63500" sx="102000" sy="102000" algn="ctr" rotWithShape="0">
-              <a:prstClr val="black">
-                <a:alpha val="40000"/>
-              </a:prstClr>
-            </a:outerShdw>
-          </a:effectLst>
-        </p:spPr>
-        <p:txBody>
-          <a:bodyPr>
-            <a:noAutofit/>
-          </a:bodyPr>
-          <a:lstStyle/>
-          <a:p>
-            <a:r>
-              <a:rPr lang="tr-TR" sz="4200" b="1" dirty="0">
-                <a:solidFill>
-                  <a:schemeClr val="accent4">
-                    <a:lumMod val="60000"/>
-                    <a:lumOff val="40000"/>
-                  </a:schemeClr>
-                </a:solidFill>
-                <a:latin typeface="Roboto"/>
-                <a:ea typeface="+mn-ea"/>
-                <a:cs typeface="+mn-cs"/>
-              </a:rPr>
-              <a:t>Machine Learning </a:t>
-            </a:r>
-            <a:br>
-              <a:rPr lang="tr-TR" sz="4200" b="1" dirty="0">
-                <a:solidFill>
-                  <a:schemeClr val="accent4">
-                    <a:lumMod val="60000"/>
-                    <a:lumOff val="40000"/>
-                  </a:schemeClr>
-                </a:solidFill>
-                <a:latin typeface="Roboto"/>
-                <a:ea typeface="+mn-ea"/>
-                <a:cs typeface="+mn-cs"/>
-              </a:rPr>
-            </a:br>
-            <a:r>
-              <a:rPr lang="tr-TR" sz="4200" b="1" dirty="0" err="1">
-                <a:solidFill>
-                  <a:schemeClr val="accent4">
-                    <a:lumMod val="60000"/>
-                    <a:lumOff val="40000"/>
-                  </a:schemeClr>
-                </a:solidFill>
-                <a:latin typeface="Roboto"/>
-                <a:ea typeface="+mn-ea"/>
-                <a:cs typeface="+mn-cs"/>
-              </a:rPr>
-              <a:t>with</a:t>
-            </a:r>
-            <a:r>
-              <a:rPr lang="tr-TR" sz="4200" b="1" dirty="0">
-                <a:solidFill>
-                  <a:schemeClr val="accent4">
-                    <a:lumMod val="60000"/>
-                    <a:lumOff val="40000"/>
-                  </a:schemeClr>
-                </a:solidFill>
-                <a:latin typeface="Roboto"/>
-                <a:ea typeface="+mn-ea"/>
-                <a:cs typeface="+mn-cs"/>
-              </a:rPr>
-              <a:t> Python</a:t>
-            </a:r>
-            <a:br>
-              <a:rPr lang="tr-TR" sz="4200" b="1" dirty="0">
-                <a:solidFill>
-                  <a:schemeClr val="accent4">
-                    <a:lumMod val="60000"/>
-                    <a:lumOff val="40000"/>
-                  </a:schemeClr>
-                </a:solidFill>
-                <a:latin typeface="Roboto"/>
-                <a:ea typeface="+mn-ea"/>
-                <a:cs typeface="+mn-cs"/>
-              </a:rPr>
-            </a:br>
-            <a:endParaRPr lang="en-US" sz="4200" b="1" dirty="0">
-              <a:solidFill>
-                <a:schemeClr val="accent4">
-                  <a:lumMod val="60000"/>
-                  <a:lumOff val="40000"/>
-                </a:schemeClr>
-              </a:solidFill>
-              <a:latin typeface="Roboto"/>
-              <a:ea typeface="+mn-ea"/>
-              <a:cs typeface="+mn-cs"/>
-            </a:endParaRPr>
-          </a:p>
-        </p:txBody>
-      </p:sp>
     </p:spTree>
     <p:extLst>
       <p:ext uri="{BB962C8B-B14F-4D97-AF65-F5344CB8AC3E}">
@@ -7442,7 +7318,7 @@
         <p:spPr>
           <a:xfrm>
             <a:off x="2825013" y="1606590"/>
-            <a:ext cx="7964129" cy="3584379"/>
+            <a:ext cx="7964129" cy="4600042"/>
           </a:xfrm>
           <a:prstGeom prst="rect">
             <a:avLst/>
@@ -7573,6 +7449,45 @@
               </a:rPr>
               <a:t>	Tarım ve Kredi Kooperatifleri Birliği</a:t>
             </a:r>
+          </a:p>
+          <a:p>
+            <a:pPr marL="365125" indent="-365125" defTabSz="365125">
+              <a:lnSpc>
+                <a:spcPct val="150000"/>
+              </a:lnSpc>
+              <a:buFont typeface="+mj-lt"/>
+              <a:buAutoNum type="arabicPeriod"/>
+              <a:tabLst>
+                <a:tab pos="449263" algn="l"/>
+              </a:tabLst>
+            </a:pPr>
+            <a:r>
+              <a:rPr lang="tr-TR" sz="2200" dirty="0">
+                <a:latin typeface="Roboto"/>
+              </a:rPr>
+              <a:t>Hacettepe Üniversitesi</a:t>
+            </a:r>
+          </a:p>
+          <a:p>
+            <a:pPr marL="365125" indent="-365125" defTabSz="365125">
+              <a:lnSpc>
+                <a:spcPct val="150000"/>
+              </a:lnSpc>
+              <a:buFont typeface="+mj-lt"/>
+              <a:buAutoNum type="arabicPeriod"/>
+              <a:tabLst>
+                <a:tab pos="449263" algn="l"/>
+              </a:tabLst>
+            </a:pPr>
+            <a:r>
+              <a:rPr lang="tr-TR" sz="2200">
+                <a:latin typeface="Roboto"/>
+              </a:rPr>
+              <a:t>Amadeus</a:t>
+            </a:r>
+            <a:endParaRPr lang="tr-TR" sz="2200" dirty="0">
+              <a:latin typeface="Roboto"/>
+            </a:endParaRPr>
           </a:p>
           <a:p>
             <a:pPr marL="457200" indent="-457200">

--- a/opening_remarks.pptx
+++ b/opening_remarks.pptx
@@ -1046,7 +1046,7 @@
           <a:p>
             <a:fld id="{BAB971F1-0A24-473E-8A66-D77E329B588E}" type="datetimeFigureOut">
               <a:rPr lang="tr-TR" smtClean="0"/>
-              <a:t>7.11.2019</a:t>
+              <a:t>8.11.2019</a:t>
             </a:fld>
             <a:endParaRPr lang="tr-TR"/>
           </a:p>
@@ -1244,7 +1244,7 @@
           <a:p>
             <a:fld id="{BAB971F1-0A24-473E-8A66-D77E329B588E}" type="datetimeFigureOut">
               <a:rPr lang="tr-TR" smtClean="0"/>
-              <a:t>7.11.2019</a:t>
+              <a:t>8.11.2019</a:t>
             </a:fld>
             <a:endParaRPr lang="tr-TR"/>
           </a:p>
@@ -1452,7 +1452,7 @@
           <a:p>
             <a:fld id="{BAB971F1-0A24-473E-8A66-D77E329B588E}" type="datetimeFigureOut">
               <a:rPr lang="tr-TR" smtClean="0"/>
-              <a:t>7.11.2019</a:t>
+              <a:t>8.11.2019</a:t>
             </a:fld>
             <a:endParaRPr lang="tr-TR"/>
           </a:p>
@@ -1650,7 +1650,7 @@
           <a:p>
             <a:fld id="{BAB971F1-0A24-473E-8A66-D77E329B588E}" type="datetimeFigureOut">
               <a:rPr lang="tr-TR" smtClean="0"/>
-              <a:t>7.11.2019</a:t>
+              <a:t>8.11.2019</a:t>
             </a:fld>
             <a:endParaRPr lang="tr-TR"/>
           </a:p>
@@ -1925,7 +1925,7 @@
           <a:p>
             <a:fld id="{BAB971F1-0A24-473E-8A66-D77E329B588E}" type="datetimeFigureOut">
               <a:rPr lang="tr-TR" smtClean="0"/>
-              <a:t>7.11.2019</a:t>
+              <a:t>8.11.2019</a:t>
             </a:fld>
             <a:endParaRPr lang="tr-TR"/>
           </a:p>
@@ -2190,7 +2190,7 @@
           <a:p>
             <a:fld id="{BAB971F1-0A24-473E-8A66-D77E329B588E}" type="datetimeFigureOut">
               <a:rPr lang="tr-TR" smtClean="0"/>
-              <a:t>7.11.2019</a:t>
+              <a:t>8.11.2019</a:t>
             </a:fld>
             <a:endParaRPr lang="tr-TR"/>
           </a:p>
@@ -2602,7 +2602,7 @@
           <a:p>
             <a:fld id="{BAB971F1-0A24-473E-8A66-D77E329B588E}" type="datetimeFigureOut">
               <a:rPr lang="tr-TR" smtClean="0"/>
-              <a:t>7.11.2019</a:t>
+              <a:t>8.11.2019</a:t>
             </a:fld>
             <a:endParaRPr lang="tr-TR"/>
           </a:p>
@@ -2743,7 +2743,7 @@
           <a:p>
             <a:fld id="{BAB971F1-0A24-473E-8A66-D77E329B588E}" type="datetimeFigureOut">
               <a:rPr lang="tr-TR" smtClean="0"/>
-              <a:t>7.11.2019</a:t>
+              <a:t>8.11.2019</a:t>
             </a:fld>
             <a:endParaRPr lang="tr-TR"/>
           </a:p>
@@ -2856,7 +2856,7 @@
           <a:p>
             <a:fld id="{BAB971F1-0A24-473E-8A66-D77E329B588E}" type="datetimeFigureOut">
               <a:rPr lang="tr-TR" smtClean="0"/>
-              <a:t>7.11.2019</a:t>
+              <a:t>8.11.2019</a:t>
             </a:fld>
             <a:endParaRPr lang="tr-TR"/>
           </a:p>
@@ -3167,7 +3167,7 @@
           <a:p>
             <a:fld id="{BAB971F1-0A24-473E-8A66-D77E329B588E}" type="datetimeFigureOut">
               <a:rPr lang="tr-TR" smtClean="0"/>
-              <a:t>7.11.2019</a:t>
+              <a:t>8.11.2019</a:t>
             </a:fld>
             <a:endParaRPr lang="tr-TR"/>
           </a:p>
@@ -3455,7 +3455,7 @@
           <a:p>
             <a:fld id="{BAB971F1-0A24-473E-8A66-D77E329B588E}" type="datetimeFigureOut">
               <a:rPr lang="tr-TR" smtClean="0"/>
-              <a:t>7.11.2019</a:t>
+              <a:t>8.11.2019</a:t>
             </a:fld>
             <a:endParaRPr lang="tr-TR"/>
           </a:p>
@@ -3696,7 +3696,7 @@
           <a:p>
             <a:fld id="{BAB971F1-0A24-473E-8A66-D77E329B588E}" type="datetimeFigureOut">
               <a:rPr lang="tr-TR" smtClean="0"/>
-              <a:t>7.11.2019</a:t>
+              <a:t>8.11.2019</a:t>
             </a:fld>
             <a:endParaRPr lang="tr-TR"/>
           </a:p>
@@ -7964,7 +7964,7 @@
               <a:rPr lang="tr-TR" sz="3200" dirty="0">
                 <a:latin typeface="Roboto"/>
               </a:rPr>
-              <a:t>Öğleden Önce	: 09:00 – 13:00</a:t>
+              <a:t>Öğleden Önce	: 09:30 – 13:00</a:t>
             </a:r>
           </a:p>
           <a:p>
@@ -7992,7 +7992,7 @@
               <a:rPr lang="tr-TR" sz="3200" dirty="0">
                 <a:latin typeface="Roboto"/>
               </a:rPr>
-              <a:t>Öğleden Sonra	: 14:00 – 17:00</a:t>
+              <a:t>Öğleden Sonra	: 14:00 – 16:30</a:t>
             </a:r>
           </a:p>
         </p:txBody>
@@ -9799,7 +9799,7 @@
               <a:buAutoNum type="arabicPeriod"/>
             </a:pPr>
             <a:r>
-              <a:rPr lang="tr-TR" sz="2200" dirty="0">
+              <a:rPr lang="tr-TR" sz="2200" b="1" dirty="0">
                 <a:latin typeface="Roboto"/>
               </a:rPr>
               <a:t>Makine öğrenmesi temel kavramlarını öğrenmek ve hangi problemin nasıl çözüleceği kavramak</a:t>
@@ -9884,7 +9884,7 @@
               <a:rPr lang="tr-TR" sz="2200" dirty="0">
                 <a:latin typeface="Roboto"/>
               </a:rPr>
-              <a:t>Deri öğrenme temel kavramlarını öğrenmek</a:t>
+              <a:t>Derin öğrenme temel kavramlarını öğrenmek</a:t>
             </a:r>
           </a:p>
         </p:txBody>

--- a/opening_remarks.pptx
+++ b/opening_remarks.pptx
@@ -1046,7 +1046,7 @@
           <a:p>
             <a:fld id="{BAB971F1-0A24-473E-8A66-D77E329B588E}" type="datetimeFigureOut">
               <a:rPr lang="tr-TR" smtClean="0"/>
-              <a:t>8.11.2019</a:t>
+              <a:t>17.11.2019</a:t>
             </a:fld>
             <a:endParaRPr lang="tr-TR"/>
           </a:p>
@@ -1244,7 +1244,7 @@
           <a:p>
             <a:fld id="{BAB971F1-0A24-473E-8A66-D77E329B588E}" type="datetimeFigureOut">
               <a:rPr lang="tr-TR" smtClean="0"/>
-              <a:t>8.11.2019</a:t>
+              <a:t>17.11.2019</a:t>
             </a:fld>
             <a:endParaRPr lang="tr-TR"/>
           </a:p>
@@ -1452,7 +1452,7 @@
           <a:p>
             <a:fld id="{BAB971F1-0A24-473E-8A66-D77E329B588E}" type="datetimeFigureOut">
               <a:rPr lang="tr-TR" smtClean="0"/>
-              <a:t>8.11.2019</a:t>
+              <a:t>17.11.2019</a:t>
             </a:fld>
             <a:endParaRPr lang="tr-TR"/>
           </a:p>
@@ -1650,7 +1650,7 @@
           <a:p>
             <a:fld id="{BAB971F1-0A24-473E-8A66-D77E329B588E}" type="datetimeFigureOut">
               <a:rPr lang="tr-TR" smtClean="0"/>
-              <a:t>8.11.2019</a:t>
+              <a:t>17.11.2019</a:t>
             </a:fld>
             <a:endParaRPr lang="tr-TR"/>
           </a:p>
@@ -1925,7 +1925,7 @@
           <a:p>
             <a:fld id="{BAB971F1-0A24-473E-8A66-D77E329B588E}" type="datetimeFigureOut">
               <a:rPr lang="tr-TR" smtClean="0"/>
-              <a:t>8.11.2019</a:t>
+              <a:t>17.11.2019</a:t>
             </a:fld>
             <a:endParaRPr lang="tr-TR"/>
           </a:p>
@@ -2190,7 +2190,7 @@
           <a:p>
             <a:fld id="{BAB971F1-0A24-473E-8A66-D77E329B588E}" type="datetimeFigureOut">
               <a:rPr lang="tr-TR" smtClean="0"/>
-              <a:t>8.11.2019</a:t>
+              <a:t>17.11.2019</a:t>
             </a:fld>
             <a:endParaRPr lang="tr-TR"/>
           </a:p>
@@ -2602,7 +2602,7 @@
           <a:p>
             <a:fld id="{BAB971F1-0A24-473E-8A66-D77E329B588E}" type="datetimeFigureOut">
               <a:rPr lang="tr-TR" smtClean="0"/>
-              <a:t>8.11.2019</a:t>
+              <a:t>17.11.2019</a:t>
             </a:fld>
             <a:endParaRPr lang="tr-TR"/>
           </a:p>
@@ -2743,7 +2743,7 @@
           <a:p>
             <a:fld id="{BAB971F1-0A24-473E-8A66-D77E329B588E}" type="datetimeFigureOut">
               <a:rPr lang="tr-TR" smtClean="0"/>
-              <a:t>8.11.2019</a:t>
+              <a:t>17.11.2019</a:t>
             </a:fld>
             <a:endParaRPr lang="tr-TR"/>
           </a:p>
@@ -2856,7 +2856,7 @@
           <a:p>
             <a:fld id="{BAB971F1-0A24-473E-8A66-D77E329B588E}" type="datetimeFigureOut">
               <a:rPr lang="tr-TR" smtClean="0"/>
-              <a:t>8.11.2019</a:t>
+              <a:t>17.11.2019</a:t>
             </a:fld>
             <a:endParaRPr lang="tr-TR"/>
           </a:p>
@@ -3167,7 +3167,7 @@
           <a:p>
             <a:fld id="{BAB971F1-0A24-473E-8A66-D77E329B588E}" type="datetimeFigureOut">
               <a:rPr lang="tr-TR" smtClean="0"/>
-              <a:t>8.11.2019</a:t>
+              <a:t>17.11.2019</a:t>
             </a:fld>
             <a:endParaRPr lang="tr-TR"/>
           </a:p>
@@ -3455,7 +3455,7 @@
           <a:p>
             <a:fld id="{BAB971F1-0A24-473E-8A66-D77E329B588E}" type="datetimeFigureOut">
               <a:rPr lang="tr-TR" smtClean="0"/>
-              <a:t>8.11.2019</a:t>
+              <a:t>17.11.2019</a:t>
             </a:fld>
             <a:endParaRPr lang="tr-TR"/>
           </a:p>
@@ -3696,7 +3696,7 @@
           <a:p>
             <a:fld id="{BAB971F1-0A24-473E-8A66-D77E329B588E}" type="datetimeFigureOut">
               <a:rPr lang="tr-TR" smtClean="0"/>
-              <a:t>8.11.2019</a:t>
+              <a:t>17.11.2019</a:t>
             </a:fld>
             <a:endParaRPr lang="tr-TR"/>
           </a:p>
@@ -4115,10 +4115,10 @@
       </p:grpSpPr>
       <p:pic>
         <p:nvPicPr>
-          <p:cNvPr id="7" name="Resim 6">
-            <a:extLst>
-              <a:ext uri="{FF2B5EF4-FFF2-40B4-BE49-F238E27FC236}">
-                <a16:creationId xmlns:a16="http://schemas.microsoft.com/office/drawing/2014/main" id="{F21ACDA5-4C88-4465-8ED1-B724E9D40CF7}"/>
+          <p:cNvPr id="3" name="Resim 2">
+            <a:extLst>
+              <a:ext uri="{FF2B5EF4-FFF2-40B4-BE49-F238E27FC236}">
+                <a16:creationId xmlns:a16="http://schemas.microsoft.com/office/drawing/2014/main" id="{7E8AA50D-E304-49A4-A2B5-7D4D830230C3}"/>
               </a:ext>
             </a:extLst>
           </p:cNvPr>
@@ -4127,7 +4127,7 @@
           </p:cNvPicPr>
           <p:nvPr/>
         </p:nvPicPr>
-        <p:blipFill>
+        <p:blipFill rotWithShape="1">
           <a:blip r:embed="rId2">
             <a:extLst>
               <a:ext uri="{28A0092B-C50C-407E-A947-70E740481C1C}">
@@ -4135,14 +4135,13 @@
               </a:ext>
             </a:extLst>
           </a:blip>
-          <a:stretch>
-            <a:fillRect/>
-          </a:stretch>
+          <a:srcRect l="618" r="618"/>
+          <a:stretch/>
         </p:blipFill>
         <p:spPr>
           <a:xfrm>
-            <a:off x="-76200" y="0"/>
-            <a:ext cx="12344400" cy="6858000"/>
+            <a:off x="0" y="0"/>
+            <a:ext cx="12192000" cy="6858000"/>
           </a:xfrm>
           <a:prstGeom prst="rect">
             <a:avLst/>
